--- a/Virtualium_Ride.pptx
+++ b/Virtualium_Ride.pptx
@@ -1,47 +1,47 @@
 
 <file path=ppt/presentation.xml><?xml version="1.0" encoding="utf-8"?>
-<p:presentation xmlns:a="http://schemas.openxmlformats.org/drawingml/2006/main" xmlns:r="http://schemas.openxmlformats.org/officeDocument/2006/relationships" xmlns:mc="http://schemas.openxmlformats.org/markup-compatibility/2006" xmlns:mv="urn:schemas-microsoft-com:mac:vml" xmlns:p="http://schemas.openxmlformats.org/presentationml/2006/main" xmlns:c="http://schemas.openxmlformats.org/drawingml/2006/chart" xmlns:dgm="http://schemas.openxmlformats.org/drawingml/2006/diagram" xmlns:o="urn:schemas-microsoft-com:office:office" xmlns:v="urn:schemas-microsoft-com:vml" xmlns:pvml="urn:schemas-microsoft-com:office:powerpoint" xmlns:com="http://schemas.openxmlformats.org/drawingml/2006/compatibility" xmlns:p14="http://schemas.microsoft.com/office/powerpoint/2010/main" xmlns:p15="http://schemas.microsoft.com/office/powerpoint/2012/main" xmlns:ahyp="http://schemas.microsoft.com/office/drawing/2018/hyperlinkcolor" autoCompressPictures="0" embedTrueTypeFonts="1" strictFirstAndLastChars="0" saveSubsetFonts="1">
+<p:presentation xmlns:a="http://schemas.openxmlformats.org/drawingml/2006/main" xmlns:r="http://schemas.openxmlformats.org/officeDocument/2006/relationships" xmlns:p="http://schemas.openxmlformats.org/presentationml/2006/main" strictFirstAndLastChars="0" embedTrueTypeFonts="1" saveSubsetFonts="1" autoCompressPictures="0">
   <p:sldMasterIdLst>
-    <p:sldMasterId id="2147483659" r:id="rId4"/>
+    <p:sldMasterId id="2147483659" r:id="rId1"/>
   </p:sldMasterIdLst>
   <p:notesMasterIdLst>
-    <p:notesMasterId r:id="rId5"/>
+    <p:notesMasterId r:id="rId15"/>
   </p:notesMasterIdLst>
   <p:sldIdLst>
-    <p:sldId id="256" r:id="rId6"/>
-    <p:sldId id="257" r:id="rId7"/>
-    <p:sldId id="258" r:id="rId8"/>
-    <p:sldId id="259" r:id="rId9"/>
-    <p:sldId id="260" r:id="rId10"/>
-    <p:sldId id="261" r:id="rId11"/>
-    <p:sldId id="262" r:id="rId12"/>
-    <p:sldId id="263" r:id="rId13"/>
-    <p:sldId id="264" r:id="rId14"/>
-    <p:sldId id="265" r:id="rId15"/>
-    <p:sldId id="266" r:id="rId16"/>
-    <p:sldId id="267" r:id="rId17"/>
-    <p:sldId id="268" r:id="rId18"/>
+    <p:sldId id="256" r:id="rId2"/>
+    <p:sldId id="257" r:id="rId3"/>
+    <p:sldId id="258" r:id="rId4"/>
+    <p:sldId id="259" r:id="rId5"/>
+    <p:sldId id="260" r:id="rId6"/>
+    <p:sldId id="261" r:id="rId7"/>
+    <p:sldId id="262" r:id="rId8"/>
+    <p:sldId id="263" r:id="rId9"/>
+    <p:sldId id="264" r:id="rId10"/>
+    <p:sldId id="265" r:id="rId11"/>
+    <p:sldId id="266" r:id="rId12"/>
+    <p:sldId id="267" r:id="rId13"/>
+    <p:sldId id="268" r:id="rId14"/>
   </p:sldIdLst>
-  <p:sldSz cy="5143500" cx="9144000"/>
+  <p:sldSz cx="9144000" cy="5143500" type="screen16x9"/>
   <p:notesSz cx="6858000" cy="9144000"/>
   <p:embeddedFontLst>
     <p:embeddedFont>
-      <p:font typeface="Montserrat"/>
-      <p:regular r:id="rId19"/>
-      <p:bold r:id="rId20"/>
-      <p:italic r:id="rId21"/>
-      <p:boldItalic r:id="rId22"/>
+      <p:font typeface="Lato" panose="020F0502020204030203" pitchFamily="34" charset="0"/>
+      <p:regular r:id="rId16"/>
+      <p:bold r:id="rId17"/>
+      <p:italic r:id="rId18"/>
+      <p:boldItalic r:id="rId19"/>
     </p:embeddedFont>
     <p:embeddedFont>
-      <p:font typeface="Lato"/>
-      <p:regular r:id="rId23"/>
-      <p:bold r:id="rId24"/>
-      <p:italic r:id="rId25"/>
-      <p:boldItalic r:id="rId26"/>
+      <p:font typeface="Montserrat" panose="00000500000000000000" pitchFamily="2" charset="0"/>
+      <p:regular r:id="rId20"/>
+      <p:bold r:id="rId21"/>
+      <p:italic r:id="rId22"/>
+      <p:boldItalic r:id="rId23"/>
     </p:embeddedFont>
   </p:embeddedFontLst>
   <p:defaultTextStyle>
-    <a:defPPr lvl="0" marR="0" rtl="0" algn="l">
+    <a:defPPr marR="0" lvl="0" algn="l" rtl="0">
       <a:lnSpc>
         <a:spcPct val="100000"/>
       </a:lnSpc>
@@ -52,7 +52,7 @@
         <a:spcPts val="0"/>
       </a:spcAft>
     </a:defPPr>
-    <a:lvl1pPr lvl="0" marR="0" rtl="0" algn="l">
+    <a:lvl1pPr marR="0" lvl="0" algn="l" rtl="0">
       <a:lnSpc>
         <a:spcPct val="100000"/>
       </a:lnSpc>
@@ -66,7 +66,7 @@
         <a:srgbClr val="000000"/>
       </a:buClr>
       <a:buFont typeface="Arial"/>
-      <a:defRPr b="0" i="0" sz="1400" u="none" cap="none" strike="noStrike">
+      <a:defRPr sz="1400" b="0" i="0" u="none" strike="noStrike" cap="none">
         <a:solidFill>
           <a:srgbClr val="000000"/>
         </a:solidFill>
@@ -76,7 +76,7 @@
         <a:sym typeface="Arial"/>
       </a:defRPr>
     </a:lvl1pPr>
-    <a:lvl2pPr lvl="1" marR="0" rtl="0" algn="l">
+    <a:lvl2pPr marR="0" lvl="1" algn="l" rtl="0">
       <a:lnSpc>
         <a:spcPct val="100000"/>
       </a:lnSpc>
@@ -90,7 +90,7 @@
         <a:srgbClr val="000000"/>
       </a:buClr>
       <a:buFont typeface="Arial"/>
-      <a:defRPr b="0" i="0" sz="1400" u="none" cap="none" strike="noStrike">
+      <a:defRPr sz="1400" b="0" i="0" u="none" strike="noStrike" cap="none">
         <a:solidFill>
           <a:srgbClr val="000000"/>
         </a:solidFill>
@@ -100,7 +100,7 @@
         <a:sym typeface="Arial"/>
       </a:defRPr>
     </a:lvl2pPr>
-    <a:lvl3pPr lvl="2" marR="0" rtl="0" algn="l">
+    <a:lvl3pPr marR="0" lvl="2" algn="l" rtl="0">
       <a:lnSpc>
         <a:spcPct val="100000"/>
       </a:lnSpc>
@@ -114,7 +114,7 @@
         <a:srgbClr val="000000"/>
       </a:buClr>
       <a:buFont typeface="Arial"/>
-      <a:defRPr b="0" i="0" sz="1400" u="none" cap="none" strike="noStrike">
+      <a:defRPr sz="1400" b="0" i="0" u="none" strike="noStrike" cap="none">
         <a:solidFill>
           <a:srgbClr val="000000"/>
         </a:solidFill>
@@ -124,7 +124,7 @@
         <a:sym typeface="Arial"/>
       </a:defRPr>
     </a:lvl3pPr>
-    <a:lvl4pPr lvl="3" marR="0" rtl="0" algn="l">
+    <a:lvl4pPr marR="0" lvl="3" algn="l" rtl="0">
       <a:lnSpc>
         <a:spcPct val="100000"/>
       </a:lnSpc>
@@ -138,7 +138,7 @@
         <a:srgbClr val="000000"/>
       </a:buClr>
       <a:buFont typeface="Arial"/>
-      <a:defRPr b="0" i="0" sz="1400" u="none" cap="none" strike="noStrike">
+      <a:defRPr sz="1400" b="0" i="0" u="none" strike="noStrike" cap="none">
         <a:solidFill>
           <a:srgbClr val="000000"/>
         </a:solidFill>
@@ -148,7 +148,7 @@
         <a:sym typeface="Arial"/>
       </a:defRPr>
     </a:lvl4pPr>
-    <a:lvl5pPr lvl="4" marR="0" rtl="0" algn="l">
+    <a:lvl5pPr marR="0" lvl="4" algn="l" rtl="0">
       <a:lnSpc>
         <a:spcPct val="100000"/>
       </a:lnSpc>
@@ -162,7 +162,7 @@
         <a:srgbClr val="000000"/>
       </a:buClr>
       <a:buFont typeface="Arial"/>
-      <a:defRPr b="0" i="0" sz="1400" u="none" cap="none" strike="noStrike">
+      <a:defRPr sz="1400" b="0" i="0" u="none" strike="noStrike" cap="none">
         <a:solidFill>
           <a:srgbClr val="000000"/>
         </a:solidFill>
@@ -172,7 +172,7 @@
         <a:sym typeface="Arial"/>
       </a:defRPr>
     </a:lvl5pPr>
-    <a:lvl6pPr lvl="5" marR="0" rtl="0" algn="l">
+    <a:lvl6pPr marR="0" lvl="5" algn="l" rtl="0">
       <a:lnSpc>
         <a:spcPct val="100000"/>
       </a:lnSpc>
@@ -186,7 +186,7 @@
         <a:srgbClr val="000000"/>
       </a:buClr>
       <a:buFont typeface="Arial"/>
-      <a:defRPr b="0" i="0" sz="1400" u="none" cap="none" strike="noStrike">
+      <a:defRPr sz="1400" b="0" i="0" u="none" strike="noStrike" cap="none">
         <a:solidFill>
           <a:srgbClr val="000000"/>
         </a:solidFill>
@@ -196,7 +196,7 @@
         <a:sym typeface="Arial"/>
       </a:defRPr>
     </a:lvl6pPr>
-    <a:lvl7pPr lvl="6" marR="0" rtl="0" algn="l">
+    <a:lvl7pPr marR="0" lvl="6" algn="l" rtl="0">
       <a:lnSpc>
         <a:spcPct val="100000"/>
       </a:lnSpc>
@@ -210,7 +210,7 @@
         <a:srgbClr val="000000"/>
       </a:buClr>
       <a:buFont typeface="Arial"/>
-      <a:defRPr b="0" i="0" sz="1400" u="none" cap="none" strike="noStrike">
+      <a:defRPr sz="1400" b="0" i="0" u="none" strike="noStrike" cap="none">
         <a:solidFill>
           <a:srgbClr val="000000"/>
         </a:solidFill>
@@ -220,7 +220,7 @@
         <a:sym typeface="Arial"/>
       </a:defRPr>
     </a:lvl7pPr>
-    <a:lvl8pPr lvl="7" marR="0" rtl="0" algn="l">
+    <a:lvl8pPr marR="0" lvl="7" algn="l" rtl="0">
       <a:lnSpc>
         <a:spcPct val="100000"/>
       </a:lnSpc>
@@ -234,7 +234,7 @@
         <a:srgbClr val="000000"/>
       </a:buClr>
       <a:buFont typeface="Arial"/>
-      <a:defRPr b="0" i="0" sz="1400" u="none" cap="none" strike="noStrike">
+      <a:defRPr sz="1400" b="0" i="0" u="none" strike="noStrike" cap="none">
         <a:solidFill>
           <a:srgbClr val="000000"/>
         </a:solidFill>
@@ -244,7 +244,7 @@
         <a:sym typeface="Arial"/>
       </a:defRPr>
     </a:lvl8pPr>
-    <a:lvl9pPr lvl="8" marR="0" rtl="0" algn="l">
+    <a:lvl9pPr marR="0" lvl="8" algn="l" rtl="0">
       <a:lnSpc>
         <a:spcPct val="100000"/>
       </a:lnSpc>
@@ -258,7 +258,7 @@
         <a:srgbClr val="000000"/>
       </a:buClr>
       <a:buFont typeface="Arial"/>
-      <a:defRPr b="0" i="0" sz="1400" u="none" cap="none" strike="noStrike">
+      <a:defRPr sz="1400" b="0" i="0" u="none" strike="noStrike" cap="none">
         <a:solidFill>
           <a:srgbClr val="000000"/>
         </a:solidFill>
@@ -271,7 +271,7 @@
   </p:defaultTextStyle>
   <p:extLst>
     <p:ext uri="{EFAFB233-063F-42B5-8137-9DF3F51BA10A}">
-      <p15:sldGuideLst>
+      <p15:sldGuideLst xmlns:p15="http://schemas.microsoft.com/office/powerpoint/2012/main">
         <p15:guide id="1" orient="horz" pos="1620">
           <p15:clr>
             <a:srgbClr val="A4A3A4"/>
@@ -289,11 +289,16 @@
 </file>
 
 <file path=ppt/notesMasters/notesMaster1.xml><?xml version="1.0" encoding="utf-8"?>
-<p:notesMaster xmlns:a="http://schemas.openxmlformats.org/drawingml/2006/main" xmlns:r="http://schemas.openxmlformats.org/officeDocument/2006/relationships" xmlns:mc="http://schemas.openxmlformats.org/markup-compatibility/2006" xmlns:mv="urn:schemas-microsoft-com:mac:vml" xmlns:p="http://schemas.openxmlformats.org/presentationml/2006/main" xmlns:c="http://schemas.openxmlformats.org/drawingml/2006/chart" xmlns:dgm="http://schemas.openxmlformats.org/drawingml/2006/diagram" xmlns:o="urn:schemas-microsoft-com:office:office" xmlns:v="urn:schemas-microsoft-com:vml" xmlns:pvml="urn:schemas-microsoft-com:office:powerpoint" xmlns:com="http://schemas.openxmlformats.org/drawingml/2006/compatibility" xmlns:p14="http://schemas.microsoft.com/office/powerpoint/2010/main" xmlns:p15="http://schemas.microsoft.com/office/powerpoint/2012/main" xmlns:ahyp="http://schemas.microsoft.com/office/drawing/2018/hyperlinkcolor">
+<p:notesMaster xmlns:a="http://schemas.openxmlformats.org/drawingml/2006/main" xmlns:r="http://schemas.openxmlformats.org/officeDocument/2006/relationships" xmlns:p="http://schemas.openxmlformats.org/presentationml/2006/main">
   <p:cSld>
+    <p:bg>
+      <p:bgRef idx="1001">
+        <a:schemeClr val="bg1"/>
+      </p:bgRef>
+    </p:bg>
     <p:spTree>
       <p:nvGrpSpPr>
-        <p:cNvPr id="2" name="Shape 2"/>
+        <p:cNvPr id="1" name="Shape 2"/>
         <p:cNvGrpSpPr/>
         <p:nvPr/>
       </p:nvGrpSpPr>
@@ -308,9 +313,11 @@
       <p:sp>
         <p:nvSpPr>
           <p:cNvPr id="3" name="Google Shape;3;n"/>
-          <p:cNvSpPr/>
+          <p:cNvSpPr>
+            <a:spLocks noGrp="1" noRot="1" noChangeAspect="1"/>
+          </p:cNvSpPr>
           <p:nvPr>
-            <p:ph idx="2" type="sldImg"/>
+            <p:ph type="sldImg" idx="2"/>
           </p:nvPr>
         </p:nvSpPr>
         <p:spPr>
@@ -319,9 +326,13 @@
             <a:ext cx="6096075" cy="3429000"/>
           </a:xfrm>
           <a:custGeom>
-            <a:rect b="b" l="l" r="r" t="t"/>
+            <a:avLst/>
+            <a:gdLst/>
+            <a:ahLst/>
+            <a:cxnLst/>
+            <a:rect l="l" t="t" r="r" b="b"/>
             <a:pathLst>
-              <a:path extrusionOk="0" h="120000" w="120000">
+              <a:path w="120000" h="120000" extrusionOk="0">
                 <a:moveTo>
                   <a:pt x="0" y="0"/>
                 </a:moveTo>
@@ -339,23 +350,25 @@
             </a:pathLst>
           </a:custGeom>
           <a:noFill/>
-          <a:ln cap="flat" cmpd="sng" w="9525">
+          <a:ln w="9525" cap="flat" cmpd="sng">
             <a:solidFill>
               <a:srgbClr val="000000"/>
             </a:solidFill>
             <a:prstDash val="solid"/>
             <a:round/>
-            <a:headEnd len="sm" w="sm" type="none"/>
-            <a:tailEnd len="sm" w="sm" type="none"/>
+            <a:headEnd type="none" w="sm" len="sm"/>
+            <a:tailEnd type="none" w="sm" len="sm"/>
           </a:ln>
         </p:spPr>
       </p:sp>
       <p:sp>
         <p:nvSpPr>
           <p:cNvPr id="4" name="Google Shape;4;n"/>
-          <p:cNvSpPr txBox="1"/>
+          <p:cNvSpPr txBox="1">
+            <a:spLocks noGrp="1"/>
+          </p:cNvSpPr>
           <p:nvPr>
-            <p:ph idx="1" type="body"/>
+            <p:ph type="body" idx="1"/>
           </p:nvPr>
         </p:nvSpPr>
         <p:spPr>
@@ -372,11 +385,11 @@
           </a:ln>
         </p:spPr>
         <p:txBody>
-          <a:bodyPr anchorCtr="0" anchor="t" bIns="91425" lIns="91425" spcFirstLastPara="1" rIns="91425" wrap="square" tIns="91425">
+          <a:bodyPr spcFirstLastPara="1" wrap="square" lIns="91425" tIns="91425" rIns="91425" bIns="91425" anchor="t" anchorCtr="0">
             <a:noAutofit/>
           </a:bodyPr>
           <a:lstStyle>
-            <a:lvl1pPr indent="-298450" lvl="0" marL="457200">
+            <a:lvl1pPr marL="457200" lvl="0" indent="-298450">
               <a:spcBef>
                 <a:spcPts val="0"/>
               </a:spcBef>
@@ -387,7 +400,7 @@
               <a:buChar char="●"/>
               <a:defRPr sz="1100"/>
             </a:lvl1pPr>
-            <a:lvl2pPr indent="-298450" lvl="1" marL="914400">
+            <a:lvl2pPr marL="914400" lvl="1" indent="-298450">
               <a:spcBef>
                 <a:spcPts val="0"/>
               </a:spcBef>
@@ -398,7 +411,7 @@
               <a:buChar char="○"/>
               <a:defRPr sz="1100"/>
             </a:lvl2pPr>
-            <a:lvl3pPr indent="-298450" lvl="2" marL="1371600">
+            <a:lvl3pPr marL="1371600" lvl="2" indent="-298450">
               <a:spcBef>
                 <a:spcPts val="0"/>
               </a:spcBef>
@@ -409,7 +422,7 @@
               <a:buChar char="■"/>
               <a:defRPr sz="1100"/>
             </a:lvl3pPr>
-            <a:lvl4pPr indent="-298450" lvl="3" marL="1828800">
+            <a:lvl4pPr marL="1828800" lvl="3" indent="-298450">
               <a:spcBef>
                 <a:spcPts val="0"/>
               </a:spcBef>
@@ -420,7 +433,7 @@
               <a:buChar char="●"/>
               <a:defRPr sz="1100"/>
             </a:lvl4pPr>
-            <a:lvl5pPr indent="-298450" lvl="4" marL="2286000">
+            <a:lvl5pPr marL="2286000" lvl="4" indent="-298450">
               <a:spcBef>
                 <a:spcPts val="0"/>
               </a:spcBef>
@@ -431,7 +444,7 @@
               <a:buChar char="○"/>
               <a:defRPr sz="1100"/>
             </a:lvl5pPr>
-            <a:lvl6pPr indent="-298450" lvl="5" marL="2743200">
+            <a:lvl6pPr marL="2743200" lvl="5" indent="-298450">
               <a:spcBef>
                 <a:spcPts val="0"/>
               </a:spcBef>
@@ -442,7 +455,7 @@
               <a:buChar char="■"/>
               <a:defRPr sz="1100"/>
             </a:lvl6pPr>
-            <a:lvl7pPr indent="-298450" lvl="6" marL="3200400">
+            <a:lvl7pPr marL="3200400" lvl="6" indent="-298450">
               <a:spcBef>
                 <a:spcPts val="0"/>
               </a:spcBef>
@@ -453,7 +466,7 @@
               <a:buChar char="●"/>
               <a:defRPr sz="1100"/>
             </a:lvl7pPr>
-            <a:lvl8pPr indent="-298450" lvl="7" marL="3657600">
+            <a:lvl8pPr marL="3657600" lvl="7" indent="-298450">
               <a:spcBef>
                 <a:spcPts val="0"/>
               </a:spcBef>
@@ -464,7 +477,7 @@
               <a:buChar char="○"/>
               <a:defRPr sz="1100"/>
             </a:lvl8pPr>
-            <a:lvl9pPr indent="-298450" lvl="8" marL="4114800">
+            <a:lvl9pPr marL="4114800" lvl="8" indent="-298450">
               <a:spcBef>
                 <a:spcPts val="0"/>
               </a:spcBef>
@@ -476,14 +489,16 @@
               <a:defRPr sz="1100"/>
             </a:lvl9pPr>
           </a:lstStyle>
-          <a:p/>
+          <a:p>
+            <a:endParaRPr/>
+          </a:p>
         </p:txBody>
       </p:sp>
     </p:spTree>
   </p:cSld>
-  <p:clrMap accent1="accent1" accent2="accent2" accent3="accent3" accent4="accent4" accent5="accent5" accent6="accent6" bg1="lt1" bg2="dk2" tx1="dk1" tx2="lt2" folHlink="folHlink" hlink="hlink"/>
+  <p:clrMap bg1="lt1" tx1="dk1" bg2="dk2" tx2="lt2" accent1="accent1" accent2="accent2" accent3="accent3" accent4="accent4" accent5="accent5" accent6="accent6" hlink="hlink" folHlink="folHlink"/>
   <p:notesStyle>
-    <a:defPPr lvl="0" marR="0" rtl="0" algn="l">
+    <a:defPPr marR="0" lvl="0" algn="l" rtl="0">
       <a:lnSpc>
         <a:spcPct val="100000"/>
       </a:lnSpc>
@@ -494,7 +509,7 @@
         <a:spcPts val="0"/>
       </a:spcAft>
     </a:defPPr>
-    <a:lvl1pPr lvl="0" marR="0" rtl="0" algn="l">
+    <a:lvl1pPr marR="0" lvl="0" algn="l" rtl="0">
       <a:lnSpc>
         <a:spcPct val="100000"/>
       </a:lnSpc>
@@ -508,7 +523,7 @@
         <a:srgbClr val="000000"/>
       </a:buClr>
       <a:buFont typeface="Arial"/>
-      <a:defRPr b="0" i="0" sz="1400" u="none" cap="none" strike="noStrike">
+      <a:defRPr sz="1400" b="0" i="0" u="none" strike="noStrike" cap="none">
         <a:solidFill>
           <a:srgbClr val="000000"/>
         </a:solidFill>
@@ -518,7 +533,7 @@
         <a:sym typeface="Arial"/>
       </a:defRPr>
     </a:lvl1pPr>
-    <a:lvl2pPr lvl="1" marR="0" rtl="0" algn="l">
+    <a:lvl2pPr marR="0" lvl="1" algn="l" rtl="0">
       <a:lnSpc>
         <a:spcPct val="100000"/>
       </a:lnSpc>
@@ -532,7 +547,7 @@
         <a:srgbClr val="000000"/>
       </a:buClr>
       <a:buFont typeface="Arial"/>
-      <a:defRPr b="0" i="0" sz="1400" u="none" cap="none" strike="noStrike">
+      <a:defRPr sz="1400" b="0" i="0" u="none" strike="noStrike" cap="none">
         <a:solidFill>
           <a:srgbClr val="000000"/>
         </a:solidFill>
@@ -542,7 +557,7 @@
         <a:sym typeface="Arial"/>
       </a:defRPr>
     </a:lvl2pPr>
-    <a:lvl3pPr lvl="2" marR="0" rtl="0" algn="l">
+    <a:lvl3pPr marR="0" lvl="2" algn="l" rtl="0">
       <a:lnSpc>
         <a:spcPct val="100000"/>
       </a:lnSpc>
@@ -556,7 +571,7 @@
         <a:srgbClr val="000000"/>
       </a:buClr>
       <a:buFont typeface="Arial"/>
-      <a:defRPr b="0" i="0" sz="1400" u="none" cap="none" strike="noStrike">
+      <a:defRPr sz="1400" b="0" i="0" u="none" strike="noStrike" cap="none">
         <a:solidFill>
           <a:srgbClr val="000000"/>
         </a:solidFill>
@@ -566,7 +581,7 @@
         <a:sym typeface="Arial"/>
       </a:defRPr>
     </a:lvl3pPr>
-    <a:lvl4pPr lvl="3" marR="0" rtl="0" algn="l">
+    <a:lvl4pPr marR="0" lvl="3" algn="l" rtl="0">
       <a:lnSpc>
         <a:spcPct val="100000"/>
       </a:lnSpc>
@@ -580,7 +595,7 @@
         <a:srgbClr val="000000"/>
       </a:buClr>
       <a:buFont typeface="Arial"/>
-      <a:defRPr b="0" i="0" sz="1400" u="none" cap="none" strike="noStrike">
+      <a:defRPr sz="1400" b="0" i="0" u="none" strike="noStrike" cap="none">
         <a:solidFill>
           <a:srgbClr val="000000"/>
         </a:solidFill>
@@ -590,7 +605,7 @@
         <a:sym typeface="Arial"/>
       </a:defRPr>
     </a:lvl4pPr>
-    <a:lvl5pPr lvl="4" marR="0" rtl="0" algn="l">
+    <a:lvl5pPr marR="0" lvl="4" algn="l" rtl="0">
       <a:lnSpc>
         <a:spcPct val="100000"/>
       </a:lnSpc>
@@ -604,7 +619,7 @@
         <a:srgbClr val="000000"/>
       </a:buClr>
       <a:buFont typeface="Arial"/>
-      <a:defRPr b="0" i="0" sz="1400" u="none" cap="none" strike="noStrike">
+      <a:defRPr sz="1400" b="0" i="0" u="none" strike="noStrike" cap="none">
         <a:solidFill>
           <a:srgbClr val="000000"/>
         </a:solidFill>
@@ -614,7 +629,7 @@
         <a:sym typeface="Arial"/>
       </a:defRPr>
     </a:lvl5pPr>
-    <a:lvl6pPr lvl="5" marR="0" rtl="0" algn="l">
+    <a:lvl6pPr marR="0" lvl="5" algn="l" rtl="0">
       <a:lnSpc>
         <a:spcPct val="100000"/>
       </a:lnSpc>
@@ -628,7 +643,7 @@
         <a:srgbClr val="000000"/>
       </a:buClr>
       <a:buFont typeface="Arial"/>
-      <a:defRPr b="0" i="0" sz="1400" u="none" cap="none" strike="noStrike">
+      <a:defRPr sz="1400" b="0" i="0" u="none" strike="noStrike" cap="none">
         <a:solidFill>
           <a:srgbClr val="000000"/>
         </a:solidFill>
@@ -638,7 +653,7 @@
         <a:sym typeface="Arial"/>
       </a:defRPr>
     </a:lvl6pPr>
-    <a:lvl7pPr lvl="6" marR="0" rtl="0" algn="l">
+    <a:lvl7pPr marR="0" lvl="6" algn="l" rtl="0">
       <a:lnSpc>
         <a:spcPct val="100000"/>
       </a:lnSpc>
@@ -652,7 +667,7 @@
         <a:srgbClr val="000000"/>
       </a:buClr>
       <a:buFont typeface="Arial"/>
-      <a:defRPr b="0" i="0" sz="1400" u="none" cap="none" strike="noStrike">
+      <a:defRPr sz="1400" b="0" i="0" u="none" strike="noStrike" cap="none">
         <a:solidFill>
           <a:srgbClr val="000000"/>
         </a:solidFill>
@@ -662,7 +677,7 @@
         <a:sym typeface="Arial"/>
       </a:defRPr>
     </a:lvl7pPr>
-    <a:lvl8pPr lvl="7" marR="0" rtl="0" algn="l">
+    <a:lvl8pPr marR="0" lvl="7" algn="l" rtl="0">
       <a:lnSpc>
         <a:spcPct val="100000"/>
       </a:lnSpc>
@@ -676,7 +691,7 @@
         <a:srgbClr val="000000"/>
       </a:buClr>
       <a:buFont typeface="Arial"/>
-      <a:defRPr b="0" i="0" sz="1400" u="none" cap="none" strike="noStrike">
+      <a:defRPr sz="1400" b="0" i="0" u="none" strike="noStrike" cap="none">
         <a:solidFill>
           <a:srgbClr val="000000"/>
         </a:solidFill>
@@ -686,7 +701,7 @@
         <a:sym typeface="Arial"/>
       </a:defRPr>
     </a:lvl8pPr>
-    <a:lvl9pPr lvl="8" marR="0" rtl="0" algn="l">
+    <a:lvl9pPr marR="0" lvl="8" algn="l" rtl="0">
       <a:lnSpc>
         <a:spcPct val="100000"/>
       </a:lnSpc>
@@ -700,7 +715,7 @@
         <a:srgbClr val="000000"/>
       </a:buClr>
       <a:buFont typeface="Arial"/>
-      <a:defRPr b="0" i="0" sz="1400" u="none" cap="none" strike="noStrike">
+      <a:defRPr sz="1400" b="0" i="0" u="none" strike="noStrike" cap="none">
         <a:solidFill>
           <a:srgbClr val="000000"/>
         </a:solidFill>
@@ -715,11 +730,11 @@
 </file>
 
 <file path=ppt/notesSlides/notesSlide1.xml><?xml version="1.0" encoding="utf-8"?>
-<p:notes xmlns:a="http://schemas.openxmlformats.org/drawingml/2006/main" xmlns:r="http://schemas.openxmlformats.org/officeDocument/2006/relationships" xmlns:mc="http://schemas.openxmlformats.org/markup-compatibility/2006" xmlns:mv="urn:schemas-microsoft-com:mac:vml" xmlns:p="http://schemas.openxmlformats.org/presentationml/2006/main" xmlns:c="http://schemas.openxmlformats.org/drawingml/2006/chart" xmlns:dgm="http://schemas.openxmlformats.org/drawingml/2006/diagram" xmlns:o="urn:schemas-microsoft-com:office:office" xmlns:v="urn:schemas-microsoft-com:vml" xmlns:pvml="urn:schemas-microsoft-com:office:powerpoint" xmlns:com="http://schemas.openxmlformats.org/drawingml/2006/compatibility" xmlns:p14="http://schemas.microsoft.com/office/powerpoint/2010/main" xmlns:p15="http://schemas.microsoft.com/office/powerpoint/2012/main" xmlns:ahyp="http://schemas.microsoft.com/office/drawing/2018/hyperlinkcolor" showMasterPhAnim="0" showMasterSp="0">
+<p:notes xmlns:a="http://schemas.openxmlformats.org/drawingml/2006/main" xmlns:r="http://schemas.openxmlformats.org/officeDocument/2006/relationships" xmlns:p="http://schemas.openxmlformats.org/presentationml/2006/main" showMasterSp="0" showMasterPhAnim="0">
   <p:cSld>
     <p:spTree>
       <p:nvGrpSpPr>
-        <p:cNvPr id="130" name="Shape 130"/>
+        <p:cNvPr id="1" name="Shape 130"/>
         <p:cNvGrpSpPr/>
         <p:nvPr/>
       </p:nvGrpSpPr>
@@ -734,9 +749,11 @@
       <p:sp>
         <p:nvSpPr>
           <p:cNvPr id="131" name="Google Shape;131;p:notes"/>
-          <p:cNvSpPr/>
+          <p:cNvSpPr>
+            <a:spLocks noGrp="1" noRot="1" noChangeAspect="1"/>
+          </p:cNvSpPr>
           <p:nvPr>
-            <p:ph idx="2" type="sldImg"/>
+            <p:ph type="sldImg" idx="2"/>
           </p:nvPr>
         </p:nvSpPr>
         <p:spPr>
@@ -745,9 +762,13 @@
             <a:ext cx="6096075" cy="3429000"/>
           </a:xfrm>
           <a:custGeom>
-            <a:rect b="b" l="l" r="r" t="t"/>
+            <a:avLst/>
+            <a:gdLst/>
+            <a:ahLst/>
+            <a:cxnLst/>
+            <a:rect l="l" t="t" r="r" b="b"/>
             <a:pathLst>
-              <a:path extrusionOk="0" h="120000" w="120000">
+              <a:path w="120000" h="120000" extrusionOk="0">
                 <a:moveTo>
                   <a:pt x="0" y="0"/>
                 </a:moveTo>
@@ -769,9 +790,11 @@
       <p:sp>
         <p:nvSpPr>
           <p:cNvPr id="132" name="Google Shape;132;p:notes"/>
-          <p:cNvSpPr txBox="1"/>
+          <p:cNvSpPr txBox="1">
+            <a:spLocks noGrp="1"/>
+          </p:cNvSpPr>
           <p:nvPr>
-            <p:ph idx="1" type="body"/>
+            <p:ph type="body" idx="1"/>
           </p:nvPr>
         </p:nvSpPr>
         <p:spPr>
@@ -784,12 +807,12 @@
           </a:prstGeom>
         </p:spPr>
         <p:txBody>
-          <a:bodyPr anchorCtr="0" anchor="t" bIns="91425" lIns="91425" spcFirstLastPara="1" rIns="91425" wrap="square" tIns="91425">
+          <a:bodyPr spcFirstLastPara="1" wrap="square" lIns="91425" tIns="91425" rIns="91425" bIns="91425" anchor="t" anchorCtr="0">
             <a:noAutofit/>
           </a:bodyPr>
           <a:lstStyle/>
           <a:p>
-            <a:pPr indent="0" lvl="0" marL="0" rtl="0" algn="l">
+            <a:pPr marL="0" lvl="0" indent="0" algn="l" rtl="0">
               <a:spcBef>
                 <a:spcPts val="0"/>
               </a:spcBef>
@@ -798,9 +821,6 @@
               </a:spcAft>
               <a:buNone/>
             </a:pPr>
-            <a:r>
-              <a:t/>
-            </a:r>
             <a:endParaRPr/>
           </a:p>
         </p:txBody>
@@ -814,11 +834,11 @@
 </file>
 
 <file path=ppt/notesSlides/notesSlide10.xml><?xml version="1.0" encoding="utf-8"?>
-<p:notes xmlns:a="http://schemas.openxmlformats.org/drawingml/2006/main" xmlns:r="http://schemas.openxmlformats.org/officeDocument/2006/relationships" xmlns:mc="http://schemas.openxmlformats.org/markup-compatibility/2006" xmlns:mv="urn:schemas-microsoft-com:mac:vml" xmlns:p="http://schemas.openxmlformats.org/presentationml/2006/main" xmlns:c="http://schemas.openxmlformats.org/drawingml/2006/chart" xmlns:dgm="http://schemas.openxmlformats.org/drawingml/2006/diagram" xmlns:o="urn:schemas-microsoft-com:office:office" xmlns:v="urn:schemas-microsoft-com:vml" xmlns:pvml="urn:schemas-microsoft-com:office:powerpoint" xmlns:com="http://schemas.openxmlformats.org/drawingml/2006/compatibility" xmlns:p14="http://schemas.microsoft.com/office/powerpoint/2010/main" xmlns:p15="http://schemas.microsoft.com/office/powerpoint/2012/main" xmlns:ahyp="http://schemas.microsoft.com/office/drawing/2018/hyperlinkcolor" showMasterPhAnim="0" showMasterSp="0">
+<p:notes xmlns:a="http://schemas.openxmlformats.org/drawingml/2006/main" xmlns:r="http://schemas.openxmlformats.org/officeDocument/2006/relationships" xmlns:p="http://schemas.openxmlformats.org/presentationml/2006/main" showMasterSp="0" showMasterPhAnim="0">
   <p:cSld>
     <p:spTree>
       <p:nvGrpSpPr>
-        <p:cNvPr id="181" name="Shape 181"/>
+        <p:cNvPr id="1" name="Shape 181"/>
         <p:cNvGrpSpPr/>
         <p:nvPr/>
       </p:nvGrpSpPr>
@@ -833,9 +853,11 @@
       <p:sp>
         <p:nvSpPr>
           <p:cNvPr id="182" name="Google Shape;182;g10bf2bdaa04_0_0:notes"/>
-          <p:cNvSpPr/>
+          <p:cNvSpPr>
+            <a:spLocks noGrp="1" noRot="1" noChangeAspect="1"/>
+          </p:cNvSpPr>
           <p:nvPr>
-            <p:ph idx="2" type="sldImg"/>
+            <p:ph type="sldImg" idx="2"/>
           </p:nvPr>
         </p:nvSpPr>
         <p:spPr>
@@ -844,9 +866,13 @@
             <a:ext cx="6096000" cy="3429000"/>
           </a:xfrm>
           <a:custGeom>
-            <a:rect b="b" l="l" r="r" t="t"/>
+            <a:avLst/>
+            <a:gdLst/>
+            <a:ahLst/>
+            <a:cxnLst/>
+            <a:rect l="l" t="t" r="r" b="b"/>
             <a:pathLst>
-              <a:path extrusionOk="0" h="120000" w="120000">
+              <a:path w="120000" h="120000" extrusionOk="0">
                 <a:moveTo>
                   <a:pt x="0" y="0"/>
                 </a:moveTo>
@@ -868,9 +894,11 @@
       <p:sp>
         <p:nvSpPr>
           <p:cNvPr id="183" name="Google Shape;183;g10bf2bdaa04_0_0:notes"/>
-          <p:cNvSpPr txBox="1"/>
+          <p:cNvSpPr txBox="1">
+            <a:spLocks noGrp="1"/>
+          </p:cNvSpPr>
           <p:nvPr>
-            <p:ph idx="1" type="body"/>
+            <p:ph type="body" idx="1"/>
           </p:nvPr>
         </p:nvSpPr>
         <p:spPr>
@@ -883,12 +911,12 @@
           </a:prstGeom>
         </p:spPr>
         <p:txBody>
-          <a:bodyPr anchorCtr="0" anchor="t" bIns="91425" lIns="91425" spcFirstLastPara="1" rIns="91425" wrap="square" tIns="91425">
+          <a:bodyPr spcFirstLastPara="1" wrap="square" lIns="91425" tIns="91425" rIns="91425" bIns="91425" anchor="t" anchorCtr="0">
             <a:noAutofit/>
           </a:bodyPr>
           <a:lstStyle/>
           <a:p>
-            <a:pPr indent="0" lvl="0" marL="0" rtl="0" algn="l">
+            <a:pPr marL="0" lvl="0" indent="0" algn="l" rtl="0">
               <a:spcBef>
                 <a:spcPts val="0"/>
               </a:spcBef>
@@ -897,9 +925,6 @@
               </a:spcAft>
               <a:buNone/>
             </a:pPr>
-            <a:r>
-              <a:t/>
-            </a:r>
             <a:endParaRPr/>
           </a:p>
         </p:txBody>
@@ -913,11 +938,11 @@
 </file>
 
 <file path=ppt/notesSlides/notesSlide11.xml><?xml version="1.0" encoding="utf-8"?>
-<p:notes xmlns:a="http://schemas.openxmlformats.org/drawingml/2006/main" xmlns:r="http://schemas.openxmlformats.org/officeDocument/2006/relationships" xmlns:mc="http://schemas.openxmlformats.org/markup-compatibility/2006" xmlns:mv="urn:schemas-microsoft-com:mac:vml" xmlns:p="http://schemas.openxmlformats.org/presentationml/2006/main" xmlns:c="http://schemas.openxmlformats.org/drawingml/2006/chart" xmlns:dgm="http://schemas.openxmlformats.org/drawingml/2006/diagram" xmlns:o="urn:schemas-microsoft-com:office:office" xmlns:v="urn:schemas-microsoft-com:vml" xmlns:pvml="urn:schemas-microsoft-com:office:powerpoint" xmlns:com="http://schemas.openxmlformats.org/drawingml/2006/compatibility" xmlns:p14="http://schemas.microsoft.com/office/powerpoint/2010/main" xmlns:p15="http://schemas.microsoft.com/office/powerpoint/2012/main" xmlns:ahyp="http://schemas.microsoft.com/office/drawing/2018/hyperlinkcolor" showMasterPhAnim="0" showMasterSp="0">
+<p:notes xmlns:a="http://schemas.openxmlformats.org/drawingml/2006/main" xmlns:r="http://schemas.openxmlformats.org/officeDocument/2006/relationships" xmlns:p="http://schemas.openxmlformats.org/presentationml/2006/main" showMasterSp="0" showMasterPhAnim="0">
   <p:cSld>
     <p:spTree>
       <p:nvGrpSpPr>
-        <p:cNvPr id="186" name="Shape 186"/>
+        <p:cNvPr id="1" name="Shape 186"/>
         <p:cNvGrpSpPr/>
         <p:nvPr/>
       </p:nvGrpSpPr>
@@ -932,9 +957,11 @@
       <p:sp>
         <p:nvSpPr>
           <p:cNvPr id="187" name="Google Shape;187;g10307139919_0_259:notes"/>
-          <p:cNvSpPr/>
+          <p:cNvSpPr>
+            <a:spLocks noGrp="1" noRot="1" noChangeAspect="1"/>
+          </p:cNvSpPr>
           <p:nvPr>
-            <p:ph idx="2" type="sldImg"/>
+            <p:ph type="sldImg" idx="2"/>
           </p:nvPr>
         </p:nvSpPr>
         <p:spPr>
@@ -943,9 +970,13 @@
             <a:ext cx="6096000" cy="3429000"/>
           </a:xfrm>
           <a:custGeom>
-            <a:rect b="b" l="l" r="r" t="t"/>
+            <a:avLst/>
+            <a:gdLst/>
+            <a:ahLst/>
+            <a:cxnLst/>
+            <a:rect l="l" t="t" r="r" b="b"/>
             <a:pathLst>
-              <a:path extrusionOk="0" h="120000" w="120000">
+              <a:path w="120000" h="120000" extrusionOk="0">
                 <a:moveTo>
                   <a:pt x="0" y="0"/>
                 </a:moveTo>
@@ -967,9 +998,11 @@
       <p:sp>
         <p:nvSpPr>
           <p:cNvPr id="188" name="Google Shape;188;g10307139919_0_259:notes"/>
-          <p:cNvSpPr txBox="1"/>
+          <p:cNvSpPr txBox="1">
+            <a:spLocks noGrp="1"/>
+          </p:cNvSpPr>
           <p:nvPr>
-            <p:ph idx="1" type="body"/>
+            <p:ph type="body" idx="1"/>
           </p:nvPr>
         </p:nvSpPr>
         <p:spPr>
@@ -982,12 +1015,12 @@
           </a:prstGeom>
         </p:spPr>
         <p:txBody>
-          <a:bodyPr anchorCtr="0" anchor="t" bIns="91425" lIns="91425" spcFirstLastPara="1" rIns="91425" wrap="square" tIns="91425">
+          <a:bodyPr spcFirstLastPara="1" wrap="square" lIns="91425" tIns="91425" rIns="91425" bIns="91425" anchor="t" anchorCtr="0">
             <a:noAutofit/>
           </a:bodyPr>
           <a:lstStyle/>
           <a:p>
-            <a:pPr indent="0" lvl="0" marL="0" rtl="0" algn="l">
+            <a:pPr marL="0" lvl="0" indent="0" algn="l" rtl="0">
               <a:spcBef>
                 <a:spcPts val="0"/>
               </a:spcBef>
@@ -996,9 +1029,6 @@
               </a:spcAft>
               <a:buNone/>
             </a:pPr>
-            <a:r>
-              <a:t/>
-            </a:r>
             <a:endParaRPr/>
           </a:p>
         </p:txBody>
@@ -1012,11 +1042,11 @@
 </file>
 
 <file path=ppt/notesSlides/notesSlide12.xml><?xml version="1.0" encoding="utf-8"?>
-<p:notes xmlns:a="http://schemas.openxmlformats.org/drawingml/2006/main" xmlns:r="http://schemas.openxmlformats.org/officeDocument/2006/relationships" xmlns:mc="http://schemas.openxmlformats.org/markup-compatibility/2006" xmlns:mv="urn:schemas-microsoft-com:mac:vml" xmlns:p="http://schemas.openxmlformats.org/presentationml/2006/main" xmlns:c="http://schemas.openxmlformats.org/drawingml/2006/chart" xmlns:dgm="http://schemas.openxmlformats.org/drawingml/2006/diagram" xmlns:o="urn:schemas-microsoft-com:office:office" xmlns:v="urn:schemas-microsoft-com:vml" xmlns:pvml="urn:schemas-microsoft-com:office:powerpoint" xmlns:com="http://schemas.openxmlformats.org/drawingml/2006/compatibility" xmlns:p14="http://schemas.microsoft.com/office/powerpoint/2010/main" xmlns:p15="http://schemas.microsoft.com/office/powerpoint/2012/main" xmlns:ahyp="http://schemas.microsoft.com/office/drawing/2018/hyperlinkcolor" showMasterPhAnim="0" showMasterSp="0">
+<p:notes xmlns:a="http://schemas.openxmlformats.org/drawingml/2006/main" xmlns:r="http://schemas.openxmlformats.org/officeDocument/2006/relationships" xmlns:p="http://schemas.openxmlformats.org/presentationml/2006/main" showMasterSp="0" showMasterPhAnim="0">
   <p:cSld>
     <p:spTree>
       <p:nvGrpSpPr>
-        <p:cNvPr id="193" name="Shape 193"/>
+        <p:cNvPr id="1" name="Shape 193"/>
         <p:cNvGrpSpPr/>
         <p:nvPr/>
       </p:nvGrpSpPr>
@@ -1031,9 +1061,11 @@
       <p:sp>
         <p:nvSpPr>
           <p:cNvPr id="194" name="Google Shape;194;g10307139919_0_267:notes"/>
-          <p:cNvSpPr/>
+          <p:cNvSpPr>
+            <a:spLocks noGrp="1" noRot="1" noChangeAspect="1"/>
+          </p:cNvSpPr>
           <p:nvPr>
-            <p:ph idx="2" type="sldImg"/>
+            <p:ph type="sldImg" idx="2"/>
           </p:nvPr>
         </p:nvSpPr>
         <p:spPr>
@@ -1042,9 +1074,13 @@
             <a:ext cx="6096000" cy="3429000"/>
           </a:xfrm>
           <a:custGeom>
-            <a:rect b="b" l="l" r="r" t="t"/>
+            <a:avLst/>
+            <a:gdLst/>
+            <a:ahLst/>
+            <a:cxnLst/>
+            <a:rect l="l" t="t" r="r" b="b"/>
             <a:pathLst>
-              <a:path extrusionOk="0" h="120000" w="120000">
+              <a:path w="120000" h="120000" extrusionOk="0">
                 <a:moveTo>
                   <a:pt x="0" y="0"/>
                 </a:moveTo>
@@ -1066,9 +1102,11 @@
       <p:sp>
         <p:nvSpPr>
           <p:cNvPr id="195" name="Google Shape;195;g10307139919_0_267:notes"/>
-          <p:cNvSpPr txBox="1"/>
+          <p:cNvSpPr txBox="1">
+            <a:spLocks noGrp="1"/>
+          </p:cNvSpPr>
           <p:nvPr>
-            <p:ph idx="1" type="body"/>
+            <p:ph type="body" idx="1"/>
           </p:nvPr>
         </p:nvSpPr>
         <p:spPr>
@@ -1081,12 +1119,12 @@
           </a:prstGeom>
         </p:spPr>
         <p:txBody>
-          <a:bodyPr anchorCtr="0" anchor="t" bIns="91425" lIns="91425" spcFirstLastPara="1" rIns="91425" wrap="square" tIns="91425">
+          <a:bodyPr spcFirstLastPara="1" wrap="square" lIns="91425" tIns="91425" rIns="91425" bIns="91425" anchor="t" anchorCtr="0">
             <a:noAutofit/>
           </a:bodyPr>
           <a:lstStyle/>
           <a:p>
-            <a:pPr indent="0" lvl="0" marL="0" rtl="0" algn="l">
+            <a:pPr marL="0" lvl="0" indent="0" algn="l" rtl="0">
               <a:spcBef>
                 <a:spcPts val="0"/>
               </a:spcBef>
@@ -1095,9 +1133,6 @@
               </a:spcAft>
               <a:buNone/>
             </a:pPr>
-            <a:r>
-              <a:t/>
-            </a:r>
             <a:endParaRPr/>
           </a:p>
         </p:txBody>
@@ -1111,11 +1146,11 @@
 </file>
 
 <file path=ppt/notesSlides/notesSlide13.xml><?xml version="1.0" encoding="utf-8"?>
-<p:notes xmlns:a="http://schemas.openxmlformats.org/drawingml/2006/main" xmlns:r="http://schemas.openxmlformats.org/officeDocument/2006/relationships" xmlns:mc="http://schemas.openxmlformats.org/markup-compatibility/2006" xmlns:mv="urn:schemas-microsoft-com:mac:vml" xmlns:p="http://schemas.openxmlformats.org/presentationml/2006/main" xmlns:c="http://schemas.openxmlformats.org/drawingml/2006/chart" xmlns:dgm="http://schemas.openxmlformats.org/drawingml/2006/diagram" xmlns:o="urn:schemas-microsoft-com:office:office" xmlns:v="urn:schemas-microsoft-com:vml" xmlns:pvml="urn:schemas-microsoft-com:office:powerpoint" xmlns:com="http://schemas.openxmlformats.org/drawingml/2006/compatibility" xmlns:p14="http://schemas.microsoft.com/office/powerpoint/2010/main" xmlns:p15="http://schemas.microsoft.com/office/powerpoint/2012/main" xmlns:ahyp="http://schemas.microsoft.com/office/drawing/2018/hyperlinkcolor" showMasterPhAnim="0" showMasterSp="0">
+<p:notes xmlns:a="http://schemas.openxmlformats.org/drawingml/2006/main" xmlns:r="http://schemas.openxmlformats.org/officeDocument/2006/relationships" xmlns:p="http://schemas.openxmlformats.org/presentationml/2006/main" showMasterSp="0" showMasterPhAnim="0">
   <p:cSld>
     <p:spTree>
       <p:nvGrpSpPr>
-        <p:cNvPr id="199" name="Shape 199"/>
+        <p:cNvPr id="1" name="Shape 199"/>
         <p:cNvGrpSpPr/>
         <p:nvPr/>
       </p:nvGrpSpPr>
@@ -1130,9 +1165,11 @@
       <p:sp>
         <p:nvSpPr>
           <p:cNvPr id="200" name="Google Shape;200;g10307139919_0_273:notes"/>
-          <p:cNvSpPr/>
+          <p:cNvSpPr>
+            <a:spLocks noGrp="1" noRot="1" noChangeAspect="1"/>
+          </p:cNvSpPr>
           <p:nvPr>
-            <p:ph idx="2" type="sldImg"/>
+            <p:ph type="sldImg" idx="2"/>
           </p:nvPr>
         </p:nvSpPr>
         <p:spPr>
@@ -1141,9 +1178,13 @@
             <a:ext cx="6096000" cy="3429000"/>
           </a:xfrm>
           <a:custGeom>
-            <a:rect b="b" l="l" r="r" t="t"/>
+            <a:avLst/>
+            <a:gdLst/>
+            <a:ahLst/>
+            <a:cxnLst/>
+            <a:rect l="l" t="t" r="r" b="b"/>
             <a:pathLst>
-              <a:path extrusionOk="0" h="120000" w="120000">
+              <a:path w="120000" h="120000" extrusionOk="0">
                 <a:moveTo>
                   <a:pt x="0" y="0"/>
                 </a:moveTo>
@@ -1165,9 +1206,11 @@
       <p:sp>
         <p:nvSpPr>
           <p:cNvPr id="201" name="Google Shape;201;g10307139919_0_273:notes"/>
-          <p:cNvSpPr txBox="1"/>
+          <p:cNvSpPr txBox="1">
+            <a:spLocks noGrp="1"/>
+          </p:cNvSpPr>
           <p:nvPr>
-            <p:ph idx="1" type="body"/>
+            <p:ph type="body" idx="1"/>
           </p:nvPr>
         </p:nvSpPr>
         <p:spPr>
@@ -1180,12 +1223,12 @@
           </a:prstGeom>
         </p:spPr>
         <p:txBody>
-          <a:bodyPr anchorCtr="0" anchor="t" bIns="91425" lIns="91425" spcFirstLastPara="1" rIns="91425" wrap="square" tIns="91425">
+          <a:bodyPr spcFirstLastPara="1" wrap="square" lIns="91425" tIns="91425" rIns="91425" bIns="91425" anchor="t" anchorCtr="0">
             <a:noAutofit/>
           </a:bodyPr>
           <a:lstStyle/>
           <a:p>
-            <a:pPr indent="0" lvl="0" marL="0" rtl="0" algn="l">
+            <a:pPr marL="0" lvl="0" indent="0" algn="l" rtl="0">
               <a:spcBef>
                 <a:spcPts val="0"/>
               </a:spcBef>
@@ -1194,9 +1237,6 @@
               </a:spcAft>
               <a:buNone/>
             </a:pPr>
-            <a:r>
-              <a:t/>
-            </a:r>
             <a:endParaRPr/>
           </a:p>
         </p:txBody>
@@ -1210,11 +1250,11 @@
 </file>
 
 <file path=ppt/notesSlides/notesSlide2.xml><?xml version="1.0" encoding="utf-8"?>
-<p:notes xmlns:a="http://schemas.openxmlformats.org/drawingml/2006/main" xmlns:r="http://schemas.openxmlformats.org/officeDocument/2006/relationships" xmlns:mc="http://schemas.openxmlformats.org/markup-compatibility/2006" xmlns:mv="urn:schemas-microsoft-com:mac:vml" xmlns:p="http://schemas.openxmlformats.org/presentationml/2006/main" xmlns:c="http://schemas.openxmlformats.org/drawingml/2006/chart" xmlns:dgm="http://schemas.openxmlformats.org/drawingml/2006/diagram" xmlns:o="urn:schemas-microsoft-com:office:office" xmlns:v="urn:schemas-microsoft-com:vml" xmlns:pvml="urn:schemas-microsoft-com:office:powerpoint" xmlns:com="http://schemas.openxmlformats.org/drawingml/2006/compatibility" xmlns:p14="http://schemas.microsoft.com/office/powerpoint/2010/main" xmlns:p15="http://schemas.microsoft.com/office/powerpoint/2012/main" xmlns:ahyp="http://schemas.microsoft.com/office/drawing/2018/hyperlinkcolor" showMasterPhAnim="0" showMasterSp="0">
+<p:notes xmlns:a="http://schemas.openxmlformats.org/drawingml/2006/main" xmlns:r="http://schemas.openxmlformats.org/officeDocument/2006/relationships" xmlns:p="http://schemas.openxmlformats.org/presentationml/2006/main" showMasterSp="0" showMasterPhAnim="0">
   <p:cSld>
     <p:spTree>
       <p:nvGrpSpPr>
-        <p:cNvPr id="136" name="Shape 136"/>
+        <p:cNvPr id="1" name="Shape 136"/>
         <p:cNvGrpSpPr/>
         <p:nvPr/>
       </p:nvGrpSpPr>
@@ -1229,20 +1269,26 @@
       <p:sp>
         <p:nvSpPr>
           <p:cNvPr id="137" name="Google Shape;137;g10bf2bdaa04_0_33:notes"/>
-          <p:cNvSpPr/>
+          <p:cNvSpPr>
+            <a:spLocks noGrp="1" noRot="1" noChangeAspect="1"/>
+          </p:cNvSpPr>
           <p:nvPr>
-            <p:ph idx="2" type="sldImg"/>
+            <p:ph type="sldImg" idx="2"/>
           </p:nvPr>
         </p:nvSpPr>
         <p:spPr>
           <a:xfrm>
-            <a:off x="381300" y="685800"/>
+            <a:off x="381000" y="685800"/>
             <a:ext cx="6096000" cy="3429000"/>
           </a:xfrm>
           <a:custGeom>
-            <a:rect b="b" l="l" r="r" t="t"/>
+            <a:avLst/>
+            <a:gdLst/>
+            <a:ahLst/>
+            <a:cxnLst/>
+            <a:rect l="l" t="t" r="r" b="b"/>
             <a:pathLst>
-              <a:path extrusionOk="0" h="120000" w="120000">
+              <a:path w="120000" h="120000" extrusionOk="0">
                 <a:moveTo>
                   <a:pt x="0" y="0"/>
                 </a:moveTo>
@@ -1264,9 +1310,11 @@
       <p:sp>
         <p:nvSpPr>
           <p:cNvPr id="138" name="Google Shape;138;g10bf2bdaa04_0_33:notes"/>
-          <p:cNvSpPr txBox="1"/>
+          <p:cNvSpPr txBox="1">
+            <a:spLocks noGrp="1"/>
+          </p:cNvSpPr>
           <p:nvPr>
-            <p:ph idx="1" type="body"/>
+            <p:ph type="body" idx="1"/>
           </p:nvPr>
         </p:nvSpPr>
         <p:spPr>
@@ -1279,12 +1327,12 @@
           </a:prstGeom>
         </p:spPr>
         <p:txBody>
-          <a:bodyPr anchorCtr="0" anchor="t" bIns="91425" lIns="91425" spcFirstLastPara="1" rIns="91425" wrap="square" tIns="91425">
+          <a:bodyPr spcFirstLastPara="1" wrap="square" lIns="91425" tIns="91425" rIns="91425" bIns="91425" anchor="t" anchorCtr="0">
             <a:noAutofit/>
           </a:bodyPr>
           <a:lstStyle/>
           <a:p>
-            <a:pPr indent="0" lvl="0" marL="0" rtl="0" algn="l">
+            <a:pPr marL="0" lvl="0" indent="0" algn="l" rtl="0">
               <a:spcBef>
                 <a:spcPts val="0"/>
               </a:spcBef>
@@ -1293,9 +1341,6 @@
               </a:spcAft>
               <a:buNone/>
             </a:pPr>
-            <a:r>
-              <a:t/>
-            </a:r>
             <a:endParaRPr/>
           </a:p>
         </p:txBody>
@@ -1309,11 +1354,11 @@
 </file>
 
 <file path=ppt/notesSlides/notesSlide3.xml><?xml version="1.0" encoding="utf-8"?>
-<p:notes xmlns:a="http://schemas.openxmlformats.org/drawingml/2006/main" xmlns:r="http://schemas.openxmlformats.org/officeDocument/2006/relationships" xmlns:mc="http://schemas.openxmlformats.org/markup-compatibility/2006" xmlns:mv="urn:schemas-microsoft-com:mac:vml" xmlns:p="http://schemas.openxmlformats.org/presentationml/2006/main" xmlns:c="http://schemas.openxmlformats.org/drawingml/2006/chart" xmlns:dgm="http://schemas.openxmlformats.org/drawingml/2006/diagram" xmlns:o="urn:schemas-microsoft-com:office:office" xmlns:v="urn:schemas-microsoft-com:vml" xmlns:pvml="urn:schemas-microsoft-com:office:powerpoint" xmlns:com="http://schemas.openxmlformats.org/drawingml/2006/compatibility" xmlns:p14="http://schemas.microsoft.com/office/powerpoint/2010/main" xmlns:p15="http://schemas.microsoft.com/office/powerpoint/2012/main" xmlns:ahyp="http://schemas.microsoft.com/office/drawing/2018/hyperlinkcolor" showMasterPhAnim="0" showMasterSp="0">
+<p:notes xmlns:a="http://schemas.openxmlformats.org/drawingml/2006/main" xmlns:r="http://schemas.openxmlformats.org/officeDocument/2006/relationships" xmlns:p="http://schemas.openxmlformats.org/presentationml/2006/main" showMasterSp="0" showMasterPhAnim="0">
   <p:cSld>
     <p:spTree>
       <p:nvGrpSpPr>
-        <p:cNvPr id="142" name="Shape 142"/>
+        <p:cNvPr id="1" name="Shape 142"/>
         <p:cNvGrpSpPr/>
         <p:nvPr/>
       </p:nvGrpSpPr>
@@ -1328,9 +1373,11 @@
       <p:sp>
         <p:nvSpPr>
           <p:cNvPr id="143" name="Google Shape;143;g10bf2bdaa04_0_27:notes"/>
-          <p:cNvSpPr/>
+          <p:cNvSpPr>
+            <a:spLocks noGrp="1" noRot="1" noChangeAspect="1"/>
+          </p:cNvSpPr>
           <p:nvPr>
-            <p:ph idx="2" type="sldImg"/>
+            <p:ph type="sldImg" idx="2"/>
           </p:nvPr>
         </p:nvSpPr>
         <p:spPr>
@@ -1339,9 +1386,13 @@
             <a:ext cx="6096000" cy="3429000"/>
           </a:xfrm>
           <a:custGeom>
-            <a:rect b="b" l="l" r="r" t="t"/>
+            <a:avLst/>
+            <a:gdLst/>
+            <a:ahLst/>
+            <a:cxnLst/>
+            <a:rect l="l" t="t" r="r" b="b"/>
             <a:pathLst>
-              <a:path extrusionOk="0" h="120000" w="120000">
+              <a:path w="120000" h="120000" extrusionOk="0">
                 <a:moveTo>
                   <a:pt x="0" y="0"/>
                 </a:moveTo>
@@ -1363,9 +1414,11 @@
       <p:sp>
         <p:nvSpPr>
           <p:cNvPr id="144" name="Google Shape;144;g10bf2bdaa04_0_27:notes"/>
-          <p:cNvSpPr txBox="1"/>
+          <p:cNvSpPr txBox="1">
+            <a:spLocks noGrp="1"/>
+          </p:cNvSpPr>
           <p:nvPr>
-            <p:ph idx="1" type="body"/>
+            <p:ph type="body" idx="1"/>
           </p:nvPr>
         </p:nvSpPr>
         <p:spPr>
@@ -1378,12 +1431,12 @@
           </a:prstGeom>
         </p:spPr>
         <p:txBody>
-          <a:bodyPr anchorCtr="0" anchor="t" bIns="91425" lIns="91425" spcFirstLastPara="1" rIns="91425" wrap="square" tIns="91425">
+          <a:bodyPr spcFirstLastPara="1" wrap="square" lIns="91425" tIns="91425" rIns="91425" bIns="91425" anchor="t" anchorCtr="0">
             <a:noAutofit/>
           </a:bodyPr>
           <a:lstStyle/>
           <a:p>
-            <a:pPr indent="0" lvl="0" marL="0" rtl="0" algn="l">
+            <a:pPr marL="0" lvl="0" indent="0" algn="l" rtl="0">
               <a:spcBef>
                 <a:spcPts val="0"/>
               </a:spcBef>
@@ -1392,9 +1445,6 @@
               </a:spcAft>
               <a:buNone/>
             </a:pPr>
-            <a:r>
-              <a:t/>
-            </a:r>
             <a:endParaRPr/>
           </a:p>
         </p:txBody>
@@ -1408,11 +1458,11 @@
 </file>
 
 <file path=ppt/notesSlides/notesSlide4.xml><?xml version="1.0" encoding="utf-8"?>
-<p:notes xmlns:a="http://schemas.openxmlformats.org/drawingml/2006/main" xmlns:r="http://schemas.openxmlformats.org/officeDocument/2006/relationships" xmlns:mc="http://schemas.openxmlformats.org/markup-compatibility/2006" xmlns:mv="urn:schemas-microsoft-com:mac:vml" xmlns:p="http://schemas.openxmlformats.org/presentationml/2006/main" xmlns:c="http://schemas.openxmlformats.org/drawingml/2006/chart" xmlns:dgm="http://schemas.openxmlformats.org/drawingml/2006/diagram" xmlns:o="urn:schemas-microsoft-com:office:office" xmlns:v="urn:schemas-microsoft-com:vml" xmlns:pvml="urn:schemas-microsoft-com:office:powerpoint" xmlns:com="http://schemas.openxmlformats.org/drawingml/2006/compatibility" xmlns:p14="http://schemas.microsoft.com/office/powerpoint/2010/main" xmlns:p15="http://schemas.microsoft.com/office/powerpoint/2012/main" xmlns:ahyp="http://schemas.microsoft.com/office/drawing/2018/hyperlinkcolor" showMasterPhAnim="0" showMasterSp="0">
+<p:notes xmlns:a="http://schemas.openxmlformats.org/drawingml/2006/main" xmlns:r="http://schemas.openxmlformats.org/officeDocument/2006/relationships" xmlns:p="http://schemas.openxmlformats.org/presentationml/2006/main" showMasterSp="0" showMasterPhAnim="0">
   <p:cSld>
     <p:spTree>
       <p:nvGrpSpPr>
-        <p:cNvPr id="148" name="Shape 148"/>
+        <p:cNvPr id="1" name="Shape 148"/>
         <p:cNvGrpSpPr/>
         <p:nvPr/>
       </p:nvGrpSpPr>
@@ -1427,9 +1477,11 @@
       <p:sp>
         <p:nvSpPr>
           <p:cNvPr id="149" name="Google Shape;149;g10307139919_0_233:notes"/>
-          <p:cNvSpPr/>
+          <p:cNvSpPr>
+            <a:spLocks noGrp="1" noRot="1" noChangeAspect="1"/>
+          </p:cNvSpPr>
           <p:nvPr>
-            <p:ph idx="2" type="sldImg"/>
+            <p:ph type="sldImg" idx="2"/>
           </p:nvPr>
         </p:nvSpPr>
         <p:spPr>
@@ -1438,9 +1490,13 @@
             <a:ext cx="6096000" cy="3429000"/>
           </a:xfrm>
           <a:custGeom>
-            <a:rect b="b" l="l" r="r" t="t"/>
+            <a:avLst/>
+            <a:gdLst/>
+            <a:ahLst/>
+            <a:cxnLst/>
+            <a:rect l="l" t="t" r="r" b="b"/>
             <a:pathLst>
-              <a:path extrusionOk="0" h="120000" w="120000">
+              <a:path w="120000" h="120000" extrusionOk="0">
                 <a:moveTo>
                   <a:pt x="0" y="0"/>
                 </a:moveTo>
@@ -1462,9 +1518,11 @@
       <p:sp>
         <p:nvSpPr>
           <p:cNvPr id="150" name="Google Shape;150;g10307139919_0_233:notes"/>
-          <p:cNvSpPr txBox="1"/>
+          <p:cNvSpPr txBox="1">
+            <a:spLocks noGrp="1"/>
+          </p:cNvSpPr>
           <p:nvPr>
-            <p:ph idx="1" type="body"/>
+            <p:ph type="body" idx="1"/>
           </p:nvPr>
         </p:nvSpPr>
         <p:spPr>
@@ -1477,12 +1535,12 @@
           </a:prstGeom>
         </p:spPr>
         <p:txBody>
-          <a:bodyPr anchorCtr="0" anchor="t" bIns="91425" lIns="91425" spcFirstLastPara="1" rIns="91425" wrap="square" tIns="91425">
+          <a:bodyPr spcFirstLastPara="1" wrap="square" lIns="91425" tIns="91425" rIns="91425" bIns="91425" anchor="t" anchorCtr="0">
             <a:noAutofit/>
           </a:bodyPr>
           <a:lstStyle/>
           <a:p>
-            <a:pPr indent="0" lvl="0" marL="0" rtl="0" algn="l">
+            <a:pPr marL="0" lvl="0" indent="0" algn="l" rtl="0">
               <a:spcBef>
                 <a:spcPts val="0"/>
               </a:spcBef>
@@ -1491,9 +1549,6 @@
               </a:spcAft>
               <a:buNone/>
             </a:pPr>
-            <a:r>
-              <a:t/>
-            </a:r>
             <a:endParaRPr/>
           </a:p>
         </p:txBody>
@@ -1507,11 +1562,11 @@
 </file>
 
 <file path=ppt/notesSlides/notesSlide5.xml><?xml version="1.0" encoding="utf-8"?>
-<p:notes xmlns:a="http://schemas.openxmlformats.org/drawingml/2006/main" xmlns:r="http://schemas.openxmlformats.org/officeDocument/2006/relationships" xmlns:mc="http://schemas.openxmlformats.org/markup-compatibility/2006" xmlns:mv="urn:schemas-microsoft-com:mac:vml" xmlns:p="http://schemas.openxmlformats.org/presentationml/2006/main" xmlns:c="http://schemas.openxmlformats.org/drawingml/2006/chart" xmlns:dgm="http://schemas.openxmlformats.org/drawingml/2006/diagram" xmlns:o="urn:schemas-microsoft-com:office:office" xmlns:v="urn:schemas-microsoft-com:vml" xmlns:pvml="urn:schemas-microsoft-com:office:powerpoint" xmlns:com="http://schemas.openxmlformats.org/drawingml/2006/compatibility" xmlns:p14="http://schemas.microsoft.com/office/powerpoint/2010/main" xmlns:p15="http://schemas.microsoft.com/office/powerpoint/2012/main" xmlns:ahyp="http://schemas.microsoft.com/office/drawing/2018/hyperlinkcolor" showMasterPhAnim="0" showMasterSp="0">
+<p:notes xmlns:a="http://schemas.openxmlformats.org/drawingml/2006/main" xmlns:r="http://schemas.openxmlformats.org/officeDocument/2006/relationships" xmlns:p="http://schemas.openxmlformats.org/presentationml/2006/main" showMasterSp="0" showMasterPhAnim="0">
   <p:cSld>
     <p:spTree>
       <p:nvGrpSpPr>
-        <p:cNvPr id="154" name="Shape 154"/>
+        <p:cNvPr id="1" name="Shape 154"/>
         <p:cNvGrpSpPr/>
         <p:nvPr/>
       </p:nvGrpSpPr>
@@ -1526,9 +1581,11 @@
       <p:sp>
         <p:nvSpPr>
           <p:cNvPr id="155" name="Google Shape;155;g10307139919_0_239:notes"/>
-          <p:cNvSpPr/>
+          <p:cNvSpPr>
+            <a:spLocks noGrp="1" noRot="1" noChangeAspect="1"/>
+          </p:cNvSpPr>
           <p:nvPr>
-            <p:ph idx="2" type="sldImg"/>
+            <p:ph type="sldImg" idx="2"/>
           </p:nvPr>
         </p:nvSpPr>
         <p:spPr>
@@ -1537,9 +1594,13 @@
             <a:ext cx="6096000" cy="3429000"/>
           </a:xfrm>
           <a:custGeom>
-            <a:rect b="b" l="l" r="r" t="t"/>
+            <a:avLst/>
+            <a:gdLst/>
+            <a:ahLst/>
+            <a:cxnLst/>
+            <a:rect l="l" t="t" r="r" b="b"/>
             <a:pathLst>
-              <a:path extrusionOk="0" h="120000" w="120000">
+              <a:path w="120000" h="120000" extrusionOk="0">
                 <a:moveTo>
                   <a:pt x="0" y="0"/>
                 </a:moveTo>
@@ -1561,9 +1622,11 @@
       <p:sp>
         <p:nvSpPr>
           <p:cNvPr id="156" name="Google Shape;156;g10307139919_0_239:notes"/>
-          <p:cNvSpPr txBox="1"/>
+          <p:cNvSpPr txBox="1">
+            <a:spLocks noGrp="1"/>
+          </p:cNvSpPr>
           <p:nvPr>
-            <p:ph idx="1" type="body"/>
+            <p:ph type="body" idx="1"/>
           </p:nvPr>
         </p:nvSpPr>
         <p:spPr>
@@ -1576,12 +1639,12 @@
           </a:prstGeom>
         </p:spPr>
         <p:txBody>
-          <a:bodyPr anchorCtr="0" anchor="t" bIns="91425" lIns="91425" spcFirstLastPara="1" rIns="91425" wrap="square" tIns="91425">
+          <a:bodyPr spcFirstLastPara="1" wrap="square" lIns="91425" tIns="91425" rIns="91425" bIns="91425" anchor="t" anchorCtr="0">
             <a:noAutofit/>
           </a:bodyPr>
           <a:lstStyle/>
           <a:p>
-            <a:pPr indent="0" lvl="0" marL="0" rtl="0" algn="l">
+            <a:pPr marL="0" lvl="0" indent="0" algn="l" rtl="0">
               <a:spcBef>
                 <a:spcPts val="0"/>
               </a:spcBef>
@@ -1590,9 +1653,6 @@
               </a:spcAft>
               <a:buNone/>
             </a:pPr>
-            <a:r>
-              <a:t/>
-            </a:r>
             <a:endParaRPr/>
           </a:p>
         </p:txBody>
@@ -1606,11 +1666,11 @@
 </file>
 
 <file path=ppt/notesSlides/notesSlide6.xml><?xml version="1.0" encoding="utf-8"?>
-<p:notes xmlns:a="http://schemas.openxmlformats.org/drawingml/2006/main" xmlns:r="http://schemas.openxmlformats.org/officeDocument/2006/relationships" xmlns:mc="http://schemas.openxmlformats.org/markup-compatibility/2006" xmlns:mv="urn:schemas-microsoft-com:mac:vml" xmlns:p="http://schemas.openxmlformats.org/presentationml/2006/main" xmlns:c="http://schemas.openxmlformats.org/drawingml/2006/chart" xmlns:dgm="http://schemas.openxmlformats.org/drawingml/2006/diagram" xmlns:o="urn:schemas-microsoft-com:office:office" xmlns:v="urn:schemas-microsoft-com:vml" xmlns:pvml="urn:schemas-microsoft-com:office:powerpoint" xmlns:com="http://schemas.openxmlformats.org/drawingml/2006/compatibility" xmlns:p14="http://schemas.microsoft.com/office/powerpoint/2010/main" xmlns:p15="http://schemas.microsoft.com/office/powerpoint/2012/main" xmlns:ahyp="http://schemas.microsoft.com/office/drawing/2018/hyperlinkcolor" showMasterPhAnim="0" showMasterSp="0">
+<p:notes xmlns:a="http://schemas.openxmlformats.org/drawingml/2006/main" xmlns:r="http://schemas.openxmlformats.org/officeDocument/2006/relationships" xmlns:p="http://schemas.openxmlformats.org/presentationml/2006/main" showMasterSp="0" showMasterPhAnim="0">
   <p:cSld>
     <p:spTree>
       <p:nvGrpSpPr>
-        <p:cNvPr id="159" name="Shape 159"/>
+        <p:cNvPr id="1" name="Shape 159"/>
         <p:cNvGrpSpPr/>
         <p:nvPr/>
       </p:nvGrpSpPr>
@@ -1625,9 +1685,11 @@
       <p:sp>
         <p:nvSpPr>
           <p:cNvPr id="160" name="Google Shape;160;g10307139919_0_244:notes"/>
-          <p:cNvSpPr/>
+          <p:cNvSpPr>
+            <a:spLocks noGrp="1" noRot="1" noChangeAspect="1"/>
+          </p:cNvSpPr>
           <p:nvPr>
-            <p:ph idx="2" type="sldImg"/>
+            <p:ph type="sldImg" idx="2"/>
           </p:nvPr>
         </p:nvSpPr>
         <p:spPr>
@@ -1636,9 +1698,13 @@
             <a:ext cx="6096000" cy="3429000"/>
           </a:xfrm>
           <a:custGeom>
-            <a:rect b="b" l="l" r="r" t="t"/>
+            <a:avLst/>
+            <a:gdLst/>
+            <a:ahLst/>
+            <a:cxnLst/>
+            <a:rect l="l" t="t" r="r" b="b"/>
             <a:pathLst>
-              <a:path extrusionOk="0" h="120000" w="120000">
+              <a:path w="120000" h="120000" extrusionOk="0">
                 <a:moveTo>
                   <a:pt x="0" y="0"/>
                 </a:moveTo>
@@ -1660,9 +1726,11 @@
       <p:sp>
         <p:nvSpPr>
           <p:cNvPr id="161" name="Google Shape;161;g10307139919_0_244:notes"/>
-          <p:cNvSpPr txBox="1"/>
+          <p:cNvSpPr txBox="1">
+            <a:spLocks noGrp="1"/>
+          </p:cNvSpPr>
           <p:nvPr>
-            <p:ph idx="1" type="body"/>
+            <p:ph type="body" idx="1"/>
           </p:nvPr>
         </p:nvSpPr>
         <p:spPr>
@@ -1675,12 +1743,12 @@
           </a:prstGeom>
         </p:spPr>
         <p:txBody>
-          <a:bodyPr anchorCtr="0" anchor="t" bIns="91425" lIns="91425" spcFirstLastPara="1" rIns="91425" wrap="square" tIns="91425">
+          <a:bodyPr spcFirstLastPara="1" wrap="square" lIns="91425" tIns="91425" rIns="91425" bIns="91425" anchor="t" anchorCtr="0">
             <a:noAutofit/>
           </a:bodyPr>
           <a:lstStyle/>
           <a:p>
-            <a:pPr indent="0" lvl="0" marL="0" rtl="0" algn="l">
+            <a:pPr marL="0" lvl="0" indent="0" algn="l" rtl="0">
               <a:spcBef>
                 <a:spcPts val="0"/>
               </a:spcBef>
@@ -1689,9 +1757,6 @@
               </a:spcAft>
               <a:buNone/>
             </a:pPr>
-            <a:r>
-              <a:t/>
-            </a:r>
             <a:endParaRPr/>
           </a:p>
         </p:txBody>
@@ -1705,11 +1770,11 @@
 </file>
 
 <file path=ppt/notesSlides/notesSlide7.xml><?xml version="1.0" encoding="utf-8"?>
-<p:notes xmlns:a="http://schemas.openxmlformats.org/drawingml/2006/main" xmlns:r="http://schemas.openxmlformats.org/officeDocument/2006/relationships" xmlns:mc="http://schemas.openxmlformats.org/markup-compatibility/2006" xmlns:mv="urn:schemas-microsoft-com:mac:vml" xmlns:p="http://schemas.openxmlformats.org/presentationml/2006/main" xmlns:c="http://schemas.openxmlformats.org/drawingml/2006/chart" xmlns:dgm="http://schemas.openxmlformats.org/drawingml/2006/diagram" xmlns:o="urn:schemas-microsoft-com:office:office" xmlns:v="urn:schemas-microsoft-com:vml" xmlns:pvml="urn:schemas-microsoft-com:office:powerpoint" xmlns:com="http://schemas.openxmlformats.org/drawingml/2006/compatibility" xmlns:p14="http://schemas.microsoft.com/office/powerpoint/2010/main" xmlns:p15="http://schemas.microsoft.com/office/powerpoint/2012/main" xmlns:ahyp="http://schemas.microsoft.com/office/drawing/2018/hyperlinkcolor" showMasterPhAnim="0" showMasterSp="0">
+<p:notes xmlns:a="http://schemas.openxmlformats.org/drawingml/2006/main" xmlns:r="http://schemas.openxmlformats.org/officeDocument/2006/relationships" xmlns:p="http://schemas.openxmlformats.org/presentationml/2006/main" showMasterSp="0" showMasterPhAnim="0">
   <p:cSld>
     <p:spTree>
       <p:nvGrpSpPr>
-        <p:cNvPr id="165" name="Shape 165"/>
+        <p:cNvPr id="1" name="Shape 165"/>
         <p:cNvGrpSpPr/>
         <p:nvPr/>
       </p:nvGrpSpPr>
@@ -1724,9 +1789,11 @@
       <p:sp>
         <p:nvSpPr>
           <p:cNvPr id="166" name="Google Shape;166;g10307139919_0_249:notes"/>
-          <p:cNvSpPr/>
+          <p:cNvSpPr>
+            <a:spLocks noGrp="1" noRot="1" noChangeAspect="1"/>
+          </p:cNvSpPr>
           <p:nvPr>
-            <p:ph idx="2" type="sldImg"/>
+            <p:ph type="sldImg" idx="2"/>
           </p:nvPr>
         </p:nvSpPr>
         <p:spPr>
@@ -1735,9 +1802,13 @@
             <a:ext cx="6096000" cy="3429000"/>
           </a:xfrm>
           <a:custGeom>
-            <a:rect b="b" l="l" r="r" t="t"/>
+            <a:avLst/>
+            <a:gdLst/>
+            <a:ahLst/>
+            <a:cxnLst/>
+            <a:rect l="l" t="t" r="r" b="b"/>
             <a:pathLst>
-              <a:path extrusionOk="0" h="120000" w="120000">
+              <a:path w="120000" h="120000" extrusionOk="0">
                 <a:moveTo>
                   <a:pt x="0" y="0"/>
                 </a:moveTo>
@@ -1759,9 +1830,11 @@
       <p:sp>
         <p:nvSpPr>
           <p:cNvPr id="167" name="Google Shape;167;g10307139919_0_249:notes"/>
-          <p:cNvSpPr txBox="1"/>
+          <p:cNvSpPr txBox="1">
+            <a:spLocks noGrp="1"/>
+          </p:cNvSpPr>
           <p:nvPr>
-            <p:ph idx="1" type="body"/>
+            <p:ph type="body" idx="1"/>
           </p:nvPr>
         </p:nvSpPr>
         <p:spPr>
@@ -1774,12 +1847,12 @@
           </a:prstGeom>
         </p:spPr>
         <p:txBody>
-          <a:bodyPr anchorCtr="0" anchor="t" bIns="91425" lIns="91425" spcFirstLastPara="1" rIns="91425" wrap="square" tIns="91425">
+          <a:bodyPr spcFirstLastPara="1" wrap="square" lIns="91425" tIns="91425" rIns="91425" bIns="91425" anchor="t" anchorCtr="0">
             <a:noAutofit/>
           </a:bodyPr>
           <a:lstStyle/>
           <a:p>
-            <a:pPr indent="0" lvl="0" marL="0" rtl="0" algn="l">
+            <a:pPr marL="0" lvl="0" indent="0" algn="l" rtl="0">
               <a:spcBef>
                 <a:spcPts val="0"/>
               </a:spcBef>
@@ -1788,9 +1861,6 @@
               </a:spcAft>
               <a:buNone/>
             </a:pPr>
-            <a:r>
-              <a:t/>
-            </a:r>
             <a:endParaRPr/>
           </a:p>
         </p:txBody>
@@ -1804,11 +1874,11 @@
 </file>
 
 <file path=ppt/notesSlides/notesSlide8.xml><?xml version="1.0" encoding="utf-8"?>
-<p:notes xmlns:a="http://schemas.openxmlformats.org/drawingml/2006/main" xmlns:r="http://schemas.openxmlformats.org/officeDocument/2006/relationships" xmlns:mc="http://schemas.openxmlformats.org/markup-compatibility/2006" xmlns:mv="urn:schemas-microsoft-com:mac:vml" xmlns:p="http://schemas.openxmlformats.org/presentationml/2006/main" xmlns:c="http://schemas.openxmlformats.org/drawingml/2006/chart" xmlns:dgm="http://schemas.openxmlformats.org/drawingml/2006/diagram" xmlns:o="urn:schemas-microsoft-com:office:office" xmlns:v="urn:schemas-microsoft-com:vml" xmlns:pvml="urn:schemas-microsoft-com:office:powerpoint" xmlns:com="http://schemas.openxmlformats.org/drawingml/2006/compatibility" xmlns:p14="http://schemas.microsoft.com/office/powerpoint/2010/main" xmlns:p15="http://schemas.microsoft.com/office/powerpoint/2012/main" xmlns:ahyp="http://schemas.microsoft.com/office/drawing/2018/hyperlinkcolor" showMasterPhAnim="0" showMasterSp="0">
+<p:notes xmlns:a="http://schemas.openxmlformats.org/drawingml/2006/main" xmlns:r="http://schemas.openxmlformats.org/officeDocument/2006/relationships" xmlns:p="http://schemas.openxmlformats.org/presentationml/2006/main" showMasterSp="0" showMasterPhAnim="0">
   <p:cSld>
     <p:spTree>
       <p:nvGrpSpPr>
-        <p:cNvPr id="171" name="Shape 171"/>
+        <p:cNvPr id="1" name="Shape 171"/>
         <p:cNvGrpSpPr/>
         <p:nvPr/>
       </p:nvGrpSpPr>
@@ -1823,9 +1893,11 @@
       <p:sp>
         <p:nvSpPr>
           <p:cNvPr id="172" name="Google Shape;172;g10307139919_0_254:notes"/>
-          <p:cNvSpPr/>
+          <p:cNvSpPr>
+            <a:spLocks noGrp="1" noRot="1" noChangeAspect="1"/>
+          </p:cNvSpPr>
           <p:nvPr>
-            <p:ph idx="2" type="sldImg"/>
+            <p:ph type="sldImg" idx="2"/>
           </p:nvPr>
         </p:nvSpPr>
         <p:spPr>
@@ -1834,9 +1906,13 @@
             <a:ext cx="6096000" cy="3429000"/>
           </a:xfrm>
           <a:custGeom>
-            <a:rect b="b" l="l" r="r" t="t"/>
+            <a:avLst/>
+            <a:gdLst/>
+            <a:ahLst/>
+            <a:cxnLst/>
+            <a:rect l="l" t="t" r="r" b="b"/>
             <a:pathLst>
-              <a:path extrusionOk="0" h="120000" w="120000">
+              <a:path w="120000" h="120000" extrusionOk="0">
                 <a:moveTo>
                   <a:pt x="0" y="0"/>
                 </a:moveTo>
@@ -1858,9 +1934,11 @@
       <p:sp>
         <p:nvSpPr>
           <p:cNvPr id="173" name="Google Shape;173;g10307139919_0_254:notes"/>
-          <p:cNvSpPr txBox="1"/>
+          <p:cNvSpPr txBox="1">
+            <a:spLocks noGrp="1"/>
+          </p:cNvSpPr>
           <p:nvPr>
-            <p:ph idx="1" type="body"/>
+            <p:ph type="body" idx="1"/>
           </p:nvPr>
         </p:nvSpPr>
         <p:spPr>
@@ -1873,12 +1951,12 @@
           </a:prstGeom>
         </p:spPr>
         <p:txBody>
-          <a:bodyPr anchorCtr="0" anchor="t" bIns="91425" lIns="91425" spcFirstLastPara="1" rIns="91425" wrap="square" tIns="91425">
+          <a:bodyPr spcFirstLastPara="1" wrap="square" lIns="91425" tIns="91425" rIns="91425" bIns="91425" anchor="t" anchorCtr="0">
             <a:noAutofit/>
           </a:bodyPr>
           <a:lstStyle/>
           <a:p>
-            <a:pPr indent="0" lvl="0" marL="0" rtl="0" algn="l">
+            <a:pPr marL="0" lvl="0" indent="0" algn="l" rtl="0">
               <a:spcBef>
                 <a:spcPts val="0"/>
               </a:spcBef>
@@ -1887,9 +1965,6 @@
               </a:spcAft>
               <a:buNone/>
             </a:pPr>
-            <a:r>
-              <a:t/>
-            </a:r>
             <a:endParaRPr/>
           </a:p>
         </p:txBody>
@@ -1903,11 +1978,11 @@
 </file>
 
 <file path=ppt/notesSlides/notesSlide9.xml><?xml version="1.0" encoding="utf-8"?>
-<p:notes xmlns:a="http://schemas.openxmlformats.org/drawingml/2006/main" xmlns:r="http://schemas.openxmlformats.org/officeDocument/2006/relationships" xmlns:mc="http://schemas.openxmlformats.org/markup-compatibility/2006" xmlns:mv="urn:schemas-microsoft-com:mac:vml" xmlns:p="http://schemas.openxmlformats.org/presentationml/2006/main" xmlns:c="http://schemas.openxmlformats.org/drawingml/2006/chart" xmlns:dgm="http://schemas.openxmlformats.org/drawingml/2006/diagram" xmlns:o="urn:schemas-microsoft-com:office:office" xmlns:v="urn:schemas-microsoft-com:vml" xmlns:pvml="urn:schemas-microsoft-com:office:powerpoint" xmlns:com="http://schemas.openxmlformats.org/drawingml/2006/compatibility" xmlns:p14="http://schemas.microsoft.com/office/powerpoint/2010/main" xmlns:p15="http://schemas.microsoft.com/office/powerpoint/2012/main" xmlns:ahyp="http://schemas.microsoft.com/office/drawing/2018/hyperlinkcolor" showMasterPhAnim="0" showMasterSp="0">
+<p:notes xmlns:a="http://schemas.openxmlformats.org/drawingml/2006/main" xmlns:r="http://schemas.openxmlformats.org/officeDocument/2006/relationships" xmlns:p="http://schemas.openxmlformats.org/presentationml/2006/main" showMasterSp="0" showMasterPhAnim="0">
   <p:cSld>
     <p:spTree>
       <p:nvGrpSpPr>
-        <p:cNvPr id="176" name="Shape 176"/>
+        <p:cNvPr id="1" name="Shape 176"/>
         <p:cNvGrpSpPr/>
         <p:nvPr/>
       </p:nvGrpSpPr>
@@ -1922,9 +1997,11 @@
       <p:sp>
         <p:nvSpPr>
           <p:cNvPr id="177" name="Google Shape;177;g10bf2bdaa04_0_8:notes"/>
-          <p:cNvSpPr/>
+          <p:cNvSpPr>
+            <a:spLocks noGrp="1" noRot="1" noChangeAspect="1"/>
+          </p:cNvSpPr>
           <p:nvPr>
-            <p:ph idx="2" type="sldImg"/>
+            <p:ph type="sldImg" idx="2"/>
           </p:nvPr>
         </p:nvSpPr>
         <p:spPr>
@@ -1933,9 +2010,13 @@
             <a:ext cx="6096000" cy="3429000"/>
           </a:xfrm>
           <a:custGeom>
-            <a:rect b="b" l="l" r="r" t="t"/>
+            <a:avLst/>
+            <a:gdLst/>
+            <a:ahLst/>
+            <a:cxnLst/>
+            <a:rect l="l" t="t" r="r" b="b"/>
             <a:pathLst>
-              <a:path extrusionOk="0" h="120000" w="120000">
+              <a:path w="120000" h="120000" extrusionOk="0">
                 <a:moveTo>
                   <a:pt x="0" y="0"/>
                 </a:moveTo>
@@ -1957,9 +2038,11 @@
       <p:sp>
         <p:nvSpPr>
           <p:cNvPr id="178" name="Google Shape;178;g10bf2bdaa04_0_8:notes"/>
-          <p:cNvSpPr txBox="1"/>
+          <p:cNvSpPr txBox="1">
+            <a:spLocks noGrp="1"/>
+          </p:cNvSpPr>
           <p:nvPr>
-            <p:ph idx="1" type="body"/>
+            <p:ph type="body" idx="1"/>
           </p:nvPr>
         </p:nvSpPr>
         <p:spPr>
@@ -1972,12 +2055,12 @@
           </a:prstGeom>
         </p:spPr>
         <p:txBody>
-          <a:bodyPr anchorCtr="0" anchor="t" bIns="91425" lIns="91425" spcFirstLastPara="1" rIns="91425" wrap="square" tIns="91425">
+          <a:bodyPr spcFirstLastPara="1" wrap="square" lIns="91425" tIns="91425" rIns="91425" bIns="91425" anchor="t" anchorCtr="0">
             <a:noAutofit/>
           </a:bodyPr>
           <a:lstStyle/>
           <a:p>
-            <a:pPr indent="0" lvl="0" marL="0" rtl="0" algn="l">
+            <a:pPr marL="0" lvl="0" indent="0" algn="l" rtl="0">
               <a:spcBef>
                 <a:spcPts val="0"/>
               </a:spcBef>
@@ -1986,9 +2069,6 @@
               </a:spcAft>
               <a:buNone/>
             </a:pPr>
-            <a:r>
-              <a:t/>
-            </a:r>
             <a:endParaRPr/>
           </a:p>
         </p:txBody>
@@ -2002,11 +2082,11 @@
 </file>
 
 <file path=ppt/slideLayouts/slideLayout1.xml><?xml version="1.0" encoding="utf-8"?>
-<p:sldLayout xmlns:a="http://schemas.openxmlformats.org/drawingml/2006/main" xmlns:r="http://schemas.openxmlformats.org/officeDocument/2006/relationships" xmlns:mc="http://schemas.openxmlformats.org/markup-compatibility/2006" xmlns:mv="urn:schemas-microsoft-com:mac:vml" xmlns:p="http://schemas.openxmlformats.org/presentationml/2006/main" xmlns:c="http://schemas.openxmlformats.org/drawingml/2006/chart" xmlns:dgm="http://schemas.openxmlformats.org/drawingml/2006/diagram" xmlns:o="urn:schemas-microsoft-com:office:office" xmlns:v="urn:schemas-microsoft-com:vml" xmlns:pvml="urn:schemas-microsoft-com:office:powerpoint" xmlns:com="http://schemas.openxmlformats.org/drawingml/2006/compatibility" xmlns:p14="http://schemas.microsoft.com/office/powerpoint/2010/main" xmlns:p15="http://schemas.microsoft.com/office/powerpoint/2012/main" xmlns:ahyp="http://schemas.microsoft.com/office/drawing/2018/hyperlinkcolor" matchingName="Title slide" type="title">
+<p:sldLayout xmlns:a="http://schemas.openxmlformats.org/drawingml/2006/main" xmlns:r="http://schemas.openxmlformats.org/officeDocument/2006/relationships" xmlns:p="http://schemas.openxmlformats.org/presentationml/2006/main" matchingName="Title slide" type="title">
   <p:cSld name="TITLE">
     <p:spTree>
       <p:nvGrpSpPr>
-        <p:cNvPr id="9" name="Shape 9"/>
+        <p:cNvPr id="1" name="Shape 9"/>
         <p:cNvGrpSpPr/>
         <p:nvPr/>
       </p:nvGrpSpPr>
@@ -2031,7 +2111,7 @@
           </a:xfrm>
           <a:prstGeom prst="diagStripe">
             <a:avLst>
-              <a:gd fmla="val 0" name="adj"/>
+              <a:gd name="adj" fmla="val 0"/>
             </a:avLst>
           </a:prstGeom>
           <a:solidFill>
@@ -2044,12 +2124,12 @@
           </a:ln>
         </p:spPr>
         <p:txBody>
-          <a:bodyPr anchorCtr="0" anchor="ctr" bIns="91425" lIns="91425" spcFirstLastPara="1" rIns="91425" wrap="square" tIns="91425">
+          <a:bodyPr spcFirstLastPara="1" wrap="square" lIns="91425" tIns="91425" rIns="91425" bIns="91425" anchor="ctr" anchorCtr="0">
             <a:noAutofit/>
           </a:bodyPr>
           <a:lstStyle/>
           <a:p>
-            <a:pPr indent="0" lvl="0" marL="0" rtl="0" algn="l">
+            <a:pPr marL="0" lvl="0" indent="0" algn="l" rtl="0">
               <a:spcBef>
                 <a:spcPts val="0"/>
               </a:spcBef>
@@ -2058,9 +2138,6 @@
               </a:spcAft>
               <a:buNone/>
             </a:pPr>
-            <a:r>
-              <a:t/>
-            </a:r>
             <a:endParaRPr/>
           </a:p>
         </p:txBody>
@@ -2092,7 +2169,7 @@
             </a:xfrm>
             <a:prstGeom prst="diagStripe">
               <a:avLst>
-                <a:gd fmla="val 50000" name="adj"/>
+                <a:gd name="adj" fmla="val 50000"/>
               </a:avLst>
             </a:prstGeom>
             <a:solidFill>
@@ -2105,12 +2182,12 @@
             </a:ln>
           </p:spPr>
           <p:txBody>
-            <a:bodyPr anchorCtr="0" anchor="ctr" bIns="91425" lIns="91425" spcFirstLastPara="1" rIns="91425" wrap="square" tIns="91425">
+            <a:bodyPr spcFirstLastPara="1" wrap="square" lIns="91425" tIns="91425" rIns="91425" bIns="91425" anchor="ctr" anchorCtr="0">
               <a:noAutofit/>
             </a:bodyPr>
             <a:lstStyle/>
             <a:p>
-              <a:pPr indent="0" lvl="0" marL="0" rtl="0" algn="l">
+              <a:pPr marL="0" lvl="0" indent="0" algn="l" rtl="0">
                 <a:spcBef>
                   <a:spcPts val="0"/>
                 </a:spcBef>
@@ -2119,9 +2196,6 @@
                 </a:spcAft>
                 <a:buNone/>
               </a:pPr>
-              <a:r>
-                <a:t/>
-              </a:r>
               <a:endParaRPr/>
             </a:p>
           </p:txBody>
@@ -2139,7 +2213,7 @@
             </a:xfrm>
             <a:prstGeom prst="diagStripe">
               <a:avLst>
-                <a:gd fmla="val 58774" name="adj"/>
+                <a:gd name="adj" fmla="val 58774"/>
               </a:avLst>
             </a:prstGeom>
             <a:solidFill>
@@ -2152,12 +2226,12 @@
             </a:ln>
           </p:spPr>
           <p:txBody>
-            <a:bodyPr anchorCtr="0" anchor="ctr" bIns="91425" lIns="91425" spcFirstLastPara="1" rIns="91425" wrap="square" tIns="91425">
+            <a:bodyPr spcFirstLastPara="1" wrap="square" lIns="91425" tIns="91425" rIns="91425" bIns="91425" anchor="ctr" anchorCtr="0">
               <a:noAutofit/>
             </a:bodyPr>
             <a:lstStyle/>
             <a:p>
-              <a:pPr indent="0" lvl="0" marL="0" rtl="0" algn="l">
+              <a:pPr marL="0" lvl="0" indent="0" algn="l" rtl="0">
                 <a:spcBef>
                   <a:spcPts val="0"/>
                 </a:spcBef>
@@ -2166,9 +2240,6 @@
                 </a:spcAft>
                 <a:buNone/>
               </a:pPr>
-              <a:r>
-                <a:t/>
-              </a:r>
               <a:endParaRPr/>
             </a:p>
           </p:txBody>
@@ -2186,7 +2257,7 @@
             </a:xfrm>
             <a:prstGeom prst="diagStripe">
               <a:avLst>
-                <a:gd fmla="val 50000" name="adj"/>
+                <a:gd name="adj" fmla="val 50000"/>
               </a:avLst>
             </a:prstGeom>
             <a:solidFill>
@@ -2197,12 +2268,12 @@
             </a:ln>
           </p:spPr>
           <p:txBody>
-            <a:bodyPr anchorCtr="0" anchor="ctr" bIns="91425" lIns="91425" spcFirstLastPara="1" rIns="91425" wrap="square" tIns="91425">
+            <a:bodyPr spcFirstLastPara="1" wrap="square" lIns="91425" tIns="91425" rIns="91425" bIns="91425" anchor="ctr" anchorCtr="0">
               <a:noAutofit/>
             </a:bodyPr>
             <a:lstStyle/>
             <a:p>
-              <a:pPr indent="0" lvl="0" marL="0" rtl="0" algn="l">
+              <a:pPr marL="0" lvl="0" indent="0" algn="l" rtl="0">
                 <a:spcBef>
                   <a:spcPts val="0"/>
                 </a:spcBef>
@@ -2211,9 +2282,6 @@
                 </a:spcAft>
                 <a:buNone/>
               </a:pPr>
-              <a:r>
-                <a:t/>
-              </a:r>
               <a:endParaRPr/>
             </a:p>
           </p:txBody>
@@ -2231,7 +2299,7 @@
             </a:xfrm>
             <a:prstGeom prst="diagStripe">
               <a:avLst>
-                <a:gd fmla="val 50000" name="adj"/>
+                <a:gd name="adj" fmla="val 50000"/>
               </a:avLst>
             </a:prstGeom>
             <a:solidFill>
@@ -2242,12 +2310,12 @@
             </a:ln>
           </p:spPr>
           <p:txBody>
-            <a:bodyPr anchorCtr="0" anchor="ctr" bIns="91425" lIns="91425" spcFirstLastPara="1" rIns="91425" wrap="square" tIns="91425">
+            <a:bodyPr spcFirstLastPara="1" wrap="square" lIns="91425" tIns="91425" rIns="91425" bIns="91425" anchor="ctr" anchorCtr="0">
               <a:noAutofit/>
             </a:bodyPr>
             <a:lstStyle/>
             <a:p>
-              <a:pPr indent="0" lvl="0" marL="0" rtl="0" algn="l">
+              <a:pPr marL="0" lvl="0" indent="0" algn="l" rtl="0">
                 <a:spcBef>
                   <a:spcPts val="0"/>
                 </a:spcBef>
@@ -2256,9 +2324,6 @@
                 </a:spcAft>
                 <a:buNone/>
               </a:pPr>
-              <a:r>
-                <a:t/>
-              </a:r>
               <a:endParaRPr/>
             </a:p>
           </p:txBody>
@@ -2267,7 +2332,9 @@
       <p:sp>
         <p:nvSpPr>
           <p:cNvPr id="16" name="Google Shape;16;p2"/>
-          <p:cNvSpPr txBox="1"/>
+          <p:cNvSpPr txBox="1">
+            <a:spLocks noGrp="1"/>
+          </p:cNvSpPr>
           <p:nvPr>
             <p:ph type="ctrTitle"/>
           </p:nvPr>
@@ -2282,7 +2349,7 @@
           </a:prstGeom>
         </p:spPr>
         <p:txBody>
-          <a:bodyPr anchorCtr="0" anchor="t" bIns="91425" lIns="91425" spcFirstLastPara="1" rIns="91425" wrap="square" tIns="91425">
+          <a:bodyPr spcFirstLastPara="1" wrap="square" lIns="91425" tIns="91425" rIns="91425" bIns="91425" anchor="t" anchorCtr="0">
             <a:normAutofit/>
           </a:bodyPr>
           <a:lstStyle>
@@ -2386,15 +2453,19 @@
               <a:defRPr sz="4000"/>
             </a:lvl9pPr>
           </a:lstStyle>
-          <a:p/>
+          <a:p>
+            <a:endParaRPr/>
+          </a:p>
         </p:txBody>
       </p:sp>
       <p:sp>
         <p:nvSpPr>
           <p:cNvPr id="17" name="Google Shape;17;p2"/>
-          <p:cNvSpPr txBox="1"/>
+          <p:cNvSpPr txBox="1">
+            <a:spLocks noGrp="1"/>
+          </p:cNvSpPr>
           <p:nvPr>
-            <p:ph idx="1" type="subTitle"/>
+            <p:ph type="subTitle" idx="1"/>
           </p:nvPr>
         </p:nvSpPr>
         <p:spPr>
@@ -2407,7 +2478,7 @@
           </a:prstGeom>
         </p:spPr>
         <p:txBody>
-          <a:bodyPr anchorCtr="0" anchor="t" bIns="91425" lIns="91425" spcFirstLastPara="1" rIns="91425" wrap="square" tIns="91425">
+          <a:bodyPr spcFirstLastPara="1" wrap="square" lIns="91425" tIns="91425" rIns="91425" bIns="91425" anchor="t" anchorCtr="0">
             <a:normAutofit/>
           </a:bodyPr>
           <a:lstStyle>
@@ -2538,15 +2609,19 @@
               <a:defRPr sz="1300"/>
             </a:lvl9pPr>
           </a:lstStyle>
-          <a:p/>
+          <a:p>
+            <a:endParaRPr/>
+          </a:p>
         </p:txBody>
       </p:sp>
       <p:sp>
         <p:nvSpPr>
           <p:cNvPr id="18" name="Google Shape;18;p2"/>
-          <p:cNvSpPr txBox="1"/>
+          <p:cNvSpPr txBox="1">
+            <a:spLocks noGrp="1"/>
+          </p:cNvSpPr>
           <p:nvPr>
-            <p:ph idx="12" type="sldNum"/>
+            <p:ph type="sldNum" idx="12"/>
           </p:nvPr>
         </p:nvSpPr>
         <p:spPr>
@@ -2559,7 +2634,7 @@
           </a:prstGeom>
         </p:spPr>
         <p:txBody>
-          <a:bodyPr anchorCtr="0" anchor="ctr" bIns="91425" lIns="91425" spcFirstLastPara="1" rIns="91425" wrap="square" tIns="91425">
+          <a:bodyPr spcFirstLastPara="1" wrap="square" lIns="91425" tIns="91425" rIns="91425" bIns="91425" anchor="ctr" anchorCtr="0">
             <a:normAutofit/>
           </a:bodyPr>
           <a:lstStyle>
@@ -2601,7 +2676,7 @@
             </a:lvl9pPr>
           </a:lstStyle>
           <a:p>
-            <a:pPr indent="0" lvl="0" marL="0" rtl="0" algn="r">
+            <a:pPr marL="0" lvl="0" indent="0" algn="r" rtl="0">
               <a:spcBef>
                 <a:spcPts val="0"/>
               </a:spcBef>
@@ -2627,11 +2702,11 @@
 </file>
 
 <file path=ppt/slideLayouts/slideLayout10.xml><?xml version="1.0" encoding="utf-8"?>
-<p:sldLayout xmlns:a="http://schemas.openxmlformats.org/drawingml/2006/main" xmlns:r="http://schemas.openxmlformats.org/officeDocument/2006/relationships" xmlns:mc="http://schemas.openxmlformats.org/markup-compatibility/2006" xmlns:mv="urn:schemas-microsoft-com:mac:vml" xmlns:p="http://schemas.openxmlformats.org/presentationml/2006/main" xmlns:c="http://schemas.openxmlformats.org/drawingml/2006/chart" xmlns:dgm="http://schemas.openxmlformats.org/drawingml/2006/diagram" xmlns:o="urn:schemas-microsoft-com:office:office" xmlns:v="urn:schemas-microsoft-com:vml" xmlns:pvml="urn:schemas-microsoft-com:office:powerpoint" xmlns:com="http://schemas.openxmlformats.org/drawingml/2006/compatibility" xmlns:p14="http://schemas.microsoft.com/office/powerpoint/2010/main" xmlns:p15="http://schemas.microsoft.com/office/powerpoint/2012/main" xmlns:ahyp="http://schemas.microsoft.com/office/drawing/2018/hyperlinkcolor" matchingName="Big number">
+<p:sldLayout xmlns:a="http://schemas.openxmlformats.org/drawingml/2006/main" xmlns:r="http://schemas.openxmlformats.org/officeDocument/2006/relationships" xmlns:p="http://schemas.openxmlformats.org/presentationml/2006/main" matchingName="Big number">
   <p:cSld name="BIG_NUMBER">
     <p:spTree>
       <p:nvGrpSpPr>
-        <p:cNvPr id="105" name="Shape 105"/>
+        <p:cNvPr id="1" name="Shape 105"/>
         <p:cNvGrpSpPr/>
         <p:nvPr/>
       </p:nvGrpSpPr>
@@ -2670,7 +2745,7 @@
             </a:xfrm>
             <a:prstGeom prst="diagStripe">
               <a:avLst>
-                <a:gd fmla="val 49469" name="adj"/>
+                <a:gd name="adj" fmla="val 49469"/>
               </a:avLst>
             </a:prstGeom>
             <a:solidFill>
@@ -2683,12 +2758,12 @@
             </a:ln>
           </p:spPr>
           <p:txBody>
-            <a:bodyPr anchorCtr="0" anchor="ctr" bIns="91425" lIns="91425" spcFirstLastPara="1" rIns="91425" wrap="square" tIns="91425">
+            <a:bodyPr spcFirstLastPara="1" wrap="square" lIns="91425" tIns="91425" rIns="91425" bIns="91425" anchor="ctr" anchorCtr="0">
               <a:noAutofit/>
             </a:bodyPr>
             <a:lstStyle/>
             <a:p>
-              <a:pPr indent="0" lvl="0" marL="0" rtl="0" algn="l">
+              <a:pPr marL="0" lvl="0" indent="0" algn="l" rtl="0">
                 <a:spcBef>
                   <a:spcPts val="0"/>
                 </a:spcBef>
@@ -2697,9 +2772,6 @@
                 </a:spcAft>
                 <a:buNone/>
               </a:pPr>
-              <a:r>
-                <a:t/>
-              </a:r>
               <a:endParaRPr/>
             </a:p>
           </p:txBody>
@@ -2717,7 +2789,7 @@
             </a:xfrm>
             <a:prstGeom prst="diagStripe">
               <a:avLst>
-                <a:gd fmla="val 0" name="adj"/>
+                <a:gd name="adj" fmla="val 0"/>
               </a:avLst>
             </a:prstGeom>
             <a:solidFill>
@@ -2730,12 +2802,12 @@
             </a:ln>
           </p:spPr>
           <p:txBody>
-            <a:bodyPr anchorCtr="0" anchor="ctr" bIns="91425" lIns="91425" spcFirstLastPara="1" rIns="91425" wrap="square" tIns="91425">
+            <a:bodyPr spcFirstLastPara="1" wrap="square" lIns="91425" tIns="91425" rIns="91425" bIns="91425" anchor="ctr" anchorCtr="0">
               <a:noAutofit/>
             </a:bodyPr>
             <a:lstStyle/>
             <a:p>
-              <a:pPr indent="0" lvl="0" marL="0" rtl="0" algn="l">
+              <a:pPr marL="0" lvl="0" indent="0" algn="l" rtl="0">
                 <a:spcBef>
                   <a:spcPts val="0"/>
                 </a:spcBef>
@@ -2744,9 +2816,6 @@
                 </a:spcAft>
                 <a:buNone/>
               </a:pPr>
-              <a:r>
-                <a:t/>
-              </a:r>
               <a:endParaRPr/>
             </a:p>
           </p:txBody>
@@ -2764,7 +2833,7 @@
             </a:xfrm>
             <a:prstGeom prst="diagStripe">
               <a:avLst>
-                <a:gd fmla="val 50000" name="adj"/>
+                <a:gd name="adj" fmla="val 50000"/>
               </a:avLst>
             </a:prstGeom>
             <a:solidFill>
@@ -2777,12 +2846,12 @@
             </a:ln>
           </p:spPr>
           <p:txBody>
-            <a:bodyPr anchorCtr="0" anchor="ctr" bIns="91425" lIns="91425" spcFirstLastPara="1" rIns="91425" wrap="square" tIns="91425">
+            <a:bodyPr spcFirstLastPara="1" wrap="square" lIns="91425" tIns="91425" rIns="91425" bIns="91425" anchor="ctr" anchorCtr="0">
               <a:noAutofit/>
             </a:bodyPr>
             <a:lstStyle/>
             <a:p>
-              <a:pPr indent="0" lvl="0" marL="0" rtl="0" algn="l">
+              <a:pPr marL="0" lvl="0" indent="0" algn="l" rtl="0">
                 <a:spcBef>
                   <a:spcPts val="0"/>
                 </a:spcBef>
@@ -2791,9 +2860,6 @@
                 </a:spcAft>
                 <a:buNone/>
               </a:pPr>
-              <a:r>
-                <a:t/>
-              </a:r>
               <a:endParaRPr/>
             </a:p>
           </p:txBody>
@@ -2811,7 +2877,7 @@
             </a:xfrm>
             <a:prstGeom prst="diagStripe">
               <a:avLst>
-                <a:gd fmla="val 50000" name="adj"/>
+                <a:gd name="adj" fmla="val 50000"/>
               </a:avLst>
             </a:prstGeom>
             <a:solidFill>
@@ -2824,12 +2890,12 @@
             </a:ln>
           </p:spPr>
           <p:txBody>
-            <a:bodyPr anchorCtr="0" anchor="ctr" bIns="91425" lIns="91425" spcFirstLastPara="1" rIns="91425" wrap="square" tIns="91425">
+            <a:bodyPr spcFirstLastPara="1" wrap="square" lIns="91425" tIns="91425" rIns="91425" bIns="91425" anchor="ctr" anchorCtr="0">
               <a:noAutofit/>
             </a:bodyPr>
             <a:lstStyle/>
             <a:p>
-              <a:pPr indent="0" lvl="0" marL="0" rtl="0" algn="l">
+              <a:pPr marL="0" lvl="0" indent="0" algn="l" rtl="0">
                 <a:spcBef>
                   <a:spcPts val="0"/>
                 </a:spcBef>
@@ -2838,9 +2904,6 @@
                 </a:spcAft>
                 <a:buNone/>
               </a:pPr>
-              <a:r>
-                <a:t/>
-              </a:r>
               <a:endParaRPr/>
             </a:p>
           </p:txBody>
@@ -2858,7 +2921,7 @@
             </a:xfrm>
             <a:prstGeom prst="diagStripe">
               <a:avLst>
-                <a:gd fmla="val 50000" name="adj"/>
+                <a:gd name="adj" fmla="val 50000"/>
               </a:avLst>
             </a:prstGeom>
             <a:solidFill>
@@ -2871,12 +2934,12 @@
             </a:ln>
           </p:spPr>
           <p:txBody>
-            <a:bodyPr anchorCtr="0" anchor="ctr" bIns="91425" lIns="91425" spcFirstLastPara="1" rIns="91425" wrap="square" tIns="91425">
+            <a:bodyPr spcFirstLastPara="1" wrap="square" lIns="91425" tIns="91425" rIns="91425" bIns="91425" anchor="ctr" anchorCtr="0">
               <a:noAutofit/>
             </a:bodyPr>
             <a:lstStyle/>
             <a:p>
-              <a:pPr indent="0" lvl="0" marL="0" rtl="0" algn="l">
+              <a:pPr marL="0" lvl="0" indent="0" algn="l" rtl="0">
                 <a:spcBef>
                   <a:spcPts val="0"/>
                 </a:spcBef>
@@ -2885,9 +2948,6 @@
                 </a:spcAft>
                 <a:buNone/>
               </a:pPr>
-              <a:r>
-                <a:t/>
-              </a:r>
               <a:endParaRPr/>
             </a:p>
           </p:txBody>
@@ -2905,7 +2965,7 @@
             </a:xfrm>
             <a:prstGeom prst="diagStripe">
               <a:avLst>
-                <a:gd fmla="val 50000" name="adj"/>
+                <a:gd name="adj" fmla="val 50000"/>
               </a:avLst>
             </a:prstGeom>
             <a:solidFill>
@@ -2918,12 +2978,12 @@
             </a:ln>
           </p:spPr>
           <p:txBody>
-            <a:bodyPr anchorCtr="0" anchor="ctr" bIns="91425" lIns="91425" spcFirstLastPara="1" rIns="91425" wrap="square" tIns="91425">
+            <a:bodyPr spcFirstLastPara="1" wrap="square" lIns="91425" tIns="91425" rIns="91425" bIns="91425" anchor="ctr" anchorCtr="0">
               <a:noAutofit/>
             </a:bodyPr>
             <a:lstStyle/>
             <a:p>
-              <a:pPr indent="0" lvl="0" marL="0" rtl="0" algn="l">
+              <a:pPr marL="0" lvl="0" indent="0" algn="l" rtl="0">
                 <a:spcBef>
                   <a:spcPts val="0"/>
                 </a:spcBef>
@@ -2932,9 +2992,6 @@
                 </a:spcAft>
                 <a:buNone/>
               </a:pPr>
-              <a:r>
-                <a:t/>
-              </a:r>
               <a:endParaRPr/>
             </a:p>
           </p:txBody>
@@ -2952,7 +3009,7 @@
             </a:xfrm>
             <a:prstGeom prst="diagStripe">
               <a:avLst>
-                <a:gd fmla="val 50000" name="adj"/>
+                <a:gd name="adj" fmla="val 50000"/>
               </a:avLst>
             </a:prstGeom>
             <a:solidFill>
@@ -2965,12 +3022,12 @@
             </a:ln>
           </p:spPr>
           <p:txBody>
-            <a:bodyPr anchorCtr="0" anchor="ctr" bIns="91425" lIns="91425" spcFirstLastPara="1" rIns="91425" wrap="square" tIns="91425">
+            <a:bodyPr spcFirstLastPara="1" wrap="square" lIns="91425" tIns="91425" rIns="91425" bIns="91425" anchor="ctr" anchorCtr="0">
               <a:noAutofit/>
             </a:bodyPr>
             <a:lstStyle/>
             <a:p>
-              <a:pPr indent="0" lvl="0" marL="0" rtl="0" algn="l">
+              <a:pPr marL="0" lvl="0" indent="0" algn="l" rtl="0">
                 <a:spcBef>
                   <a:spcPts val="0"/>
                 </a:spcBef>
@@ -2979,9 +3036,6 @@
                 </a:spcAft>
                 <a:buNone/>
               </a:pPr>
-              <a:r>
-                <a:t/>
-              </a:r>
               <a:endParaRPr/>
             </a:p>
           </p:txBody>
@@ -2999,7 +3053,7 @@
             </a:xfrm>
             <a:prstGeom prst="diagStripe">
               <a:avLst>
-                <a:gd fmla="val 50000" name="adj"/>
+                <a:gd name="adj" fmla="val 50000"/>
               </a:avLst>
             </a:prstGeom>
             <a:solidFill>
@@ -3010,12 +3064,12 @@
             </a:ln>
           </p:spPr>
           <p:txBody>
-            <a:bodyPr anchorCtr="0" anchor="ctr" bIns="91425" lIns="91425" spcFirstLastPara="1" rIns="91425" wrap="square" tIns="91425">
+            <a:bodyPr spcFirstLastPara="1" wrap="square" lIns="91425" tIns="91425" rIns="91425" bIns="91425" anchor="ctr" anchorCtr="0">
               <a:noAutofit/>
             </a:bodyPr>
             <a:lstStyle/>
             <a:p>
-              <a:pPr indent="0" lvl="0" marL="0" rtl="0" algn="l">
+              <a:pPr marL="0" lvl="0" indent="0" algn="l" rtl="0">
                 <a:spcBef>
                   <a:spcPts val="0"/>
                 </a:spcBef>
@@ -3024,9 +3078,6 @@
                 </a:spcAft>
                 <a:buNone/>
               </a:pPr>
-              <a:r>
-                <a:t/>
-              </a:r>
               <a:endParaRPr/>
             </a:p>
           </p:txBody>
@@ -3044,7 +3095,7 @@
             </a:xfrm>
             <a:prstGeom prst="diagStripe">
               <a:avLst>
-                <a:gd fmla="val 50000" name="adj"/>
+                <a:gd name="adj" fmla="val 50000"/>
               </a:avLst>
             </a:prstGeom>
             <a:solidFill>
@@ -3057,12 +3108,12 @@
             </a:ln>
           </p:spPr>
           <p:txBody>
-            <a:bodyPr anchorCtr="0" anchor="ctr" bIns="91425" lIns="91425" spcFirstLastPara="1" rIns="91425" wrap="square" tIns="91425">
+            <a:bodyPr spcFirstLastPara="1" wrap="square" lIns="91425" tIns="91425" rIns="91425" bIns="91425" anchor="ctr" anchorCtr="0">
               <a:noAutofit/>
             </a:bodyPr>
             <a:lstStyle/>
             <a:p>
-              <a:pPr indent="0" lvl="0" marL="0" rtl="0" algn="l">
+              <a:pPr marL="0" lvl="0" indent="0" algn="l" rtl="0">
                 <a:spcBef>
                   <a:spcPts val="0"/>
                 </a:spcBef>
@@ -3071,9 +3122,6 @@
                 </a:spcAft>
                 <a:buNone/>
               </a:pPr>
-              <a:r>
-                <a:t/>
-              </a:r>
               <a:endParaRPr/>
             </a:p>
           </p:txBody>
@@ -3091,7 +3139,7 @@
             </a:xfrm>
             <a:prstGeom prst="diagStripe">
               <a:avLst>
-                <a:gd fmla="val 50000" name="adj"/>
+                <a:gd name="adj" fmla="val 50000"/>
               </a:avLst>
             </a:prstGeom>
             <a:solidFill>
@@ -3104,12 +3152,12 @@
             </a:ln>
           </p:spPr>
           <p:txBody>
-            <a:bodyPr anchorCtr="0" anchor="ctr" bIns="91425" lIns="91425" spcFirstLastPara="1" rIns="91425" wrap="square" tIns="91425">
+            <a:bodyPr spcFirstLastPara="1" wrap="square" lIns="91425" tIns="91425" rIns="91425" bIns="91425" anchor="ctr" anchorCtr="0">
               <a:noAutofit/>
             </a:bodyPr>
             <a:lstStyle/>
             <a:p>
-              <a:pPr indent="0" lvl="0" marL="0" rtl="0" algn="l">
+              <a:pPr marL="0" lvl="0" indent="0" algn="l" rtl="0">
                 <a:spcBef>
                   <a:spcPts val="0"/>
                 </a:spcBef>
@@ -3118,9 +3166,6 @@
                 </a:spcAft>
                 <a:buNone/>
               </a:pPr>
-              <a:r>
-                <a:t/>
-              </a:r>
               <a:endParaRPr/>
             </a:p>
           </p:txBody>
@@ -3138,7 +3183,7 @@
             </a:xfrm>
             <a:prstGeom prst="diagStripe">
               <a:avLst>
-                <a:gd fmla="val 50000" name="adj"/>
+                <a:gd name="adj" fmla="val 50000"/>
               </a:avLst>
             </a:prstGeom>
             <a:solidFill>
@@ -3151,12 +3196,12 @@
             </a:ln>
           </p:spPr>
           <p:txBody>
-            <a:bodyPr anchorCtr="0" anchor="ctr" bIns="91425" lIns="91425" spcFirstLastPara="1" rIns="91425" wrap="square" tIns="91425">
+            <a:bodyPr spcFirstLastPara="1" wrap="square" lIns="91425" tIns="91425" rIns="91425" bIns="91425" anchor="ctr" anchorCtr="0">
               <a:noAutofit/>
             </a:bodyPr>
             <a:lstStyle/>
             <a:p>
-              <a:pPr indent="0" lvl="0" marL="0" rtl="0" algn="l">
+              <a:pPr marL="0" lvl="0" indent="0" algn="l" rtl="0">
                 <a:spcBef>
                   <a:spcPts val="0"/>
                 </a:spcBef>
@@ -3165,9 +3210,6 @@
                 </a:spcAft>
                 <a:buNone/>
               </a:pPr>
-              <a:r>
-                <a:t/>
-              </a:r>
               <a:endParaRPr/>
             </a:p>
           </p:txBody>
@@ -3185,7 +3227,7 @@
             </a:xfrm>
             <a:prstGeom prst="diagStripe">
               <a:avLst>
-                <a:gd fmla="val 50000" name="adj"/>
+                <a:gd name="adj" fmla="val 50000"/>
               </a:avLst>
             </a:prstGeom>
             <a:solidFill>
@@ -3198,12 +3240,12 @@
             </a:ln>
           </p:spPr>
           <p:txBody>
-            <a:bodyPr anchorCtr="0" anchor="ctr" bIns="91425" lIns="91425" spcFirstLastPara="1" rIns="91425" wrap="square" tIns="91425">
+            <a:bodyPr spcFirstLastPara="1" wrap="square" lIns="91425" tIns="91425" rIns="91425" bIns="91425" anchor="ctr" anchorCtr="0">
               <a:noAutofit/>
             </a:bodyPr>
             <a:lstStyle/>
             <a:p>
-              <a:pPr indent="0" lvl="0" marL="0" rtl="0" algn="l">
+              <a:pPr marL="0" lvl="0" indent="0" algn="l" rtl="0">
                 <a:spcBef>
                   <a:spcPts val="0"/>
                 </a:spcBef>
@@ -3212,9 +3254,6 @@
                 </a:spcAft>
                 <a:buNone/>
               </a:pPr>
-              <a:r>
-                <a:t/>
-              </a:r>
               <a:endParaRPr/>
             </a:p>
           </p:txBody>
@@ -3232,7 +3271,7 @@
             </a:xfrm>
             <a:prstGeom prst="diagStripe">
               <a:avLst>
-                <a:gd fmla="val 50000" name="adj"/>
+                <a:gd name="adj" fmla="val 50000"/>
               </a:avLst>
             </a:prstGeom>
             <a:solidFill>
@@ -3245,12 +3284,12 @@
             </a:ln>
           </p:spPr>
           <p:txBody>
-            <a:bodyPr anchorCtr="0" anchor="ctr" bIns="91425" lIns="91425" spcFirstLastPara="1" rIns="91425" wrap="square" tIns="91425">
+            <a:bodyPr spcFirstLastPara="1" wrap="square" lIns="91425" tIns="91425" rIns="91425" bIns="91425" anchor="ctr" anchorCtr="0">
               <a:noAutofit/>
             </a:bodyPr>
             <a:lstStyle/>
             <a:p>
-              <a:pPr indent="0" lvl="0" marL="0" rtl="0" algn="l">
+              <a:pPr marL="0" lvl="0" indent="0" algn="l" rtl="0">
                 <a:spcBef>
                   <a:spcPts val="0"/>
                 </a:spcBef>
@@ -3259,9 +3298,6 @@
                 </a:spcAft>
                 <a:buNone/>
               </a:pPr>
-              <a:r>
-                <a:t/>
-              </a:r>
               <a:endParaRPr/>
             </a:p>
           </p:txBody>
@@ -3279,7 +3315,7 @@
             </a:xfrm>
             <a:prstGeom prst="diagStripe">
               <a:avLst>
-                <a:gd fmla="val 50000" name="adj"/>
+                <a:gd name="adj" fmla="val 50000"/>
               </a:avLst>
             </a:prstGeom>
             <a:solidFill>
@@ -3290,12 +3326,12 @@
             </a:ln>
           </p:spPr>
           <p:txBody>
-            <a:bodyPr anchorCtr="0" anchor="ctr" bIns="91425" lIns="91425" spcFirstLastPara="1" rIns="91425" wrap="square" tIns="91425">
+            <a:bodyPr spcFirstLastPara="1" wrap="square" lIns="91425" tIns="91425" rIns="91425" bIns="91425" anchor="ctr" anchorCtr="0">
               <a:noAutofit/>
             </a:bodyPr>
             <a:lstStyle/>
             <a:p>
-              <a:pPr indent="0" lvl="0" marL="0" rtl="0" algn="l">
+              <a:pPr marL="0" lvl="0" indent="0" algn="l" rtl="0">
                 <a:spcBef>
                   <a:spcPts val="0"/>
                 </a:spcBef>
@@ -3304,9 +3340,6 @@
                 </a:spcAft>
                 <a:buNone/>
               </a:pPr>
-              <a:r>
-                <a:t/>
-              </a:r>
               <a:endParaRPr/>
             </a:p>
           </p:txBody>
@@ -3324,7 +3357,7 @@
             </a:xfrm>
             <a:prstGeom prst="diagStripe">
               <a:avLst>
-                <a:gd fmla="val 50000" name="adj"/>
+                <a:gd name="adj" fmla="val 50000"/>
               </a:avLst>
             </a:prstGeom>
             <a:solidFill>
@@ -3337,12 +3370,12 @@
             </a:ln>
           </p:spPr>
           <p:txBody>
-            <a:bodyPr anchorCtr="0" anchor="ctr" bIns="91425" lIns="91425" spcFirstLastPara="1" rIns="91425" wrap="square" tIns="91425">
+            <a:bodyPr spcFirstLastPara="1" wrap="square" lIns="91425" tIns="91425" rIns="91425" bIns="91425" anchor="ctr" anchorCtr="0">
               <a:noAutofit/>
             </a:bodyPr>
             <a:lstStyle/>
             <a:p>
-              <a:pPr indent="0" lvl="0" marL="0" rtl="0" algn="l">
+              <a:pPr marL="0" lvl="0" indent="0" algn="l" rtl="0">
                 <a:spcBef>
                   <a:spcPts val="0"/>
                 </a:spcBef>
@@ -3351,9 +3384,6 @@
                 </a:spcAft>
                 <a:buNone/>
               </a:pPr>
-              <a:r>
-                <a:t/>
-              </a:r>
               <a:endParaRPr/>
             </a:p>
           </p:txBody>
@@ -3371,7 +3401,7 @@
             </a:xfrm>
             <a:prstGeom prst="diagStripe">
               <a:avLst>
-                <a:gd fmla="val 50000" name="adj"/>
+                <a:gd name="adj" fmla="val 50000"/>
               </a:avLst>
             </a:prstGeom>
             <a:solidFill>
@@ -3384,12 +3414,12 @@
             </a:ln>
           </p:spPr>
           <p:txBody>
-            <a:bodyPr anchorCtr="0" anchor="ctr" bIns="91425" lIns="91425" spcFirstLastPara="1" rIns="91425" wrap="square" tIns="91425">
+            <a:bodyPr spcFirstLastPara="1" wrap="square" lIns="91425" tIns="91425" rIns="91425" bIns="91425" anchor="ctr" anchorCtr="0">
               <a:noAutofit/>
             </a:bodyPr>
             <a:lstStyle/>
             <a:p>
-              <a:pPr indent="0" lvl="0" marL="0" rtl="0" algn="l">
+              <a:pPr marL="0" lvl="0" indent="0" algn="l" rtl="0">
                 <a:spcBef>
                   <a:spcPts val="0"/>
                 </a:spcBef>
@@ -3398,9 +3428,6 @@
                 </a:spcAft>
                 <a:buNone/>
               </a:pPr>
-              <a:r>
-                <a:t/>
-              </a:r>
               <a:endParaRPr/>
             </a:p>
           </p:txBody>
@@ -3418,7 +3445,7 @@
             </a:xfrm>
             <a:prstGeom prst="diagStripe">
               <a:avLst>
-                <a:gd fmla="val 50000" name="adj"/>
+                <a:gd name="adj" fmla="val 50000"/>
               </a:avLst>
             </a:prstGeom>
             <a:solidFill>
@@ -3431,12 +3458,12 @@
             </a:ln>
           </p:spPr>
           <p:txBody>
-            <a:bodyPr anchorCtr="0" anchor="ctr" bIns="91425" lIns="91425" spcFirstLastPara="1" rIns="91425" wrap="square" tIns="91425">
+            <a:bodyPr spcFirstLastPara="1" wrap="square" lIns="91425" tIns="91425" rIns="91425" bIns="91425" anchor="ctr" anchorCtr="0">
               <a:noAutofit/>
             </a:bodyPr>
             <a:lstStyle/>
             <a:p>
-              <a:pPr indent="0" lvl="0" marL="0" rtl="0" algn="l">
+              <a:pPr marL="0" lvl="0" indent="0" algn="l" rtl="0">
                 <a:spcBef>
                   <a:spcPts val="0"/>
                 </a:spcBef>
@@ -3445,9 +3472,6 @@
                 </a:spcAft>
                 <a:buNone/>
               </a:pPr>
-              <a:r>
-                <a:t/>
-              </a:r>
               <a:endParaRPr/>
             </a:p>
           </p:txBody>
@@ -3465,7 +3489,7 @@
             </a:xfrm>
             <a:prstGeom prst="diagStripe">
               <a:avLst>
-                <a:gd fmla="val 50000" name="adj"/>
+                <a:gd name="adj" fmla="val 50000"/>
               </a:avLst>
             </a:prstGeom>
             <a:solidFill>
@@ -3478,12 +3502,12 @@
             </a:ln>
           </p:spPr>
           <p:txBody>
-            <a:bodyPr anchorCtr="0" anchor="ctr" bIns="91425" lIns="91425" spcFirstLastPara="1" rIns="91425" wrap="square" tIns="91425">
+            <a:bodyPr spcFirstLastPara="1" wrap="square" lIns="91425" tIns="91425" rIns="91425" bIns="91425" anchor="ctr" anchorCtr="0">
               <a:noAutofit/>
             </a:bodyPr>
             <a:lstStyle/>
             <a:p>
-              <a:pPr indent="0" lvl="0" marL="0" rtl="0" algn="l">
+              <a:pPr marL="0" lvl="0" indent="0" algn="l" rtl="0">
                 <a:spcBef>
                   <a:spcPts val="0"/>
                 </a:spcBef>
@@ -3492,9 +3516,6 @@
                 </a:spcAft>
                 <a:buNone/>
               </a:pPr>
-              <a:r>
-                <a:t/>
-              </a:r>
               <a:endParaRPr/>
             </a:p>
           </p:txBody>
@@ -3503,9 +3524,11 @@
       <p:sp>
         <p:nvSpPr>
           <p:cNvPr id="125" name="Google Shape;125;p11"/>
-          <p:cNvSpPr txBox="1"/>
+          <p:cNvSpPr txBox="1">
+            <a:spLocks noGrp="1"/>
+          </p:cNvSpPr>
           <p:nvPr>
-            <p:ph hasCustomPrompt="1" type="title"/>
+            <p:ph type="title" hasCustomPrompt="1"/>
           </p:nvPr>
         </p:nvSpPr>
         <p:spPr>
@@ -3518,7 +3541,7 @@
           </a:prstGeom>
         </p:spPr>
         <p:txBody>
-          <a:bodyPr anchorCtr="0" anchor="t" bIns="91425" lIns="91425" spcFirstLastPara="1" rIns="91425" wrap="square" tIns="91425">
+          <a:bodyPr spcFirstLastPara="1" wrap="square" lIns="91425" tIns="91425" rIns="91425" bIns="91425" anchor="t" anchorCtr="0">
             <a:normAutofit/>
           </a:bodyPr>
           <a:lstStyle>
@@ -3632,9 +3655,11 @@
       <p:sp>
         <p:nvSpPr>
           <p:cNvPr id="126" name="Google Shape;126;p11"/>
-          <p:cNvSpPr txBox="1"/>
+          <p:cNvSpPr txBox="1">
+            <a:spLocks noGrp="1"/>
+          </p:cNvSpPr>
           <p:nvPr>
-            <p:ph idx="1" type="body"/>
+            <p:ph type="body" idx="1"/>
           </p:nvPr>
         </p:nvSpPr>
         <p:spPr>
@@ -3647,11 +3672,11 @@
           </a:prstGeom>
         </p:spPr>
         <p:txBody>
-          <a:bodyPr anchorCtr="0" anchor="t" bIns="91425" lIns="91425" spcFirstLastPara="1" rIns="91425" wrap="square" tIns="91425">
+          <a:bodyPr spcFirstLastPara="1" wrap="square" lIns="91425" tIns="91425" rIns="91425" bIns="91425" anchor="t" anchorCtr="0">
             <a:normAutofit/>
           </a:bodyPr>
           <a:lstStyle>
-            <a:lvl1pPr indent="-311150" lvl="0" marL="457200">
+            <a:lvl1pPr marL="457200" lvl="0" indent="-311150">
               <a:spcBef>
                 <a:spcPts val="0"/>
               </a:spcBef>
@@ -3662,7 +3687,7 @@
               <a:buChar char="●"/>
               <a:defRPr/>
             </a:lvl1pPr>
-            <a:lvl2pPr indent="-298450" lvl="1" marL="914400">
+            <a:lvl2pPr marL="914400" lvl="1" indent="-298450">
               <a:spcBef>
                 <a:spcPts val="0"/>
               </a:spcBef>
@@ -3673,7 +3698,7 @@
               <a:buChar char="○"/>
               <a:defRPr/>
             </a:lvl2pPr>
-            <a:lvl3pPr indent="-298450" lvl="2" marL="1371600">
+            <a:lvl3pPr marL="1371600" lvl="2" indent="-298450">
               <a:spcBef>
                 <a:spcPts val="0"/>
               </a:spcBef>
@@ -3684,7 +3709,7 @@
               <a:buChar char="■"/>
               <a:defRPr/>
             </a:lvl3pPr>
-            <a:lvl4pPr indent="-298450" lvl="3" marL="1828800">
+            <a:lvl4pPr marL="1828800" lvl="3" indent="-298450">
               <a:spcBef>
                 <a:spcPts val="0"/>
               </a:spcBef>
@@ -3695,7 +3720,7 @@
               <a:buChar char="●"/>
               <a:defRPr/>
             </a:lvl4pPr>
-            <a:lvl5pPr indent="-298450" lvl="4" marL="2286000">
+            <a:lvl5pPr marL="2286000" lvl="4" indent="-298450">
               <a:spcBef>
                 <a:spcPts val="0"/>
               </a:spcBef>
@@ -3706,7 +3731,7 @@
               <a:buChar char="○"/>
               <a:defRPr/>
             </a:lvl5pPr>
-            <a:lvl6pPr indent="-298450" lvl="5" marL="2743200">
+            <a:lvl6pPr marL="2743200" lvl="5" indent="-298450">
               <a:spcBef>
                 <a:spcPts val="0"/>
               </a:spcBef>
@@ -3717,7 +3742,7 @@
               <a:buChar char="■"/>
               <a:defRPr/>
             </a:lvl6pPr>
-            <a:lvl7pPr indent="-298450" lvl="6" marL="3200400">
+            <a:lvl7pPr marL="3200400" lvl="6" indent="-298450">
               <a:spcBef>
                 <a:spcPts val="0"/>
               </a:spcBef>
@@ -3728,7 +3753,7 @@
               <a:buChar char="●"/>
               <a:defRPr/>
             </a:lvl7pPr>
-            <a:lvl8pPr indent="-298450" lvl="7" marL="3657600">
+            <a:lvl8pPr marL="3657600" lvl="7" indent="-298450">
               <a:spcBef>
                 <a:spcPts val="0"/>
               </a:spcBef>
@@ -3739,7 +3764,7 @@
               <a:buChar char="○"/>
               <a:defRPr/>
             </a:lvl8pPr>
-            <a:lvl9pPr indent="-298450" lvl="8" marL="4114800">
+            <a:lvl9pPr marL="4114800" lvl="8" indent="-298450">
               <a:spcBef>
                 <a:spcPts val="0"/>
               </a:spcBef>
@@ -3751,15 +3776,19 @@
               <a:defRPr/>
             </a:lvl9pPr>
           </a:lstStyle>
-          <a:p/>
+          <a:p>
+            <a:endParaRPr/>
+          </a:p>
         </p:txBody>
       </p:sp>
       <p:sp>
         <p:nvSpPr>
           <p:cNvPr id="127" name="Google Shape;127;p11"/>
-          <p:cNvSpPr txBox="1"/>
+          <p:cNvSpPr txBox="1">
+            <a:spLocks noGrp="1"/>
+          </p:cNvSpPr>
           <p:nvPr>
-            <p:ph idx="12" type="sldNum"/>
+            <p:ph type="sldNum" idx="12"/>
           </p:nvPr>
         </p:nvSpPr>
         <p:spPr>
@@ -3772,7 +3801,7 @@
           </a:prstGeom>
         </p:spPr>
         <p:txBody>
-          <a:bodyPr anchorCtr="0" anchor="ctr" bIns="91425" lIns="91425" spcFirstLastPara="1" rIns="91425" wrap="square" tIns="91425">
+          <a:bodyPr spcFirstLastPara="1" wrap="square" lIns="91425" tIns="91425" rIns="91425" bIns="91425" anchor="ctr" anchorCtr="0">
             <a:normAutofit/>
           </a:bodyPr>
           <a:lstStyle>
@@ -3814,7 +3843,7 @@
             </a:lvl9pPr>
           </a:lstStyle>
           <a:p>
-            <a:pPr indent="0" lvl="0" marL="0" rtl="0" algn="r">
+            <a:pPr marL="0" lvl="0" indent="0" algn="r" rtl="0">
               <a:spcBef>
                 <a:spcPts val="0"/>
               </a:spcBef>
@@ -3840,11 +3869,11 @@
 </file>
 
 <file path=ppt/slideLayouts/slideLayout11.xml><?xml version="1.0" encoding="utf-8"?>
-<p:sldLayout xmlns:a="http://schemas.openxmlformats.org/drawingml/2006/main" xmlns:r="http://schemas.openxmlformats.org/officeDocument/2006/relationships" xmlns:mc="http://schemas.openxmlformats.org/markup-compatibility/2006" xmlns:mv="urn:schemas-microsoft-com:mac:vml" xmlns:p="http://schemas.openxmlformats.org/presentationml/2006/main" xmlns:c="http://schemas.openxmlformats.org/drawingml/2006/chart" xmlns:dgm="http://schemas.openxmlformats.org/drawingml/2006/diagram" xmlns:o="urn:schemas-microsoft-com:office:office" xmlns:v="urn:schemas-microsoft-com:vml" xmlns:pvml="urn:schemas-microsoft-com:office:powerpoint" xmlns:com="http://schemas.openxmlformats.org/drawingml/2006/compatibility" xmlns:p14="http://schemas.microsoft.com/office/powerpoint/2010/main" xmlns:p15="http://schemas.microsoft.com/office/powerpoint/2012/main" xmlns:ahyp="http://schemas.microsoft.com/office/drawing/2018/hyperlinkcolor" matchingName="Blank" type="blank">
+<p:sldLayout xmlns:a="http://schemas.openxmlformats.org/drawingml/2006/main" xmlns:r="http://schemas.openxmlformats.org/officeDocument/2006/relationships" xmlns:p="http://schemas.openxmlformats.org/presentationml/2006/main" matchingName="Blank" type="blank">
   <p:cSld name="BLANK">
     <p:spTree>
       <p:nvGrpSpPr>
-        <p:cNvPr id="128" name="Shape 128"/>
+        <p:cNvPr id="1" name="Shape 128"/>
         <p:cNvGrpSpPr/>
         <p:nvPr/>
       </p:nvGrpSpPr>
@@ -3859,9 +3888,11 @@
       <p:sp>
         <p:nvSpPr>
           <p:cNvPr id="129" name="Google Shape;129;p12"/>
-          <p:cNvSpPr txBox="1"/>
+          <p:cNvSpPr txBox="1">
+            <a:spLocks noGrp="1"/>
+          </p:cNvSpPr>
           <p:nvPr>
-            <p:ph idx="12" type="sldNum"/>
+            <p:ph type="sldNum" idx="12"/>
           </p:nvPr>
         </p:nvSpPr>
         <p:spPr>
@@ -3874,7 +3905,7 @@
           </a:prstGeom>
         </p:spPr>
         <p:txBody>
-          <a:bodyPr anchorCtr="0" anchor="ctr" bIns="91425" lIns="91425" spcFirstLastPara="1" rIns="91425" wrap="square" tIns="91425">
+          <a:bodyPr spcFirstLastPara="1" wrap="square" lIns="91425" tIns="91425" rIns="91425" bIns="91425" anchor="ctr" anchorCtr="0">
             <a:normAutofit/>
           </a:bodyPr>
           <a:lstStyle>
@@ -3916,7 +3947,7 @@
             </a:lvl9pPr>
           </a:lstStyle>
           <a:p>
-            <a:pPr indent="0" lvl="0" marL="0" rtl="0" algn="r">
+            <a:pPr marL="0" lvl="0" indent="0" algn="r" rtl="0">
               <a:spcBef>
                 <a:spcPts val="0"/>
               </a:spcBef>
@@ -3942,11 +3973,11 @@
 </file>
 
 <file path=ppt/slideLayouts/slideLayout2.xml><?xml version="1.0" encoding="utf-8"?>
-<p:sldLayout xmlns:a="http://schemas.openxmlformats.org/drawingml/2006/main" xmlns:r="http://schemas.openxmlformats.org/officeDocument/2006/relationships" xmlns:mc="http://schemas.openxmlformats.org/markup-compatibility/2006" xmlns:mv="urn:schemas-microsoft-com:mac:vml" xmlns:p="http://schemas.openxmlformats.org/presentationml/2006/main" xmlns:c="http://schemas.openxmlformats.org/drawingml/2006/chart" xmlns:dgm="http://schemas.openxmlformats.org/drawingml/2006/diagram" xmlns:o="urn:schemas-microsoft-com:office:office" xmlns:v="urn:schemas-microsoft-com:vml" xmlns:pvml="urn:schemas-microsoft-com:office:powerpoint" xmlns:com="http://schemas.openxmlformats.org/drawingml/2006/compatibility" xmlns:p14="http://schemas.microsoft.com/office/powerpoint/2010/main" xmlns:p15="http://schemas.microsoft.com/office/powerpoint/2012/main" xmlns:ahyp="http://schemas.microsoft.com/office/drawing/2018/hyperlinkcolor" matchingName="Section header" type="secHead">
+<p:sldLayout xmlns:a="http://schemas.openxmlformats.org/drawingml/2006/main" xmlns:r="http://schemas.openxmlformats.org/officeDocument/2006/relationships" xmlns:p="http://schemas.openxmlformats.org/presentationml/2006/main" matchingName="Section header" type="secHead">
   <p:cSld name="SECTION_HEADER">
     <p:spTree>
       <p:nvGrpSpPr>
-        <p:cNvPr id="19" name="Shape 19"/>
+        <p:cNvPr id="1" name="Shape 19"/>
         <p:cNvGrpSpPr/>
         <p:nvPr/>
       </p:nvGrpSpPr>
@@ -3985,7 +4016,7 @@
             </a:xfrm>
             <a:prstGeom prst="diagStripe">
               <a:avLst>
-                <a:gd fmla="val 49469" name="adj"/>
+                <a:gd name="adj" fmla="val 49469"/>
               </a:avLst>
             </a:prstGeom>
             <a:solidFill>
@@ -3998,12 +4029,12 @@
             </a:ln>
           </p:spPr>
           <p:txBody>
-            <a:bodyPr anchorCtr="0" anchor="ctr" bIns="91425" lIns="91425" spcFirstLastPara="1" rIns="91425" wrap="square" tIns="91425">
+            <a:bodyPr spcFirstLastPara="1" wrap="square" lIns="91425" tIns="91425" rIns="91425" bIns="91425" anchor="ctr" anchorCtr="0">
               <a:noAutofit/>
             </a:bodyPr>
             <a:lstStyle/>
             <a:p>
-              <a:pPr indent="0" lvl="0" marL="0" rtl="0" algn="l">
+              <a:pPr marL="0" lvl="0" indent="0" algn="l" rtl="0">
                 <a:spcBef>
                   <a:spcPts val="0"/>
                 </a:spcBef>
@@ -4012,9 +4043,6 @@
                 </a:spcAft>
                 <a:buNone/>
               </a:pPr>
-              <a:r>
-                <a:t/>
-              </a:r>
               <a:endParaRPr/>
             </a:p>
           </p:txBody>
@@ -4032,7 +4060,7 @@
             </a:xfrm>
             <a:prstGeom prst="diagStripe">
               <a:avLst>
-                <a:gd fmla="val 0" name="adj"/>
+                <a:gd name="adj" fmla="val 0"/>
               </a:avLst>
             </a:prstGeom>
             <a:solidFill>
@@ -4045,12 +4073,12 @@
             </a:ln>
           </p:spPr>
           <p:txBody>
-            <a:bodyPr anchorCtr="0" anchor="ctr" bIns="91425" lIns="91425" spcFirstLastPara="1" rIns="91425" wrap="square" tIns="91425">
+            <a:bodyPr spcFirstLastPara="1" wrap="square" lIns="91425" tIns="91425" rIns="91425" bIns="91425" anchor="ctr" anchorCtr="0">
               <a:noAutofit/>
             </a:bodyPr>
             <a:lstStyle/>
             <a:p>
-              <a:pPr indent="0" lvl="0" marL="0" rtl="0" algn="l">
+              <a:pPr marL="0" lvl="0" indent="0" algn="l" rtl="0">
                 <a:spcBef>
                   <a:spcPts val="0"/>
                 </a:spcBef>
@@ -4059,9 +4087,6 @@
                 </a:spcAft>
                 <a:buNone/>
               </a:pPr>
-              <a:r>
-                <a:t/>
-              </a:r>
               <a:endParaRPr/>
             </a:p>
           </p:txBody>
@@ -4079,7 +4104,7 @@
             </a:xfrm>
             <a:prstGeom prst="diagStripe">
               <a:avLst>
-                <a:gd fmla="val 50000" name="adj"/>
+                <a:gd name="adj" fmla="val 50000"/>
               </a:avLst>
             </a:prstGeom>
             <a:solidFill>
@@ -4092,12 +4117,12 @@
             </a:ln>
           </p:spPr>
           <p:txBody>
-            <a:bodyPr anchorCtr="0" anchor="ctr" bIns="91425" lIns="91425" spcFirstLastPara="1" rIns="91425" wrap="square" tIns="91425">
+            <a:bodyPr spcFirstLastPara="1" wrap="square" lIns="91425" tIns="91425" rIns="91425" bIns="91425" anchor="ctr" anchorCtr="0">
               <a:noAutofit/>
             </a:bodyPr>
             <a:lstStyle/>
             <a:p>
-              <a:pPr indent="0" lvl="0" marL="0" rtl="0" algn="l">
+              <a:pPr marL="0" lvl="0" indent="0" algn="l" rtl="0">
                 <a:spcBef>
                   <a:spcPts val="0"/>
                 </a:spcBef>
@@ -4106,9 +4131,6 @@
                 </a:spcAft>
                 <a:buNone/>
               </a:pPr>
-              <a:r>
-                <a:t/>
-              </a:r>
               <a:endParaRPr/>
             </a:p>
           </p:txBody>
@@ -4126,7 +4148,7 @@
             </a:xfrm>
             <a:prstGeom prst="diagStripe">
               <a:avLst>
-                <a:gd fmla="val 50000" name="adj"/>
+                <a:gd name="adj" fmla="val 50000"/>
               </a:avLst>
             </a:prstGeom>
             <a:solidFill>
@@ -4139,12 +4161,12 @@
             </a:ln>
           </p:spPr>
           <p:txBody>
-            <a:bodyPr anchorCtr="0" anchor="ctr" bIns="91425" lIns="91425" spcFirstLastPara="1" rIns="91425" wrap="square" tIns="91425">
+            <a:bodyPr spcFirstLastPara="1" wrap="square" lIns="91425" tIns="91425" rIns="91425" bIns="91425" anchor="ctr" anchorCtr="0">
               <a:noAutofit/>
             </a:bodyPr>
             <a:lstStyle/>
             <a:p>
-              <a:pPr indent="0" lvl="0" marL="0" rtl="0" algn="l">
+              <a:pPr marL="0" lvl="0" indent="0" algn="l" rtl="0">
                 <a:spcBef>
                   <a:spcPts val="0"/>
                 </a:spcBef>
@@ -4153,9 +4175,6 @@
                 </a:spcAft>
                 <a:buNone/>
               </a:pPr>
-              <a:r>
-                <a:t/>
-              </a:r>
               <a:endParaRPr/>
             </a:p>
           </p:txBody>
@@ -4173,7 +4192,7 @@
             </a:xfrm>
             <a:prstGeom prst="diagStripe">
               <a:avLst>
-                <a:gd fmla="val 50000" name="adj"/>
+                <a:gd name="adj" fmla="val 50000"/>
               </a:avLst>
             </a:prstGeom>
             <a:solidFill>
@@ -4186,12 +4205,12 @@
             </a:ln>
           </p:spPr>
           <p:txBody>
-            <a:bodyPr anchorCtr="0" anchor="ctr" bIns="91425" lIns="91425" spcFirstLastPara="1" rIns="91425" wrap="square" tIns="91425">
+            <a:bodyPr spcFirstLastPara="1" wrap="square" lIns="91425" tIns="91425" rIns="91425" bIns="91425" anchor="ctr" anchorCtr="0">
               <a:noAutofit/>
             </a:bodyPr>
             <a:lstStyle/>
             <a:p>
-              <a:pPr indent="0" lvl="0" marL="0" rtl="0" algn="l">
+              <a:pPr marL="0" lvl="0" indent="0" algn="l" rtl="0">
                 <a:spcBef>
                   <a:spcPts val="0"/>
                 </a:spcBef>
@@ -4200,9 +4219,6 @@
                 </a:spcAft>
                 <a:buNone/>
               </a:pPr>
-              <a:r>
-                <a:t/>
-              </a:r>
               <a:endParaRPr/>
             </a:p>
           </p:txBody>
@@ -4220,7 +4236,7 @@
             </a:xfrm>
             <a:prstGeom prst="diagStripe">
               <a:avLst>
-                <a:gd fmla="val 50000" name="adj"/>
+                <a:gd name="adj" fmla="val 50000"/>
               </a:avLst>
             </a:prstGeom>
             <a:solidFill>
@@ -4233,12 +4249,12 @@
             </a:ln>
           </p:spPr>
           <p:txBody>
-            <a:bodyPr anchorCtr="0" anchor="ctr" bIns="91425" lIns="91425" spcFirstLastPara="1" rIns="91425" wrap="square" tIns="91425">
+            <a:bodyPr spcFirstLastPara="1" wrap="square" lIns="91425" tIns="91425" rIns="91425" bIns="91425" anchor="ctr" anchorCtr="0">
               <a:noAutofit/>
             </a:bodyPr>
             <a:lstStyle/>
             <a:p>
-              <a:pPr indent="0" lvl="0" marL="0" rtl="0" algn="l">
+              <a:pPr marL="0" lvl="0" indent="0" algn="l" rtl="0">
                 <a:spcBef>
                   <a:spcPts val="0"/>
                 </a:spcBef>
@@ -4247,9 +4263,6 @@
                 </a:spcAft>
                 <a:buNone/>
               </a:pPr>
-              <a:r>
-                <a:t/>
-              </a:r>
               <a:endParaRPr/>
             </a:p>
           </p:txBody>
@@ -4267,7 +4280,7 @@
             </a:xfrm>
             <a:prstGeom prst="diagStripe">
               <a:avLst>
-                <a:gd fmla="val 50000" name="adj"/>
+                <a:gd name="adj" fmla="val 50000"/>
               </a:avLst>
             </a:prstGeom>
             <a:solidFill>
@@ -4280,12 +4293,12 @@
             </a:ln>
           </p:spPr>
           <p:txBody>
-            <a:bodyPr anchorCtr="0" anchor="ctr" bIns="91425" lIns="91425" spcFirstLastPara="1" rIns="91425" wrap="square" tIns="91425">
+            <a:bodyPr spcFirstLastPara="1" wrap="square" lIns="91425" tIns="91425" rIns="91425" bIns="91425" anchor="ctr" anchorCtr="0">
               <a:noAutofit/>
             </a:bodyPr>
             <a:lstStyle/>
             <a:p>
-              <a:pPr indent="0" lvl="0" marL="0" rtl="0" algn="l">
+              <a:pPr marL="0" lvl="0" indent="0" algn="l" rtl="0">
                 <a:spcBef>
                   <a:spcPts val="0"/>
                 </a:spcBef>
@@ -4294,9 +4307,6 @@
                 </a:spcAft>
                 <a:buNone/>
               </a:pPr>
-              <a:r>
-                <a:t/>
-              </a:r>
               <a:endParaRPr/>
             </a:p>
           </p:txBody>
@@ -4314,7 +4324,7 @@
             </a:xfrm>
             <a:prstGeom prst="diagStripe">
               <a:avLst>
-                <a:gd fmla="val 50000" name="adj"/>
+                <a:gd name="adj" fmla="val 50000"/>
               </a:avLst>
             </a:prstGeom>
             <a:solidFill>
@@ -4325,12 +4335,12 @@
             </a:ln>
           </p:spPr>
           <p:txBody>
-            <a:bodyPr anchorCtr="0" anchor="ctr" bIns="91425" lIns="91425" spcFirstLastPara="1" rIns="91425" wrap="square" tIns="91425">
+            <a:bodyPr spcFirstLastPara="1" wrap="square" lIns="91425" tIns="91425" rIns="91425" bIns="91425" anchor="ctr" anchorCtr="0">
               <a:noAutofit/>
             </a:bodyPr>
             <a:lstStyle/>
             <a:p>
-              <a:pPr indent="0" lvl="0" marL="0" rtl="0" algn="l">
+              <a:pPr marL="0" lvl="0" indent="0" algn="l" rtl="0">
                 <a:spcBef>
                   <a:spcPts val="0"/>
                 </a:spcBef>
@@ -4339,9 +4349,6 @@
                 </a:spcAft>
                 <a:buNone/>
               </a:pPr>
-              <a:r>
-                <a:t/>
-              </a:r>
               <a:endParaRPr/>
             </a:p>
           </p:txBody>
@@ -4359,7 +4366,7 @@
             </a:xfrm>
             <a:prstGeom prst="diagStripe">
               <a:avLst>
-                <a:gd fmla="val 50000" name="adj"/>
+                <a:gd name="adj" fmla="val 50000"/>
               </a:avLst>
             </a:prstGeom>
             <a:solidFill>
@@ -4372,12 +4379,12 @@
             </a:ln>
           </p:spPr>
           <p:txBody>
-            <a:bodyPr anchorCtr="0" anchor="ctr" bIns="91425" lIns="91425" spcFirstLastPara="1" rIns="91425" wrap="square" tIns="91425">
+            <a:bodyPr spcFirstLastPara="1" wrap="square" lIns="91425" tIns="91425" rIns="91425" bIns="91425" anchor="ctr" anchorCtr="0">
               <a:noAutofit/>
             </a:bodyPr>
             <a:lstStyle/>
             <a:p>
-              <a:pPr indent="0" lvl="0" marL="0" rtl="0" algn="l">
+              <a:pPr marL="0" lvl="0" indent="0" algn="l" rtl="0">
                 <a:spcBef>
                   <a:spcPts val="0"/>
                 </a:spcBef>
@@ -4386,9 +4393,6 @@
                 </a:spcAft>
                 <a:buNone/>
               </a:pPr>
-              <a:r>
-                <a:t/>
-              </a:r>
               <a:endParaRPr/>
             </a:p>
           </p:txBody>
@@ -4406,7 +4410,7 @@
             </a:xfrm>
             <a:prstGeom prst="diagStripe">
               <a:avLst>
-                <a:gd fmla="val 50000" name="adj"/>
+                <a:gd name="adj" fmla="val 50000"/>
               </a:avLst>
             </a:prstGeom>
             <a:solidFill>
@@ -4419,12 +4423,12 @@
             </a:ln>
           </p:spPr>
           <p:txBody>
-            <a:bodyPr anchorCtr="0" anchor="ctr" bIns="91425" lIns="91425" spcFirstLastPara="1" rIns="91425" wrap="square" tIns="91425">
+            <a:bodyPr spcFirstLastPara="1" wrap="square" lIns="91425" tIns="91425" rIns="91425" bIns="91425" anchor="ctr" anchorCtr="0">
               <a:noAutofit/>
             </a:bodyPr>
             <a:lstStyle/>
             <a:p>
-              <a:pPr indent="0" lvl="0" marL="0" rtl="0" algn="l">
+              <a:pPr marL="0" lvl="0" indent="0" algn="l" rtl="0">
                 <a:spcBef>
                   <a:spcPts val="0"/>
                 </a:spcBef>
@@ -4433,9 +4437,6 @@
                 </a:spcAft>
                 <a:buNone/>
               </a:pPr>
-              <a:r>
-                <a:t/>
-              </a:r>
               <a:endParaRPr/>
             </a:p>
           </p:txBody>
@@ -4453,7 +4454,7 @@
             </a:xfrm>
             <a:prstGeom prst="diagStripe">
               <a:avLst>
-                <a:gd fmla="val 50000" name="adj"/>
+                <a:gd name="adj" fmla="val 50000"/>
               </a:avLst>
             </a:prstGeom>
             <a:solidFill>
@@ -4466,12 +4467,12 @@
             </a:ln>
           </p:spPr>
           <p:txBody>
-            <a:bodyPr anchorCtr="0" anchor="ctr" bIns="91425" lIns="91425" spcFirstLastPara="1" rIns="91425" wrap="square" tIns="91425">
+            <a:bodyPr spcFirstLastPara="1" wrap="square" lIns="91425" tIns="91425" rIns="91425" bIns="91425" anchor="ctr" anchorCtr="0">
               <a:noAutofit/>
             </a:bodyPr>
             <a:lstStyle/>
             <a:p>
-              <a:pPr indent="0" lvl="0" marL="0" rtl="0" algn="l">
+              <a:pPr marL="0" lvl="0" indent="0" algn="l" rtl="0">
                 <a:spcBef>
                   <a:spcPts val="0"/>
                 </a:spcBef>
@@ -4480,9 +4481,6 @@
                 </a:spcAft>
                 <a:buNone/>
               </a:pPr>
-              <a:r>
-                <a:t/>
-              </a:r>
               <a:endParaRPr/>
             </a:p>
           </p:txBody>
@@ -4500,7 +4498,7 @@
             </a:xfrm>
             <a:prstGeom prst="diagStripe">
               <a:avLst>
-                <a:gd fmla="val 50000" name="adj"/>
+                <a:gd name="adj" fmla="val 50000"/>
               </a:avLst>
             </a:prstGeom>
             <a:solidFill>
@@ -4513,12 +4511,12 @@
             </a:ln>
           </p:spPr>
           <p:txBody>
-            <a:bodyPr anchorCtr="0" anchor="ctr" bIns="91425" lIns="91425" spcFirstLastPara="1" rIns="91425" wrap="square" tIns="91425">
+            <a:bodyPr spcFirstLastPara="1" wrap="square" lIns="91425" tIns="91425" rIns="91425" bIns="91425" anchor="ctr" anchorCtr="0">
               <a:noAutofit/>
             </a:bodyPr>
             <a:lstStyle/>
             <a:p>
-              <a:pPr indent="0" lvl="0" marL="0" rtl="0" algn="l">
+              <a:pPr marL="0" lvl="0" indent="0" algn="l" rtl="0">
                 <a:spcBef>
                   <a:spcPts val="0"/>
                 </a:spcBef>
@@ -4527,9 +4525,6 @@
                 </a:spcAft>
                 <a:buNone/>
               </a:pPr>
-              <a:r>
-                <a:t/>
-              </a:r>
               <a:endParaRPr/>
             </a:p>
           </p:txBody>
@@ -4547,7 +4542,7 @@
             </a:xfrm>
             <a:prstGeom prst="diagStripe">
               <a:avLst>
-                <a:gd fmla="val 50000" name="adj"/>
+                <a:gd name="adj" fmla="val 50000"/>
               </a:avLst>
             </a:prstGeom>
             <a:solidFill>
@@ -4560,12 +4555,12 @@
             </a:ln>
           </p:spPr>
           <p:txBody>
-            <a:bodyPr anchorCtr="0" anchor="ctr" bIns="91425" lIns="91425" spcFirstLastPara="1" rIns="91425" wrap="square" tIns="91425">
+            <a:bodyPr spcFirstLastPara="1" wrap="square" lIns="91425" tIns="91425" rIns="91425" bIns="91425" anchor="ctr" anchorCtr="0">
               <a:noAutofit/>
             </a:bodyPr>
             <a:lstStyle/>
             <a:p>
-              <a:pPr indent="0" lvl="0" marL="0" rtl="0" algn="l">
+              <a:pPr marL="0" lvl="0" indent="0" algn="l" rtl="0">
                 <a:spcBef>
                   <a:spcPts val="0"/>
                 </a:spcBef>
@@ -4574,9 +4569,6 @@
                 </a:spcAft>
                 <a:buNone/>
               </a:pPr>
-              <a:r>
-                <a:t/>
-              </a:r>
               <a:endParaRPr/>
             </a:p>
           </p:txBody>
@@ -4594,7 +4586,7 @@
             </a:xfrm>
             <a:prstGeom prst="diagStripe">
               <a:avLst>
-                <a:gd fmla="val 50000" name="adj"/>
+                <a:gd name="adj" fmla="val 50000"/>
               </a:avLst>
             </a:prstGeom>
             <a:solidFill>
@@ -4605,12 +4597,12 @@
             </a:ln>
           </p:spPr>
           <p:txBody>
-            <a:bodyPr anchorCtr="0" anchor="ctr" bIns="91425" lIns="91425" spcFirstLastPara="1" rIns="91425" wrap="square" tIns="91425">
+            <a:bodyPr spcFirstLastPara="1" wrap="square" lIns="91425" tIns="91425" rIns="91425" bIns="91425" anchor="ctr" anchorCtr="0">
               <a:noAutofit/>
             </a:bodyPr>
             <a:lstStyle/>
             <a:p>
-              <a:pPr indent="0" lvl="0" marL="0" rtl="0" algn="l">
+              <a:pPr marL="0" lvl="0" indent="0" algn="l" rtl="0">
                 <a:spcBef>
                   <a:spcPts val="0"/>
                 </a:spcBef>
@@ -4619,9 +4611,6 @@
                 </a:spcAft>
                 <a:buNone/>
               </a:pPr>
-              <a:r>
-                <a:t/>
-              </a:r>
               <a:endParaRPr/>
             </a:p>
           </p:txBody>
@@ -4639,7 +4628,7 @@
             </a:xfrm>
             <a:prstGeom prst="diagStripe">
               <a:avLst>
-                <a:gd fmla="val 50000" name="adj"/>
+                <a:gd name="adj" fmla="val 50000"/>
               </a:avLst>
             </a:prstGeom>
             <a:solidFill>
@@ -4652,12 +4641,12 @@
             </a:ln>
           </p:spPr>
           <p:txBody>
-            <a:bodyPr anchorCtr="0" anchor="ctr" bIns="91425" lIns="91425" spcFirstLastPara="1" rIns="91425" wrap="square" tIns="91425">
+            <a:bodyPr spcFirstLastPara="1" wrap="square" lIns="91425" tIns="91425" rIns="91425" bIns="91425" anchor="ctr" anchorCtr="0">
               <a:noAutofit/>
             </a:bodyPr>
             <a:lstStyle/>
             <a:p>
-              <a:pPr indent="0" lvl="0" marL="0" rtl="0" algn="l">
+              <a:pPr marL="0" lvl="0" indent="0" algn="l" rtl="0">
                 <a:spcBef>
                   <a:spcPts val="0"/>
                 </a:spcBef>
@@ -4666,9 +4655,6 @@
                 </a:spcAft>
                 <a:buNone/>
               </a:pPr>
-              <a:r>
-                <a:t/>
-              </a:r>
               <a:endParaRPr/>
             </a:p>
           </p:txBody>
@@ -4686,7 +4672,7 @@
             </a:xfrm>
             <a:prstGeom prst="diagStripe">
               <a:avLst>
-                <a:gd fmla="val 50000" name="adj"/>
+                <a:gd name="adj" fmla="val 50000"/>
               </a:avLst>
             </a:prstGeom>
             <a:solidFill>
@@ -4699,12 +4685,12 @@
             </a:ln>
           </p:spPr>
           <p:txBody>
-            <a:bodyPr anchorCtr="0" anchor="ctr" bIns="91425" lIns="91425" spcFirstLastPara="1" rIns="91425" wrap="square" tIns="91425">
+            <a:bodyPr spcFirstLastPara="1" wrap="square" lIns="91425" tIns="91425" rIns="91425" bIns="91425" anchor="ctr" anchorCtr="0">
               <a:noAutofit/>
             </a:bodyPr>
             <a:lstStyle/>
             <a:p>
-              <a:pPr indent="0" lvl="0" marL="0" rtl="0" algn="l">
+              <a:pPr marL="0" lvl="0" indent="0" algn="l" rtl="0">
                 <a:spcBef>
                   <a:spcPts val="0"/>
                 </a:spcBef>
@@ -4713,9 +4699,6 @@
                 </a:spcAft>
                 <a:buNone/>
               </a:pPr>
-              <a:r>
-                <a:t/>
-              </a:r>
               <a:endParaRPr/>
             </a:p>
           </p:txBody>
@@ -4733,7 +4716,7 @@
             </a:xfrm>
             <a:prstGeom prst="diagStripe">
               <a:avLst>
-                <a:gd fmla="val 50000" name="adj"/>
+                <a:gd name="adj" fmla="val 50000"/>
               </a:avLst>
             </a:prstGeom>
             <a:solidFill>
@@ -4746,12 +4729,12 @@
             </a:ln>
           </p:spPr>
           <p:txBody>
-            <a:bodyPr anchorCtr="0" anchor="ctr" bIns="91425" lIns="91425" spcFirstLastPara="1" rIns="91425" wrap="square" tIns="91425">
+            <a:bodyPr spcFirstLastPara="1" wrap="square" lIns="91425" tIns="91425" rIns="91425" bIns="91425" anchor="ctr" anchorCtr="0">
               <a:noAutofit/>
             </a:bodyPr>
             <a:lstStyle/>
             <a:p>
-              <a:pPr indent="0" lvl="0" marL="0" rtl="0" algn="l">
+              <a:pPr marL="0" lvl="0" indent="0" algn="l" rtl="0">
                 <a:spcBef>
                   <a:spcPts val="0"/>
                 </a:spcBef>
@@ -4760,9 +4743,6 @@
                 </a:spcAft>
                 <a:buNone/>
               </a:pPr>
-              <a:r>
-                <a:t/>
-              </a:r>
               <a:endParaRPr/>
             </a:p>
           </p:txBody>
@@ -4780,7 +4760,7 @@
             </a:xfrm>
             <a:prstGeom prst="diagStripe">
               <a:avLst>
-                <a:gd fmla="val 50000" name="adj"/>
+                <a:gd name="adj" fmla="val 50000"/>
               </a:avLst>
             </a:prstGeom>
             <a:solidFill>
@@ -4793,12 +4773,12 @@
             </a:ln>
           </p:spPr>
           <p:txBody>
-            <a:bodyPr anchorCtr="0" anchor="ctr" bIns="91425" lIns="91425" spcFirstLastPara="1" rIns="91425" wrap="square" tIns="91425">
+            <a:bodyPr spcFirstLastPara="1" wrap="square" lIns="91425" tIns="91425" rIns="91425" bIns="91425" anchor="ctr" anchorCtr="0">
               <a:noAutofit/>
             </a:bodyPr>
             <a:lstStyle/>
             <a:p>
-              <a:pPr indent="0" lvl="0" marL="0" rtl="0" algn="l">
+              <a:pPr marL="0" lvl="0" indent="0" algn="l" rtl="0">
                 <a:spcBef>
                   <a:spcPts val="0"/>
                 </a:spcBef>
@@ -4807,9 +4787,6 @@
                 </a:spcAft>
                 <a:buNone/>
               </a:pPr>
-              <a:r>
-                <a:t/>
-              </a:r>
               <a:endParaRPr/>
             </a:p>
           </p:txBody>
@@ -4818,7 +4795,9 @@
       <p:sp>
         <p:nvSpPr>
           <p:cNvPr id="39" name="Google Shape;39;p3"/>
-          <p:cNvSpPr txBox="1"/>
+          <p:cNvSpPr txBox="1">
+            <a:spLocks noGrp="1"/>
+          </p:cNvSpPr>
           <p:nvPr>
             <p:ph type="title"/>
           </p:nvPr>
@@ -4833,7 +4812,7 @@
           </a:prstGeom>
         </p:spPr>
         <p:txBody>
-          <a:bodyPr anchorCtr="0" anchor="ctr" bIns="91425" lIns="91425" spcFirstLastPara="1" rIns="91425" wrap="square" tIns="91425">
+          <a:bodyPr spcFirstLastPara="1" wrap="square" lIns="91425" tIns="91425" rIns="91425" bIns="91425" anchor="ctr" anchorCtr="0">
             <a:normAutofit/>
           </a:bodyPr>
           <a:lstStyle>
@@ -4937,15 +4916,19 @@
               <a:defRPr/>
             </a:lvl9pPr>
           </a:lstStyle>
-          <a:p/>
+          <a:p>
+            <a:endParaRPr/>
+          </a:p>
         </p:txBody>
       </p:sp>
       <p:sp>
         <p:nvSpPr>
           <p:cNvPr id="40" name="Google Shape;40;p3"/>
-          <p:cNvSpPr txBox="1"/>
+          <p:cNvSpPr txBox="1">
+            <a:spLocks noGrp="1"/>
+          </p:cNvSpPr>
           <p:nvPr>
-            <p:ph idx="12" type="sldNum"/>
+            <p:ph type="sldNum" idx="12"/>
           </p:nvPr>
         </p:nvSpPr>
         <p:spPr>
@@ -4958,7 +4941,7 @@
           </a:prstGeom>
         </p:spPr>
         <p:txBody>
-          <a:bodyPr anchorCtr="0" anchor="ctr" bIns="91425" lIns="91425" spcFirstLastPara="1" rIns="91425" wrap="square" tIns="91425">
+          <a:bodyPr spcFirstLastPara="1" wrap="square" lIns="91425" tIns="91425" rIns="91425" bIns="91425" anchor="ctr" anchorCtr="0">
             <a:normAutofit/>
           </a:bodyPr>
           <a:lstStyle>
@@ -5000,7 +4983,7 @@
             </a:lvl9pPr>
           </a:lstStyle>
           <a:p>
-            <a:pPr indent="0" lvl="0" marL="0" rtl="0" algn="r">
+            <a:pPr marL="0" lvl="0" indent="0" algn="r" rtl="0">
               <a:spcBef>
                 <a:spcPts val="0"/>
               </a:spcBef>
@@ -5026,11 +5009,11 @@
 </file>
 
 <file path=ppt/slideLayouts/slideLayout3.xml><?xml version="1.0" encoding="utf-8"?>
-<p:sldLayout xmlns:a="http://schemas.openxmlformats.org/drawingml/2006/main" xmlns:r="http://schemas.openxmlformats.org/officeDocument/2006/relationships" xmlns:mc="http://schemas.openxmlformats.org/markup-compatibility/2006" xmlns:mv="urn:schemas-microsoft-com:mac:vml" xmlns:p="http://schemas.openxmlformats.org/presentationml/2006/main" xmlns:c="http://schemas.openxmlformats.org/drawingml/2006/chart" xmlns:dgm="http://schemas.openxmlformats.org/drawingml/2006/diagram" xmlns:o="urn:schemas-microsoft-com:office:office" xmlns:v="urn:schemas-microsoft-com:vml" xmlns:pvml="urn:schemas-microsoft-com:office:powerpoint" xmlns:com="http://schemas.openxmlformats.org/drawingml/2006/compatibility" xmlns:p14="http://schemas.microsoft.com/office/powerpoint/2010/main" xmlns:p15="http://schemas.microsoft.com/office/powerpoint/2012/main" xmlns:ahyp="http://schemas.microsoft.com/office/drawing/2018/hyperlinkcolor" matchingName="Title and body" type="tx">
+<p:sldLayout xmlns:a="http://schemas.openxmlformats.org/drawingml/2006/main" xmlns:r="http://schemas.openxmlformats.org/officeDocument/2006/relationships" xmlns:p="http://schemas.openxmlformats.org/presentationml/2006/main" matchingName="Title and body" type="tx">
   <p:cSld name="TITLE_AND_BODY">
     <p:spTree>
       <p:nvGrpSpPr>
-        <p:cNvPr id="41" name="Shape 41"/>
+        <p:cNvPr id="1" name="Shape 41"/>
         <p:cNvGrpSpPr/>
         <p:nvPr/>
       </p:nvGrpSpPr>
@@ -5069,7 +5052,7 @@
             </a:xfrm>
             <a:prstGeom prst="diagStripe">
               <a:avLst>
-                <a:gd fmla="val 50000" name="adj"/>
+                <a:gd name="adj" fmla="val 50000"/>
               </a:avLst>
             </a:prstGeom>
             <a:solidFill>
@@ -5080,12 +5063,12 @@
             </a:ln>
           </p:spPr>
           <p:txBody>
-            <a:bodyPr anchorCtr="0" anchor="ctr" bIns="91425" lIns="91425" spcFirstLastPara="1" rIns="91425" wrap="square" tIns="91425">
+            <a:bodyPr spcFirstLastPara="1" wrap="square" lIns="91425" tIns="91425" rIns="91425" bIns="91425" anchor="ctr" anchorCtr="0">
               <a:noAutofit/>
             </a:bodyPr>
             <a:lstStyle/>
             <a:p>
-              <a:pPr indent="0" lvl="0" marL="0" rtl="0" algn="l">
+              <a:pPr marL="0" lvl="0" indent="0" algn="l" rtl="0">
                 <a:spcBef>
                   <a:spcPts val="0"/>
                 </a:spcBef>
@@ -5094,9 +5077,6 @@
                 </a:spcAft>
                 <a:buNone/>
               </a:pPr>
-              <a:r>
-                <a:t/>
-              </a:r>
               <a:endParaRPr/>
             </a:p>
           </p:txBody>
@@ -5114,7 +5094,7 @@
             </a:xfrm>
             <a:prstGeom prst="diagStripe">
               <a:avLst>
-                <a:gd fmla="val 50000" name="adj"/>
+                <a:gd name="adj" fmla="val 50000"/>
               </a:avLst>
             </a:prstGeom>
             <a:solidFill>
@@ -5125,12 +5105,12 @@
             </a:ln>
           </p:spPr>
           <p:txBody>
-            <a:bodyPr anchorCtr="0" anchor="ctr" bIns="91425" lIns="91425" spcFirstLastPara="1" rIns="91425" wrap="square" tIns="91425">
+            <a:bodyPr spcFirstLastPara="1" wrap="square" lIns="91425" tIns="91425" rIns="91425" bIns="91425" anchor="ctr" anchorCtr="0">
               <a:noAutofit/>
             </a:bodyPr>
             <a:lstStyle/>
             <a:p>
-              <a:pPr indent="0" lvl="0" marL="0" rtl="0" algn="l">
+              <a:pPr marL="0" lvl="0" indent="0" algn="l" rtl="0">
                 <a:spcBef>
                   <a:spcPts val="0"/>
                 </a:spcBef>
@@ -5139,9 +5119,6 @@
                 </a:spcAft>
                 <a:buNone/>
               </a:pPr>
-              <a:r>
-                <a:t/>
-              </a:r>
               <a:endParaRPr/>
             </a:p>
           </p:txBody>
@@ -5150,7 +5127,9 @@
       <p:sp>
         <p:nvSpPr>
           <p:cNvPr id="45" name="Google Shape;45;p4"/>
-          <p:cNvSpPr txBox="1"/>
+          <p:cNvSpPr txBox="1">
+            <a:spLocks noGrp="1"/>
+          </p:cNvSpPr>
           <p:nvPr>
             <p:ph type="title"/>
           </p:nvPr>
@@ -5165,7 +5144,7 @@
           </a:prstGeom>
         </p:spPr>
         <p:txBody>
-          <a:bodyPr anchorCtr="0" anchor="t" bIns="91425" lIns="91425" spcFirstLastPara="1" rIns="91425" wrap="square" tIns="91425">
+          <a:bodyPr spcFirstLastPara="1" wrap="square" lIns="91425" tIns="91425" rIns="91425" bIns="91425" anchor="t" anchorCtr="0">
             <a:normAutofit/>
           </a:bodyPr>
           <a:lstStyle>
@@ -5269,15 +5248,19 @@
               <a:defRPr sz="2400"/>
             </a:lvl9pPr>
           </a:lstStyle>
-          <a:p/>
+          <a:p>
+            <a:endParaRPr/>
+          </a:p>
         </p:txBody>
       </p:sp>
       <p:sp>
         <p:nvSpPr>
           <p:cNvPr id="46" name="Google Shape;46;p4"/>
-          <p:cNvSpPr txBox="1"/>
+          <p:cNvSpPr txBox="1">
+            <a:spLocks noGrp="1"/>
+          </p:cNvSpPr>
           <p:nvPr>
-            <p:ph idx="1" type="body"/>
+            <p:ph type="body" idx="1"/>
           </p:nvPr>
         </p:nvSpPr>
         <p:spPr>
@@ -5290,11 +5273,11 @@
           </a:prstGeom>
         </p:spPr>
         <p:txBody>
-          <a:bodyPr anchorCtr="0" anchor="t" bIns="91425" lIns="91425" spcFirstLastPara="1" rIns="91425" wrap="square" tIns="91425">
+          <a:bodyPr spcFirstLastPara="1" wrap="square" lIns="91425" tIns="91425" rIns="91425" bIns="91425" anchor="t" anchorCtr="0">
             <a:normAutofit/>
           </a:bodyPr>
           <a:lstStyle>
-            <a:lvl1pPr indent="-311150" lvl="0" marL="457200">
+            <a:lvl1pPr marL="457200" lvl="0" indent="-311150">
               <a:spcBef>
                 <a:spcPts val="0"/>
               </a:spcBef>
@@ -5305,7 +5288,7 @@
               <a:buChar char="●"/>
               <a:defRPr/>
             </a:lvl1pPr>
-            <a:lvl2pPr indent="-298450" lvl="1" marL="914400">
+            <a:lvl2pPr marL="914400" lvl="1" indent="-298450">
               <a:spcBef>
                 <a:spcPts val="0"/>
               </a:spcBef>
@@ -5316,7 +5299,7 @@
               <a:buChar char="○"/>
               <a:defRPr/>
             </a:lvl2pPr>
-            <a:lvl3pPr indent="-298450" lvl="2" marL="1371600">
+            <a:lvl3pPr marL="1371600" lvl="2" indent="-298450">
               <a:spcBef>
                 <a:spcPts val="0"/>
               </a:spcBef>
@@ -5327,7 +5310,7 @@
               <a:buChar char="■"/>
               <a:defRPr/>
             </a:lvl3pPr>
-            <a:lvl4pPr indent="-298450" lvl="3" marL="1828800">
+            <a:lvl4pPr marL="1828800" lvl="3" indent="-298450">
               <a:spcBef>
                 <a:spcPts val="0"/>
               </a:spcBef>
@@ -5338,7 +5321,7 @@
               <a:buChar char="●"/>
               <a:defRPr/>
             </a:lvl4pPr>
-            <a:lvl5pPr indent="-298450" lvl="4" marL="2286000">
+            <a:lvl5pPr marL="2286000" lvl="4" indent="-298450">
               <a:spcBef>
                 <a:spcPts val="0"/>
               </a:spcBef>
@@ -5349,7 +5332,7 @@
               <a:buChar char="○"/>
               <a:defRPr/>
             </a:lvl5pPr>
-            <a:lvl6pPr indent="-298450" lvl="5" marL="2743200">
+            <a:lvl6pPr marL="2743200" lvl="5" indent="-298450">
               <a:spcBef>
                 <a:spcPts val="0"/>
               </a:spcBef>
@@ -5360,7 +5343,7 @@
               <a:buChar char="■"/>
               <a:defRPr/>
             </a:lvl6pPr>
-            <a:lvl7pPr indent="-298450" lvl="6" marL="3200400">
+            <a:lvl7pPr marL="3200400" lvl="6" indent="-298450">
               <a:spcBef>
                 <a:spcPts val="0"/>
               </a:spcBef>
@@ -5371,7 +5354,7 @@
               <a:buChar char="●"/>
               <a:defRPr/>
             </a:lvl7pPr>
-            <a:lvl8pPr indent="-298450" lvl="7" marL="3657600">
+            <a:lvl8pPr marL="3657600" lvl="7" indent="-298450">
               <a:spcBef>
                 <a:spcPts val="0"/>
               </a:spcBef>
@@ -5382,7 +5365,7 @@
               <a:buChar char="○"/>
               <a:defRPr/>
             </a:lvl8pPr>
-            <a:lvl9pPr indent="-298450" lvl="8" marL="4114800">
+            <a:lvl9pPr marL="4114800" lvl="8" indent="-298450">
               <a:spcBef>
                 <a:spcPts val="0"/>
               </a:spcBef>
@@ -5394,15 +5377,19 @@
               <a:defRPr/>
             </a:lvl9pPr>
           </a:lstStyle>
-          <a:p/>
+          <a:p>
+            <a:endParaRPr/>
+          </a:p>
         </p:txBody>
       </p:sp>
       <p:sp>
         <p:nvSpPr>
           <p:cNvPr id="47" name="Google Shape;47;p4"/>
-          <p:cNvSpPr txBox="1"/>
+          <p:cNvSpPr txBox="1">
+            <a:spLocks noGrp="1"/>
+          </p:cNvSpPr>
           <p:nvPr>
-            <p:ph idx="12" type="sldNum"/>
+            <p:ph type="sldNum" idx="12"/>
           </p:nvPr>
         </p:nvSpPr>
         <p:spPr>
@@ -5415,7 +5402,7 @@
           </a:prstGeom>
         </p:spPr>
         <p:txBody>
-          <a:bodyPr anchorCtr="0" anchor="ctr" bIns="91425" lIns="91425" spcFirstLastPara="1" rIns="91425" wrap="square" tIns="91425">
+          <a:bodyPr spcFirstLastPara="1" wrap="square" lIns="91425" tIns="91425" rIns="91425" bIns="91425" anchor="ctr" anchorCtr="0">
             <a:normAutofit/>
           </a:bodyPr>
           <a:lstStyle>
@@ -5457,7 +5444,7 @@
             </a:lvl9pPr>
           </a:lstStyle>
           <a:p>
-            <a:pPr indent="0" lvl="0" marL="0" rtl="0" algn="r">
+            <a:pPr marL="0" lvl="0" indent="0" algn="r" rtl="0">
               <a:spcBef>
                 <a:spcPts val="0"/>
               </a:spcBef>
@@ -5483,11 +5470,11 @@
 </file>
 
 <file path=ppt/slideLayouts/slideLayout4.xml><?xml version="1.0" encoding="utf-8"?>
-<p:sldLayout xmlns:a="http://schemas.openxmlformats.org/drawingml/2006/main" xmlns:r="http://schemas.openxmlformats.org/officeDocument/2006/relationships" xmlns:mc="http://schemas.openxmlformats.org/markup-compatibility/2006" xmlns:mv="urn:schemas-microsoft-com:mac:vml" xmlns:p="http://schemas.openxmlformats.org/presentationml/2006/main" xmlns:c="http://schemas.openxmlformats.org/drawingml/2006/chart" xmlns:dgm="http://schemas.openxmlformats.org/drawingml/2006/diagram" xmlns:o="urn:schemas-microsoft-com:office:office" xmlns:v="urn:schemas-microsoft-com:vml" xmlns:pvml="urn:schemas-microsoft-com:office:powerpoint" xmlns:com="http://schemas.openxmlformats.org/drawingml/2006/compatibility" xmlns:p14="http://schemas.microsoft.com/office/powerpoint/2010/main" xmlns:p15="http://schemas.microsoft.com/office/powerpoint/2012/main" xmlns:ahyp="http://schemas.microsoft.com/office/drawing/2018/hyperlinkcolor" matchingName="Title and two columns" type="twoColTx">
+<p:sldLayout xmlns:a="http://schemas.openxmlformats.org/drawingml/2006/main" xmlns:r="http://schemas.openxmlformats.org/officeDocument/2006/relationships" xmlns:p="http://schemas.openxmlformats.org/presentationml/2006/main" matchingName="Title and two columns" type="twoColTx">
   <p:cSld name="TITLE_AND_TWO_COLUMNS">
     <p:spTree>
       <p:nvGrpSpPr>
-        <p:cNvPr id="48" name="Shape 48"/>
+        <p:cNvPr id="1" name="Shape 48"/>
         <p:cNvGrpSpPr/>
         <p:nvPr/>
       </p:nvGrpSpPr>
@@ -5526,7 +5513,7 @@
             </a:xfrm>
             <a:prstGeom prst="diagStripe">
               <a:avLst>
-                <a:gd fmla="val 50000" name="adj"/>
+                <a:gd name="adj" fmla="val 50000"/>
               </a:avLst>
             </a:prstGeom>
             <a:solidFill>
@@ -5537,12 +5524,12 @@
             </a:ln>
           </p:spPr>
           <p:txBody>
-            <a:bodyPr anchorCtr="0" anchor="ctr" bIns="91425" lIns="91425" spcFirstLastPara="1" rIns="91425" wrap="square" tIns="91425">
+            <a:bodyPr spcFirstLastPara="1" wrap="square" lIns="91425" tIns="91425" rIns="91425" bIns="91425" anchor="ctr" anchorCtr="0">
               <a:noAutofit/>
             </a:bodyPr>
             <a:lstStyle/>
             <a:p>
-              <a:pPr indent="0" lvl="0" marL="0" rtl="0" algn="l">
+              <a:pPr marL="0" lvl="0" indent="0" algn="l" rtl="0">
                 <a:spcBef>
                   <a:spcPts val="0"/>
                 </a:spcBef>
@@ -5551,9 +5538,6 @@
                 </a:spcAft>
                 <a:buNone/>
               </a:pPr>
-              <a:r>
-                <a:t/>
-              </a:r>
               <a:endParaRPr/>
             </a:p>
           </p:txBody>
@@ -5571,7 +5555,7 @@
             </a:xfrm>
             <a:prstGeom prst="diagStripe">
               <a:avLst>
-                <a:gd fmla="val 50000" name="adj"/>
+                <a:gd name="adj" fmla="val 50000"/>
               </a:avLst>
             </a:prstGeom>
             <a:solidFill>
@@ -5582,12 +5566,12 @@
             </a:ln>
           </p:spPr>
           <p:txBody>
-            <a:bodyPr anchorCtr="0" anchor="ctr" bIns="91425" lIns="91425" spcFirstLastPara="1" rIns="91425" wrap="square" tIns="91425">
+            <a:bodyPr spcFirstLastPara="1" wrap="square" lIns="91425" tIns="91425" rIns="91425" bIns="91425" anchor="ctr" anchorCtr="0">
               <a:noAutofit/>
             </a:bodyPr>
             <a:lstStyle/>
             <a:p>
-              <a:pPr indent="0" lvl="0" marL="0" rtl="0" algn="l">
+              <a:pPr marL="0" lvl="0" indent="0" algn="l" rtl="0">
                 <a:spcBef>
                   <a:spcPts val="0"/>
                 </a:spcBef>
@@ -5596,9 +5580,6 @@
                 </a:spcAft>
                 <a:buNone/>
               </a:pPr>
-              <a:r>
-                <a:t/>
-              </a:r>
               <a:endParaRPr/>
             </a:p>
           </p:txBody>
@@ -5607,7 +5588,9 @@
       <p:sp>
         <p:nvSpPr>
           <p:cNvPr id="52" name="Google Shape;52;p5"/>
-          <p:cNvSpPr txBox="1"/>
+          <p:cNvSpPr txBox="1">
+            <a:spLocks noGrp="1"/>
+          </p:cNvSpPr>
           <p:nvPr>
             <p:ph type="title"/>
           </p:nvPr>
@@ -5622,7 +5605,7 @@
           </a:prstGeom>
         </p:spPr>
         <p:txBody>
-          <a:bodyPr anchorCtr="0" anchor="t" bIns="91425" lIns="91425" spcFirstLastPara="1" rIns="91425" wrap="square" tIns="91425">
+          <a:bodyPr spcFirstLastPara="1" wrap="square" lIns="91425" tIns="91425" rIns="91425" bIns="91425" anchor="t" anchorCtr="0">
             <a:normAutofit/>
           </a:bodyPr>
           <a:lstStyle>
@@ -5726,15 +5709,19 @@
               <a:defRPr sz="2400"/>
             </a:lvl9pPr>
           </a:lstStyle>
-          <a:p/>
+          <a:p>
+            <a:endParaRPr/>
+          </a:p>
         </p:txBody>
       </p:sp>
       <p:sp>
         <p:nvSpPr>
           <p:cNvPr id="53" name="Google Shape;53;p5"/>
-          <p:cNvSpPr txBox="1"/>
+          <p:cNvSpPr txBox="1">
+            <a:spLocks noGrp="1"/>
+          </p:cNvSpPr>
           <p:nvPr>
-            <p:ph idx="1" type="body"/>
+            <p:ph type="body" idx="1"/>
           </p:nvPr>
         </p:nvSpPr>
         <p:spPr>
@@ -5747,11 +5734,11 @@
           </a:prstGeom>
         </p:spPr>
         <p:txBody>
-          <a:bodyPr anchorCtr="0" anchor="t" bIns="91425" lIns="91425" spcFirstLastPara="1" rIns="91425" wrap="square" tIns="91425">
+          <a:bodyPr spcFirstLastPara="1" wrap="square" lIns="91425" tIns="91425" rIns="91425" bIns="91425" anchor="t" anchorCtr="0">
             <a:normAutofit/>
           </a:bodyPr>
           <a:lstStyle>
-            <a:lvl1pPr indent="-311150" lvl="0" marL="457200">
+            <a:lvl1pPr marL="457200" lvl="0" indent="-311150">
               <a:spcBef>
                 <a:spcPts val="0"/>
               </a:spcBef>
@@ -5762,7 +5749,7 @@
               <a:buChar char="●"/>
               <a:defRPr/>
             </a:lvl1pPr>
-            <a:lvl2pPr indent="-298450" lvl="1" marL="914400">
+            <a:lvl2pPr marL="914400" lvl="1" indent="-298450">
               <a:spcBef>
                 <a:spcPts val="0"/>
               </a:spcBef>
@@ -5773,7 +5760,7 @@
               <a:buChar char="○"/>
               <a:defRPr/>
             </a:lvl2pPr>
-            <a:lvl3pPr indent="-298450" lvl="2" marL="1371600">
+            <a:lvl3pPr marL="1371600" lvl="2" indent="-298450">
               <a:spcBef>
                 <a:spcPts val="0"/>
               </a:spcBef>
@@ -5784,7 +5771,7 @@
               <a:buChar char="■"/>
               <a:defRPr/>
             </a:lvl3pPr>
-            <a:lvl4pPr indent="-298450" lvl="3" marL="1828800">
+            <a:lvl4pPr marL="1828800" lvl="3" indent="-298450">
               <a:spcBef>
                 <a:spcPts val="0"/>
               </a:spcBef>
@@ -5795,7 +5782,7 @@
               <a:buChar char="●"/>
               <a:defRPr/>
             </a:lvl4pPr>
-            <a:lvl5pPr indent="-298450" lvl="4" marL="2286000">
+            <a:lvl5pPr marL="2286000" lvl="4" indent="-298450">
               <a:spcBef>
                 <a:spcPts val="0"/>
               </a:spcBef>
@@ -5806,7 +5793,7 @@
               <a:buChar char="○"/>
               <a:defRPr/>
             </a:lvl5pPr>
-            <a:lvl6pPr indent="-298450" lvl="5" marL="2743200">
+            <a:lvl6pPr marL="2743200" lvl="5" indent="-298450">
               <a:spcBef>
                 <a:spcPts val="0"/>
               </a:spcBef>
@@ -5817,7 +5804,7 @@
               <a:buChar char="■"/>
               <a:defRPr/>
             </a:lvl6pPr>
-            <a:lvl7pPr indent="-298450" lvl="6" marL="3200400">
+            <a:lvl7pPr marL="3200400" lvl="6" indent="-298450">
               <a:spcBef>
                 <a:spcPts val="0"/>
               </a:spcBef>
@@ -5828,7 +5815,7 @@
               <a:buChar char="●"/>
               <a:defRPr/>
             </a:lvl7pPr>
-            <a:lvl8pPr indent="-298450" lvl="7" marL="3657600">
+            <a:lvl8pPr marL="3657600" lvl="7" indent="-298450">
               <a:spcBef>
                 <a:spcPts val="0"/>
               </a:spcBef>
@@ -5839,7 +5826,7 @@
               <a:buChar char="○"/>
               <a:defRPr/>
             </a:lvl8pPr>
-            <a:lvl9pPr indent="-298450" lvl="8" marL="4114800">
+            <a:lvl9pPr marL="4114800" lvl="8" indent="-298450">
               <a:spcBef>
                 <a:spcPts val="0"/>
               </a:spcBef>
@@ -5851,15 +5838,19 @@
               <a:defRPr/>
             </a:lvl9pPr>
           </a:lstStyle>
-          <a:p/>
+          <a:p>
+            <a:endParaRPr/>
+          </a:p>
         </p:txBody>
       </p:sp>
       <p:sp>
         <p:nvSpPr>
           <p:cNvPr id="54" name="Google Shape;54;p5"/>
-          <p:cNvSpPr txBox="1"/>
+          <p:cNvSpPr txBox="1">
+            <a:spLocks noGrp="1"/>
+          </p:cNvSpPr>
           <p:nvPr>
-            <p:ph idx="2" type="body"/>
+            <p:ph type="body" idx="2"/>
           </p:nvPr>
         </p:nvSpPr>
         <p:spPr>
@@ -5872,11 +5863,11 @@
           </a:prstGeom>
         </p:spPr>
         <p:txBody>
-          <a:bodyPr anchorCtr="0" anchor="t" bIns="91425" lIns="91425" spcFirstLastPara="1" rIns="91425" wrap="square" tIns="91425">
+          <a:bodyPr spcFirstLastPara="1" wrap="square" lIns="91425" tIns="91425" rIns="91425" bIns="91425" anchor="t" anchorCtr="0">
             <a:normAutofit/>
           </a:bodyPr>
           <a:lstStyle>
-            <a:lvl1pPr indent="-311150" lvl="0" marL="457200">
+            <a:lvl1pPr marL="457200" lvl="0" indent="-311150">
               <a:spcBef>
                 <a:spcPts val="0"/>
               </a:spcBef>
@@ -5887,7 +5878,7 @@
               <a:buChar char="●"/>
               <a:defRPr/>
             </a:lvl1pPr>
-            <a:lvl2pPr indent="-298450" lvl="1" marL="914400">
+            <a:lvl2pPr marL="914400" lvl="1" indent="-298450">
               <a:spcBef>
                 <a:spcPts val="0"/>
               </a:spcBef>
@@ -5898,7 +5889,7 @@
               <a:buChar char="○"/>
               <a:defRPr/>
             </a:lvl2pPr>
-            <a:lvl3pPr indent="-298450" lvl="2" marL="1371600">
+            <a:lvl3pPr marL="1371600" lvl="2" indent="-298450">
               <a:spcBef>
                 <a:spcPts val="0"/>
               </a:spcBef>
@@ -5909,7 +5900,7 @@
               <a:buChar char="■"/>
               <a:defRPr/>
             </a:lvl3pPr>
-            <a:lvl4pPr indent="-298450" lvl="3" marL="1828800">
+            <a:lvl4pPr marL="1828800" lvl="3" indent="-298450">
               <a:spcBef>
                 <a:spcPts val="0"/>
               </a:spcBef>
@@ -5920,7 +5911,7 @@
               <a:buChar char="●"/>
               <a:defRPr/>
             </a:lvl4pPr>
-            <a:lvl5pPr indent="-298450" lvl="4" marL="2286000">
+            <a:lvl5pPr marL="2286000" lvl="4" indent="-298450">
               <a:spcBef>
                 <a:spcPts val="0"/>
               </a:spcBef>
@@ -5931,7 +5922,7 @@
               <a:buChar char="○"/>
               <a:defRPr/>
             </a:lvl5pPr>
-            <a:lvl6pPr indent="-298450" lvl="5" marL="2743200">
+            <a:lvl6pPr marL="2743200" lvl="5" indent="-298450">
               <a:spcBef>
                 <a:spcPts val="0"/>
               </a:spcBef>
@@ -5942,7 +5933,7 @@
               <a:buChar char="■"/>
               <a:defRPr/>
             </a:lvl6pPr>
-            <a:lvl7pPr indent="-298450" lvl="6" marL="3200400">
+            <a:lvl7pPr marL="3200400" lvl="6" indent="-298450">
               <a:spcBef>
                 <a:spcPts val="0"/>
               </a:spcBef>
@@ -5953,7 +5944,7 @@
               <a:buChar char="●"/>
               <a:defRPr/>
             </a:lvl7pPr>
-            <a:lvl8pPr indent="-298450" lvl="7" marL="3657600">
+            <a:lvl8pPr marL="3657600" lvl="7" indent="-298450">
               <a:spcBef>
                 <a:spcPts val="0"/>
               </a:spcBef>
@@ -5964,7 +5955,7 @@
               <a:buChar char="○"/>
               <a:defRPr/>
             </a:lvl8pPr>
-            <a:lvl9pPr indent="-298450" lvl="8" marL="4114800">
+            <a:lvl9pPr marL="4114800" lvl="8" indent="-298450">
               <a:spcBef>
                 <a:spcPts val="0"/>
               </a:spcBef>
@@ -5976,15 +5967,19 @@
               <a:defRPr/>
             </a:lvl9pPr>
           </a:lstStyle>
-          <a:p/>
+          <a:p>
+            <a:endParaRPr/>
+          </a:p>
         </p:txBody>
       </p:sp>
       <p:sp>
         <p:nvSpPr>
           <p:cNvPr id="55" name="Google Shape;55;p5"/>
-          <p:cNvSpPr txBox="1"/>
+          <p:cNvSpPr txBox="1">
+            <a:spLocks noGrp="1"/>
+          </p:cNvSpPr>
           <p:nvPr>
-            <p:ph idx="12" type="sldNum"/>
+            <p:ph type="sldNum" idx="12"/>
           </p:nvPr>
         </p:nvSpPr>
         <p:spPr>
@@ -5997,7 +5992,7 @@
           </a:prstGeom>
         </p:spPr>
         <p:txBody>
-          <a:bodyPr anchorCtr="0" anchor="ctr" bIns="91425" lIns="91425" spcFirstLastPara="1" rIns="91425" wrap="square" tIns="91425">
+          <a:bodyPr spcFirstLastPara="1" wrap="square" lIns="91425" tIns="91425" rIns="91425" bIns="91425" anchor="ctr" anchorCtr="0">
             <a:normAutofit/>
           </a:bodyPr>
           <a:lstStyle>
@@ -6039,7 +6034,7 @@
             </a:lvl9pPr>
           </a:lstStyle>
           <a:p>
-            <a:pPr indent="0" lvl="0" marL="0" rtl="0" algn="r">
+            <a:pPr marL="0" lvl="0" indent="0" algn="r" rtl="0">
               <a:spcBef>
                 <a:spcPts val="0"/>
               </a:spcBef>
@@ -6065,11 +6060,11 @@
 </file>
 
 <file path=ppt/slideLayouts/slideLayout5.xml><?xml version="1.0" encoding="utf-8"?>
-<p:sldLayout xmlns:a="http://schemas.openxmlformats.org/drawingml/2006/main" xmlns:r="http://schemas.openxmlformats.org/officeDocument/2006/relationships" xmlns:mc="http://schemas.openxmlformats.org/markup-compatibility/2006" xmlns:mv="urn:schemas-microsoft-com:mac:vml" xmlns:p="http://schemas.openxmlformats.org/presentationml/2006/main" xmlns:c="http://schemas.openxmlformats.org/drawingml/2006/chart" xmlns:dgm="http://schemas.openxmlformats.org/drawingml/2006/diagram" xmlns:o="urn:schemas-microsoft-com:office:office" xmlns:v="urn:schemas-microsoft-com:vml" xmlns:pvml="urn:schemas-microsoft-com:office:powerpoint" xmlns:com="http://schemas.openxmlformats.org/drawingml/2006/compatibility" xmlns:p14="http://schemas.microsoft.com/office/powerpoint/2010/main" xmlns:p15="http://schemas.microsoft.com/office/powerpoint/2012/main" xmlns:ahyp="http://schemas.microsoft.com/office/drawing/2018/hyperlinkcolor" matchingName="Title only" type="titleOnly">
+<p:sldLayout xmlns:a="http://schemas.openxmlformats.org/drawingml/2006/main" xmlns:r="http://schemas.openxmlformats.org/officeDocument/2006/relationships" xmlns:p="http://schemas.openxmlformats.org/presentationml/2006/main" matchingName="Title only" type="titleOnly">
   <p:cSld name="TITLE_ONLY">
     <p:spTree>
       <p:nvGrpSpPr>
-        <p:cNvPr id="56" name="Shape 56"/>
+        <p:cNvPr id="1" name="Shape 56"/>
         <p:cNvGrpSpPr/>
         <p:nvPr/>
       </p:nvGrpSpPr>
@@ -6108,7 +6103,7 @@
             </a:xfrm>
             <a:prstGeom prst="diagStripe">
               <a:avLst>
-                <a:gd fmla="val 50000" name="adj"/>
+                <a:gd name="adj" fmla="val 50000"/>
               </a:avLst>
             </a:prstGeom>
             <a:solidFill>
@@ -6119,12 +6114,12 @@
             </a:ln>
           </p:spPr>
           <p:txBody>
-            <a:bodyPr anchorCtr="0" anchor="ctr" bIns="91425" lIns="91425" spcFirstLastPara="1" rIns="91425" wrap="square" tIns="91425">
+            <a:bodyPr spcFirstLastPara="1" wrap="square" lIns="91425" tIns="91425" rIns="91425" bIns="91425" anchor="ctr" anchorCtr="0">
               <a:noAutofit/>
             </a:bodyPr>
             <a:lstStyle/>
             <a:p>
-              <a:pPr indent="0" lvl="0" marL="0" rtl="0" algn="l">
+              <a:pPr marL="0" lvl="0" indent="0" algn="l" rtl="0">
                 <a:spcBef>
                   <a:spcPts val="0"/>
                 </a:spcBef>
@@ -6133,9 +6128,6 @@
                 </a:spcAft>
                 <a:buNone/>
               </a:pPr>
-              <a:r>
-                <a:t/>
-              </a:r>
               <a:endParaRPr/>
             </a:p>
           </p:txBody>
@@ -6153,7 +6145,7 @@
             </a:xfrm>
             <a:prstGeom prst="diagStripe">
               <a:avLst>
-                <a:gd fmla="val 50000" name="adj"/>
+                <a:gd name="adj" fmla="val 50000"/>
               </a:avLst>
             </a:prstGeom>
             <a:solidFill>
@@ -6164,12 +6156,12 @@
             </a:ln>
           </p:spPr>
           <p:txBody>
-            <a:bodyPr anchorCtr="0" anchor="ctr" bIns="91425" lIns="91425" spcFirstLastPara="1" rIns="91425" wrap="square" tIns="91425">
+            <a:bodyPr spcFirstLastPara="1" wrap="square" lIns="91425" tIns="91425" rIns="91425" bIns="91425" anchor="ctr" anchorCtr="0">
               <a:noAutofit/>
             </a:bodyPr>
             <a:lstStyle/>
             <a:p>
-              <a:pPr indent="0" lvl="0" marL="0" rtl="0" algn="l">
+              <a:pPr marL="0" lvl="0" indent="0" algn="l" rtl="0">
                 <a:spcBef>
                   <a:spcPts val="0"/>
                 </a:spcBef>
@@ -6178,9 +6170,6 @@
                 </a:spcAft>
                 <a:buNone/>
               </a:pPr>
-              <a:r>
-                <a:t/>
-              </a:r>
               <a:endParaRPr/>
             </a:p>
           </p:txBody>
@@ -6189,7 +6178,9 @@
       <p:sp>
         <p:nvSpPr>
           <p:cNvPr id="60" name="Google Shape;60;p6"/>
-          <p:cNvSpPr txBox="1"/>
+          <p:cNvSpPr txBox="1">
+            <a:spLocks noGrp="1"/>
+          </p:cNvSpPr>
           <p:nvPr>
             <p:ph type="title"/>
           </p:nvPr>
@@ -6204,7 +6195,7 @@
           </a:prstGeom>
         </p:spPr>
         <p:txBody>
-          <a:bodyPr anchorCtr="0" anchor="t" bIns="91425" lIns="91425" spcFirstLastPara="1" rIns="91425" wrap="square" tIns="91425">
+          <a:bodyPr spcFirstLastPara="1" wrap="square" lIns="91425" tIns="91425" rIns="91425" bIns="91425" anchor="t" anchorCtr="0">
             <a:normAutofit/>
           </a:bodyPr>
           <a:lstStyle>
@@ -6308,15 +6299,19 @@
               <a:defRPr sz="2400"/>
             </a:lvl9pPr>
           </a:lstStyle>
-          <a:p/>
+          <a:p>
+            <a:endParaRPr/>
+          </a:p>
         </p:txBody>
       </p:sp>
       <p:sp>
         <p:nvSpPr>
           <p:cNvPr id="61" name="Google Shape;61;p6"/>
-          <p:cNvSpPr txBox="1"/>
+          <p:cNvSpPr txBox="1">
+            <a:spLocks noGrp="1"/>
+          </p:cNvSpPr>
           <p:nvPr>
-            <p:ph idx="12" type="sldNum"/>
+            <p:ph type="sldNum" idx="12"/>
           </p:nvPr>
         </p:nvSpPr>
         <p:spPr>
@@ -6329,7 +6324,7 @@
           </a:prstGeom>
         </p:spPr>
         <p:txBody>
-          <a:bodyPr anchorCtr="0" anchor="ctr" bIns="91425" lIns="91425" spcFirstLastPara="1" rIns="91425" wrap="square" tIns="91425">
+          <a:bodyPr spcFirstLastPara="1" wrap="square" lIns="91425" tIns="91425" rIns="91425" bIns="91425" anchor="ctr" anchorCtr="0">
             <a:normAutofit/>
           </a:bodyPr>
           <a:lstStyle>
@@ -6371,7 +6366,7 @@
             </a:lvl9pPr>
           </a:lstStyle>
           <a:p>
-            <a:pPr indent="0" lvl="0" marL="0" rtl="0" algn="r">
+            <a:pPr marL="0" lvl="0" indent="0" algn="r" rtl="0">
               <a:spcBef>
                 <a:spcPts val="0"/>
               </a:spcBef>
@@ -6397,11 +6392,11 @@
 </file>
 
 <file path=ppt/slideLayouts/slideLayout6.xml><?xml version="1.0" encoding="utf-8"?>
-<p:sldLayout xmlns:a="http://schemas.openxmlformats.org/drawingml/2006/main" xmlns:r="http://schemas.openxmlformats.org/officeDocument/2006/relationships" xmlns:mc="http://schemas.openxmlformats.org/markup-compatibility/2006" xmlns:mv="urn:schemas-microsoft-com:mac:vml" xmlns:p="http://schemas.openxmlformats.org/presentationml/2006/main" xmlns:c="http://schemas.openxmlformats.org/drawingml/2006/chart" xmlns:dgm="http://schemas.openxmlformats.org/drawingml/2006/diagram" xmlns:o="urn:schemas-microsoft-com:office:office" xmlns:v="urn:schemas-microsoft-com:vml" xmlns:pvml="urn:schemas-microsoft-com:office:powerpoint" xmlns:com="http://schemas.openxmlformats.org/drawingml/2006/compatibility" xmlns:p14="http://schemas.microsoft.com/office/powerpoint/2010/main" xmlns:p15="http://schemas.microsoft.com/office/powerpoint/2012/main" xmlns:ahyp="http://schemas.microsoft.com/office/drawing/2018/hyperlinkcolor" matchingName="One column text">
+<p:sldLayout xmlns:a="http://schemas.openxmlformats.org/drawingml/2006/main" xmlns:r="http://schemas.openxmlformats.org/officeDocument/2006/relationships" xmlns:p="http://schemas.openxmlformats.org/presentationml/2006/main" matchingName="One column text">
   <p:cSld name="ONE_COLUMN_TEXT">
     <p:spTree>
       <p:nvGrpSpPr>
-        <p:cNvPr id="62" name="Shape 62"/>
+        <p:cNvPr id="1" name="Shape 62"/>
         <p:cNvGrpSpPr/>
         <p:nvPr/>
       </p:nvGrpSpPr>
@@ -6440,7 +6435,7 @@
             </a:xfrm>
             <a:prstGeom prst="diagStripe">
               <a:avLst>
-                <a:gd fmla="val 50000" name="adj"/>
+                <a:gd name="adj" fmla="val 50000"/>
               </a:avLst>
             </a:prstGeom>
             <a:solidFill>
@@ -6451,12 +6446,12 @@
             </a:ln>
           </p:spPr>
           <p:txBody>
-            <a:bodyPr anchorCtr="0" anchor="ctr" bIns="91425" lIns="91425" spcFirstLastPara="1" rIns="91425" wrap="square" tIns="91425">
+            <a:bodyPr spcFirstLastPara="1" wrap="square" lIns="91425" tIns="91425" rIns="91425" bIns="91425" anchor="ctr" anchorCtr="0">
               <a:noAutofit/>
             </a:bodyPr>
             <a:lstStyle/>
             <a:p>
-              <a:pPr indent="0" lvl="0" marL="0" rtl="0" algn="l">
+              <a:pPr marL="0" lvl="0" indent="0" algn="l" rtl="0">
                 <a:spcBef>
                   <a:spcPts val="0"/>
                 </a:spcBef>
@@ -6465,9 +6460,6 @@
                 </a:spcAft>
                 <a:buNone/>
               </a:pPr>
-              <a:r>
-                <a:t/>
-              </a:r>
               <a:endParaRPr/>
             </a:p>
           </p:txBody>
@@ -6485,7 +6477,7 @@
             </a:xfrm>
             <a:prstGeom prst="diagStripe">
               <a:avLst>
-                <a:gd fmla="val 50000" name="adj"/>
+                <a:gd name="adj" fmla="val 50000"/>
               </a:avLst>
             </a:prstGeom>
             <a:solidFill>
@@ -6496,12 +6488,12 @@
             </a:ln>
           </p:spPr>
           <p:txBody>
-            <a:bodyPr anchorCtr="0" anchor="ctr" bIns="91425" lIns="91425" spcFirstLastPara="1" rIns="91425" wrap="square" tIns="91425">
+            <a:bodyPr spcFirstLastPara="1" wrap="square" lIns="91425" tIns="91425" rIns="91425" bIns="91425" anchor="ctr" anchorCtr="0">
               <a:noAutofit/>
             </a:bodyPr>
             <a:lstStyle/>
             <a:p>
-              <a:pPr indent="0" lvl="0" marL="0" rtl="0" algn="l">
+              <a:pPr marL="0" lvl="0" indent="0" algn="l" rtl="0">
                 <a:spcBef>
                   <a:spcPts val="0"/>
                 </a:spcBef>
@@ -6510,9 +6502,6 @@
                 </a:spcAft>
                 <a:buNone/>
               </a:pPr>
-              <a:r>
-                <a:t/>
-              </a:r>
               <a:endParaRPr/>
             </a:p>
           </p:txBody>
@@ -6521,7 +6510,9 @@
       <p:sp>
         <p:nvSpPr>
           <p:cNvPr id="66" name="Google Shape;66;p7"/>
-          <p:cNvSpPr txBox="1"/>
+          <p:cNvSpPr txBox="1">
+            <a:spLocks noGrp="1"/>
+          </p:cNvSpPr>
           <p:nvPr>
             <p:ph type="title"/>
           </p:nvPr>
@@ -6536,7 +6527,7 @@
           </a:prstGeom>
         </p:spPr>
         <p:txBody>
-          <a:bodyPr anchorCtr="0" anchor="t" bIns="91425" lIns="91425" spcFirstLastPara="1" rIns="91425" wrap="square" tIns="91425">
+          <a:bodyPr spcFirstLastPara="1" wrap="square" lIns="91425" tIns="91425" rIns="91425" bIns="91425" anchor="t" anchorCtr="0">
             <a:normAutofit/>
           </a:bodyPr>
           <a:lstStyle>
@@ -6640,15 +6631,19 @@
               <a:defRPr sz="2400"/>
             </a:lvl9pPr>
           </a:lstStyle>
-          <a:p/>
+          <a:p>
+            <a:endParaRPr/>
+          </a:p>
         </p:txBody>
       </p:sp>
       <p:sp>
         <p:nvSpPr>
           <p:cNvPr id="67" name="Google Shape;67;p7"/>
-          <p:cNvSpPr txBox="1"/>
+          <p:cNvSpPr txBox="1">
+            <a:spLocks noGrp="1"/>
+          </p:cNvSpPr>
           <p:nvPr>
-            <p:ph idx="1" type="body"/>
+            <p:ph type="body" idx="1"/>
           </p:nvPr>
         </p:nvSpPr>
         <p:spPr>
@@ -6661,11 +6656,11 @@
           </a:prstGeom>
         </p:spPr>
         <p:txBody>
-          <a:bodyPr anchorCtr="0" anchor="t" bIns="91425" lIns="91425" spcFirstLastPara="1" rIns="91425" wrap="square" tIns="91425">
+          <a:bodyPr spcFirstLastPara="1" wrap="square" lIns="91425" tIns="91425" rIns="91425" bIns="91425" anchor="t" anchorCtr="0">
             <a:normAutofit/>
           </a:bodyPr>
           <a:lstStyle>
-            <a:lvl1pPr indent="-311150" lvl="0" marL="457200">
+            <a:lvl1pPr marL="457200" lvl="0" indent="-311150">
               <a:spcBef>
                 <a:spcPts val="0"/>
               </a:spcBef>
@@ -6676,7 +6671,7 @@
               <a:buChar char="●"/>
               <a:defRPr/>
             </a:lvl1pPr>
-            <a:lvl2pPr indent="-298450" lvl="1" marL="914400">
+            <a:lvl2pPr marL="914400" lvl="1" indent="-298450">
               <a:spcBef>
                 <a:spcPts val="0"/>
               </a:spcBef>
@@ -6687,7 +6682,7 @@
               <a:buChar char="○"/>
               <a:defRPr/>
             </a:lvl2pPr>
-            <a:lvl3pPr indent="-298450" lvl="2" marL="1371600">
+            <a:lvl3pPr marL="1371600" lvl="2" indent="-298450">
               <a:spcBef>
                 <a:spcPts val="0"/>
               </a:spcBef>
@@ -6698,7 +6693,7 @@
               <a:buChar char="■"/>
               <a:defRPr/>
             </a:lvl3pPr>
-            <a:lvl4pPr indent="-298450" lvl="3" marL="1828800">
+            <a:lvl4pPr marL="1828800" lvl="3" indent="-298450">
               <a:spcBef>
                 <a:spcPts val="0"/>
               </a:spcBef>
@@ -6709,7 +6704,7 @@
               <a:buChar char="●"/>
               <a:defRPr/>
             </a:lvl4pPr>
-            <a:lvl5pPr indent="-298450" lvl="4" marL="2286000">
+            <a:lvl5pPr marL="2286000" lvl="4" indent="-298450">
               <a:spcBef>
                 <a:spcPts val="0"/>
               </a:spcBef>
@@ -6720,7 +6715,7 @@
               <a:buChar char="○"/>
               <a:defRPr/>
             </a:lvl5pPr>
-            <a:lvl6pPr indent="-298450" lvl="5" marL="2743200">
+            <a:lvl6pPr marL="2743200" lvl="5" indent="-298450">
               <a:spcBef>
                 <a:spcPts val="0"/>
               </a:spcBef>
@@ -6731,7 +6726,7 @@
               <a:buChar char="■"/>
               <a:defRPr/>
             </a:lvl6pPr>
-            <a:lvl7pPr indent="-298450" lvl="6" marL="3200400">
+            <a:lvl7pPr marL="3200400" lvl="6" indent="-298450">
               <a:spcBef>
                 <a:spcPts val="0"/>
               </a:spcBef>
@@ -6742,7 +6737,7 @@
               <a:buChar char="●"/>
               <a:defRPr/>
             </a:lvl7pPr>
-            <a:lvl8pPr indent="-298450" lvl="7" marL="3657600">
+            <a:lvl8pPr marL="3657600" lvl="7" indent="-298450">
               <a:spcBef>
                 <a:spcPts val="0"/>
               </a:spcBef>
@@ -6753,7 +6748,7 @@
               <a:buChar char="○"/>
               <a:defRPr/>
             </a:lvl8pPr>
-            <a:lvl9pPr indent="-298450" lvl="8" marL="4114800">
+            <a:lvl9pPr marL="4114800" lvl="8" indent="-298450">
               <a:spcBef>
                 <a:spcPts val="0"/>
               </a:spcBef>
@@ -6765,15 +6760,19 @@
               <a:defRPr/>
             </a:lvl9pPr>
           </a:lstStyle>
-          <a:p/>
+          <a:p>
+            <a:endParaRPr/>
+          </a:p>
         </p:txBody>
       </p:sp>
       <p:sp>
         <p:nvSpPr>
           <p:cNvPr id="68" name="Google Shape;68;p7"/>
-          <p:cNvSpPr txBox="1"/>
+          <p:cNvSpPr txBox="1">
+            <a:spLocks noGrp="1"/>
+          </p:cNvSpPr>
           <p:nvPr>
-            <p:ph idx="12" type="sldNum"/>
+            <p:ph type="sldNum" idx="12"/>
           </p:nvPr>
         </p:nvSpPr>
         <p:spPr>
@@ -6786,7 +6785,7 @@
           </a:prstGeom>
         </p:spPr>
         <p:txBody>
-          <a:bodyPr anchorCtr="0" anchor="ctr" bIns="91425" lIns="91425" spcFirstLastPara="1" rIns="91425" wrap="square" tIns="91425">
+          <a:bodyPr spcFirstLastPara="1" wrap="square" lIns="91425" tIns="91425" rIns="91425" bIns="91425" anchor="ctr" anchorCtr="0">
             <a:normAutofit/>
           </a:bodyPr>
           <a:lstStyle>
@@ -6828,7 +6827,7 @@
             </a:lvl9pPr>
           </a:lstStyle>
           <a:p>
-            <a:pPr indent="0" lvl="0" marL="0" rtl="0" algn="r">
+            <a:pPr marL="0" lvl="0" indent="0" algn="r" rtl="0">
               <a:spcBef>
                 <a:spcPts val="0"/>
               </a:spcBef>
@@ -6854,11 +6853,11 @@
 </file>
 
 <file path=ppt/slideLayouts/slideLayout7.xml><?xml version="1.0" encoding="utf-8"?>
-<p:sldLayout xmlns:a="http://schemas.openxmlformats.org/drawingml/2006/main" xmlns:r="http://schemas.openxmlformats.org/officeDocument/2006/relationships" xmlns:mc="http://schemas.openxmlformats.org/markup-compatibility/2006" xmlns:mv="urn:schemas-microsoft-com:mac:vml" xmlns:p="http://schemas.openxmlformats.org/presentationml/2006/main" xmlns:c="http://schemas.openxmlformats.org/drawingml/2006/chart" xmlns:dgm="http://schemas.openxmlformats.org/drawingml/2006/diagram" xmlns:o="urn:schemas-microsoft-com:office:office" xmlns:v="urn:schemas-microsoft-com:vml" xmlns:pvml="urn:schemas-microsoft-com:office:powerpoint" xmlns:com="http://schemas.openxmlformats.org/drawingml/2006/compatibility" xmlns:p14="http://schemas.microsoft.com/office/powerpoint/2010/main" xmlns:p15="http://schemas.microsoft.com/office/powerpoint/2012/main" xmlns:ahyp="http://schemas.microsoft.com/office/drawing/2018/hyperlinkcolor" matchingName="Main point">
+<p:sldLayout xmlns:a="http://schemas.openxmlformats.org/drawingml/2006/main" xmlns:r="http://schemas.openxmlformats.org/officeDocument/2006/relationships" xmlns:p="http://schemas.openxmlformats.org/presentationml/2006/main" matchingName="Main point">
   <p:cSld name="MAIN_POINT">
     <p:spTree>
       <p:nvGrpSpPr>
-        <p:cNvPr id="69" name="Shape 69"/>
+        <p:cNvPr id="1" name="Shape 69"/>
         <p:cNvGrpSpPr/>
         <p:nvPr/>
       </p:nvGrpSpPr>
@@ -6897,7 +6896,7 @@
             </a:xfrm>
             <a:prstGeom prst="diagStripe">
               <a:avLst>
-                <a:gd fmla="val 49469" name="adj"/>
+                <a:gd name="adj" fmla="val 49469"/>
               </a:avLst>
             </a:prstGeom>
             <a:solidFill>
@@ -6910,12 +6909,12 @@
             </a:ln>
           </p:spPr>
           <p:txBody>
-            <a:bodyPr anchorCtr="0" anchor="ctr" bIns="91425" lIns="91425" spcFirstLastPara="1" rIns="91425" wrap="square" tIns="91425">
+            <a:bodyPr spcFirstLastPara="1" wrap="square" lIns="91425" tIns="91425" rIns="91425" bIns="91425" anchor="ctr" anchorCtr="0">
               <a:noAutofit/>
             </a:bodyPr>
             <a:lstStyle/>
             <a:p>
-              <a:pPr indent="0" lvl="0" marL="0" rtl="0" algn="l">
+              <a:pPr marL="0" lvl="0" indent="0" algn="l" rtl="0">
                 <a:spcBef>
                   <a:spcPts val="0"/>
                 </a:spcBef>
@@ -6924,9 +6923,6 @@
                 </a:spcAft>
                 <a:buNone/>
               </a:pPr>
-              <a:r>
-                <a:t/>
-              </a:r>
               <a:endParaRPr/>
             </a:p>
           </p:txBody>
@@ -6944,7 +6940,7 @@
             </a:xfrm>
             <a:prstGeom prst="diagStripe">
               <a:avLst>
-                <a:gd fmla="val 0" name="adj"/>
+                <a:gd name="adj" fmla="val 0"/>
               </a:avLst>
             </a:prstGeom>
             <a:solidFill>
@@ -6957,12 +6953,12 @@
             </a:ln>
           </p:spPr>
           <p:txBody>
-            <a:bodyPr anchorCtr="0" anchor="ctr" bIns="91425" lIns="91425" spcFirstLastPara="1" rIns="91425" wrap="square" tIns="91425">
+            <a:bodyPr spcFirstLastPara="1" wrap="square" lIns="91425" tIns="91425" rIns="91425" bIns="91425" anchor="ctr" anchorCtr="0">
               <a:noAutofit/>
             </a:bodyPr>
             <a:lstStyle/>
             <a:p>
-              <a:pPr indent="0" lvl="0" marL="0" rtl="0" algn="l">
+              <a:pPr marL="0" lvl="0" indent="0" algn="l" rtl="0">
                 <a:spcBef>
                   <a:spcPts val="0"/>
                 </a:spcBef>
@@ -6971,9 +6967,6 @@
                 </a:spcAft>
                 <a:buNone/>
               </a:pPr>
-              <a:r>
-                <a:t/>
-              </a:r>
               <a:endParaRPr/>
             </a:p>
           </p:txBody>
@@ -6991,7 +6984,7 @@
             </a:xfrm>
             <a:prstGeom prst="diagStripe">
               <a:avLst>
-                <a:gd fmla="val 50000" name="adj"/>
+                <a:gd name="adj" fmla="val 50000"/>
               </a:avLst>
             </a:prstGeom>
             <a:solidFill>
@@ -7004,12 +6997,12 @@
             </a:ln>
           </p:spPr>
           <p:txBody>
-            <a:bodyPr anchorCtr="0" anchor="ctr" bIns="91425" lIns="91425" spcFirstLastPara="1" rIns="91425" wrap="square" tIns="91425">
+            <a:bodyPr spcFirstLastPara="1" wrap="square" lIns="91425" tIns="91425" rIns="91425" bIns="91425" anchor="ctr" anchorCtr="0">
               <a:noAutofit/>
             </a:bodyPr>
             <a:lstStyle/>
             <a:p>
-              <a:pPr indent="0" lvl="0" marL="0" rtl="0" algn="l">
+              <a:pPr marL="0" lvl="0" indent="0" algn="l" rtl="0">
                 <a:spcBef>
                   <a:spcPts val="0"/>
                 </a:spcBef>
@@ -7018,9 +7011,6 @@
                 </a:spcAft>
                 <a:buNone/>
               </a:pPr>
-              <a:r>
-                <a:t/>
-              </a:r>
               <a:endParaRPr/>
             </a:p>
           </p:txBody>
@@ -7038,7 +7028,7 @@
             </a:xfrm>
             <a:prstGeom prst="diagStripe">
               <a:avLst>
-                <a:gd fmla="val 50000" name="adj"/>
+                <a:gd name="adj" fmla="val 50000"/>
               </a:avLst>
             </a:prstGeom>
             <a:solidFill>
@@ -7051,12 +7041,12 @@
             </a:ln>
           </p:spPr>
           <p:txBody>
-            <a:bodyPr anchorCtr="0" anchor="ctr" bIns="91425" lIns="91425" spcFirstLastPara="1" rIns="91425" wrap="square" tIns="91425">
+            <a:bodyPr spcFirstLastPara="1" wrap="square" lIns="91425" tIns="91425" rIns="91425" bIns="91425" anchor="ctr" anchorCtr="0">
               <a:noAutofit/>
             </a:bodyPr>
             <a:lstStyle/>
             <a:p>
-              <a:pPr indent="0" lvl="0" marL="0" rtl="0" algn="l">
+              <a:pPr marL="0" lvl="0" indent="0" algn="l" rtl="0">
                 <a:spcBef>
                   <a:spcPts val="0"/>
                 </a:spcBef>
@@ -7065,9 +7055,6 @@
                 </a:spcAft>
                 <a:buNone/>
               </a:pPr>
-              <a:r>
-                <a:t/>
-              </a:r>
               <a:endParaRPr/>
             </a:p>
           </p:txBody>
@@ -7085,7 +7072,7 @@
             </a:xfrm>
             <a:prstGeom prst="diagStripe">
               <a:avLst>
-                <a:gd fmla="val 50000" name="adj"/>
+                <a:gd name="adj" fmla="val 50000"/>
               </a:avLst>
             </a:prstGeom>
             <a:solidFill>
@@ -7098,12 +7085,12 @@
             </a:ln>
           </p:spPr>
           <p:txBody>
-            <a:bodyPr anchorCtr="0" anchor="ctr" bIns="91425" lIns="91425" spcFirstLastPara="1" rIns="91425" wrap="square" tIns="91425">
+            <a:bodyPr spcFirstLastPara="1" wrap="square" lIns="91425" tIns="91425" rIns="91425" bIns="91425" anchor="ctr" anchorCtr="0">
               <a:noAutofit/>
             </a:bodyPr>
             <a:lstStyle/>
             <a:p>
-              <a:pPr indent="0" lvl="0" marL="0" rtl="0" algn="l">
+              <a:pPr marL="0" lvl="0" indent="0" algn="l" rtl="0">
                 <a:spcBef>
                   <a:spcPts val="0"/>
                 </a:spcBef>
@@ -7112,9 +7099,6 @@
                 </a:spcAft>
                 <a:buNone/>
               </a:pPr>
-              <a:r>
-                <a:t/>
-              </a:r>
               <a:endParaRPr/>
             </a:p>
           </p:txBody>
@@ -7132,7 +7116,7 @@
             </a:xfrm>
             <a:prstGeom prst="diagStripe">
               <a:avLst>
-                <a:gd fmla="val 50000" name="adj"/>
+                <a:gd name="adj" fmla="val 50000"/>
               </a:avLst>
             </a:prstGeom>
             <a:solidFill>
@@ -7145,12 +7129,12 @@
             </a:ln>
           </p:spPr>
           <p:txBody>
-            <a:bodyPr anchorCtr="0" anchor="ctr" bIns="91425" lIns="91425" spcFirstLastPara="1" rIns="91425" wrap="square" tIns="91425">
+            <a:bodyPr spcFirstLastPara="1" wrap="square" lIns="91425" tIns="91425" rIns="91425" bIns="91425" anchor="ctr" anchorCtr="0">
               <a:noAutofit/>
             </a:bodyPr>
             <a:lstStyle/>
             <a:p>
-              <a:pPr indent="0" lvl="0" marL="0" rtl="0" algn="l">
+              <a:pPr marL="0" lvl="0" indent="0" algn="l" rtl="0">
                 <a:spcBef>
                   <a:spcPts val="0"/>
                 </a:spcBef>
@@ -7159,9 +7143,6 @@
                 </a:spcAft>
                 <a:buNone/>
               </a:pPr>
-              <a:r>
-                <a:t/>
-              </a:r>
               <a:endParaRPr/>
             </a:p>
           </p:txBody>
@@ -7179,7 +7160,7 @@
             </a:xfrm>
             <a:prstGeom prst="diagStripe">
               <a:avLst>
-                <a:gd fmla="val 50000" name="adj"/>
+                <a:gd name="adj" fmla="val 50000"/>
               </a:avLst>
             </a:prstGeom>
             <a:solidFill>
@@ -7192,12 +7173,12 @@
             </a:ln>
           </p:spPr>
           <p:txBody>
-            <a:bodyPr anchorCtr="0" anchor="ctr" bIns="91425" lIns="91425" spcFirstLastPara="1" rIns="91425" wrap="square" tIns="91425">
+            <a:bodyPr spcFirstLastPara="1" wrap="square" lIns="91425" tIns="91425" rIns="91425" bIns="91425" anchor="ctr" anchorCtr="0">
               <a:noAutofit/>
             </a:bodyPr>
             <a:lstStyle/>
             <a:p>
-              <a:pPr indent="0" lvl="0" marL="0" rtl="0" algn="l">
+              <a:pPr marL="0" lvl="0" indent="0" algn="l" rtl="0">
                 <a:spcBef>
                   <a:spcPts val="0"/>
                 </a:spcBef>
@@ -7206,9 +7187,6 @@
                 </a:spcAft>
                 <a:buNone/>
               </a:pPr>
-              <a:r>
-                <a:t/>
-              </a:r>
               <a:endParaRPr/>
             </a:p>
           </p:txBody>
@@ -7226,7 +7204,7 @@
             </a:xfrm>
             <a:prstGeom prst="diagStripe">
               <a:avLst>
-                <a:gd fmla="val 50000" name="adj"/>
+                <a:gd name="adj" fmla="val 50000"/>
               </a:avLst>
             </a:prstGeom>
             <a:solidFill>
@@ -7237,12 +7215,12 @@
             </a:ln>
           </p:spPr>
           <p:txBody>
-            <a:bodyPr anchorCtr="0" anchor="ctr" bIns="91425" lIns="91425" spcFirstLastPara="1" rIns="91425" wrap="square" tIns="91425">
+            <a:bodyPr spcFirstLastPara="1" wrap="square" lIns="91425" tIns="91425" rIns="91425" bIns="91425" anchor="ctr" anchorCtr="0">
               <a:noAutofit/>
             </a:bodyPr>
             <a:lstStyle/>
             <a:p>
-              <a:pPr indent="0" lvl="0" marL="0" rtl="0" algn="l">
+              <a:pPr marL="0" lvl="0" indent="0" algn="l" rtl="0">
                 <a:spcBef>
                   <a:spcPts val="0"/>
                 </a:spcBef>
@@ -7251,9 +7229,6 @@
                 </a:spcAft>
                 <a:buNone/>
               </a:pPr>
-              <a:r>
-                <a:t/>
-              </a:r>
               <a:endParaRPr/>
             </a:p>
           </p:txBody>
@@ -7271,7 +7246,7 @@
             </a:xfrm>
             <a:prstGeom prst="diagStripe">
               <a:avLst>
-                <a:gd fmla="val 50000" name="adj"/>
+                <a:gd name="adj" fmla="val 50000"/>
               </a:avLst>
             </a:prstGeom>
             <a:solidFill>
@@ -7284,12 +7259,12 @@
             </a:ln>
           </p:spPr>
           <p:txBody>
-            <a:bodyPr anchorCtr="0" anchor="ctr" bIns="91425" lIns="91425" spcFirstLastPara="1" rIns="91425" wrap="square" tIns="91425">
+            <a:bodyPr spcFirstLastPara="1" wrap="square" lIns="91425" tIns="91425" rIns="91425" bIns="91425" anchor="ctr" anchorCtr="0">
               <a:noAutofit/>
             </a:bodyPr>
             <a:lstStyle/>
             <a:p>
-              <a:pPr indent="0" lvl="0" marL="0" rtl="0" algn="l">
+              <a:pPr marL="0" lvl="0" indent="0" algn="l" rtl="0">
                 <a:spcBef>
                   <a:spcPts val="0"/>
                 </a:spcBef>
@@ -7298,9 +7273,6 @@
                 </a:spcAft>
                 <a:buNone/>
               </a:pPr>
-              <a:r>
-                <a:t/>
-              </a:r>
               <a:endParaRPr/>
             </a:p>
           </p:txBody>
@@ -7318,7 +7290,7 @@
             </a:xfrm>
             <a:prstGeom prst="diagStripe">
               <a:avLst>
-                <a:gd fmla="val 50000" name="adj"/>
+                <a:gd name="adj" fmla="val 50000"/>
               </a:avLst>
             </a:prstGeom>
             <a:solidFill>
@@ -7331,12 +7303,12 @@
             </a:ln>
           </p:spPr>
           <p:txBody>
-            <a:bodyPr anchorCtr="0" anchor="ctr" bIns="91425" lIns="91425" spcFirstLastPara="1" rIns="91425" wrap="square" tIns="91425">
+            <a:bodyPr spcFirstLastPara="1" wrap="square" lIns="91425" tIns="91425" rIns="91425" bIns="91425" anchor="ctr" anchorCtr="0">
               <a:noAutofit/>
             </a:bodyPr>
             <a:lstStyle/>
             <a:p>
-              <a:pPr indent="0" lvl="0" marL="0" rtl="0" algn="l">
+              <a:pPr marL="0" lvl="0" indent="0" algn="l" rtl="0">
                 <a:spcBef>
                   <a:spcPts val="0"/>
                 </a:spcBef>
@@ -7345,9 +7317,6 @@
                 </a:spcAft>
                 <a:buNone/>
               </a:pPr>
-              <a:r>
-                <a:t/>
-              </a:r>
               <a:endParaRPr/>
             </a:p>
           </p:txBody>
@@ -7365,7 +7334,7 @@
             </a:xfrm>
             <a:prstGeom prst="diagStripe">
               <a:avLst>
-                <a:gd fmla="val 50000" name="adj"/>
+                <a:gd name="adj" fmla="val 50000"/>
               </a:avLst>
             </a:prstGeom>
             <a:solidFill>
@@ -7378,12 +7347,12 @@
             </a:ln>
           </p:spPr>
           <p:txBody>
-            <a:bodyPr anchorCtr="0" anchor="ctr" bIns="91425" lIns="91425" spcFirstLastPara="1" rIns="91425" wrap="square" tIns="91425">
+            <a:bodyPr spcFirstLastPara="1" wrap="square" lIns="91425" tIns="91425" rIns="91425" bIns="91425" anchor="ctr" anchorCtr="0">
               <a:noAutofit/>
             </a:bodyPr>
             <a:lstStyle/>
             <a:p>
-              <a:pPr indent="0" lvl="0" marL="0" rtl="0" algn="l">
+              <a:pPr marL="0" lvl="0" indent="0" algn="l" rtl="0">
                 <a:spcBef>
                   <a:spcPts val="0"/>
                 </a:spcBef>
@@ -7392,9 +7361,6 @@
                 </a:spcAft>
                 <a:buNone/>
               </a:pPr>
-              <a:r>
-                <a:t/>
-              </a:r>
               <a:endParaRPr/>
             </a:p>
           </p:txBody>
@@ -7412,7 +7378,7 @@
             </a:xfrm>
             <a:prstGeom prst="diagStripe">
               <a:avLst>
-                <a:gd fmla="val 50000" name="adj"/>
+                <a:gd name="adj" fmla="val 50000"/>
               </a:avLst>
             </a:prstGeom>
             <a:solidFill>
@@ -7425,12 +7391,12 @@
             </a:ln>
           </p:spPr>
           <p:txBody>
-            <a:bodyPr anchorCtr="0" anchor="ctr" bIns="91425" lIns="91425" spcFirstLastPara="1" rIns="91425" wrap="square" tIns="91425">
+            <a:bodyPr spcFirstLastPara="1" wrap="square" lIns="91425" tIns="91425" rIns="91425" bIns="91425" anchor="ctr" anchorCtr="0">
               <a:noAutofit/>
             </a:bodyPr>
             <a:lstStyle/>
             <a:p>
-              <a:pPr indent="0" lvl="0" marL="0" rtl="0" algn="l">
+              <a:pPr marL="0" lvl="0" indent="0" algn="l" rtl="0">
                 <a:spcBef>
                   <a:spcPts val="0"/>
                 </a:spcBef>
@@ -7439,9 +7405,6 @@
                 </a:spcAft>
                 <a:buNone/>
               </a:pPr>
-              <a:r>
-                <a:t/>
-              </a:r>
               <a:endParaRPr/>
             </a:p>
           </p:txBody>
@@ -7459,7 +7422,7 @@
             </a:xfrm>
             <a:prstGeom prst="diagStripe">
               <a:avLst>
-                <a:gd fmla="val 50000" name="adj"/>
+                <a:gd name="adj" fmla="val 50000"/>
               </a:avLst>
             </a:prstGeom>
             <a:solidFill>
@@ -7472,12 +7435,12 @@
             </a:ln>
           </p:spPr>
           <p:txBody>
-            <a:bodyPr anchorCtr="0" anchor="ctr" bIns="91425" lIns="91425" spcFirstLastPara="1" rIns="91425" wrap="square" tIns="91425">
+            <a:bodyPr spcFirstLastPara="1" wrap="square" lIns="91425" tIns="91425" rIns="91425" bIns="91425" anchor="ctr" anchorCtr="0">
               <a:noAutofit/>
             </a:bodyPr>
             <a:lstStyle/>
             <a:p>
-              <a:pPr indent="0" lvl="0" marL="0" rtl="0" algn="l">
+              <a:pPr marL="0" lvl="0" indent="0" algn="l" rtl="0">
                 <a:spcBef>
                   <a:spcPts val="0"/>
                 </a:spcBef>
@@ -7486,9 +7449,6 @@
                 </a:spcAft>
                 <a:buNone/>
               </a:pPr>
-              <a:r>
-                <a:t/>
-              </a:r>
               <a:endParaRPr/>
             </a:p>
           </p:txBody>
@@ -7506,7 +7466,7 @@
             </a:xfrm>
             <a:prstGeom prst="diagStripe">
               <a:avLst>
-                <a:gd fmla="val 50000" name="adj"/>
+                <a:gd name="adj" fmla="val 50000"/>
               </a:avLst>
             </a:prstGeom>
             <a:solidFill>
@@ -7517,12 +7477,12 @@
             </a:ln>
           </p:spPr>
           <p:txBody>
-            <a:bodyPr anchorCtr="0" anchor="ctr" bIns="91425" lIns="91425" spcFirstLastPara="1" rIns="91425" wrap="square" tIns="91425">
+            <a:bodyPr spcFirstLastPara="1" wrap="square" lIns="91425" tIns="91425" rIns="91425" bIns="91425" anchor="ctr" anchorCtr="0">
               <a:noAutofit/>
             </a:bodyPr>
             <a:lstStyle/>
             <a:p>
-              <a:pPr indent="0" lvl="0" marL="0" rtl="0" algn="l">
+              <a:pPr marL="0" lvl="0" indent="0" algn="l" rtl="0">
                 <a:spcBef>
                   <a:spcPts val="0"/>
                 </a:spcBef>
@@ -7531,9 +7491,6 @@
                 </a:spcAft>
                 <a:buNone/>
               </a:pPr>
-              <a:r>
-                <a:t/>
-              </a:r>
               <a:endParaRPr/>
             </a:p>
           </p:txBody>
@@ -7551,7 +7508,7 @@
             </a:xfrm>
             <a:prstGeom prst="diagStripe">
               <a:avLst>
-                <a:gd fmla="val 50000" name="adj"/>
+                <a:gd name="adj" fmla="val 50000"/>
               </a:avLst>
             </a:prstGeom>
             <a:solidFill>
@@ -7564,12 +7521,12 @@
             </a:ln>
           </p:spPr>
           <p:txBody>
-            <a:bodyPr anchorCtr="0" anchor="ctr" bIns="91425" lIns="91425" spcFirstLastPara="1" rIns="91425" wrap="square" tIns="91425">
+            <a:bodyPr spcFirstLastPara="1" wrap="square" lIns="91425" tIns="91425" rIns="91425" bIns="91425" anchor="ctr" anchorCtr="0">
               <a:noAutofit/>
             </a:bodyPr>
             <a:lstStyle/>
             <a:p>
-              <a:pPr indent="0" lvl="0" marL="0" rtl="0" algn="l">
+              <a:pPr marL="0" lvl="0" indent="0" algn="l" rtl="0">
                 <a:spcBef>
                   <a:spcPts val="0"/>
                 </a:spcBef>
@@ -7578,9 +7535,6 @@
                 </a:spcAft>
                 <a:buNone/>
               </a:pPr>
-              <a:r>
-                <a:t/>
-              </a:r>
               <a:endParaRPr/>
             </a:p>
           </p:txBody>
@@ -7598,7 +7552,7 @@
             </a:xfrm>
             <a:prstGeom prst="diagStripe">
               <a:avLst>
-                <a:gd fmla="val 50000" name="adj"/>
+                <a:gd name="adj" fmla="val 50000"/>
               </a:avLst>
             </a:prstGeom>
             <a:solidFill>
@@ -7611,12 +7565,12 @@
             </a:ln>
           </p:spPr>
           <p:txBody>
-            <a:bodyPr anchorCtr="0" anchor="ctr" bIns="91425" lIns="91425" spcFirstLastPara="1" rIns="91425" wrap="square" tIns="91425">
+            <a:bodyPr spcFirstLastPara="1" wrap="square" lIns="91425" tIns="91425" rIns="91425" bIns="91425" anchor="ctr" anchorCtr="0">
               <a:noAutofit/>
             </a:bodyPr>
             <a:lstStyle/>
             <a:p>
-              <a:pPr indent="0" lvl="0" marL="0" rtl="0" algn="l">
+              <a:pPr marL="0" lvl="0" indent="0" algn="l" rtl="0">
                 <a:spcBef>
                   <a:spcPts val="0"/>
                 </a:spcBef>
@@ -7625,9 +7579,6 @@
                 </a:spcAft>
                 <a:buNone/>
               </a:pPr>
-              <a:r>
-                <a:t/>
-              </a:r>
               <a:endParaRPr/>
             </a:p>
           </p:txBody>
@@ -7645,7 +7596,7 @@
             </a:xfrm>
             <a:prstGeom prst="diagStripe">
               <a:avLst>
-                <a:gd fmla="val 50000" name="adj"/>
+                <a:gd name="adj" fmla="val 50000"/>
               </a:avLst>
             </a:prstGeom>
             <a:solidFill>
@@ -7658,12 +7609,12 @@
             </a:ln>
           </p:spPr>
           <p:txBody>
-            <a:bodyPr anchorCtr="0" anchor="ctr" bIns="91425" lIns="91425" spcFirstLastPara="1" rIns="91425" wrap="square" tIns="91425">
+            <a:bodyPr spcFirstLastPara="1" wrap="square" lIns="91425" tIns="91425" rIns="91425" bIns="91425" anchor="ctr" anchorCtr="0">
               <a:noAutofit/>
             </a:bodyPr>
             <a:lstStyle/>
             <a:p>
-              <a:pPr indent="0" lvl="0" marL="0" rtl="0" algn="l">
+              <a:pPr marL="0" lvl="0" indent="0" algn="l" rtl="0">
                 <a:spcBef>
                   <a:spcPts val="0"/>
                 </a:spcBef>
@@ -7672,9 +7623,6 @@
                 </a:spcAft>
                 <a:buNone/>
               </a:pPr>
-              <a:r>
-                <a:t/>
-              </a:r>
               <a:endParaRPr/>
             </a:p>
           </p:txBody>
@@ -7692,7 +7640,7 @@
             </a:xfrm>
             <a:prstGeom prst="diagStripe">
               <a:avLst>
-                <a:gd fmla="val 50000" name="adj"/>
+                <a:gd name="adj" fmla="val 50000"/>
               </a:avLst>
             </a:prstGeom>
             <a:solidFill>
@@ -7705,12 +7653,12 @@
             </a:ln>
           </p:spPr>
           <p:txBody>
-            <a:bodyPr anchorCtr="0" anchor="ctr" bIns="91425" lIns="91425" spcFirstLastPara="1" rIns="91425" wrap="square" tIns="91425">
+            <a:bodyPr spcFirstLastPara="1" wrap="square" lIns="91425" tIns="91425" rIns="91425" bIns="91425" anchor="ctr" anchorCtr="0">
               <a:noAutofit/>
             </a:bodyPr>
             <a:lstStyle/>
             <a:p>
-              <a:pPr indent="0" lvl="0" marL="0" rtl="0" algn="l">
+              <a:pPr marL="0" lvl="0" indent="0" algn="l" rtl="0">
                 <a:spcBef>
                   <a:spcPts val="0"/>
                 </a:spcBef>
@@ -7719,9 +7667,6 @@
                 </a:spcAft>
                 <a:buNone/>
               </a:pPr>
-              <a:r>
-                <a:t/>
-              </a:r>
               <a:endParaRPr/>
             </a:p>
           </p:txBody>
@@ -7730,7 +7675,9 @@
       <p:sp>
         <p:nvSpPr>
           <p:cNvPr id="89" name="Google Shape;89;p8"/>
-          <p:cNvSpPr txBox="1"/>
+          <p:cNvSpPr txBox="1">
+            <a:spLocks noGrp="1"/>
+          </p:cNvSpPr>
           <p:nvPr>
             <p:ph type="title"/>
           </p:nvPr>
@@ -7745,7 +7692,7 @@
           </a:prstGeom>
         </p:spPr>
         <p:txBody>
-          <a:bodyPr anchorCtr="0" anchor="ctr" bIns="91425" lIns="91425" spcFirstLastPara="1" rIns="91425" wrap="square" tIns="91425">
+          <a:bodyPr spcFirstLastPara="1" wrap="square" lIns="91425" tIns="91425" rIns="91425" bIns="91425" anchor="ctr" anchorCtr="0">
             <a:normAutofit/>
           </a:bodyPr>
           <a:lstStyle>
@@ -7849,15 +7796,19 @@
               <a:defRPr/>
             </a:lvl9pPr>
           </a:lstStyle>
-          <a:p/>
+          <a:p>
+            <a:endParaRPr/>
+          </a:p>
         </p:txBody>
       </p:sp>
       <p:sp>
         <p:nvSpPr>
           <p:cNvPr id="90" name="Google Shape;90;p8"/>
-          <p:cNvSpPr txBox="1"/>
+          <p:cNvSpPr txBox="1">
+            <a:spLocks noGrp="1"/>
+          </p:cNvSpPr>
           <p:nvPr>
-            <p:ph idx="12" type="sldNum"/>
+            <p:ph type="sldNum" idx="12"/>
           </p:nvPr>
         </p:nvSpPr>
         <p:spPr>
@@ -7870,7 +7821,7 @@
           </a:prstGeom>
         </p:spPr>
         <p:txBody>
-          <a:bodyPr anchorCtr="0" anchor="ctr" bIns="91425" lIns="91425" spcFirstLastPara="1" rIns="91425" wrap="square" tIns="91425">
+          <a:bodyPr spcFirstLastPara="1" wrap="square" lIns="91425" tIns="91425" rIns="91425" bIns="91425" anchor="ctr" anchorCtr="0">
             <a:normAutofit/>
           </a:bodyPr>
           <a:lstStyle>
@@ -7912,7 +7863,7 @@
             </a:lvl9pPr>
           </a:lstStyle>
           <a:p>
-            <a:pPr indent="0" lvl="0" marL="0" rtl="0" algn="r">
+            <a:pPr marL="0" lvl="0" indent="0" algn="r" rtl="0">
               <a:spcBef>
                 <a:spcPts val="0"/>
               </a:spcBef>
@@ -7938,11 +7889,11 @@
 </file>
 
 <file path=ppt/slideLayouts/slideLayout8.xml><?xml version="1.0" encoding="utf-8"?>
-<p:sldLayout xmlns:a="http://schemas.openxmlformats.org/drawingml/2006/main" xmlns:r="http://schemas.openxmlformats.org/officeDocument/2006/relationships" xmlns:mc="http://schemas.openxmlformats.org/markup-compatibility/2006" xmlns:mv="urn:schemas-microsoft-com:mac:vml" xmlns:p="http://schemas.openxmlformats.org/presentationml/2006/main" xmlns:c="http://schemas.openxmlformats.org/drawingml/2006/chart" xmlns:dgm="http://schemas.openxmlformats.org/drawingml/2006/diagram" xmlns:o="urn:schemas-microsoft-com:office:office" xmlns:v="urn:schemas-microsoft-com:vml" xmlns:pvml="urn:schemas-microsoft-com:office:powerpoint" xmlns:com="http://schemas.openxmlformats.org/drawingml/2006/compatibility" xmlns:p14="http://schemas.microsoft.com/office/powerpoint/2010/main" xmlns:p15="http://schemas.microsoft.com/office/powerpoint/2012/main" xmlns:ahyp="http://schemas.microsoft.com/office/drawing/2018/hyperlinkcolor" matchingName="Section title and description">
+<p:sldLayout xmlns:a="http://schemas.openxmlformats.org/drawingml/2006/main" xmlns:r="http://schemas.openxmlformats.org/officeDocument/2006/relationships" xmlns:p="http://schemas.openxmlformats.org/presentationml/2006/main" matchingName="Section title and description">
   <p:cSld name="SECTION_TITLE_AND_DESCRIPTION">
     <p:spTree>
       <p:nvGrpSpPr>
-        <p:cNvPr id="91" name="Shape 91"/>
+        <p:cNvPr id="1" name="Shape 91"/>
         <p:cNvGrpSpPr/>
         <p:nvPr/>
       </p:nvGrpSpPr>
@@ -7981,7 +7932,7 @@
             </a:xfrm>
             <a:prstGeom prst="diagStripe">
               <a:avLst>
-                <a:gd fmla="val 50000" name="adj"/>
+                <a:gd name="adj" fmla="val 50000"/>
               </a:avLst>
             </a:prstGeom>
             <a:solidFill>
@@ -7992,12 +7943,12 @@
             </a:ln>
           </p:spPr>
           <p:txBody>
-            <a:bodyPr anchorCtr="0" anchor="ctr" bIns="91425" lIns="91425" spcFirstLastPara="1" rIns="91425" wrap="square" tIns="91425">
+            <a:bodyPr spcFirstLastPara="1" wrap="square" lIns="91425" tIns="91425" rIns="91425" bIns="91425" anchor="ctr" anchorCtr="0">
               <a:noAutofit/>
             </a:bodyPr>
             <a:lstStyle/>
             <a:p>
-              <a:pPr indent="0" lvl="0" marL="0" rtl="0" algn="l">
+              <a:pPr marL="0" lvl="0" indent="0" algn="l" rtl="0">
                 <a:spcBef>
                   <a:spcPts val="0"/>
                 </a:spcBef>
@@ -8006,9 +7957,6 @@
                 </a:spcAft>
                 <a:buNone/>
               </a:pPr>
-              <a:r>
-                <a:t/>
-              </a:r>
               <a:endParaRPr/>
             </a:p>
           </p:txBody>
@@ -8026,7 +7974,7 @@
             </a:xfrm>
             <a:prstGeom prst="diagStripe">
               <a:avLst>
-                <a:gd fmla="val 50000" name="adj"/>
+                <a:gd name="adj" fmla="val 50000"/>
               </a:avLst>
             </a:prstGeom>
             <a:solidFill>
@@ -8037,12 +7985,12 @@
             </a:ln>
           </p:spPr>
           <p:txBody>
-            <a:bodyPr anchorCtr="0" anchor="ctr" bIns="91425" lIns="91425" spcFirstLastPara="1" rIns="91425" wrap="square" tIns="91425">
+            <a:bodyPr spcFirstLastPara="1" wrap="square" lIns="91425" tIns="91425" rIns="91425" bIns="91425" anchor="ctr" anchorCtr="0">
               <a:noAutofit/>
             </a:bodyPr>
             <a:lstStyle/>
             <a:p>
-              <a:pPr indent="0" lvl="0" marL="0" rtl="0" algn="l">
+              <a:pPr marL="0" lvl="0" indent="0" algn="l" rtl="0">
                 <a:spcBef>
                   <a:spcPts val="0"/>
                 </a:spcBef>
@@ -8051,9 +7999,6 @@
                 </a:spcAft>
                 <a:buNone/>
               </a:pPr>
-              <a:r>
-                <a:t/>
-              </a:r>
               <a:endParaRPr/>
             </a:p>
           </p:txBody>
@@ -8062,7 +8007,9 @@
       <p:sp>
         <p:nvSpPr>
           <p:cNvPr id="95" name="Google Shape;95;p9"/>
-          <p:cNvSpPr txBox="1"/>
+          <p:cNvSpPr txBox="1">
+            <a:spLocks noGrp="1"/>
+          </p:cNvSpPr>
           <p:nvPr>
             <p:ph type="title"/>
           </p:nvPr>
@@ -8077,7 +8024,7 @@
           </a:prstGeom>
         </p:spPr>
         <p:txBody>
-          <a:bodyPr anchorCtr="0" anchor="t" bIns="91425" lIns="91425" spcFirstLastPara="1" rIns="91425" wrap="square" tIns="91425">
+          <a:bodyPr spcFirstLastPara="1" wrap="square" lIns="91425" tIns="91425" rIns="91425" bIns="91425" anchor="t" anchorCtr="0">
             <a:normAutofit/>
           </a:bodyPr>
           <a:lstStyle>
@@ -8181,15 +8128,19 @@
               <a:defRPr sz="2400"/>
             </a:lvl9pPr>
           </a:lstStyle>
-          <a:p/>
+          <a:p>
+            <a:endParaRPr/>
+          </a:p>
         </p:txBody>
       </p:sp>
       <p:sp>
         <p:nvSpPr>
           <p:cNvPr id="96" name="Google Shape;96;p9"/>
-          <p:cNvSpPr txBox="1"/>
+          <p:cNvSpPr txBox="1">
+            <a:spLocks noGrp="1"/>
+          </p:cNvSpPr>
           <p:nvPr>
-            <p:ph idx="1" type="subTitle"/>
+            <p:ph type="subTitle" idx="1"/>
           </p:nvPr>
         </p:nvSpPr>
         <p:spPr>
@@ -8202,7 +8153,7 @@
           </a:prstGeom>
         </p:spPr>
         <p:txBody>
-          <a:bodyPr anchorCtr="0" anchor="t" bIns="91425" lIns="91425" spcFirstLastPara="1" rIns="91425" wrap="square" tIns="91425">
+          <a:bodyPr spcFirstLastPara="1" wrap="square" lIns="91425" tIns="91425" rIns="91425" bIns="91425" anchor="t" anchorCtr="0">
             <a:normAutofit/>
           </a:bodyPr>
           <a:lstStyle>
@@ -8333,15 +8284,19 @@
               <a:defRPr sz="1300"/>
             </a:lvl9pPr>
           </a:lstStyle>
-          <a:p/>
+          <a:p>
+            <a:endParaRPr/>
+          </a:p>
         </p:txBody>
       </p:sp>
       <p:sp>
         <p:nvSpPr>
           <p:cNvPr id="97" name="Google Shape;97;p9"/>
-          <p:cNvSpPr txBox="1"/>
+          <p:cNvSpPr txBox="1">
+            <a:spLocks noGrp="1"/>
+          </p:cNvSpPr>
           <p:nvPr>
-            <p:ph idx="2" type="body"/>
+            <p:ph type="body" idx="2"/>
           </p:nvPr>
         </p:nvSpPr>
         <p:spPr>
@@ -8354,11 +8309,11 @@
           </a:prstGeom>
         </p:spPr>
         <p:txBody>
-          <a:bodyPr anchorCtr="0" anchor="t" bIns="91425" lIns="91425" spcFirstLastPara="1" rIns="91425" wrap="square" tIns="91425">
+          <a:bodyPr spcFirstLastPara="1" wrap="square" lIns="91425" tIns="91425" rIns="91425" bIns="91425" anchor="t" anchorCtr="0">
             <a:normAutofit/>
           </a:bodyPr>
           <a:lstStyle>
-            <a:lvl1pPr indent="-311150" lvl="0" marL="457200">
+            <a:lvl1pPr marL="457200" lvl="0" indent="-311150">
               <a:spcBef>
                 <a:spcPts val="0"/>
               </a:spcBef>
@@ -8369,7 +8324,7 @@
               <a:buChar char="●"/>
               <a:defRPr/>
             </a:lvl1pPr>
-            <a:lvl2pPr indent="-298450" lvl="1" marL="914400">
+            <a:lvl2pPr marL="914400" lvl="1" indent="-298450">
               <a:spcBef>
                 <a:spcPts val="0"/>
               </a:spcBef>
@@ -8380,7 +8335,7 @@
               <a:buChar char="○"/>
               <a:defRPr/>
             </a:lvl2pPr>
-            <a:lvl3pPr indent="-298450" lvl="2" marL="1371600">
+            <a:lvl3pPr marL="1371600" lvl="2" indent="-298450">
               <a:spcBef>
                 <a:spcPts val="0"/>
               </a:spcBef>
@@ -8391,7 +8346,7 @@
               <a:buChar char="■"/>
               <a:defRPr/>
             </a:lvl3pPr>
-            <a:lvl4pPr indent="-298450" lvl="3" marL="1828800">
+            <a:lvl4pPr marL="1828800" lvl="3" indent="-298450">
               <a:spcBef>
                 <a:spcPts val="0"/>
               </a:spcBef>
@@ -8402,7 +8357,7 @@
               <a:buChar char="●"/>
               <a:defRPr/>
             </a:lvl4pPr>
-            <a:lvl5pPr indent="-298450" lvl="4" marL="2286000">
+            <a:lvl5pPr marL="2286000" lvl="4" indent="-298450">
               <a:spcBef>
                 <a:spcPts val="0"/>
               </a:spcBef>
@@ -8413,7 +8368,7 @@
               <a:buChar char="○"/>
               <a:defRPr/>
             </a:lvl5pPr>
-            <a:lvl6pPr indent="-298450" lvl="5" marL="2743200">
+            <a:lvl6pPr marL="2743200" lvl="5" indent="-298450">
               <a:spcBef>
                 <a:spcPts val="0"/>
               </a:spcBef>
@@ -8424,7 +8379,7 @@
               <a:buChar char="■"/>
               <a:defRPr/>
             </a:lvl6pPr>
-            <a:lvl7pPr indent="-298450" lvl="6" marL="3200400">
+            <a:lvl7pPr marL="3200400" lvl="6" indent="-298450">
               <a:spcBef>
                 <a:spcPts val="0"/>
               </a:spcBef>
@@ -8435,7 +8390,7 @@
               <a:buChar char="●"/>
               <a:defRPr/>
             </a:lvl7pPr>
-            <a:lvl8pPr indent="-298450" lvl="7" marL="3657600">
+            <a:lvl8pPr marL="3657600" lvl="7" indent="-298450">
               <a:spcBef>
                 <a:spcPts val="0"/>
               </a:spcBef>
@@ -8446,7 +8401,7 @@
               <a:buChar char="○"/>
               <a:defRPr/>
             </a:lvl8pPr>
-            <a:lvl9pPr indent="-298450" lvl="8" marL="4114800">
+            <a:lvl9pPr marL="4114800" lvl="8" indent="-298450">
               <a:spcBef>
                 <a:spcPts val="0"/>
               </a:spcBef>
@@ -8458,15 +8413,19 @@
               <a:defRPr/>
             </a:lvl9pPr>
           </a:lstStyle>
-          <a:p/>
+          <a:p>
+            <a:endParaRPr/>
+          </a:p>
         </p:txBody>
       </p:sp>
       <p:sp>
         <p:nvSpPr>
           <p:cNvPr id="98" name="Google Shape;98;p9"/>
-          <p:cNvSpPr txBox="1"/>
+          <p:cNvSpPr txBox="1">
+            <a:spLocks noGrp="1"/>
+          </p:cNvSpPr>
           <p:nvPr>
-            <p:ph idx="12" type="sldNum"/>
+            <p:ph type="sldNum" idx="12"/>
           </p:nvPr>
         </p:nvSpPr>
         <p:spPr>
@@ -8479,7 +8438,7 @@
           </a:prstGeom>
         </p:spPr>
         <p:txBody>
-          <a:bodyPr anchorCtr="0" anchor="ctr" bIns="91425" lIns="91425" spcFirstLastPara="1" rIns="91425" wrap="square" tIns="91425">
+          <a:bodyPr spcFirstLastPara="1" wrap="square" lIns="91425" tIns="91425" rIns="91425" bIns="91425" anchor="ctr" anchorCtr="0">
             <a:normAutofit/>
           </a:bodyPr>
           <a:lstStyle>
@@ -8521,7 +8480,7 @@
             </a:lvl9pPr>
           </a:lstStyle>
           <a:p>
-            <a:pPr indent="0" lvl="0" marL="0" rtl="0" algn="r">
+            <a:pPr marL="0" lvl="0" indent="0" algn="r" rtl="0">
               <a:spcBef>
                 <a:spcPts val="0"/>
               </a:spcBef>
@@ -8547,11 +8506,11 @@
 </file>
 
 <file path=ppt/slideLayouts/slideLayout9.xml><?xml version="1.0" encoding="utf-8"?>
-<p:sldLayout xmlns:a="http://schemas.openxmlformats.org/drawingml/2006/main" xmlns:r="http://schemas.openxmlformats.org/officeDocument/2006/relationships" xmlns:mc="http://schemas.openxmlformats.org/markup-compatibility/2006" xmlns:mv="urn:schemas-microsoft-com:mac:vml" xmlns:p="http://schemas.openxmlformats.org/presentationml/2006/main" xmlns:c="http://schemas.openxmlformats.org/drawingml/2006/chart" xmlns:dgm="http://schemas.openxmlformats.org/drawingml/2006/diagram" xmlns:o="urn:schemas-microsoft-com:office:office" xmlns:v="urn:schemas-microsoft-com:vml" xmlns:pvml="urn:schemas-microsoft-com:office:powerpoint" xmlns:com="http://schemas.openxmlformats.org/drawingml/2006/compatibility" xmlns:p14="http://schemas.microsoft.com/office/powerpoint/2010/main" xmlns:p15="http://schemas.microsoft.com/office/powerpoint/2012/main" xmlns:ahyp="http://schemas.microsoft.com/office/drawing/2018/hyperlinkcolor" matchingName="Caption">
+<p:sldLayout xmlns:a="http://schemas.openxmlformats.org/drawingml/2006/main" xmlns:r="http://schemas.openxmlformats.org/officeDocument/2006/relationships" xmlns:p="http://schemas.openxmlformats.org/presentationml/2006/main" matchingName="Caption">
   <p:cSld name="CAPTION_ONLY">
     <p:spTree>
       <p:nvGrpSpPr>
-        <p:cNvPr id="99" name="Shape 99"/>
+        <p:cNvPr id="1" name="Shape 99"/>
         <p:cNvGrpSpPr/>
         <p:nvPr/>
       </p:nvGrpSpPr>
@@ -8590,7 +8549,7 @@
             </a:xfrm>
             <a:prstGeom prst="diagStripe">
               <a:avLst>
-                <a:gd fmla="val 50000" name="adj"/>
+                <a:gd name="adj" fmla="val 50000"/>
               </a:avLst>
             </a:prstGeom>
             <a:solidFill>
@@ -8603,12 +8562,12 @@
             </a:ln>
           </p:spPr>
           <p:txBody>
-            <a:bodyPr anchorCtr="0" anchor="ctr" bIns="91425" lIns="91425" spcFirstLastPara="1" rIns="91425" wrap="square" tIns="91425">
+            <a:bodyPr spcFirstLastPara="1" wrap="square" lIns="91425" tIns="91425" rIns="91425" bIns="91425" anchor="ctr" anchorCtr="0">
               <a:noAutofit/>
             </a:bodyPr>
             <a:lstStyle/>
             <a:p>
-              <a:pPr indent="0" lvl="0" marL="0" rtl="0" algn="l">
+              <a:pPr marL="0" lvl="0" indent="0" algn="l" rtl="0">
                 <a:spcBef>
                   <a:spcPts val="0"/>
                 </a:spcBef>
@@ -8617,9 +8576,6 @@
                 </a:spcAft>
                 <a:buNone/>
               </a:pPr>
-              <a:r>
-                <a:t/>
-              </a:r>
               <a:endParaRPr/>
             </a:p>
           </p:txBody>
@@ -8637,7 +8593,7 @@
             </a:xfrm>
             <a:prstGeom prst="diagStripe">
               <a:avLst>
-                <a:gd fmla="val 50000" name="adj"/>
+                <a:gd name="adj" fmla="val 50000"/>
               </a:avLst>
             </a:prstGeom>
             <a:solidFill>
@@ -8650,12 +8606,12 @@
             </a:ln>
           </p:spPr>
           <p:txBody>
-            <a:bodyPr anchorCtr="0" anchor="ctr" bIns="91425" lIns="91425" spcFirstLastPara="1" rIns="91425" wrap="square" tIns="91425">
+            <a:bodyPr spcFirstLastPara="1" wrap="square" lIns="91425" tIns="91425" rIns="91425" bIns="91425" anchor="ctr" anchorCtr="0">
               <a:noAutofit/>
             </a:bodyPr>
             <a:lstStyle/>
             <a:p>
-              <a:pPr indent="0" lvl="0" marL="0" rtl="0" algn="l">
+              <a:pPr marL="0" lvl="0" indent="0" algn="l" rtl="0">
                 <a:spcBef>
                   <a:spcPts val="0"/>
                 </a:spcBef>
@@ -8664,9 +8620,6 @@
                 </a:spcAft>
                 <a:buNone/>
               </a:pPr>
-              <a:r>
-                <a:t/>
-              </a:r>
               <a:endParaRPr/>
             </a:p>
           </p:txBody>
@@ -8675,9 +8628,11 @@
       <p:sp>
         <p:nvSpPr>
           <p:cNvPr id="103" name="Google Shape;103;p10"/>
-          <p:cNvSpPr txBox="1"/>
+          <p:cNvSpPr txBox="1">
+            <a:spLocks noGrp="1"/>
+          </p:cNvSpPr>
           <p:nvPr>
-            <p:ph idx="1" type="body"/>
+            <p:ph type="body" idx="1"/>
           </p:nvPr>
         </p:nvSpPr>
         <p:spPr>
@@ -8690,11 +8645,11 @@
           </a:prstGeom>
         </p:spPr>
         <p:txBody>
-          <a:bodyPr anchorCtr="0" anchor="ctr" bIns="91425" lIns="91425" spcFirstLastPara="1" rIns="91425" wrap="square" tIns="91425">
+          <a:bodyPr spcFirstLastPara="1" wrap="square" lIns="91425" tIns="91425" rIns="91425" bIns="91425" anchor="ctr" anchorCtr="0">
             <a:normAutofit/>
           </a:bodyPr>
           <a:lstStyle>
-            <a:lvl1pPr indent="-228600" lvl="0" marL="457200">
+            <a:lvl1pPr marL="457200" lvl="0" indent="-228600">
               <a:lnSpc>
                 <a:spcPct val="100000"/>
               </a:lnSpc>
@@ -8709,15 +8664,19 @@
               <a:defRPr/>
             </a:lvl1pPr>
           </a:lstStyle>
-          <a:p/>
+          <a:p>
+            <a:endParaRPr/>
+          </a:p>
         </p:txBody>
       </p:sp>
       <p:sp>
         <p:nvSpPr>
           <p:cNvPr id="104" name="Google Shape;104;p10"/>
-          <p:cNvSpPr txBox="1"/>
+          <p:cNvSpPr txBox="1">
+            <a:spLocks noGrp="1"/>
+          </p:cNvSpPr>
           <p:nvPr>
-            <p:ph idx="12" type="sldNum"/>
+            <p:ph type="sldNum" idx="12"/>
           </p:nvPr>
         </p:nvSpPr>
         <p:spPr>
@@ -8730,7 +8689,7 @@
           </a:prstGeom>
         </p:spPr>
         <p:txBody>
-          <a:bodyPr anchorCtr="0" anchor="ctr" bIns="91425" lIns="91425" spcFirstLastPara="1" rIns="91425" wrap="square" tIns="91425">
+          <a:bodyPr spcFirstLastPara="1" wrap="square" lIns="91425" tIns="91425" rIns="91425" bIns="91425" anchor="ctr" anchorCtr="0">
             <a:normAutofit/>
           </a:bodyPr>
           <a:lstStyle>
@@ -8772,7 +8731,7 @@
             </a:lvl9pPr>
           </a:lstStyle>
           <a:p>
-            <a:pPr indent="0" lvl="0" marL="0" rtl="0" algn="r">
+            <a:pPr marL="0" lvl="0" indent="0" algn="r" rtl="0">
               <a:spcBef>
                 <a:spcPts val="0"/>
               </a:spcBef>
@@ -8798,18 +8757,19 @@
 </file>
 
 <file path=ppt/slideMasters/slideMaster1.xml><?xml version="1.0" encoding="utf-8"?>
-<p:sldMaster xmlns:a="http://schemas.openxmlformats.org/drawingml/2006/main" xmlns:r="http://schemas.openxmlformats.org/officeDocument/2006/relationships" xmlns:mc="http://schemas.openxmlformats.org/markup-compatibility/2006" xmlns:mv="urn:schemas-microsoft-com:mac:vml" xmlns:p="http://schemas.openxmlformats.org/presentationml/2006/main" xmlns:c="http://schemas.openxmlformats.org/drawingml/2006/chart" xmlns:dgm="http://schemas.openxmlformats.org/drawingml/2006/diagram" xmlns:o="urn:schemas-microsoft-com:office:office" xmlns:v="urn:schemas-microsoft-com:vml" xmlns:pvml="urn:schemas-microsoft-com:office:powerpoint" xmlns:com="http://schemas.openxmlformats.org/drawingml/2006/compatibility" xmlns:p14="http://schemas.microsoft.com/office/powerpoint/2010/main" xmlns:p15="http://schemas.microsoft.com/office/powerpoint/2012/main" xmlns:ahyp="http://schemas.microsoft.com/office/drawing/2018/hyperlinkcolor">
+<p:sldMaster xmlns:a="http://schemas.openxmlformats.org/drawingml/2006/main" xmlns:r="http://schemas.openxmlformats.org/officeDocument/2006/relationships" xmlns:p="http://schemas.openxmlformats.org/presentationml/2006/main">
   <p:cSld name="focus">
     <p:bg>
       <p:bgPr>
         <a:solidFill>
           <a:schemeClr val="dk1"/>
         </a:solidFill>
+        <a:effectLst/>
       </p:bgPr>
     </p:bg>
     <p:spTree>
       <p:nvGrpSpPr>
-        <p:cNvPr id="5" name="Shape 5"/>
+        <p:cNvPr id="1" name="Shape 5"/>
         <p:cNvGrpSpPr/>
         <p:nvPr/>
       </p:nvGrpSpPr>
@@ -8824,7 +8784,9 @@
       <p:sp>
         <p:nvSpPr>
           <p:cNvPr id="6" name="Google Shape;6;p1"/>
-          <p:cNvSpPr txBox="1"/>
+          <p:cNvSpPr txBox="1">
+            <a:spLocks noGrp="1"/>
+          </p:cNvSpPr>
           <p:nvPr>
             <p:ph type="title"/>
           </p:nvPr>
@@ -8843,7 +8805,7 @@
           </a:ln>
         </p:spPr>
         <p:txBody>
-          <a:bodyPr anchorCtr="0" anchor="t" bIns="91425" lIns="91425" spcFirstLastPara="1" rIns="91425" wrap="square" tIns="91425">
+          <a:bodyPr spcFirstLastPara="1" wrap="square" lIns="91425" tIns="91425" rIns="91425" bIns="91425" anchor="t" anchorCtr="0">
             <a:normAutofit/>
           </a:bodyPr>
           <a:lstStyle>
@@ -9055,15 +9017,19 @@
               </a:defRPr>
             </a:lvl9pPr>
           </a:lstStyle>
-          <a:p/>
+          <a:p>
+            <a:endParaRPr/>
+          </a:p>
         </p:txBody>
       </p:sp>
       <p:sp>
         <p:nvSpPr>
           <p:cNvPr id="7" name="Google Shape;7;p1"/>
-          <p:cNvSpPr txBox="1"/>
+          <p:cNvSpPr txBox="1">
+            <a:spLocks noGrp="1"/>
+          </p:cNvSpPr>
           <p:nvPr>
-            <p:ph idx="1" type="body"/>
+            <p:ph type="body" idx="1"/>
           </p:nvPr>
         </p:nvSpPr>
         <p:spPr>
@@ -9080,11 +9046,11 @@
           </a:ln>
         </p:spPr>
         <p:txBody>
-          <a:bodyPr anchorCtr="0" anchor="t" bIns="91425" lIns="91425" spcFirstLastPara="1" rIns="91425" wrap="square" tIns="91425">
+          <a:bodyPr spcFirstLastPara="1" wrap="square" lIns="91425" tIns="91425" rIns="91425" bIns="91425" anchor="t" anchorCtr="0">
             <a:normAutofit/>
           </a:bodyPr>
           <a:lstStyle>
-            <a:lvl1pPr indent="-311150" lvl="0" marL="457200">
+            <a:lvl1pPr marL="457200" lvl="0" indent="-311150">
               <a:lnSpc>
                 <a:spcPct val="115000"/>
               </a:lnSpc>
@@ -9110,7 +9076,7 @@
                 <a:sym typeface="Lato"/>
               </a:defRPr>
             </a:lvl1pPr>
-            <a:lvl2pPr indent="-298450" lvl="1" marL="914400">
+            <a:lvl2pPr marL="914400" lvl="1" indent="-298450">
               <a:lnSpc>
                 <a:spcPct val="115000"/>
               </a:lnSpc>
@@ -9136,7 +9102,7 @@
                 <a:sym typeface="Lato"/>
               </a:defRPr>
             </a:lvl2pPr>
-            <a:lvl3pPr indent="-298450" lvl="2" marL="1371600">
+            <a:lvl3pPr marL="1371600" lvl="2" indent="-298450">
               <a:lnSpc>
                 <a:spcPct val="115000"/>
               </a:lnSpc>
@@ -9162,7 +9128,7 @@
                 <a:sym typeface="Lato"/>
               </a:defRPr>
             </a:lvl3pPr>
-            <a:lvl4pPr indent="-298450" lvl="3" marL="1828800">
+            <a:lvl4pPr marL="1828800" lvl="3" indent="-298450">
               <a:lnSpc>
                 <a:spcPct val="115000"/>
               </a:lnSpc>
@@ -9188,7 +9154,7 @@
                 <a:sym typeface="Lato"/>
               </a:defRPr>
             </a:lvl4pPr>
-            <a:lvl5pPr indent="-298450" lvl="4" marL="2286000">
+            <a:lvl5pPr marL="2286000" lvl="4" indent="-298450">
               <a:lnSpc>
                 <a:spcPct val="115000"/>
               </a:lnSpc>
@@ -9214,7 +9180,7 @@
                 <a:sym typeface="Lato"/>
               </a:defRPr>
             </a:lvl5pPr>
-            <a:lvl6pPr indent="-298450" lvl="5" marL="2743200">
+            <a:lvl6pPr marL="2743200" lvl="5" indent="-298450">
               <a:lnSpc>
                 <a:spcPct val="115000"/>
               </a:lnSpc>
@@ -9240,7 +9206,7 @@
                 <a:sym typeface="Lato"/>
               </a:defRPr>
             </a:lvl6pPr>
-            <a:lvl7pPr indent="-298450" lvl="6" marL="3200400">
+            <a:lvl7pPr marL="3200400" lvl="6" indent="-298450">
               <a:lnSpc>
                 <a:spcPct val="115000"/>
               </a:lnSpc>
@@ -9266,7 +9232,7 @@
                 <a:sym typeface="Lato"/>
               </a:defRPr>
             </a:lvl7pPr>
-            <a:lvl8pPr indent="-298450" lvl="7" marL="3657600">
+            <a:lvl8pPr marL="3657600" lvl="7" indent="-298450">
               <a:lnSpc>
                 <a:spcPct val="115000"/>
               </a:lnSpc>
@@ -9292,7 +9258,7 @@
                 <a:sym typeface="Lato"/>
               </a:defRPr>
             </a:lvl8pPr>
-            <a:lvl9pPr indent="-298450" lvl="8" marL="4114800">
+            <a:lvl9pPr marL="4114800" lvl="8" indent="-298450">
               <a:lnSpc>
                 <a:spcPct val="115000"/>
               </a:lnSpc>
@@ -9319,15 +9285,19 @@
               </a:defRPr>
             </a:lvl9pPr>
           </a:lstStyle>
-          <a:p/>
+          <a:p>
+            <a:endParaRPr/>
+          </a:p>
         </p:txBody>
       </p:sp>
       <p:sp>
         <p:nvSpPr>
           <p:cNvPr id="8" name="Google Shape;8;p1"/>
-          <p:cNvSpPr txBox="1"/>
+          <p:cNvSpPr txBox="1">
+            <a:spLocks noGrp="1"/>
+          </p:cNvSpPr>
           <p:nvPr>
-            <p:ph idx="12" type="sldNum"/>
+            <p:ph type="sldNum" idx="12"/>
           </p:nvPr>
         </p:nvSpPr>
         <p:spPr>
@@ -9344,7 +9314,7 @@
           </a:ln>
         </p:spPr>
         <p:txBody>
-          <a:bodyPr anchorCtr="0" anchor="ctr" bIns="91425" lIns="91425" spcFirstLastPara="1" rIns="91425" wrap="square" tIns="91425">
+          <a:bodyPr spcFirstLastPara="1" wrap="square" lIns="91425" tIns="91425" rIns="91425" bIns="91425" anchor="ctr" anchorCtr="0">
             <a:normAutofit/>
           </a:bodyPr>
           <a:lstStyle>
@@ -9458,7 +9428,7 @@
             </a:lvl9pPr>
           </a:lstStyle>
           <a:p>
-            <a:pPr indent="0" lvl="0" marL="0" rtl="0" algn="r">
+            <a:pPr marL="0" lvl="0" indent="0" algn="r" rtl="0">
               <a:spcBef>
                 <a:spcPts val="0"/>
               </a:spcBef>
@@ -9477,7 +9447,7 @@
       </p:sp>
     </p:spTree>
   </p:cSld>
-  <p:clrMap accent1="accent1" accent2="accent2" accent3="accent3" accent4="accent4" accent5="accent5" accent6="accent6" bg1="lt1" bg2="dk2" tx1="dk1" tx2="lt2" folHlink="folHlink" hlink="hlink"/>
+  <p:clrMap bg1="lt1" tx1="dk1" bg2="dk2" tx2="lt2" accent1="accent1" accent2="accent2" accent3="accent3" accent4="accent4" accent5="accent5" accent6="accent6" hlink="hlink" folHlink="folHlink"/>
   <p:sldLayoutIdLst>
     <p:sldLayoutId id="2147483648" r:id="rId1"/>
     <p:sldLayoutId id="2147483649" r:id="rId2"/>
@@ -9491,10 +9461,10 @@
     <p:sldLayoutId id="2147483657" r:id="rId10"/>
     <p:sldLayoutId id="2147483658" r:id="rId11"/>
   </p:sldLayoutIdLst>
-  <p:hf dt="0" ftr="0" hdr="0" sldNum="0"/>
+  <p:hf sldNum="0" hdr="0" ftr="0" dt="0"/>
   <p:txStyles>
     <p:titleStyle>
-      <a:defPPr lvl="0" marR="0" rtl="0" algn="l">
+      <a:defPPr marR="0" lvl="0" algn="l" rtl="0">
         <a:lnSpc>
           <a:spcPct val="100000"/>
         </a:lnSpc>
@@ -9505,7 +9475,7 @@
           <a:spcPts val="0"/>
         </a:spcAft>
       </a:defPPr>
-      <a:lvl1pPr lvl="0" marR="0" rtl="0" algn="l">
+      <a:lvl1pPr marR="0" lvl="0" algn="l" rtl="0">
         <a:lnSpc>
           <a:spcPct val="100000"/>
         </a:lnSpc>
@@ -9519,7 +9489,7 @@
           <a:srgbClr val="000000"/>
         </a:buClr>
         <a:buFont typeface="Arial"/>
-        <a:defRPr b="0" i="0" sz="1400" u="none" cap="none" strike="noStrike">
+        <a:defRPr sz="1400" b="0" i="0" u="none" strike="noStrike" cap="none">
           <a:solidFill>
             <a:srgbClr val="000000"/>
           </a:solidFill>
@@ -9529,7 +9499,7 @@
           <a:sym typeface="Arial"/>
         </a:defRPr>
       </a:lvl1pPr>
-      <a:lvl2pPr lvl="1" marR="0" rtl="0" algn="l">
+      <a:lvl2pPr marR="0" lvl="1" algn="l" rtl="0">
         <a:lnSpc>
           <a:spcPct val="100000"/>
         </a:lnSpc>
@@ -9543,7 +9513,7 @@
           <a:srgbClr val="000000"/>
         </a:buClr>
         <a:buFont typeface="Arial"/>
-        <a:defRPr b="0" i="0" sz="1400" u="none" cap="none" strike="noStrike">
+        <a:defRPr sz="1400" b="0" i="0" u="none" strike="noStrike" cap="none">
           <a:solidFill>
             <a:srgbClr val="000000"/>
           </a:solidFill>
@@ -9553,7 +9523,7 @@
           <a:sym typeface="Arial"/>
         </a:defRPr>
       </a:lvl2pPr>
-      <a:lvl3pPr lvl="2" marR="0" rtl="0" algn="l">
+      <a:lvl3pPr marR="0" lvl="2" algn="l" rtl="0">
         <a:lnSpc>
           <a:spcPct val="100000"/>
         </a:lnSpc>
@@ -9567,7 +9537,7 @@
           <a:srgbClr val="000000"/>
         </a:buClr>
         <a:buFont typeface="Arial"/>
-        <a:defRPr b="0" i="0" sz="1400" u="none" cap="none" strike="noStrike">
+        <a:defRPr sz="1400" b="0" i="0" u="none" strike="noStrike" cap="none">
           <a:solidFill>
             <a:srgbClr val="000000"/>
           </a:solidFill>
@@ -9577,7 +9547,7 @@
           <a:sym typeface="Arial"/>
         </a:defRPr>
       </a:lvl3pPr>
-      <a:lvl4pPr lvl="3" marR="0" rtl="0" algn="l">
+      <a:lvl4pPr marR="0" lvl="3" algn="l" rtl="0">
         <a:lnSpc>
           <a:spcPct val="100000"/>
         </a:lnSpc>
@@ -9591,7 +9561,7 @@
           <a:srgbClr val="000000"/>
         </a:buClr>
         <a:buFont typeface="Arial"/>
-        <a:defRPr b="0" i="0" sz="1400" u="none" cap="none" strike="noStrike">
+        <a:defRPr sz="1400" b="0" i="0" u="none" strike="noStrike" cap="none">
           <a:solidFill>
             <a:srgbClr val="000000"/>
           </a:solidFill>
@@ -9601,7 +9571,7 @@
           <a:sym typeface="Arial"/>
         </a:defRPr>
       </a:lvl4pPr>
-      <a:lvl5pPr lvl="4" marR="0" rtl="0" algn="l">
+      <a:lvl5pPr marR="0" lvl="4" algn="l" rtl="0">
         <a:lnSpc>
           <a:spcPct val="100000"/>
         </a:lnSpc>
@@ -9615,7 +9585,7 @@
           <a:srgbClr val="000000"/>
         </a:buClr>
         <a:buFont typeface="Arial"/>
-        <a:defRPr b="0" i="0" sz="1400" u="none" cap="none" strike="noStrike">
+        <a:defRPr sz="1400" b="0" i="0" u="none" strike="noStrike" cap="none">
           <a:solidFill>
             <a:srgbClr val="000000"/>
           </a:solidFill>
@@ -9625,7 +9595,7 @@
           <a:sym typeface="Arial"/>
         </a:defRPr>
       </a:lvl5pPr>
-      <a:lvl6pPr lvl="5" marR="0" rtl="0" algn="l">
+      <a:lvl6pPr marR="0" lvl="5" algn="l" rtl="0">
         <a:lnSpc>
           <a:spcPct val="100000"/>
         </a:lnSpc>
@@ -9639,7 +9609,7 @@
           <a:srgbClr val="000000"/>
         </a:buClr>
         <a:buFont typeface="Arial"/>
-        <a:defRPr b="0" i="0" sz="1400" u="none" cap="none" strike="noStrike">
+        <a:defRPr sz="1400" b="0" i="0" u="none" strike="noStrike" cap="none">
           <a:solidFill>
             <a:srgbClr val="000000"/>
           </a:solidFill>
@@ -9649,7 +9619,7 @@
           <a:sym typeface="Arial"/>
         </a:defRPr>
       </a:lvl6pPr>
-      <a:lvl7pPr lvl="6" marR="0" rtl="0" algn="l">
+      <a:lvl7pPr marR="0" lvl="6" algn="l" rtl="0">
         <a:lnSpc>
           <a:spcPct val="100000"/>
         </a:lnSpc>
@@ -9663,7 +9633,7 @@
           <a:srgbClr val="000000"/>
         </a:buClr>
         <a:buFont typeface="Arial"/>
-        <a:defRPr b="0" i="0" sz="1400" u="none" cap="none" strike="noStrike">
+        <a:defRPr sz="1400" b="0" i="0" u="none" strike="noStrike" cap="none">
           <a:solidFill>
             <a:srgbClr val="000000"/>
           </a:solidFill>
@@ -9673,7 +9643,7 @@
           <a:sym typeface="Arial"/>
         </a:defRPr>
       </a:lvl7pPr>
-      <a:lvl8pPr lvl="7" marR="0" rtl="0" algn="l">
+      <a:lvl8pPr marR="0" lvl="7" algn="l" rtl="0">
         <a:lnSpc>
           <a:spcPct val="100000"/>
         </a:lnSpc>
@@ -9687,7 +9657,7 @@
           <a:srgbClr val="000000"/>
         </a:buClr>
         <a:buFont typeface="Arial"/>
-        <a:defRPr b="0" i="0" sz="1400" u="none" cap="none" strike="noStrike">
+        <a:defRPr sz="1400" b="0" i="0" u="none" strike="noStrike" cap="none">
           <a:solidFill>
             <a:srgbClr val="000000"/>
           </a:solidFill>
@@ -9697,7 +9667,7 @@
           <a:sym typeface="Arial"/>
         </a:defRPr>
       </a:lvl8pPr>
-      <a:lvl9pPr lvl="8" marR="0" rtl="0" algn="l">
+      <a:lvl9pPr marR="0" lvl="8" algn="l" rtl="0">
         <a:lnSpc>
           <a:spcPct val="100000"/>
         </a:lnSpc>
@@ -9711,7 +9681,7 @@
           <a:srgbClr val="000000"/>
         </a:buClr>
         <a:buFont typeface="Arial"/>
-        <a:defRPr b="0" i="0" sz="1400" u="none" cap="none" strike="noStrike">
+        <a:defRPr sz="1400" b="0" i="0" u="none" strike="noStrike" cap="none">
           <a:solidFill>
             <a:srgbClr val="000000"/>
           </a:solidFill>
@@ -9723,7 +9693,7 @@
       </a:lvl9pPr>
     </p:titleStyle>
     <p:bodyStyle>
-      <a:defPPr lvl="0" marR="0" rtl="0" algn="l">
+      <a:defPPr marR="0" lvl="0" algn="l" rtl="0">
         <a:lnSpc>
           <a:spcPct val="100000"/>
         </a:lnSpc>
@@ -9734,7 +9704,7 @@
           <a:spcPts val="0"/>
         </a:spcAft>
       </a:defPPr>
-      <a:lvl1pPr lvl="0" marR="0" rtl="0" algn="l">
+      <a:lvl1pPr marR="0" lvl="0" algn="l" rtl="0">
         <a:lnSpc>
           <a:spcPct val="100000"/>
         </a:lnSpc>
@@ -9748,7 +9718,7 @@
           <a:srgbClr val="000000"/>
         </a:buClr>
         <a:buFont typeface="Arial"/>
-        <a:defRPr b="0" i="0" sz="1400" u="none" cap="none" strike="noStrike">
+        <a:defRPr sz="1400" b="0" i="0" u="none" strike="noStrike" cap="none">
           <a:solidFill>
             <a:srgbClr val="000000"/>
           </a:solidFill>
@@ -9758,7 +9728,7 @@
           <a:sym typeface="Arial"/>
         </a:defRPr>
       </a:lvl1pPr>
-      <a:lvl2pPr lvl="1" marR="0" rtl="0" algn="l">
+      <a:lvl2pPr marR="0" lvl="1" algn="l" rtl="0">
         <a:lnSpc>
           <a:spcPct val="100000"/>
         </a:lnSpc>
@@ -9772,7 +9742,7 @@
           <a:srgbClr val="000000"/>
         </a:buClr>
         <a:buFont typeface="Arial"/>
-        <a:defRPr b="0" i="0" sz="1400" u="none" cap="none" strike="noStrike">
+        <a:defRPr sz="1400" b="0" i="0" u="none" strike="noStrike" cap="none">
           <a:solidFill>
             <a:srgbClr val="000000"/>
           </a:solidFill>
@@ -9782,7 +9752,7 @@
           <a:sym typeface="Arial"/>
         </a:defRPr>
       </a:lvl2pPr>
-      <a:lvl3pPr lvl="2" marR="0" rtl="0" algn="l">
+      <a:lvl3pPr marR="0" lvl="2" algn="l" rtl="0">
         <a:lnSpc>
           <a:spcPct val="100000"/>
         </a:lnSpc>
@@ -9796,7 +9766,7 @@
           <a:srgbClr val="000000"/>
         </a:buClr>
         <a:buFont typeface="Arial"/>
-        <a:defRPr b="0" i="0" sz="1400" u="none" cap="none" strike="noStrike">
+        <a:defRPr sz="1400" b="0" i="0" u="none" strike="noStrike" cap="none">
           <a:solidFill>
             <a:srgbClr val="000000"/>
           </a:solidFill>
@@ -9806,7 +9776,7 @@
           <a:sym typeface="Arial"/>
         </a:defRPr>
       </a:lvl3pPr>
-      <a:lvl4pPr lvl="3" marR="0" rtl="0" algn="l">
+      <a:lvl4pPr marR="0" lvl="3" algn="l" rtl="0">
         <a:lnSpc>
           <a:spcPct val="100000"/>
         </a:lnSpc>
@@ -9820,7 +9790,7 @@
           <a:srgbClr val="000000"/>
         </a:buClr>
         <a:buFont typeface="Arial"/>
-        <a:defRPr b="0" i="0" sz="1400" u="none" cap="none" strike="noStrike">
+        <a:defRPr sz="1400" b="0" i="0" u="none" strike="noStrike" cap="none">
           <a:solidFill>
             <a:srgbClr val="000000"/>
           </a:solidFill>
@@ -9830,7 +9800,7 @@
           <a:sym typeface="Arial"/>
         </a:defRPr>
       </a:lvl4pPr>
-      <a:lvl5pPr lvl="4" marR="0" rtl="0" algn="l">
+      <a:lvl5pPr marR="0" lvl="4" algn="l" rtl="0">
         <a:lnSpc>
           <a:spcPct val="100000"/>
         </a:lnSpc>
@@ -9844,7 +9814,7 @@
           <a:srgbClr val="000000"/>
         </a:buClr>
         <a:buFont typeface="Arial"/>
-        <a:defRPr b="0" i="0" sz="1400" u="none" cap="none" strike="noStrike">
+        <a:defRPr sz="1400" b="0" i="0" u="none" strike="noStrike" cap="none">
           <a:solidFill>
             <a:srgbClr val="000000"/>
           </a:solidFill>
@@ -9854,7 +9824,7 @@
           <a:sym typeface="Arial"/>
         </a:defRPr>
       </a:lvl5pPr>
-      <a:lvl6pPr lvl="5" marR="0" rtl="0" algn="l">
+      <a:lvl6pPr marR="0" lvl="5" algn="l" rtl="0">
         <a:lnSpc>
           <a:spcPct val="100000"/>
         </a:lnSpc>
@@ -9868,7 +9838,7 @@
           <a:srgbClr val="000000"/>
         </a:buClr>
         <a:buFont typeface="Arial"/>
-        <a:defRPr b="0" i="0" sz="1400" u="none" cap="none" strike="noStrike">
+        <a:defRPr sz="1400" b="0" i="0" u="none" strike="noStrike" cap="none">
           <a:solidFill>
             <a:srgbClr val="000000"/>
           </a:solidFill>
@@ -9878,7 +9848,7 @@
           <a:sym typeface="Arial"/>
         </a:defRPr>
       </a:lvl6pPr>
-      <a:lvl7pPr lvl="6" marR="0" rtl="0" algn="l">
+      <a:lvl7pPr marR="0" lvl="6" algn="l" rtl="0">
         <a:lnSpc>
           <a:spcPct val="100000"/>
         </a:lnSpc>
@@ -9892,7 +9862,7 @@
           <a:srgbClr val="000000"/>
         </a:buClr>
         <a:buFont typeface="Arial"/>
-        <a:defRPr b="0" i="0" sz="1400" u="none" cap="none" strike="noStrike">
+        <a:defRPr sz="1400" b="0" i="0" u="none" strike="noStrike" cap="none">
           <a:solidFill>
             <a:srgbClr val="000000"/>
           </a:solidFill>
@@ -9902,7 +9872,7 @@
           <a:sym typeface="Arial"/>
         </a:defRPr>
       </a:lvl7pPr>
-      <a:lvl8pPr lvl="7" marR="0" rtl="0" algn="l">
+      <a:lvl8pPr marR="0" lvl="7" algn="l" rtl="0">
         <a:lnSpc>
           <a:spcPct val="100000"/>
         </a:lnSpc>
@@ -9916,7 +9886,7 @@
           <a:srgbClr val="000000"/>
         </a:buClr>
         <a:buFont typeface="Arial"/>
-        <a:defRPr b="0" i="0" sz="1400" u="none" cap="none" strike="noStrike">
+        <a:defRPr sz="1400" b="0" i="0" u="none" strike="noStrike" cap="none">
           <a:solidFill>
             <a:srgbClr val="000000"/>
           </a:solidFill>
@@ -9926,7 +9896,7 @@
           <a:sym typeface="Arial"/>
         </a:defRPr>
       </a:lvl8pPr>
-      <a:lvl9pPr lvl="8" marR="0" rtl="0" algn="l">
+      <a:lvl9pPr marR="0" lvl="8" algn="l" rtl="0">
         <a:lnSpc>
           <a:spcPct val="100000"/>
         </a:lnSpc>
@@ -9940,7 +9910,7 @@
           <a:srgbClr val="000000"/>
         </a:buClr>
         <a:buFont typeface="Arial"/>
-        <a:defRPr b="0" i="0" sz="1400" u="none" cap="none" strike="noStrike">
+        <a:defRPr sz="1400" b="0" i="0" u="none" strike="noStrike" cap="none">
           <a:solidFill>
             <a:srgbClr val="000000"/>
           </a:solidFill>
@@ -9952,7 +9922,7 @@
       </a:lvl9pPr>
     </p:bodyStyle>
     <p:otherStyle>
-      <a:defPPr lvl="0" marR="0" rtl="0" algn="l">
+      <a:defPPr marR="0" lvl="0" algn="l" rtl="0">
         <a:lnSpc>
           <a:spcPct val="100000"/>
         </a:lnSpc>
@@ -9963,7 +9933,7 @@
           <a:spcPts val="0"/>
         </a:spcAft>
       </a:defPPr>
-      <a:lvl1pPr lvl="0" marR="0" rtl="0" algn="l">
+      <a:lvl1pPr marR="0" lvl="0" algn="l" rtl="0">
         <a:lnSpc>
           <a:spcPct val="100000"/>
         </a:lnSpc>
@@ -9977,7 +9947,7 @@
           <a:srgbClr val="000000"/>
         </a:buClr>
         <a:buFont typeface="Arial"/>
-        <a:defRPr b="0" i="0" sz="1400" u="none" cap="none" strike="noStrike">
+        <a:defRPr sz="1400" b="0" i="0" u="none" strike="noStrike" cap="none">
           <a:solidFill>
             <a:srgbClr val="000000"/>
           </a:solidFill>
@@ -9987,7 +9957,7 @@
           <a:sym typeface="Arial"/>
         </a:defRPr>
       </a:lvl1pPr>
-      <a:lvl2pPr lvl="1" marR="0" rtl="0" algn="l">
+      <a:lvl2pPr marR="0" lvl="1" algn="l" rtl="0">
         <a:lnSpc>
           <a:spcPct val="100000"/>
         </a:lnSpc>
@@ -10001,7 +9971,7 @@
           <a:srgbClr val="000000"/>
         </a:buClr>
         <a:buFont typeface="Arial"/>
-        <a:defRPr b="0" i="0" sz="1400" u="none" cap="none" strike="noStrike">
+        <a:defRPr sz="1400" b="0" i="0" u="none" strike="noStrike" cap="none">
           <a:solidFill>
             <a:srgbClr val="000000"/>
           </a:solidFill>
@@ -10011,7 +9981,7 @@
           <a:sym typeface="Arial"/>
         </a:defRPr>
       </a:lvl2pPr>
-      <a:lvl3pPr lvl="2" marR="0" rtl="0" algn="l">
+      <a:lvl3pPr marR="0" lvl="2" algn="l" rtl="0">
         <a:lnSpc>
           <a:spcPct val="100000"/>
         </a:lnSpc>
@@ -10025,7 +9995,7 @@
           <a:srgbClr val="000000"/>
         </a:buClr>
         <a:buFont typeface="Arial"/>
-        <a:defRPr b="0" i="0" sz="1400" u="none" cap="none" strike="noStrike">
+        <a:defRPr sz="1400" b="0" i="0" u="none" strike="noStrike" cap="none">
           <a:solidFill>
             <a:srgbClr val="000000"/>
           </a:solidFill>
@@ -10035,7 +10005,7 @@
           <a:sym typeface="Arial"/>
         </a:defRPr>
       </a:lvl3pPr>
-      <a:lvl4pPr lvl="3" marR="0" rtl="0" algn="l">
+      <a:lvl4pPr marR="0" lvl="3" algn="l" rtl="0">
         <a:lnSpc>
           <a:spcPct val="100000"/>
         </a:lnSpc>
@@ -10049,7 +10019,7 @@
           <a:srgbClr val="000000"/>
         </a:buClr>
         <a:buFont typeface="Arial"/>
-        <a:defRPr b="0" i="0" sz="1400" u="none" cap="none" strike="noStrike">
+        <a:defRPr sz="1400" b="0" i="0" u="none" strike="noStrike" cap="none">
           <a:solidFill>
             <a:srgbClr val="000000"/>
           </a:solidFill>
@@ -10059,7 +10029,7 @@
           <a:sym typeface="Arial"/>
         </a:defRPr>
       </a:lvl4pPr>
-      <a:lvl5pPr lvl="4" marR="0" rtl="0" algn="l">
+      <a:lvl5pPr marR="0" lvl="4" algn="l" rtl="0">
         <a:lnSpc>
           <a:spcPct val="100000"/>
         </a:lnSpc>
@@ -10073,7 +10043,7 @@
           <a:srgbClr val="000000"/>
         </a:buClr>
         <a:buFont typeface="Arial"/>
-        <a:defRPr b="0" i="0" sz="1400" u="none" cap="none" strike="noStrike">
+        <a:defRPr sz="1400" b="0" i="0" u="none" strike="noStrike" cap="none">
           <a:solidFill>
             <a:srgbClr val="000000"/>
           </a:solidFill>
@@ -10083,7 +10053,7 @@
           <a:sym typeface="Arial"/>
         </a:defRPr>
       </a:lvl5pPr>
-      <a:lvl6pPr lvl="5" marR="0" rtl="0" algn="l">
+      <a:lvl6pPr marR="0" lvl="5" algn="l" rtl="0">
         <a:lnSpc>
           <a:spcPct val="100000"/>
         </a:lnSpc>
@@ -10097,7 +10067,7 @@
           <a:srgbClr val="000000"/>
         </a:buClr>
         <a:buFont typeface="Arial"/>
-        <a:defRPr b="0" i="0" sz="1400" u="none" cap="none" strike="noStrike">
+        <a:defRPr sz="1400" b="0" i="0" u="none" strike="noStrike" cap="none">
           <a:solidFill>
             <a:srgbClr val="000000"/>
           </a:solidFill>
@@ -10107,7 +10077,7 @@
           <a:sym typeface="Arial"/>
         </a:defRPr>
       </a:lvl6pPr>
-      <a:lvl7pPr lvl="6" marR="0" rtl="0" algn="l">
+      <a:lvl7pPr marR="0" lvl="6" algn="l" rtl="0">
         <a:lnSpc>
           <a:spcPct val="100000"/>
         </a:lnSpc>
@@ -10121,7 +10091,7 @@
           <a:srgbClr val="000000"/>
         </a:buClr>
         <a:buFont typeface="Arial"/>
-        <a:defRPr b="0" i="0" sz="1400" u="none" cap="none" strike="noStrike">
+        <a:defRPr sz="1400" b="0" i="0" u="none" strike="noStrike" cap="none">
           <a:solidFill>
             <a:srgbClr val="000000"/>
           </a:solidFill>
@@ -10131,7 +10101,7 @@
           <a:sym typeface="Arial"/>
         </a:defRPr>
       </a:lvl7pPr>
-      <a:lvl8pPr lvl="7" marR="0" rtl="0" algn="l">
+      <a:lvl8pPr marR="0" lvl="7" algn="l" rtl="0">
         <a:lnSpc>
           <a:spcPct val="100000"/>
         </a:lnSpc>
@@ -10145,7 +10115,7 @@
           <a:srgbClr val="000000"/>
         </a:buClr>
         <a:buFont typeface="Arial"/>
-        <a:defRPr b="0" i="0" sz="1400" u="none" cap="none" strike="noStrike">
+        <a:defRPr sz="1400" b="0" i="0" u="none" strike="noStrike" cap="none">
           <a:solidFill>
             <a:srgbClr val="000000"/>
           </a:solidFill>
@@ -10155,7 +10125,7 @@
           <a:sym typeface="Arial"/>
         </a:defRPr>
       </a:lvl8pPr>
-      <a:lvl9pPr lvl="8" marR="0" rtl="0" algn="l">
+      <a:lvl9pPr marR="0" lvl="8" algn="l" rtl="0">
         <a:lnSpc>
           <a:spcPct val="100000"/>
         </a:lnSpc>
@@ -10169,7 +10139,7 @@
           <a:srgbClr val="000000"/>
         </a:buClr>
         <a:buFont typeface="Arial"/>
-        <a:defRPr b="0" i="0" sz="1400" u="none" cap="none" strike="noStrike">
+        <a:defRPr sz="1400" b="0" i="0" u="none" strike="noStrike" cap="none">
           <a:solidFill>
             <a:srgbClr val="000000"/>
           </a:solidFill>
@@ -10185,11 +10155,11 @@
 </file>
 
 <file path=ppt/slides/slide1.xml><?xml version="1.0" encoding="utf-8"?>
-<p:sld xmlns:a="http://schemas.openxmlformats.org/drawingml/2006/main" xmlns:r="http://schemas.openxmlformats.org/officeDocument/2006/relationships" xmlns:mc="http://schemas.openxmlformats.org/markup-compatibility/2006" xmlns:mv="urn:schemas-microsoft-com:mac:vml" xmlns:p="http://schemas.openxmlformats.org/presentationml/2006/main" xmlns:c="http://schemas.openxmlformats.org/drawingml/2006/chart" xmlns:dgm="http://schemas.openxmlformats.org/drawingml/2006/diagram" xmlns:o="urn:schemas-microsoft-com:office:office" xmlns:v="urn:schemas-microsoft-com:vml" xmlns:pvml="urn:schemas-microsoft-com:office:powerpoint" xmlns:com="http://schemas.openxmlformats.org/drawingml/2006/compatibility" xmlns:p14="http://schemas.microsoft.com/office/powerpoint/2010/main" xmlns:p15="http://schemas.microsoft.com/office/powerpoint/2012/main" xmlns:ahyp="http://schemas.microsoft.com/office/drawing/2018/hyperlinkcolor">
+<p:sld xmlns:a="http://schemas.openxmlformats.org/drawingml/2006/main" xmlns:r="http://schemas.openxmlformats.org/officeDocument/2006/relationships" xmlns:p="http://schemas.openxmlformats.org/presentationml/2006/main">
   <p:cSld>
     <p:spTree>
       <p:nvGrpSpPr>
-        <p:cNvPr id="133" name="Shape 133"/>
+        <p:cNvPr id="1" name="Shape 133"/>
         <p:cNvGrpSpPr/>
         <p:nvPr/>
       </p:nvGrpSpPr>
@@ -10204,7 +10174,9 @@
       <p:sp>
         <p:nvSpPr>
           <p:cNvPr id="134" name="Google Shape;134;p13"/>
-          <p:cNvSpPr txBox="1"/>
+          <p:cNvSpPr txBox="1">
+            <a:spLocks noGrp="1"/>
+          </p:cNvSpPr>
           <p:nvPr>
             <p:ph type="ctrTitle"/>
           </p:nvPr>
@@ -10219,12 +10191,25 @@
           </a:prstGeom>
         </p:spPr>
         <p:txBody>
-          <a:bodyPr anchorCtr="0" anchor="b" bIns="91425" lIns="91425" spcFirstLastPara="1" rIns="91425" wrap="square" tIns="91425">
+          <a:bodyPr spcFirstLastPara="1" wrap="square" lIns="91425" tIns="91425" rIns="91425" bIns="91425" anchor="b" anchorCtr="0">
             <a:noAutofit/>
           </a:bodyPr>
           <a:lstStyle/>
           <a:p>
-            <a:pPr indent="0" lvl="0" marL="0" rtl="1" algn="ctr">
+            <a:pPr marL="0" lvl="0" indent="0" algn="ctr" rtl="1">
+              <a:spcBef>
+                <a:spcPts val="0"/>
+              </a:spcBef>
+              <a:spcAft>
+                <a:spcPts val="0"/>
+              </a:spcAft>
+              <a:buSzPts val="990"/>
+              <a:buNone/>
+            </a:pPr>
+            <a:endParaRPr sz="4300" b="1"/>
+          </a:p>
+          <a:p>
+            <a:pPr marL="0" lvl="0" indent="0" algn="ctr" rtl="1">
               <a:spcBef>
                 <a:spcPts val="0"/>
               </a:spcBef>
@@ -10235,33 +10220,17 @@
               <a:buNone/>
             </a:pPr>
             <a:r>
-              <a:t/>
-            </a:r>
-            <a:endParaRPr b="1" sz="4300"/>
-          </a:p>
-          <a:p>
-            <a:pPr indent="0" lvl="0" marL="0" rtl="1" algn="ctr">
-              <a:spcBef>
-                <a:spcPts val="0"/>
-              </a:spcBef>
-              <a:spcAft>
-                <a:spcPts val="0"/>
-              </a:spcAft>
-              <a:buSzPts val="990"/>
-              <a:buNone/>
-            </a:pPr>
-            <a:r>
-              <a:rPr b="1" lang="en" sz="4500"/>
+              <a:rPr lang="en" sz="4500" b="1"/>
               <a:t>Virtualium</a:t>
             </a:r>
             <a:r>
-              <a:rPr i="1" lang="en" sz="2500"/>
+              <a:rPr lang="en" sz="2500" i="1"/>
               <a:t>Ride</a:t>
             </a:r>
-            <a:endParaRPr i="1" sz="2500"/>
+            <a:endParaRPr sz="2500" i="1"/>
           </a:p>
           <a:p>
-            <a:pPr indent="0" lvl="0" marL="0" rtl="1" algn="ctr">
+            <a:pPr marL="0" lvl="0" indent="0" algn="ctr" rtl="1">
               <a:spcBef>
                 <a:spcPts val="0"/>
               </a:spcBef>
@@ -10271,19 +10240,18 @@
               <a:buSzPts val="990"/>
               <a:buNone/>
             </a:pPr>
-            <a:r>
-              <a:t/>
-            </a:r>
-            <a:endParaRPr b="1" sz="4300"/>
+            <a:endParaRPr sz="4300" b="1"/>
           </a:p>
         </p:txBody>
       </p:sp>
       <p:sp>
         <p:nvSpPr>
           <p:cNvPr id="135" name="Google Shape;135;p13"/>
-          <p:cNvSpPr txBox="1"/>
+          <p:cNvSpPr txBox="1">
+            <a:spLocks noGrp="1"/>
+          </p:cNvSpPr>
           <p:nvPr>
-            <p:ph idx="1" type="subTitle"/>
+            <p:ph type="subTitle" idx="1"/>
           </p:nvPr>
         </p:nvSpPr>
         <p:spPr>
@@ -10296,12 +10264,12 @@
           </a:prstGeom>
         </p:spPr>
         <p:txBody>
-          <a:bodyPr anchorCtr="0" anchor="t" bIns="91425" lIns="91425" spcFirstLastPara="1" rIns="91425" wrap="square" tIns="91425">
+          <a:bodyPr spcFirstLastPara="1" wrap="square" lIns="91425" tIns="91425" rIns="91425" bIns="91425" anchor="t" anchorCtr="0">
             <a:normAutofit lnSpcReduction="20000"/>
           </a:bodyPr>
           <a:lstStyle/>
           <a:p>
-            <a:pPr indent="0" lvl="0" marL="0" rtl="1" algn="r">
+            <a:pPr marL="0" lvl="0" indent="0" algn="r" rtl="1">
               <a:spcBef>
                 <a:spcPts val="0"/>
               </a:spcBef>
@@ -10327,7 +10295,7 @@
             </a:endParaRPr>
           </a:p>
           <a:p>
-            <a:pPr indent="0" lvl="0" marL="0" rtl="1" algn="r">
+            <a:pPr marL="0" lvl="0" indent="0" algn="r" rtl="1">
               <a:spcBef>
                 <a:spcPts val="0"/>
               </a:spcBef>
@@ -10363,11 +10331,11 @@
 </file>
 
 <file path=ppt/slides/slide10.xml><?xml version="1.0" encoding="utf-8"?>
-<p:sld xmlns:a="http://schemas.openxmlformats.org/drawingml/2006/main" xmlns:r="http://schemas.openxmlformats.org/officeDocument/2006/relationships" xmlns:mc="http://schemas.openxmlformats.org/markup-compatibility/2006" xmlns:mv="urn:schemas-microsoft-com:mac:vml" xmlns:p="http://schemas.openxmlformats.org/presentationml/2006/main" xmlns:c="http://schemas.openxmlformats.org/drawingml/2006/chart" xmlns:dgm="http://schemas.openxmlformats.org/drawingml/2006/diagram" xmlns:o="urn:schemas-microsoft-com:office:office" xmlns:v="urn:schemas-microsoft-com:vml" xmlns:pvml="urn:schemas-microsoft-com:office:powerpoint" xmlns:com="http://schemas.openxmlformats.org/drawingml/2006/compatibility" xmlns:p14="http://schemas.microsoft.com/office/powerpoint/2010/main" xmlns:p15="http://schemas.microsoft.com/office/powerpoint/2012/main" xmlns:ahyp="http://schemas.microsoft.com/office/drawing/2018/hyperlinkcolor">
+<p:sld xmlns:a="http://schemas.openxmlformats.org/drawingml/2006/main" xmlns:r="http://schemas.openxmlformats.org/officeDocument/2006/relationships" xmlns:p="http://schemas.openxmlformats.org/presentationml/2006/main">
   <p:cSld>
     <p:spTree>
       <p:nvGrpSpPr>
-        <p:cNvPr id="184" name="Shape 184"/>
+        <p:cNvPr id="1" name="Shape 184"/>
         <p:cNvGrpSpPr/>
         <p:nvPr/>
       </p:nvGrpSpPr>
@@ -10382,7 +10350,9 @@
       <p:sp>
         <p:nvSpPr>
           <p:cNvPr id="185" name="Google Shape;185;p22"/>
-          <p:cNvSpPr txBox="1"/>
+          <p:cNvSpPr txBox="1">
+            <a:spLocks noGrp="1"/>
+          </p:cNvSpPr>
           <p:nvPr>
             <p:ph type="title"/>
           </p:nvPr>
@@ -10397,12 +10367,12 @@
           </a:prstGeom>
         </p:spPr>
         <p:txBody>
-          <a:bodyPr anchorCtr="0" anchor="ctr" bIns="91425" lIns="91425" spcFirstLastPara="1" rIns="91425" wrap="square" tIns="91425">
+          <a:bodyPr spcFirstLastPara="1" wrap="square" lIns="91425" tIns="91425" rIns="91425" bIns="91425" anchor="ctr" anchorCtr="0">
             <a:normAutofit/>
           </a:bodyPr>
           <a:lstStyle/>
           <a:p>
-            <a:pPr indent="0" lvl="0" marL="0" rtl="1" algn="r">
+            <a:pPr marL="0" lvl="0" indent="0" algn="r" rtl="1">
               <a:spcBef>
                 <a:spcPts val="0"/>
               </a:spcBef>
@@ -10438,11 +10408,11 @@
 </file>
 
 <file path=ppt/slides/slide11.xml><?xml version="1.0" encoding="utf-8"?>
-<p:sld xmlns:a="http://schemas.openxmlformats.org/drawingml/2006/main" xmlns:r="http://schemas.openxmlformats.org/officeDocument/2006/relationships" xmlns:mc="http://schemas.openxmlformats.org/markup-compatibility/2006" xmlns:mv="urn:schemas-microsoft-com:mac:vml" xmlns:p="http://schemas.openxmlformats.org/presentationml/2006/main" xmlns:c="http://schemas.openxmlformats.org/drawingml/2006/chart" xmlns:dgm="http://schemas.openxmlformats.org/drawingml/2006/diagram" xmlns:o="urn:schemas-microsoft-com:office:office" xmlns:v="urn:schemas-microsoft-com:vml" xmlns:pvml="urn:schemas-microsoft-com:office:powerpoint" xmlns:com="http://schemas.openxmlformats.org/drawingml/2006/compatibility" xmlns:p14="http://schemas.microsoft.com/office/powerpoint/2010/main" xmlns:p15="http://schemas.microsoft.com/office/powerpoint/2012/main" xmlns:ahyp="http://schemas.microsoft.com/office/drawing/2018/hyperlinkcolor">
+<p:sld xmlns:a="http://schemas.openxmlformats.org/drawingml/2006/main" xmlns:r="http://schemas.openxmlformats.org/officeDocument/2006/relationships" xmlns:p="http://schemas.openxmlformats.org/presentationml/2006/main">
   <p:cSld>
     <p:spTree>
       <p:nvGrpSpPr>
-        <p:cNvPr id="189" name="Shape 189"/>
+        <p:cNvPr id="1" name="Shape 189"/>
         <p:cNvGrpSpPr/>
         <p:nvPr/>
       </p:nvGrpSpPr>
@@ -10457,7 +10427,9 @@
       <p:sp>
         <p:nvSpPr>
           <p:cNvPr id="190" name="Google Shape;190;p23"/>
-          <p:cNvSpPr txBox="1"/>
+          <p:cNvSpPr txBox="1">
+            <a:spLocks noGrp="1"/>
+          </p:cNvSpPr>
           <p:nvPr>
             <p:ph type="title"/>
           </p:nvPr>
@@ -10472,12 +10444,12 @@
           </a:prstGeom>
         </p:spPr>
         <p:txBody>
-          <a:bodyPr anchorCtr="0" anchor="t" bIns="91425" lIns="91425" spcFirstLastPara="1" rIns="91425" wrap="square" tIns="91425">
+          <a:bodyPr spcFirstLastPara="1" wrap="square" lIns="91425" tIns="91425" rIns="91425" bIns="91425" anchor="t" anchorCtr="0">
             <a:normAutofit fontScale="90000"/>
           </a:bodyPr>
           <a:lstStyle/>
           <a:p>
-            <a:pPr indent="0" lvl="0" marL="0" rtl="0" algn="l">
+            <a:pPr marL="0" lvl="0" indent="0" algn="l" rtl="0">
               <a:spcBef>
                 <a:spcPts val="0"/>
               </a:spcBef>
@@ -10498,7 +10470,7 @@
             <a:endParaRPr/>
           </a:p>
           <a:p>
-            <a:pPr indent="0" lvl="0" marL="0" rtl="0" algn="l">
+            <a:pPr marL="0" lvl="0" indent="0" algn="l" rtl="0">
               <a:spcBef>
                 <a:spcPts val="0"/>
               </a:spcBef>
@@ -10507,9 +10479,6 @@
               </a:spcAft>
               <a:buNone/>
             </a:pPr>
-            <a:r>
-              <a:t/>
-            </a:r>
             <a:endParaRPr/>
           </a:p>
         </p:txBody>
@@ -10517,9 +10486,11 @@
       <p:sp>
         <p:nvSpPr>
           <p:cNvPr id="191" name="Google Shape;191;p23"/>
-          <p:cNvSpPr txBox="1"/>
+          <p:cNvSpPr txBox="1">
+            <a:spLocks noGrp="1"/>
+          </p:cNvSpPr>
           <p:nvPr>
-            <p:ph idx="1" type="body"/>
+            <p:ph type="body" idx="1"/>
           </p:nvPr>
         </p:nvSpPr>
         <p:spPr>
@@ -10532,12 +10503,12 @@
           </a:prstGeom>
         </p:spPr>
         <p:txBody>
-          <a:bodyPr anchorCtr="0" anchor="t" bIns="91425" lIns="91425" spcFirstLastPara="1" rIns="91425" wrap="square" tIns="91425">
+          <a:bodyPr spcFirstLastPara="1" wrap="square" lIns="91425" tIns="91425" rIns="91425" bIns="91425" anchor="t" anchorCtr="0">
             <a:normAutofit/>
           </a:bodyPr>
           <a:lstStyle/>
           <a:p>
-            <a:pPr indent="0" lvl="0" marL="0" rtl="1" algn="r">
+            <a:pPr marL="0" lvl="0" indent="0" algn="r" rtl="1">
               <a:spcBef>
                 <a:spcPts val="0"/>
               </a:spcBef>
@@ -10563,7 +10534,7 @@
             </a:endParaRPr>
           </a:p>
           <a:p>
-            <a:pPr indent="0" lvl="0" marL="0" rtl="1" algn="r">
+            <a:pPr marL="0" lvl="0" indent="0" algn="r" rtl="1">
               <a:spcBef>
                 <a:spcPts val="1200"/>
               </a:spcBef>
@@ -10579,25 +10550,7 @@
                 <a:cs typeface="Arial"/>
                 <a:sym typeface="Arial"/>
               </a:rPr>
-              <a:t>הם מציעים שיעורים לכמה שכבות גיל- הליכה ברגל </a:t>
-            </a:r>
-            <a:r>
-              <a:rPr lang="en">
-                <a:latin typeface="Arial"/>
-                <a:ea typeface="Arial"/>
-                <a:cs typeface="Arial"/>
-                <a:sym typeface="Arial"/>
-              </a:rPr>
-              <a:t>לגילאי</a:t>
-            </a:r>
-            <a:r>
-              <a:rPr lang="en">
-                <a:latin typeface="Arial"/>
-                <a:ea typeface="Arial"/>
-                <a:cs typeface="Arial"/>
-                <a:sym typeface="Arial"/>
-              </a:rPr>
-              <a:t> יסודי, אופניים וקורקינט לחטיבה ונהיגה לתלמידי תיכון. כמו כן הם מציעים הכשרות נהיגה למבוגרים. </a:t>
+              <a:t>הם מציעים שיעורים לכמה שכבות גיל- הליכה ברגל לגילאי יסודי, אופניים וקורקינט לחטיבה ונהיגה לתלמידי תיכון. כמו כן הם מציעים הכשרות נהיגה למבוגרים. </a:t>
             </a:r>
             <a:endParaRPr>
               <a:latin typeface="Arial"/>
@@ -10607,7 +10560,7 @@
             </a:endParaRPr>
           </a:p>
           <a:p>
-            <a:pPr indent="0" lvl="0" marL="0" rtl="0" algn="r">
+            <a:pPr marL="0" lvl="0" indent="0" algn="r" rtl="0">
               <a:spcBef>
                 <a:spcPts val="1200"/>
               </a:spcBef>
@@ -10633,7 +10586,7 @@
             </a:endParaRPr>
           </a:p>
           <a:p>
-            <a:pPr indent="0" lvl="0" marL="0" rtl="1" algn="r">
+            <a:pPr marL="0" lvl="0" indent="0" algn="r" rtl="1">
               <a:spcBef>
                 <a:spcPts val="1200"/>
               </a:spcBef>
@@ -10642,9 +10595,6 @@
               </a:spcAft>
               <a:buNone/>
             </a:pPr>
-            <a:r>
-              <a:t/>
-            </a:r>
             <a:endParaRPr>
               <a:latin typeface="Arial"/>
               <a:ea typeface="Arial"/>
@@ -10656,7 +10606,7 @@
       </p:sp>
       <p:pic>
         <p:nvPicPr>
-          <p:cNvPr descr="StreetWize VR is a mobile road safety class that fits all ages. &#10;&#10;Our training is immersive, effective and fun.&#10;The students, young and adult, are trained to face the dangers on the road by practicing various realistic scenarios, either as pedestrians, cyclists or drivers.&#10;&#10;For more details, contact us at&#10;https://www.streetwizevr.com/&#10;&#10;חכם בדרכים במציאות מדומה הוא שיעור בטיחות בדרכים שמתאים לכל הגילאים.&#10;השיעור מתקיים כאימון מציאותי, אפקטיבי וכיפי.&#10;המתאמנים, מבוגרים כצעירים, לומדים להתמודד עם הסכנות בכביש במצבים מגוונים, כהולכי רגל, רוכבי אופניים או נהגים.&#10;&#10;למידע נוסף, צרו איתנו קשר ב&#10;https://www.streetwizevr.com/?lang=he" id="192" name="Google Shape;192;p23" title="StreetWize Simulations Corporate Video חכם בדרכים במציאות מדומה">
+          <p:cNvPr id="192" name="Google Shape;192;p23" descr="StreetWize VR is a mobile road safety class that fits all ages. &#10;&#10;Our training is immersive, effective and fun.&#10;The students, young and adult, are trained to face the dangers on the road by practicing various realistic scenarios, either as pedestrians, cyclists or drivers.&#10;&#10;For more details, contact us at&#10;https://www.streetwizevr.com/&#10;&#10;חכם בדרכים במציאות מדומה הוא שיעור בטיחות בדרכים שמתאים לכל הגילאים.&#10;השיעור מתקיים כאימון מציאותי, אפקטיבי וכיפי.&#10;המתאמנים, מבוגרים כצעירים, לומדים להתמודד עם הסכנות בכביש במצבים מגוונים, כהולכי רגל, רוכבי אופניים או נהגים.&#10;&#10;למידע נוסף, צרו איתנו קשר ב&#10;https://www.streetwizevr.com/?lang=he" title="StreetWize Simulations Corporate Video חכם בדרכים במציאות מדומה">
             <a:hlinkClick r:id="rId4"/>
           </p:cNvPr>
           <p:cNvPicPr preferRelativeResize="0"/>
@@ -10692,32 +10642,32 @@
   <p:timing>
     <p:tnLst>
       <p:par>
-        <p:cTn dur="indefinite" nodeType="tmRoot" restart="never">
+        <p:cTn id="1" dur="indefinite" restart="never" nodeType="tmRoot">
           <p:childTnLst>
             <p:seq concurrent="1" nextAc="seek">
-              <p:cTn dur="indefinite" id="2" nodeType="mainSeq">
+              <p:cTn id="2" dur="indefinite" nodeType="mainSeq">
                 <p:childTnLst>
                   <p:par>
-                    <p:cTn fill="hold">
+                    <p:cTn id="3" fill="hold">
                       <p:stCondLst>
                         <p:cond delay="indefinite"/>
                       </p:stCondLst>
                       <p:childTnLst>
                         <p:par>
-                          <p:cTn fill="hold">
+                          <p:cTn id="4" fill="hold">
                             <p:stCondLst>
                               <p:cond delay="0"/>
                             </p:stCondLst>
                             <p:childTnLst>
                               <p:par>
-                                <p:cTn fill="hold" nodeType="clickEffect" presetClass="entr" presetID="10" presetSubtype="0">
+                                <p:cTn id="5" presetID="10" presetClass="entr" presetSubtype="0" fill="hold" nodeType="clickEffect">
                                   <p:stCondLst>
                                     <p:cond delay="0"/>
                                   </p:stCondLst>
                                   <p:childTnLst>
                                     <p:set>
                                       <p:cBhvr>
-                                        <p:cTn dur="1" fill="hold">
+                                        <p:cTn id="6" dur="1" fill="hold">
                                           <p:stCondLst>
                                             <p:cond delay="0"/>
                                           </p:stCondLst>
@@ -10733,9 +10683,9 @@
                                         <p:strVal val="visible"/>
                                       </p:to>
                                     </p:set>
-                                    <p:animEffect filter="fade" transition="in">
+                                    <p:animEffect transition="in" filter="fade">
                                       <p:cBhvr>
-                                        <p:cTn dur="1000"/>
+                                        <p:cTn id="7" dur="1000"/>
                                         <p:tgtEl>
                                           <p:spTgt spid="192"/>
                                         </p:tgtEl>
@@ -10753,14 +10703,14 @@
                 </p:childTnLst>
               </p:cTn>
               <p:prevCondLst>
-                <p:cond evt="onPrev">
+                <p:cond evt="onPrev" delay="0">
                   <p:tgtEl>
                     <p:sldTgt/>
                   </p:tgtEl>
                 </p:cond>
               </p:prevCondLst>
               <p:nextCondLst>
-                <p:cond evt="onNext">
+                <p:cond evt="onNext" delay="0">
                   <p:tgtEl>
                     <p:sldTgt/>
                   </p:tgtEl>
@@ -10776,11 +10726,11 @@
 </file>
 
 <file path=ppt/slides/slide12.xml><?xml version="1.0" encoding="utf-8"?>
-<p:sld xmlns:a="http://schemas.openxmlformats.org/drawingml/2006/main" xmlns:r="http://schemas.openxmlformats.org/officeDocument/2006/relationships" xmlns:mc="http://schemas.openxmlformats.org/markup-compatibility/2006" xmlns:mv="urn:schemas-microsoft-com:mac:vml" xmlns:p="http://schemas.openxmlformats.org/presentationml/2006/main" xmlns:c="http://schemas.openxmlformats.org/drawingml/2006/chart" xmlns:dgm="http://schemas.openxmlformats.org/drawingml/2006/diagram" xmlns:o="urn:schemas-microsoft-com:office:office" xmlns:v="urn:schemas-microsoft-com:vml" xmlns:pvml="urn:schemas-microsoft-com:office:powerpoint" xmlns:com="http://schemas.openxmlformats.org/drawingml/2006/compatibility" xmlns:p14="http://schemas.microsoft.com/office/powerpoint/2010/main" xmlns:p15="http://schemas.microsoft.com/office/powerpoint/2012/main" xmlns:ahyp="http://schemas.microsoft.com/office/drawing/2018/hyperlinkcolor">
+<p:sld xmlns:a="http://schemas.openxmlformats.org/drawingml/2006/main" xmlns:r="http://schemas.openxmlformats.org/officeDocument/2006/relationships" xmlns:p="http://schemas.openxmlformats.org/presentationml/2006/main">
   <p:cSld>
     <p:spTree>
       <p:nvGrpSpPr>
-        <p:cNvPr id="196" name="Shape 196"/>
+        <p:cNvPr id="1" name="Shape 196"/>
         <p:cNvGrpSpPr/>
         <p:nvPr/>
       </p:nvGrpSpPr>
@@ -10795,7 +10745,9 @@
       <p:sp>
         <p:nvSpPr>
           <p:cNvPr id="197" name="Google Shape;197;p24"/>
-          <p:cNvSpPr txBox="1"/>
+          <p:cNvSpPr txBox="1">
+            <a:spLocks noGrp="1"/>
+          </p:cNvSpPr>
           <p:nvPr>
             <p:ph type="title"/>
           </p:nvPr>
@@ -10810,12 +10762,12 @@
           </a:prstGeom>
         </p:spPr>
         <p:txBody>
-          <a:bodyPr anchorCtr="0" anchor="t" bIns="91425" lIns="91425" spcFirstLastPara="1" rIns="91425" wrap="square" tIns="91425">
+          <a:bodyPr spcFirstLastPara="1" wrap="square" lIns="91425" tIns="91425" rIns="91425" bIns="91425" anchor="t" anchorCtr="0">
             <a:normAutofit/>
           </a:bodyPr>
           <a:lstStyle/>
           <a:p>
-            <a:pPr indent="0" lvl="0" marL="0" rtl="1" algn="r">
+            <a:pPr marL="0" lvl="0" indent="0" algn="r" rtl="1">
               <a:spcBef>
                 <a:spcPts val="0"/>
               </a:spcBef>
@@ -10853,7 +10805,7 @@
             </a:endParaRPr>
           </a:p>
           <a:p>
-            <a:pPr indent="0" lvl="0" marL="0" rtl="0" algn="l">
+            <a:pPr marL="0" lvl="0" indent="0" algn="l" rtl="0">
               <a:spcBef>
                 <a:spcPts val="0"/>
               </a:spcBef>
@@ -10862,9 +10814,6 @@
               </a:spcAft>
               <a:buNone/>
             </a:pPr>
-            <a:r>
-              <a:t/>
-            </a:r>
             <a:endParaRPr sz="1455">
               <a:latin typeface="Arial"/>
               <a:ea typeface="Arial"/>
@@ -10877,9 +10826,11 @@
       <p:sp>
         <p:nvSpPr>
           <p:cNvPr id="198" name="Google Shape;198;p24"/>
-          <p:cNvSpPr txBox="1"/>
+          <p:cNvSpPr txBox="1">
+            <a:spLocks noGrp="1"/>
+          </p:cNvSpPr>
           <p:nvPr>
-            <p:ph idx="1" type="body"/>
+            <p:ph type="body" idx="1"/>
           </p:nvPr>
         </p:nvSpPr>
         <p:spPr>
@@ -10892,12 +10843,12 @@
           </a:prstGeom>
         </p:spPr>
         <p:txBody>
-          <a:bodyPr anchorCtr="0" anchor="t" bIns="91425" lIns="91425" spcFirstLastPara="1" rIns="91425" wrap="square" tIns="91425">
+          <a:bodyPr spcFirstLastPara="1" wrap="square" lIns="91425" tIns="91425" rIns="91425" bIns="91425" anchor="t" anchorCtr="0">
             <a:normAutofit/>
           </a:bodyPr>
           <a:lstStyle/>
           <a:p>
-            <a:pPr indent="0" lvl="0" marL="0" rtl="1" algn="r">
+            <a:pPr marL="0" lvl="0" indent="0" algn="r" rtl="1">
               <a:spcBef>
                 <a:spcPts val="0"/>
               </a:spcBef>
@@ -10923,7 +10874,7 @@
             </a:endParaRPr>
           </a:p>
           <a:p>
-            <a:pPr indent="0" lvl="0" marL="0" rtl="1" algn="r">
+            <a:pPr marL="0" lvl="0" indent="0" algn="r" rtl="1">
               <a:spcBef>
                 <a:spcPts val="1200"/>
               </a:spcBef>
@@ -10949,7 +10900,7 @@
             </a:endParaRPr>
           </a:p>
           <a:p>
-            <a:pPr indent="0" lvl="0" marL="0" rtl="1" algn="r">
+            <a:pPr marL="0" lvl="0" indent="0" algn="r" rtl="1">
               <a:spcBef>
                 <a:spcPts val="1200"/>
               </a:spcBef>
@@ -10982,25 +10933,7 @@
                 <a:cs typeface="Arial"/>
                 <a:sym typeface="Arial"/>
               </a:rPr>
-              <a:t>השיעורים מועברים בצורת לימוד רגילה עם מצגת, לעיתים עם אלמנטים </a:t>
-            </a:r>
-            <a:r>
-              <a:rPr lang="en">
-                <a:latin typeface="Arial"/>
-                <a:ea typeface="Arial"/>
-                <a:cs typeface="Arial"/>
-                <a:sym typeface="Arial"/>
-              </a:rPr>
-              <a:t>אינטראקטיביים</a:t>
-            </a:r>
-            <a:r>
-              <a:rPr lang="en">
-                <a:latin typeface="Arial"/>
-                <a:ea typeface="Arial"/>
-                <a:cs typeface="Arial"/>
-                <a:sym typeface="Arial"/>
-              </a:rPr>
-              <a:t> כמו KAHOOT</a:t>
+              <a:t>השיעורים מועברים בצורת לימוד רגילה עם מצגת, לעיתים עם אלמנטים אינטראקטיביים כמו KAHOOT</a:t>
             </a:r>
             <a:endParaRPr>
               <a:latin typeface="Arial"/>
@@ -11020,11 +10953,11 @@
 </file>
 
 <file path=ppt/slides/slide13.xml><?xml version="1.0" encoding="utf-8"?>
-<p:sld xmlns:a="http://schemas.openxmlformats.org/drawingml/2006/main" xmlns:r="http://schemas.openxmlformats.org/officeDocument/2006/relationships" xmlns:mc="http://schemas.openxmlformats.org/markup-compatibility/2006" xmlns:mv="urn:schemas-microsoft-com:mac:vml" xmlns:p="http://schemas.openxmlformats.org/presentationml/2006/main" xmlns:c="http://schemas.openxmlformats.org/drawingml/2006/chart" xmlns:dgm="http://schemas.openxmlformats.org/drawingml/2006/diagram" xmlns:o="urn:schemas-microsoft-com:office:office" xmlns:v="urn:schemas-microsoft-com:vml" xmlns:pvml="urn:schemas-microsoft-com:office:powerpoint" xmlns:com="http://schemas.openxmlformats.org/drawingml/2006/compatibility" xmlns:p14="http://schemas.microsoft.com/office/powerpoint/2010/main" xmlns:p15="http://schemas.microsoft.com/office/powerpoint/2012/main" xmlns:ahyp="http://schemas.microsoft.com/office/drawing/2018/hyperlinkcolor">
+<p:sld xmlns:a="http://schemas.openxmlformats.org/drawingml/2006/main" xmlns:r="http://schemas.openxmlformats.org/officeDocument/2006/relationships" xmlns:p="http://schemas.openxmlformats.org/presentationml/2006/main">
   <p:cSld>
     <p:spTree>
       <p:nvGrpSpPr>
-        <p:cNvPr id="202" name="Shape 202"/>
+        <p:cNvPr id="1" name="Shape 202"/>
         <p:cNvGrpSpPr/>
         <p:nvPr/>
       </p:nvGrpSpPr>
@@ -11039,7 +10972,9 @@
       <p:sp>
         <p:nvSpPr>
           <p:cNvPr id="203" name="Google Shape;203;p25"/>
-          <p:cNvSpPr txBox="1"/>
+          <p:cNvSpPr txBox="1">
+            <a:spLocks noGrp="1"/>
+          </p:cNvSpPr>
           <p:nvPr>
             <p:ph type="title"/>
           </p:nvPr>
@@ -11054,12 +10989,12 @@
           </a:prstGeom>
         </p:spPr>
         <p:txBody>
-          <a:bodyPr anchorCtr="0" anchor="t" bIns="91425" lIns="91425" spcFirstLastPara="1" rIns="91425" wrap="square" tIns="91425">
+          <a:bodyPr spcFirstLastPara="1" wrap="square" lIns="91425" tIns="91425" rIns="91425" bIns="91425" anchor="t" anchorCtr="0">
             <a:normAutofit fontScale="90000"/>
           </a:bodyPr>
           <a:lstStyle/>
           <a:p>
-            <a:pPr indent="0" lvl="0" marL="0" rtl="1" algn="r">
+            <a:pPr marL="0" lvl="0" indent="0" algn="r" rtl="1">
               <a:spcBef>
                 <a:spcPts val="0"/>
               </a:spcBef>
@@ -11089,7 +11024,7 @@
             </a:endParaRPr>
           </a:p>
           <a:p>
-            <a:pPr indent="0" lvl="0" marL="0" rtl="1" algn="r">
+            <a:pPr marL="0" lvl="0" indent="0" algn="r" rtl="1">
               <a:spcBef>
                 <a:spcPts val="0"/>
               </a:spcBef>
@@ -11098,9 +11033,6 @@
               </a:spcAft>
               <a:buNone/>
             </a:pPr>
-            <a:r>
-              <a:t/>
-            </a:r>
             <a:endParaRPr>
               <a:latin typeface="Arial"/>
               <a:ea typeface="Arial"/>
@@ -11113,9 +11045,11 @@
       <p:sp>
         <p:nvSpPr>
           <p:cNvPr id="204" name="Google Shape;204;p25"/>
-          <p:cNvSpPr txBox="1"/>
+          <p:cNvSpPr txBox="1">
+            <a:spLocks noGrp="1"/>
+          </p:cNvSpPr>
           <p:nvPr>
-            <p:ph idx="1" type="body"/>
+            <p:ph type="body" idx="1"/>
           </p:nvPr>
         </p:nvSpPr>
         <p:spPr>
@@ -11128,12 +11062,12 @@
           </a:prstGeom>
         </p:spPr>
         <p:txBody>
-          <a:bodyPr anchorCtr="0" anchor="t" bIns="91425" lIns="91425" spcFirstLastPara="1" rIns="91425" wrap="square" tIns="91425">
+          <a:bodyPr spcFirstLastPara="1" wrap="square" lIns="91425" tIns="91425" rIns="91425" bIns="91425" anchor="t" anchorCtr="0">
             <a:normAutofit/>
           </a:bodyPr>
           <a:lstStyle/>
           <a:p>
-            <a:pPr indent="0" lvl="0" marL="0" rtl="1" algn="r">
+            <a:pPr marL="0" lvl="0" indent="0" algn="r" rtl="1">
               <a:spcBef>
                 <a:spcPts val="0"/>
               </a:spcBef>
@@ -11157,16 +11091,7 @@
                 <a:cs typeface="Arial"/>
                 <a:sym typeface="Arial"/>
               </a:rPr>
-              <a:t>גורם אנושי מציעים הדרכה במציאות מדומה על בטיחות בדרכים. ההדרכה אינה </a:t>
-            </a:r>
-            <a:r>
-              <a:rPr lang="en">
-                <a:latin typeface="Arial"/>
-                <a:ea typeface="Arial"/>
-                <a:cs typeface="Arial"/>
-                <a:sym typeface="Arial"/>
-              </a:rPr>
-              <a:t>אינטראקטיבית, אלא סרטון 360 בליווי מנחה.</a:t>
+              <a:t>גורם אנושי מציעים הדרכה במציאות מדומה על בטיחות בדרכים. ההדרכה אינה אינטראקטיבית, אלא סרטון 360 בליווי מנחה.</a:t>
             </a:r>
             <a:endParaRPr>
               <a:latin typeface="Arial"/>
@@ -11176,7 +11101,7 @@
             </a:endParaRPr>
           </a:p>
           <a:p>
-            <a:pPr indent="0" lvl="0" marL="0" rtl="1" algn="r">
+            <a:pPr marL="0" lvl="0" indent="0" algn="r" rtl="1">
               <a:spcBef>
                 <a:spcPts val="1200"/>
               </a:spcBef>
@@ -11185,9 +11110,6 @@
               </a:spcAft>
               <a:buNone/>
             </a:pPr>
-            <a:r>
-              <a:t/>
-            </a:r>
             <a:endParaRPr>
               <a:latin typeface="Arial"/>
               <a:ea typeface="Arial"/>
@@ -11199,7 +11121,7 @@
       </p:sp>
       <p:pic>
         <p:nvPicPr>
-          <p:cNvPr descr="גורם אנושי - יוצרים הסברה מרגשת&#10;צרו עמנו קשר&#10;http://www.gorem.me/" id="205" name="Google Shape;205;p25" title="מציאות מדומה גורם אנושי בטיחות בדרכים">
+          <p:cNvPr id="205" name="Google Shape;205;p25" descr="גורם אנושי - יוצרים הסברה מרגשת&#10;צרו עמנו קשר&#10;http://www.gorem.me/" title="מציאות מדומה גורם אנושי בטיחות בדרכים">
             <a:hlinkClick r:id="rId4"/>
           </p:cNvPr>
           <p:cNvPicPr preferRelativeResize="0"/>
@@ -11235,32 +11157,32 @@
   <p:timing>
     <p:tnLst>
       <p:par>
-        <p:cTn dur="indefinite" nodeType="tmRoot" restart="never">
+        <p:cTn id="1" dur="indefinite" restart="never" nodeType="tmRoot">
           <p:childTnLst>
             <p:seq concurrent="1" nextAc="seek">
-              <p:cTn dur="indefinite" id="2" nodeType="mainSeq">
+              <p:cTn id="2" dur="indefinite" nodeType="mainSeq">
                 <p:childTnLst>
                   <p:par>
-                    <p:cTn fill="hold">
+                    <p:cTn id="3" fill="hold">
                       <p:stCondLst>
                         <p:cond delay="indefinite"/>
                       </p:stCondLst>
                       <p:childTnLst>
                         <p:par>
-                          <p:cTn fill="hold">
+                          <p:cTn id="4" fill="hold">
                             <p:stCondLst>
                               <p:cond delay="0"/>
                             </p:stCondLst>
                             <p:childTnLst>
                               <p:par>
-                                <p:cTn fill="hold" nodeType="clickEffect" presetClass="entr" presetID="10" presetSubtype="0">
+                                <p:cTn id="5" presetID="10" presetClass="entr" presetSubtype="0" fill="hold" nodeType="clickEffect">
                                   <p:stCondLst>
                                     <p:cond delay="0"/>
                                   </p:stCondLst>
                                   <p:childTnLst>
                                     <p:set>
                                       <p:cBhvr>
-                                        <p:cTn dur="1" fill="hold">
+                                        <p:cTn id="6" dur="1" fill="hold">
                                           <p:stCondLst>
                                             <p:cond delay="0"/>
                                           </p:stCondLst>
@@ -11276,9 +11198,9 @@
                                         <p:strVal val="visible"/>
                                       </p:to>
                                     </p:set>
-                                    <p:animEffect filter="fade" transition="in">
+                                    <p:animEffect transition="in" filter="fade">
                                       <p:cBhvr>
-                                        <p:cTn dur="1000"/>
+                                        <p:cTn id="7" dur="1000"/>
                                         <p:tgtEl>
                                           <p:spTgt spid="205"/>
                                         </p:tgtEl>
@@ -11296,14 +11218,14 @@
                 </p:childTnLst>
               </p:cTn>
               <p:prevCondLst>
-                <p:cond evt="onPrev">
+                <p:cond evt="onPrev" delay="0">
                   <p:tgtEl>
                     <p:sldTgt/>
                   </p:tgtEl>
                 </p:cond>
               </p:prevCondLst>
               <p:nextCondLst>
-                <p:cond evt="onNext">
+                <p:cond evt="onNext" delay="0">
                   <p:tgtEl>
                     <p:sldTgt/>
                   </p:tgtEl>
@@ -11319,11 +11241,11 @@
 </file>
 
 <file path=ppt/slides/slide2.xml><?xml version="1.0" encoding="utf-8"?>
-<p:sld xmlns:a="http://schemas.openxmlformats.org/drawingml/2006/main" xmlns:r="http://schemas.openxmlformats.org/officeDocument/2006/relationships" xmlns:mc="http://schemas.openxmlformats.org/markup-compatibility/2006" xmlns:mv="urn:schemas-microsoft-com:mac:vml" xmlns:p="http://schemas.openxmlformats.org/presentationml/2006/main" xmlns:c="http://schemas.openxmlformats.org/drawingml/2006/chart" xmlns:dgm="http://schemas.openxmlformats.org/drawingml/2006/diagram" xmlns:o="urn:schemas-microsoft-com:office:office" xmlns:v="urn:schemas-microsoft-com:vml" xmlns:pvml="urn:schemas-microsoft-com:office:powerpoint" xmlns:com="http://schemas.openxmlformats.org/drawingml/2006/compatibility" xmlns:p14="http://schemas.microsoft.com/office/powerpoint/2010/main" xmlns:p15="http://schemas.microsoft.com/office/powerpoint/2012/main" xmlns:ahyp="http://schemas.microsoft.com/office/drawing/2018/hyperlinkcolor">
+<p:sld xmlns:a="http://schemas.openxmlformats.org/drawingml/2006/main" xmlns:r="http://schemas.openxmlformats.org/officeDocument/2006/relationships" xmlns:p="http://schemas.openxmlformats.org/presentationml/2006/main">
   <p:cSld>
     <p:spTree>
       <p:nvGrpSpPr>
-        <p:cNvPr id="139" name="Shape 139"/>
+        <p:cNvPr id="1" name="Shape 139"/>
         <p:cNvGrpSpPr/>
         <p:nvPr/>
       </p:nvGrpSpPr>
@@ -11338,7 +11260,9 @@
       <p:sp>
         <p:nvSpPr>
           <p:cNvPr id="140" name="Google Shape;140;p14"/>
-          <p:cNvSpPr txBox="1"/>
+          <p:cNvSpPr txBox="1">
+            <a:spLocks noGrp="1"/>
+          </p:cNvSpPr>
           <p:nvPr>
             <p:ph type="ctrTitle"/>
           </p:nvPr>
@@ -11353,12 +11277,12 @@
           </a:prstGeom>
         </p:spPr>
         <p:txBody>
-          <a:bodyPr anchorCtr="0" anchor="b" bIns="91425" lIns="91425" spcFirstLastPara="1" rIns="91425" wrap="square" tIns="91425">
+          <a:bodyPr spcFirstLastPara="1" wrap="square" lIns="91425" tIns="91425" rIns="91425" bIns="91425" anchor="b" anchorCtr="0">
             <a:noAutofit/>
           </a:bodyPr>
           <a:lstStyle/>
           <a:p>
-            <a:pPr indent="0" lvl="0" marL="0" rtl="1" algn="ctr">
+            <a:pPr marL="0" lvl="0" indent="0" algn="ctr" rtl="1">
               <a:spcBef>
                 <a:spcPts val="0"/>
               </a:spcBef>
@@ -11368,10 +11292,7 @@
               <a:buSzPts val="990"/>
               <a:buNone/>
             </a:pPr>
-            <a:r>
-              <a:t/>
-            </a:r>
-            <a:endParaRPr b="1" sz="4300">
+            <a:endParaRPr sz="4300" b="1">
               <a:latin typeface="Arial"/>
               <a:ea typeface="Arial"/>
               <a:cs typeface="Arial"/>
@@ -11379,7 +11300,7 @@
             </a:endParaRPr>
           </a:p>
           <a:p>
-            <a:pPr indent="0" lvl="0" marL="0" rtl="1" algn="ctr">
+            <a:pPr marL="0" lvl="0" indent="0" algn="ctr" rtl="1">
               <a:spcBef>
                 <a:spcPts val="0"/>
               </a:spcBef>
@@ -11390,7 +11311,7 @@
               <a:buNone/>
             </a:pPr>
             <a:r>
-              <a:rPr b="1" lang="en" sz="4500">
+              <a:rPr lang="en" sz="4500" b="1">
                 <a:latin typeface="Arial"/>
                 <a:ea typeface="Arial"/>
                 <a:cs typeface="Arial"/>
@@ -11398,7 +11319,7 @@
               </a:rPr>
               <a:t>הצוות</a:t>
             </a:r>
-            <a:endParaRPr b="1" sz="4500">
+            <a:endParaRPr sz="4500" b="1">
               <a:latin typeface="Arial"/>
               <a:ea typeface="Arial"/>
               <a:cs typeface="Arial"/>
@@ -11406,7 +11327,7 @@
             </a:endParaRPr>
           </a:p>
           <a:p>
-            <a:pPr indent="0" lvl="0" marL="0" rtl="1" algn="ctr">
+            <a:pPr marL="0" lvl="0" indent="0" algn="ctr" rtl="1">
               <a:spcBef>
                 <a:spcPts val="0"/>
               </a:spcBef>
@@ -11416,10 +11337,7 @@
               <a:buSzPts val="990"/>
               <a:buNone/>
             </a:pPr>
-            <a:r>
-              <a:t/>
-            </a:r>
-            <a:endParaRPr b="1" sz="4500">
+            <a:endParaRPr sz="4500" b="1">
               <a:latin typeface="Arial"/>
               <a:ea typeface="Arial"/>
               <a:cs typeface="Arial"/>
@@ -11427,7 +11345,7 @@
             </a:endParaRPr>
           </a:p>
           <a:p>
-            <a:pPr indent="0" lvl="0" marL="0" rtl="1" algn="ctr">
+            <a:pPr marL="0" lvl="0" indent="0" algn="ctr" rtl="1">
               <a:spcBef>
                 <a:spcPts val="0"/>
               </a:spcBef>
@@ -11437,10 +11355,7 @@
               <a:buSzPts val="990"/>
               <a:buNone/>
             </a:pPr>
-            <a:r>
-              <a:t/>
-            </a:r>
-            <a:endParaRPr b="1" sz="4300">
+            <a:endParaRPr sz="4300" b="1">
               <a:latin typeface="Arial"/>
               <a:ea typeface="Arial"/>
               <a:cs typeface="Arial"/>
@@ -11452,27 +11367,29 @@
       <p:sp>
         <p:nvSpPr>
           <p:cNvPr id="141" name="Google Shape;141;p14"/>
-          <p:cNvSpPr txBox="1"/>
+          <p:cNvSpPr txBox="1">
+            <a:spLocks noGrp="1"/>
+          </p:cNvSpPr>
           <p:nvPr>
-            <p:ph idx="1" type="subTitle"/>
+            <p:ph type="subTitle" idx="1"/>
           </p:nvPr>
         </p:nvSpPr>
         <p:spPr>
           <a:xfrm>
-            <a:off x="4919525" y="2473150"/>
-            <a:ext cx="3470700" cy="1437900"/>
+            <a:off x="2857500" y="2473150"/>
+            <a:ext cx="5532725" cy="1437900"/>
           </a:xfrm>
           <a:prstGeom prst="rect">
             <a:avLst/>
           </a:prstGeom>
         </p:spPr>
         <p:txBody>
-          <a:bodyPr anchorCtr="0" anchor="t" bIns="91425" lIns="91425" spcFirstLastPara="1" rIns="91425" wrap="square" tIns="91425">
+          <a:bodyPr spcFirstLastPara="1" wrap="square" lIns="91425" tIns="91425" rIns="91425" bIns="91425" anchor="t" anchorCtr="0">
             <a:noAutofit/>
           </a:bodyPr>
           <a:lstStyle/>
           <a:p>
-            <a:pPr indent="0" lvl="0" marL="0" rtl="1" algn="r">
+            <a:pPr marL="0" lvl="0" indent="0" algn="r" rtl="1">
               <a:spcBef>
                 <a:spcPts val="0"/>
               </a:spcBef>
@@ -11481,6 +11398,42 @@
               </a:spcAft>
               <a:buNone/>
             </a:pPr>
+            <a:r>
+              <a:rPr lang="en" sz="1600" dirty="0">
+                <a:latin typeface="Arial"/>
+                <a:ea typeface="Arial"/>
+                <a:cs typeface="Arial"/>
+                <a:sym typeface="Arial"/>
+              </a:rPr>
+              <a:t>שם</a:t>
+            </a:r>
+            <a:r>
+              <a:rPr lang="he-IL" sz="1600" dirty="0">
+                <a:latin typeface="Arial"/>
+                <a:ea typeface="Arial"/>
+                <a:cs typeface="Arial"/>
+                <a:sym typeface="Arial"/>
+              </a:rPr>
+              <a:t>:</a:t>
+            </a:r>
+            <a:r>
+              <a:rPr lang="en" sz="1600" dirty="0">
+                <a:latin typeface="Arial"/>
+                <a:ea typeface="Arial"/>
+                <a:cs typeface="Arial"/>
+                <a:sym typeface="Arial"/>
+              </a:rPr>
+              <a:t> טל קונורטוב</a:t>
+            </a:r>
+            <a:r>
+              <a:rPr lang="he-IL" sz="1600">
+                <a:latin typeface="Arial"/>
+                <a:ea typeface="Arial"/>
+                <a:cs typeface="Arial"/>
+                <a:sym typeface="Arial"/>
+              </a:rPr>
+              <a:t> , </a:t>
+            </a:r>
             <a:r>
               <a:rPr lang="en" sz="1600">
                 <a:latin typeface="Arial"/>
@@ -11488,9 +11441,36 @@
                 <a:cs typeface="Arial"/>
                 <a:sym typeface="Arial"/>
               </a:rPr>
-              <a:t>שם: טל קונורטוב  , ת"ז: 207681081</a:t>
+              <a:t>ת"ז</a:t>
             </a:r>
-            <a:endParaRPr sz="1600">
+            <a:r>
+              <a:rPr lang="en" sz="1600" dirty="0">
+                <a:latin typeface="Arial"/>
+                <a:ea typeface="Arial"/>
+                <a:cs typeface="Arial"/>
+                <a:sym typeface="Arial"/>
+              </a:rPr>
+              <a:t>:</a:t>
+            </a:r>
+            <a:r>
+              <a:rPr lang="he-IL" sz="1600" dirty="0">
+                <a:latin typeface="Arial"/>
+                <a:ea typeface="Arial"/>
+                <a:cs typeface="Arial"/>
+                <a:sym typeface="Arial"/>
+              </a:rPr>
+              <a:t> </a:t>
+            </a:r>
+            <a:r>
+              <a:rPr lang="en" sz="1600" dirty="0">
+                <a:latin typeface="Arial"/>
+                <a:ea typeface="Arial"/>
+                <a:cs typeface="Arial"/>
+                <a:sym typeface="Arial"/>
+              </a:rPr>
+              <a:t>207681081</a:t>
+            </a:r>
+            <a:endParaRPr sz="1600" dirty="0">
               <a:latin typeface="Arial"/>
               <a:ea typeface="Arial"/>
               <a:cs typeface="Arial"/>
@@ -11498,7 +11478,7 @@
             </a:endParaRPr>
           </a:p>
           <a:p>
-            <a:pPr indent="0" lvl="0" marL="0" rtl="1" algn="r">
+            <a:pPr marL="0" lvl="0" indent="0" algn="r" rtl="1">
               <a:spcBef>
                 <a:spcPts val="0"/>
               </a:spcBef>
@@ -11507,10 +11487,7 @@
               </a:spcAft>
               <a:buNone/>
             </a:pPr>
-            <a:r>
-              <a:t/>
-            </a:r>
-            <a:endParaRPr sz="1600">
+            <a:endParaRPr sz="1600" dirty="0">
               <a:latin typeface="Arial"/>
               <a:ea typeface="Arial"/>
               <a:cs typeface="Arial"/>
@@ -11518,7 +11495,7 @@
             </a:endParaRPr>
           </a:p>
           <a:p>
-            <a:pPr indent="0" lvl="0" marL="0" rtl="1" algn="r">
+            <a:pPr marL="0" lvl="0" indent="0" algn="r" rtl="1">
               <a:spcBef>
                 <a:spcPts val="0"/>
               </a:spcBef>
@@ -11528,15 +11505,69 @@
               <a:buNone/>
             </a:pPr>
             <a:r>
-              <a:rPr lang="en" sz="1600">
+              <a:rPr lang="en" sz="1600" dirty="0">
                 <a:latin typeface="Arial"/>
                 <a:ea typeface="Arial"/>
                 <a:cs typeface="Arial"/>
                 <a:sym typeface="Arial"/>
               </a:rPr>
-              <a:t>שם: יהב מיוחס , ת"ז : 206921959</a:t>
+              <a:t>שם:</a:t>
             </a:r>
-            <a:endParaRPr sz="1600">
+            <a:r>
+              <a:rPr lang="he-IL" sz="1600" dirty="0">
+                <a:latin typeface="Arial"/>
+                <a:ea typeface="Arial"/>
+                <a:cs typeface="Arial"/>
+                <a:sym typeface="Arial"/>
+              </a:rPr>
+              <a:t> </a:t>
+            </a:r>
+            <a:r>
+              <a:rPr lang="en" sz="1600" dirty="0">
+                <a:latin typeface="Arial"/>
+                <a:ea typeface="Arial"/>
+                <a:cs typeface="Arial"/>
+                <a:sym typeface="Arial"/>
+              </a:rPr>
+              <a:t>יהב מיוחס</a:t>
+            </a:r>
+            <a:r>
+              <a:rPr lang="he-IL" sz="1600" dirty="0">
+                <a:latin typeface="Arial"/>
+                <a:ea typeface="Arial"/>
+                <a:cs typeface="Arial"/>
+                <a:sym typeface="Arial"/>
+              </a:rPr>
+              <a:t> ,</a:t>
+            </a:r>
+            <a:r>
+              <a:rPr lang="en" sz="1600" dirty="0">
+                <a:latin typeface="Arial"/>
+                <a:ea typeface="Arial"/>
+                <a:cs typeface="Arial"/>
+                <a:sym typeface="Arial"/>
+              </a:rPr>
+              <a:t> ת"ז</a:t>
+            </a:r>
+            <a:r>
+              <a:rPr lang="he-IL" sz="1600" dirty="0">
+                <a:latin typeface="Arial"/>
+                <a:ea typeface="Arial"/>
+                <a:cs typeface="Arial"/>
+                <a:sym typeface="Arial"/>
+              </a:rPr>
+              <a:t>: </a:t>
+            </a:r>
+            <a:r>
+              <a:rPr lang="en" sz="1600" dirty="0">
+                <a:latin typeface="Arial"/>
+                <a:ea typeface="Arial"/>
+                <a:cs typeface="Arial"/>
+                <a:sym typeface="Arial"/>
+              </a:rPr>
+              <a:t> 206921959</a:t>
+            </a:r>
+            <a:endParaRPr sz="1600" dirty="0">
               <a:latin typeface="Arial"/>
               <a:ea typeface="Arial"/>
               <a:cs typeface="Arial"/>
@@ -11544,7 +11575,7 @@
             </a:endParaRPr>
           </a:p>
           <a:p>
-            <a:pPr indent="0" lvl="0" marL="0" rtl="1" algn="r">
+            <a:pPr marL="0" lvl="0" indent="0" algn="r" rtl="1">
               <a:spcBef>
                 <a:spcPts val="0"/>
               </a:spcBef>
@@ -11553,10 +11584,7 @@
               </a:spcAft>
               <a:buNone/>
             </a:pPr>
-            <a:r>
-              <a:t/>
-            </a:r>
-            <a:endParaRPr sz="1600">
+            <a:endParaRPr sz="1600" dirty="0">
               <a:latin typeface="Arial"/>
               <a:ea typeface="Arial"/>
               <a:cs typeface="Arial"/>
@@ -11564,7 +11592,7 @@
             </a:endParaRPr>
           </a:p>
           <a:p>
-            <a:pPr indent="0" lvl="0" marL="0" rtl="1" algn="r">
+            <a:pPr marL="0" lvl="0" indent="0" algn="r" rtl="1">
               <a:spcBef>
                 <a:spcPts val="0"/>
               </a:spcBef>
@@ -11574,15 +11602,69 @@
               <a:buNone/>
             </a:pPr>
             <a:r>
-              <a:rPr lang="en" sz="1600">
+              <a:rPr lang="en" sz="1600" dirty="0">
                 <a:latin typeface="Arial"/>
                 <a:ea typeface="Arial"/>
                 <a:cs typeface="Arial"/>
                 <a:sym typeface="Arial"/>
               </a:rPr>
-              <a:t>שם: ליאור שטיימברג ,  ת"ז: 313418469</a:t>
+              <a:t>שם</a:t>
             </a:r>
-            <a:endParaRPr sz="1600">
+            <a:r>
+              <a:rPr lang="he-IL" sz="1600" dirty="0">
+                <a:latin typeface="Arial"/>
+                <a:ea typeface="Arial"/>
+                <a:cs typeface="Arial"/>
+                <a:sym typeface="Arial"/>
+              </a:rPr>
+              <a:t>: </a:t>
+            </a:r>
+            <a:r>
+              <a:rPr lang="en" sz="1600" dirty="0">
+                <a:latin typeface="Arial"/>
+                <a:ea typeface="Arial"/>
+                <a:cs typeface="Arial"/>
+                <a:sym typeface="Arial"/>
+              </a:rPr>
+              <a:t>ליאור שטיימברג</a:t>
+            </a:r>
+            <a:r>
+              <a:rPr lang="he-IL" sz="1600" dirty="0">
+                <a:latin typeface="Arial"/>
+                <a:ea typeface="Arial"/>
+                <a:cs typeface="Arial"/>
+                <a:sym typeface="Arial"/>
+              </a:rPr>
+              <a:t> , </a:t>
+            </a:r>
+            <a:r>
+              <a:rPr lang="en" sz="1600" dirty="0">
+                <a:latin typeface="Arial"/>
+                <a:ea typeface="Arial"/>
+                <a:cs typeface="Arial"/>
+                <a:sym typeface="Arial"/>
+              </a:rPr>
+              <a:t>ת"ז</a:t>
+            </a:r>
+            <a:r>
+              <a:rPr lang="he-IL" sz="1600" dirty="0">
+                <a:latin typeface="Arial"/>
+                <a:ea typeface="Arial"/>
+                <a:cs typeface="Arial"/>
+                <a:sym typeface="Arial"/>
+              </a:rPr>
+              <a:t>: </a:t>
+            </a:r>
+            <a:r>
+              <a:rPr lang="en" sz="1600" dirty="0">
+                <a:latin typeface="Arial"/>
+                <a:ea typeface="Arial"/>
+                <a:cs typeface="Arial"/>
+                <a:sym typeface="Arial"/>
+              </a:rPr>
+              <a:t> 313418469</a:t>
+            </a:r>
+            <a:endParaRPr sz="1600" dirty="0">
               <a:latin typeface="Arial"/>
               <a:ea typeface="Arial"/>
               <a:cs typeface="Arial"/>
@@ -11590,7 +11672,7 @@
             </a:endParaRPr>
           </a:p>
           <a:p>
-            <a:pPr indent="0" lvl="0" marL="0" rtl="1" algn="r">
+            <a:pPr marL="0" lvl="0" indent="0" algn="r" rtl="1">
               <a:spcBef>
                 <a:spcPts val="0"/>
               </a:spcBef>
@@ -11599,10 +11681,7 @@
               </a:spcAft>
               <a:buNone/>
             </a:pPr>
-            <a:r>
-              <a:t/>
-            </a:r>
-            <a:endParaRPr sz="1600">
+            <a:endParaRPr sz="1600" dirty="0">
               <a:latin typeface="Arial"/>
               <a:ea typeface="Arial"/>
               <a:cs typeface="Arial"/>
@@ -11620,11 +11699,11 @@
 </file>
 
 <file path=ppt/slides/slide3.xml><?xml version="1.0" encoding="utf-8"?>
-<p:sld xmlns:a="http://schemas.openxmlformats.org/drawingml/2006/main" xmlns:r="http://schemas.openxmlformats.org/officeDocument/2006/relationships" xmlns:mc="http://schemas.openxmlformats.org/markup-compatibility/2006" xmlns:mv="urn:schemas-microsoft-com:mac:vml" xmlns:p="http://schemas.openxmlformats.org/presentationml/2006/main" xmlns:c="http://schemas.openxmlformats.org/drawingml/2006/chart" xmlns:dgm="http://schemas.openxmlformats.org/drawingml/2006/diagram" xmlns:o="urn:schemas-microsoft-com:office:office" xmlns:v="urn:schemas-microsoft-com:vml" xmlns:pvml="urn:schemas-microsoft-com:office:powerpoint" xmlns:com="http://schemas.openxmlformats.org/drawingml/2006/compatibility" xmlns:p14="http://schemas.microsoft.com/office/powerpoint/2010/main" xmlns:p15="http://schemas.microsoft.com/office/powerpoint/2012/main" xmlns:ahyp="http://schemas.microsoft.com/office/drawing/2018/hyperlinkcolor">
+<p:sld xmlns:a="http://schemas.openxmlformats.org/drawingml/2006/main" xmlns:r="http://schemas.openxmlformats.org/officeDocument/2006/relationships" xmlns:p="http://schemas.openxmlformats.org/presentationml/2006/main">
   <p:cSld>
     <p:spTree>
       <p:nvGrpSpPr>
-        <p:cNvPr id="145" name="Shape 145"/>
+        <p:cNvPr id="1" name="Shape 145"/>
         <p:cNvGrpSpPr/>
         <p:nvPr/>
       </p:nvGrpSpPr>
@@ -11639,7 +11718,9 @@
       <p:sp>
         <p:nvSpPr>
           <p:cNvPr id="146" name="Google Shape;146;p15"/>
-          <p:cNvSpPr txBox="1"/>
+          <p:cNvSpPr txBox="1">
+            <a:spLocks noGrp="1"/>
+          </p:cNvSpPr>
           <p:nvPr>
             <p:ph type="ctrTitle"/>
           </p:nvPr>
@@ -11654,12 +11735,25 @@
           </a:prstGeom>
         </p:spPr>
         <p:txBody>
-          <a:bodyPr anchorCtr="0" anchor="b" bIns="91425" lIns="91425" spcFirstLastPara="1" rIns="91425" wrap="square" tIns="91425">
+          <a:bodyPr spcFirstLastPara="1" wrap="square" lIns="91425" tIns="91425" rIns="91425" bIns="91425" anchor="b" anchorCtr="0">
             <a:noAutofit/>
           </a:bodyPr>
           <a:lstStyle/>
           <a:p>
-            <a:pPr indent="0" lvl="0" marL="0" rtl="1" algn="ctr">
+            <a:pPr marL="0" lvl="0" indent="0" algn="ctr" rtl="1">
+              <a:spcBef>
+                <a:spcPts val="0"/>
+              </a:spcBef>
+              <a:spcAft>
+                <a:spcPts val="0"/>
+              </a:spcAft>
+              <a:buSzPts val="990"/>
+              <a:buNone/>
+            </a:pPr>
+            <a:endParaRPr sz="4300" b="1"/>
+          </a:p>
+          <a:p>
+            <a:pPr marL="0" lvl="0" indent="0" algn="ctr" rtl="1">
               <a:spcBef>
                 <a:spcPts val="0"/>
               </a:spcBef>
@@ -11670,12 +11764,13 @@
               <a:buNone/>
             </a:pPr>
             <a:r>
-              <a:t/>
+              <a:rPr lang="en" sz="4500" b="1"/>
+              <a:t>GitHub Link</a:t>
             </a:r>
-            <a:endParaRPr b="1" sz="4300"/>
+            <a:endParaRPr sz="2500" i="1"/>
           </a:p>
           <a:p>
-            <a:pPr indent="0" lvl="0" marL="0" rtl="1" algn="ctr">
+            <a:pPr marL="0" lvl="0" indent="0" algn="ctr" rtl="1">
               <a:spcBef>
                 <a:spcPts val="0"/>
               </a:spcBef>
@@ -11685,36 +11780,18 @@
               <a:buSzPts val="990"/>
               <a:buNone/>
             </a:pPr>
-            <a:r>
-              <a:rPr b="1" lang="en" sz="4500"/>
-              <a:t>GitHub Link</a:t>
-            </a:r>
-            <a:endParaRPr i="1" sz="2500"/>
-          </a:p>
-          <a:p>
-            <a:pPr indent="0" lvl="0" marL="0" rtl="1" algn="ctr">
-              <a:spcBef>
-                <a:spcPts val="0"/>
-              </a:spcBef>
-              <a:spcAft>
-                <a:spcPts val="0"/>
-              </a:spcAft>
-              <a:buSzPts val="990"/>
-              <a:buNone/>
-            </a:pPr>
-            <a:r>
-              <a:t/>
-            </a:r>
-            <a:endParaRPr b="1" sz="4300"/>
+            <a:endParaRPr sz="4300" b="1"/>
           </a:p>
         </p:txBody>
       </p:sp>
       <p:sp>
         <p:nvSpPr>
           <p:cNvPr id="147" name="Google Shape;147;p15"/>
-          <p:cNvSpPr txBox="1"/>
+          <p:cNvSpPr txBox="1">
+            <a:spLocks noGrp="1"/>
+          </p:cNvSpPr>
           <p:nvPr>
-            <p:ph idx="1" type="subTitle"/>
+            <p:ph type="subTitle" idx="1"/>
           </p:nvPr>
         </p:nvSpPr>
         <p:spPr>
@@ -11727,12 +11804,12 @@
           </a:prstGeom>
         </p:spPr>
         <p:txBody>
-          <a:bodyPr anchorCtr="0" anchor="t" bIns="91425" lIns="91425" spcFirstLastPara="1" rIns="91425" wrap="square" tIns="91425">
+          <a:bodyPr spcFirstLastPara="1" wrap="square" lIns="91425" tIns="91425" rIns="91425" bIns="91425" anchor="t" anchorCtr="0">
             <a:normAutofit lnSpcReduction="20000"/>
           </a:bodyPr>
           <a:lstStyle/>
           <a:p>
-            <a:pPr indent="0" lvl="0" marL="0" rtl="1" algn="r">
+            <a:pPr marL="0" lvl="0" indent="0" algn="r" rtl="1">
               <a:spcBef>
                 <a:spcPts val="0"/>
               </a:spcBef>
@@ -11768,11 +11845,11 @@
 </file>
 
 <file path=ppt/slides/slide4.xml><?xml version="1.0" encoding="utf-8"?>
-<p:sld xmlns:a="http://schemas.openxmlformats.org/drawingml/2006/main" xmlns:r="http://schemas.openxmlformats.org/officeDocument/2006/relationships" xmlns:mc="http://schemas.openxmlformats.org/markup-compatibility/2006" xmlns:mv="urn:schemas-microsoft-com:mac:vml" xmlns:p="http://schemas.openxmlformats.org/presentationml/2006/main" xmlns:c="http://schemas.openxmlformats.org/drawingml/2006/chart" xmlns:dgm="http://schemas.openxmlformats.org/drawingml/2006/diagram" xmlns:o="urn:schemas-microsoft-com:office:office" xmlns:v="urn:schemas-microsoft-com:vml" xmlns:pvml="urn:schemas-microsoft-com:office:powerpoint" xmlns:com="http://schemas.openxmlformats.org/drawingml/2006/compatibility" xmlns:p14="http://schemas.microsoft.com/office/powerpoint/2010/main" xmlns:p15="http://schemas.microsoft.com/office/powerpoint/2012/main" xmlns:ahyp="http://schemas.microsoft.com/office/drawing/2018/hyperlinkcolor">
+<p:sld xmlns:a="http://schemas.openxmlformats.org/drawingml/2006/main" xmlns:r="http://schemas.openxmlformats.org/officeDocument/2006/relationships" xmlns:p="http://schemas.openxmlformats.org/presentationml/2006/main">
   <p:cSld>
     <p:spTree>
       <p:nvGrpSpPr>
-        <p:cNvPr id="151" name="Shape 151"/>
+        <p:cNvPr id="1" name="Shape 151"/>
         <p:cNvGrpSpPr/>
         <p:nvPr/>
       </p:nvGrpSpPr>
@@ -11787,7 +11864,9 @@
       <p:sp>
         <p:nvSpPr>
           <p:cNvPr id="152" name="Google Shape;152;p16"/>
-          <p:cNvSpPr txBox="1"/>
+          <p:cNvSpPr txBox="1">
+            <a:spLocks noGrp="1"/>
+          </p:cNvSpPr>
           <p:nvPr>
             <p:ph type="title"/>
           </p:nvPr>
@@ -11802,12 +11881,12 @@
           </a:prstGeom>
         </p:spPr>
         <p:txBody>
-          <a:bodyPr anchorCtr="0" anchor="t" bIns="91425" lIns="91425" spcFirstLastPara="1" rIns="91425" wrap="square" tIns="91425">
+          <a:bodyPr spcFirstLastPara="1" wrap="square" lIns="91425" tIns="91425" rIns="91425" bIns="91425" anchor="t" anchorCtr="0">
             <a:normAutofit fontScale="90000"/>
           </a:bodyPr>
           <a:lstStyle/>
           <a:p>
-            <a:pPr indent="0" lvl="0" marL="0" rtl="1" algn="r">
+            <a:pPr marL="0" lvl="0" indent="0" algn="r" rtl="1">
               <a:spcBef>
                 <a:spcPts val="0"/>
               </a:spcBef>
@@ -11837,9 +11916,11 @@
       <p:sp>
         <p:nvSpPr>
           <p:cNvPr id="153" name="Google Shape;153;p16"/>
-          <p:cNvSpPr txBox="1"/>
+          <p:cNvSpPr txBox="1">
+            <a:spLocks noGrp="1"/>
+          </p:cNvSpPr>
           <p:nvPr>
-            <p:ph idx="1" type="body"/>
+            <p:ph type="body" idx="1"/>
           </p:nvPr>
         </p:nvSpPr>
         <p:spPr>
@@ -11852,12 +11933,12 @@
           </a:prstGeom>
         </p:spPr>
         <p:txBody>
-          <a:bodyPr anchorCtr="0" anchor="t" bIns="91425" lIns="91425" spcFirstLastPara="1" rIns="91425" wrap="square" tIns="91425">
+          <a:bodyPr spcFirstLastPara="1" wrap="square" lIns="91425" tIns="91425" rIns="91425" bIns="91425" anchor="t" anchorCtr="0">
             <a:normAutofit/>
           </a:bodyPr>
           <a:lstStyle/>
           <a:p>
-            <a:pPr indent="-311150" lvl="0" marL="457200" rtl="1" algn="r">
+            <a:pPr marL="457200" lvl="0" indent="-311150" algn="r" rtl="1">
               <a:spcBef>
                 <a:spcPts val="0"/>
               </a:spcBef>
@@ -11885,7 +11966,7 @@
             </a:endParaRPr>
           </a:p>
           <a:p>
-            <a:pPr indent="-311150" lvl="0" marL="457200" rtl="1" algn="r">
+            <a:pPr marL="457200" lvl="0" indent="-311150" algn="r" rtl="1">
               <a:spcBef>
                 <a:spcPts val="0"/>
               </a:spcBef>
@@ -11913,7 +11994,7 @@
             </a:endParaRPr>
           </a:p>
           <a:p>
-            <a:pPr indent="-311150" lvl="0" marL="457200" rtl="1" algn="r">
+            <a:pPr marL="457200" lvl="0" indent="-311150" algn="r" rtl="1">
               <a:spcBef>
                 <a:spcPts val="0"/>
               </a:spcBef>
@@ -11951,11 +12032,11 @@
 </file>
 
 <file path=ppt/slides/slide5.xml><?xml version="1.0" encoding="utf-8"?>
-<p:sld xmlns:a="http://schemas.openxmlformats.org/drawingml/2006/main" xmlns:r="http://schemas.openxmlformats.org/officeDocument/2006/relationships" xmlns:mc="http://schemas.openxmlformats.org/markup-compatibility/2006" xmlns:mv="urn:schemas-microsoft-com:mac:vml" xmlns:p="http://schemas.openxmlformats.org/presentationml/2006/main" xmlns:c="http://schemas.openxmlformats.org/drawingml/2006/chart" xmlns:dgm="http://schemas.openxmlformats.org/drawingml/2006/diagram" xmlns:o="urn:schemas-microsoft-com:office:office" xmlns:v="urn:schemas-microsoft-com:vml" xmlns:pvml="urn:schemas-microsoft-com:office:powerpoint" xmlns:com="http://schemas.openxmlformats.org/drawingml/2006/compatibility" xmlns:p14="http://schemas.microsoft.com/office/powerpoint/2010/main" xmlns:p15="http://schemas.microsoft.com/office/powerpoint/2012/main" xmlns:ahyp="http://schemas.microsoft.com/office/drawing/2018/hyperlinkcolor">
+<p:sld xmlns:a="http://schemas.openxmlformats.org/drawingml/2006/main" xmlns:r="http://schemas.openxmlformats.org/officeDocument/2006/relationships" xmlns:p="http://schemas.openxmlformats.org/presentationml/2006/main">
   <p:cSld>
     <p:spTree>
       <p:nvGrpSpPr>
-        <p:cNvPr id="157" name="Shape 157"/>
+        <p:cNvPr id="1" name="Shape 157"/>
         <p:cNvGrpSpPr/>
         <p:nvPr/>
       </p:nvGrpSpPr>
@@ -11970,7 +12051,9 @@
       <p:sp>
         <p:nvSpPr>
           <p:cNvPr id="158" name="Google Shape;158;p17"/>
-          <p:cNvSpPr txBox="1"/>
+          <p:cNvSpPr txBox="1">
+            <a:spLocks noGrp="1"/>
+          </p:cNvSpPr>
           <p:nvPr>
             <p:ph type="title"/>
           </p:nvPr>
@@ -11985,12 +12068,12 @@
           </a:prstGeom>
         </p:spPr>
         <p:txBody>
-          <a:bodyPr anchorCtr="0" anchor="ctr" bIns="91425" lIns="91425" spcFirstLastPara="1" rIns="91425" wrap="square" tIns="91425">
+          <a:bodyPr spcFirstLastPara="1" wrap="square" lIns="91425" tIns="91425" rIns="91425" bIns="91425" anchor="ctr" anchorCtr="0">
             <a:normAutofit/>
           </a:bodyPr>
           <a:lstStyle/>
           <a:p>
-            <a:pPr indent="0" lvl="0" marL="0" rtl="1" algn="r">
+            <a:pPr marL="0" lvl="0" indent="0" algn="r" rtl="1">
               <a:spcBef>
                 <a:spcPts val="0"/>
               </a:spcBef>
@@ -12026,11 +12109,11 @@
 </file>
 
 <file path=ppt/slides/slide6.xml><?xml version="1.0" encoding="utf-8"?>
-<p:sld xmlns:a="http://schemas.openxmlformats.org/drawingml/2006/main" xmlns:r="http://schemas.openxmlformats.org/officeDocument/2006/relationships" xmlns:mc="http://schemas.openxmlformats.org/markup-compatibility/2006" xmlns:mv="urn:schemas-microsoft-com:mac:vml" xmlns:p="http://schemas.openxmlformats.org/presentationml/2006/main" xmlns:c="http://schemas.openxmlformats.org/drawingml/2006/chart" xmlns:dgm="http://schemas.openxmlformats.org/drawingml/2006/diagram" xmlns:o="urn:schemas-microsoft-com:office:office" xmlns:v="urn:schemas-microsoft-com:vml" xmlns:pvml="urn:schemas-microsoft-com:office:powerpoint" xmlns:com="http://schemas.openxmlformats.org/drawingml/2006/compatibility" xmlns:p14="http://schemas.microsoft.com/office/powerpoint/2010/main" xmlns:p15="http://schemas.microsoft.com/office/powerpoint/2012/main" xmlns:ahyp="http://schemas.microsoft.com/office/drawing/2018/hyperlinkcolor">
+<p:sld xmlns:a="http://schemas.openxmlformats.org/drawingml/2006/main" xmlns:r="http://schemas.openxmlformats.org/officeDocument/2006/relationships" xmlns:p="http://schemas.openxmlformats.org/presentationml/2006/main">
   <p:cSld>
     <p:spTree>
       <p:nvGrpSpPr>
-        <p:cNvPr id="162" name="Shape 162"/>
+        <p:cNvPr id="1" name="Shape 162"/>
         <p:cNvGrpSpPr/>
         <p:nvPr/>
       </p:nvGrpSpPr>
@@ -12045,7 +12128,9 @@
       <p:sp>
         <p:nvSpPr>
           <p:cNvPr id="163" name="Google Shape;163;p18"/>
-          <p:cNvSpPr txBox="1"/>
+          <p:cNvSpPr txBox="1">
+            <a:spLocks noGrp="1"/>
+          </p:cNvSpPr>
           <p:nvPr>
             <p:ph type="title"/>
           </p:nvPr>
@@ -12060,12 +12145,12 @@
           </a:prstGeom>
         </p:spPr>
         <p:txBody>
-          <a:bodyPr anchorCtr="0" anchor="t" bIns="91425" lIns="91425" spcFirstLastPara="1" rIns="91425" wrap="square" tIns="91425">
+          <a:bodyPr spcFirstLastPara="1" wrap="square" lIns="91425" tIns="91425" rIns="91425" bIns="91425" anchor="t" anchorCtr="0">
             <a:normAutofit/>
           </a:bodyPr>
           <a:lstStyle/>
           <a:p>
-            <a:pPr indent="0" lvl="0" marL="0" rtl="1" algn="r">
+            <a:pPr marL="0" lvl="0" indent="0" algn="r" rtl="1">
               <a:spcBef>
                 <a:spcPts val="0"/>
               </a:spcBef>
@@ -12095,9 +12180,11 @@
       <p:sp>
         <p:nvSpPr>
           <p:cNvPr id="164" name="Google Shape;164;p18"/>
-          <p:cNvSpPr txBox="1"/>
+          <p:cNvSpPr txBox="1">
+            <a:spLocks noGrp="1"/>
+          </p:cNvSpPr>
           <p:nvPr>
-            <p:ph idx="1" type="body"/>
+            <p:ph type="body" idx="1"/>
           </p:nvPr>
         </p:nvSpPr>
         <p:spPr>
@@ -12110,12 +12197,12 @@
           </a:prstGeom>
         </p:spPr>
         <p:txBody>
-          <a:bodyPr anchorCtr="0" anchor="t" bIns="91425" lIns="91425" spcFirstLastPara="1" rIns="91425" wrap="square" tIns="91425">
+          <a:bodyPr spcFirstLastPara="1" wrap="square" lIns="91425" tIns="91425" rIns="91425" bIns="91425" anchor="t" anchorCtr="0">
             <a:normAutofit/>
           </a:bodyPr>
           <a:lstStyle/>
           <a:p>
-            <a:pPr indent="-311150" lvl="0" marL="457200" rtl="1" algn="r">
+            <a:pPr marL="457200" lvl="0" indent="-311150" algn="r" rtl="1">
               <a:spcBef>
                 <a:spcPts val="0"/>
               </a:spcBef>
@@ -12127,7 +12214,7 @@
               <a:buChar char="●"/>
             </a:pPr>
             <a:r>
-              <a:rPr b="1" lang="en">
+              <a:rPr lang="en" b="1">
                 <a:latin typeface="Arial"/>
                 <a:ea typeface="Arial"/>
                 <a:cs typeface="Arial"/>
@@ -12152,7 +12239,7 @@
             </a:endParaRPr>
           </a:p>
           <a:p>
-            <a:pPr indent="-311150" lvl="0" marL="457200" rtl="1" algn="r">
+            <a:pPr marL="457200" lvl="0" indent="-311150" algn="r" rtl="1">
               <a:spcBef>
                 <a:spcPts val="0"/>
               </a:spcBef>
@@ -12164,7 +12251,7 @@
               <a:buChar char="●"/>
             </a:pPr>
             <a:r>
-              <a:rPr b="1" lang="en">
+              <a:rPr lang="en" b="1">
                 <a:latin typeface="Arial"/>
                 <a:ea typeface="Arial"/>
                 <a:cs typeface="Arial"/>
@@ -12189,7 +12276,7 @@
             </a:endParaRPr>
           </a:p>
           <a:p>
-            <a:pPr indent="-311150" lvl="0" marL="457200" rtl="1" algn="r">
+            <a:pPr marL="457200" lvl="0" indent="-311150" algn="r" rtl="1">
               <a:spcBef>
                 <a:spcPts val="0"/>
               </a:spcBef>
@@ -12201,7 +12288,7 @@
               <a:buChar char="●"/>
             </a:pPr>
             <a:r>
-              <a:rPr b="1" lang="en">
+              <a:rPr lang="en" b="1">
                 <a:latin typeface="Arial"/>
                 <a:ea typeface="Arial"/>
                 <a:cs typeface="Arial"/>
@@ -12216,25 +12303,7 @@
                 <a:cs typeface="Arial"/>
                 <a:sym typeface="Arial"/>
               </a:rPr>
-              <a:t> במציאות מדומה ניתן להמחיש בצורה הממשית ביותר את הסכנות שבכביש </a:t>
-            </a:r>
-            <a:r>
-              <a:rPr lang="en">
-                <a:latin typeface="Arial"/>
-                <a:ea typeface="Arial"/>
-                <a:cs typeface="Arial"/>
-                <a:sym typeface="Arial"/>
-              </a:rPr>
-              <a:t>וההשלכות</a:t>
-            </a:r>
-            <a:r>
-              <a:rPr lang="en">
-                <a:latin typeface="Arial"/>
-                <a:ea typeface="Arial"/>
-                <a:cs typeface="Arial"/>
-                <a:sym typeface="Arial"/>
-              </a:rPr>
-              <a:t> שלהם. </a:t>
+              <a:t> במציאות מדומה ניתן להמחיש בצורה הממשית ביותר את הסכנות שבכביש וההשלכות שלהם. </a:t>
             </a:r>
             <a:endParaRPr>
               <a:latin typeface="Arial"/>
@@ -12244,7 +12313,7 @@
             </a:endParaRPr>
           </a:p>
           <a:p>
-            <a:pPr indent="0" lvl="0" marL="457200" rtl="1" algn="r">
+            <a:pPr marL="457200" lvl="0" indent="0" algn="r" rtl="1">
               <a:spcBef>
                 <a:spcPts val="1200"/>
               </a:spcBef>
@@ -12280,11 +12349,11 @@
 </file>
 
 <file path=ppt/slides/slide7.xml><?xml version="1.0" encoding="utf-8"?>
-<p:sld xmlns:a="http://schemas.openxmlformats.org/drawingml/2006/main" xmlns:r="http://schemas.openxmlformats.org/officeDocument/2006/relationships" xmlns:mc="http://schemas.openxmlformats.org/markup-compatibility/2006" xmlns:mv="urn:schemas-microsoft-com:mac:vml" xmlns:p="http://schemas.openxmlformats.org/presentationml/2006/main" xmlns:c="http://schemas.openxmlformats.org/drawingml/2006/chart" xmlns:dgm="http://schemas.openxmlformats.org/drawingml/2006/diagram" xmlns:o="urn:schemas-microsoft-com:office:office" xmlns:v="urn:schemas-microsoft-com:vml" xmlns:pvml="urn:schemas-microsoft-com:office:powerpoint" xmlns:com="http://schemas.openxmlformats.org/drawingml/2006/compatibility" xmlns:p14="http://schemas.microsoft.com/office/powerpoint/2010/main" xmlns:p15="http://schemas.microsoft.com/office/powerpoint/2012/main" xmlns:ahyp="http://schemas.microsoft.com/office/drawing/2018/hyperlinkcolor">
+<p:sld xmlns:a="http://schemas.openxmlformats.org/drawingml/2006/main" xmlns:r="http://schemas.openxmlformats.org/officeDocument/2006/relationships" xmlns:p="http://schemas.openxmlformats.org/presentationml/2006/main">
   <p:cSld>
     <p:spTree>
       <p:nvGrpSpPr>
-        <p:cNvPr id="168" name="Shape 168"/>
+        <p:cNvPr id="1" name="Shape 168"/>
         <p:cNvGrpSpPr/>
         <p:nvPr/>
       </p:nvGrpSpPr>
@@ -12299,7 +12368,9 @@
       <p:sp>
         <p:nvSpPr>
           <p:cNvPr id="169" name="Google Shape;169;p19"/>
-          <p:cNvSpPr txBox="1"/>
+          <p:cNvSpPr txBox="1">
+            <a:spLocks noGrp="1"/>
+          </p:cNvSpPr>
           <p:nvPr>
             <p:ph type="title"/>
           </p:nvPr>
@@ -12314,12 +12385,12 @@
           </a:prstGeom>
         </p:spPr>
         <p:txBody>
-          <a:bodyPr anchorCtr="0" anchor="t" bIns="91425" lIns="91425" spcFirstLastPara="1" rIns="91425" wrap="square" tIns="91425">
+          <a:bodyPr spcFirstLastPara="1" wrap="square" lIns="91425" tIns="91425" rIns="91425" bIns="91425" anchor="t" anchorCtr="0">
             <a:normAutofit/>
           </a:bodyPr>
           <a:lstStyle/>
           <a:p>
-            <a:pPr indent="0" lvl="0" marL="0" rtl="1" algn="r">
+            <a:pPr marL="0" lvl="0" indent="0" algn="r" rtl="1">
               <a:spcBef>
                 <a:spcPts val="0"/>
               </a:spcBef>
@@ -12349,9 +12420,11 @@
       <p:sp>
         <p:nvSpPr>
           <p:cNvPr id="170" name="Google Shape;170;p19"/>
-          <p:cNvSpPr txBox="1"/>
+          <p:cNvSpPr txBox="1">
+            <a:spLocks noGrp="1"/>
+          </p:cNvSpPr>
           <p:nvPr>
-            <p:ph idx="1" type="body"/>
+            <p:ph type="body" idx="1"/>
           </p:nvPr>
         </p:nvSpPr>
         <p:spPr>
@@ -12364,12 +12437,12 @@
           </a:prstGeom>
         </p:spPr>
         <p:txBody>
-          <a:bodyPr anchorCtr="0" anchor="t" bIns="91425" lIns="91425" spcFirstLastPara="1" rIns="91425" wrap="square" tIns="91425">
+          <a:bodyPr spcFirstLastPara="1" wrap="square" lIns="91425" tIns="91425" rIns="91425" bIns="91425" anchor="t" anchorCtr="0">
             <a:normAutofit/>
           </a:bodyPr>
           <a:lstStyle/>
           <a:p>
-            <a:pPr indent="-336550" lvl="0" marL="457200" rtl="1" algn="r">
+            <a:pPr marL="457200" lvl="0" indent="-336550" algn="r" rtl="1">
               <a:spcBef>
                 <a:spcPts val="0"/>
               </a:spcBef>
@@ -12387,25 +12460,7 @@
                 <a:cs typeface="Arial"/>
                 <a:sym typeface="Arial"/>
               </a:rPr>
-              <a:t>תחילה יעבור התלמיד מספר שלבים במציאות מדומה, אשר כל אחד מהם </a:t>
-            </a:r>
-            <a:r>
-              <a:rPr lang="en" sz="1700">
-                <a:latin typeface="Arial"/>
-                <a:ea typeface="Arial"/>
-                <a:cs typeface="Arial"/>
-                <a:sym typeface="Arial"/>
-              </a:rPr>
-              <a:t>מתמקד</a:t>
-            </a:r>
-            <a:r>
-              <a:rPr lang="en" sz="1700">
-                <a:latin typeface="Arial"/>
-                <a:ea typeface="Arial"/>
-                <a:cs typeface="Arial"/>
-                <a:sym typeface="Arial"/>
-              </a:rPr>
-              <a:t> באלמנט אחר הקשור לנהיגה בטוחה. (צומת מרומזרת לעומת צומת ללא רמזור, מעבר משביל אופניים לכביש, וכו')</a:t>
+              <a:t>תחילה יעבור התלמיד מספר שלבים במציאות מדומה, אשר כל אחד מהם מתמקד באלמנט אחר הקשור לנהיגה בטוחה. (צומת מרומזרת לעומת צומת ללא רמזור, מעבר משביל אופניים לכביש, וכו')</a:t>
             </a:r>
             <a:endParaRPr sz="1700">
               <a:latin typeface="Arial"/>
@@ -12415,7 +12470,7 @@
             </a:endParaRPr>
           </a:p>
           <a:p>
-            <a:pPr indent="-336550" lvl="0" marL="457200" rtl="1" algn="r">
+            <a:pPr marL="457200" lvl="0" indent="-336550" algn="r" rtl="1">
               <a:spcBef>
                 <a:spcPts val="0"/>
               </a:spcBef>
@@ -12443,7 +12498,7 @@
             </a:endParaRPr>
           </a:p>
           <a:p>
-            <a:pPr indent="-336550" lvl="0" marL="457200" rtl="1" algn="r">
+            <a:pPr marL="457200" lvl="0" indent="-336550" algn="r" rtl="1">
               <a:spcBef>
                 <a:spcPts val="0"/>
               </a:spcBef>
@@ -12481,11 +12536,11 @@
 </file>
 
 <file path=ppt/slides/slide8.xml><?xml version="1.0" encoding="utf-8"?>
-<p:sld xmlns:a="http://schemas.openxmlformats.org/drawingml/2006/main" xmlns:r="http://schemas.openxmlformats.org/officeDocument/2006/relationships" xmlns:mc="http://schemas.openxmlformats.org/markup-compatibility/2006" xmlns:mv="urn:schemas-microsoft-com:mac:vml" xmlns:p="http://schemas.openxmlformats.org/presentationml/2006/main" xmlns:c="http://schemas.openxmlformats.org/drawingml/2006/chart" xmlns:dgm="http://schemas.openxmlformats.org/drawingml/2006/diagram" xmlns:o="urn:schemas-microsoft-com:office:office" xmlns:v="urn:schemas-microsoft-com:vml" xmlns:pvml="urn:schemas-microsoft-com:office:powerpoint" xmlns:com="http://schemas.openxmlformats.org/drawingml/2006/compatibility" xmlns:p14="http://schemas.microsoft.com/office/powerpoint/2010/main" xmlns:p15="http://schemas.microsoft.com/office/powerpoint/2012/main" xmlns:ahyp="http://schemas.microsoft.com/office/drawing/2018/hyperlinkcolor">
+<p:sld xmlns:a="http://schemas.openxmlformats.org/drawingml/2006/main" xmlns:r="http://schemas.openxmlformats.org/officeDocument/2006/relationships" xmlns:p="http://schemas.openxmlformats.org/presentationml/2006/main">
   <p:cSld>
     <p:spTree>
       <p:nvGrpSpPr>
-        <p:cNvPr id="174" name="Shape 174"/>
+        <p:cNvPr id="1" name="Shape 174"/>
         <p:cNvGrpSpPr/>
         <p:nvPr/>
       </p:nvGrpSpPr>
@@ -12500,7 +12555,9 @@
       <p:sp>
         <p:nvSpPr>
           <p:cNvPr id="175" name="Google Shape;175;p20"/>
-          <p:cNvSpPr txBox="1"/>
+          <p:cNvSpPr txBox="1">
+            <a:spLocks noGrp="1"/>
+          </p:cNvSpPr>
           <p:nvPr>
             <p:ph type="title"/>
           </p:nvPr>
@@ -12515,12 +12572,12 @@
           </a:prstGeom>
         </p:spPr>
         <p:txBody>
-          <a:bodyPr anchorCtr="0" anchor="ctr" bIns="91425" lIns="91425" spcFirstLastPara="1" rIns="91425" wrap="square" tIns="91425">
+          <a:bodyPr spcFirstLastPara="1" wrap="square" lIns="91425" tIns="91425" rIns="91425" bIns="91425" anchor="ctr" anchorCtr="0">
             <a:normAutofit/>
           </a:bodyPr>
           <a:lstStyle/>
           <a:p>
-            <a:pPr indent="0" lvl="0" marL="0" rtl="1" algn="r">
+            <a:pPr marL="0" lvl="0" indent="0" algn="r" rtl="1">
               <a:spcBef>
                 <a:spcPts val="0"/>
               </a:spcBef>
@@ -12536,16 +12593,7 @@
                 <a:cs typeface="Arial"/>
                 <a:sym typeface="Arial"/>
               </a:rPr>
-              <a:t>מוטיבצ</a:t>
-            </a:r>
-            <a:r>
-              <a:rPr lang="en">
-                <a:latin typeface="Arial"/>
-                <a:ea typeface="Arial"/>
-                <a:cs typeface="Arial"/>
-                <a:sym typeface="Arial"/>
-              </a:rPr>
-              <a:t>יה</a:t>
+              <a:t>מוטיבציה</a:t>
             </a:r>
             <a:endParaRPr>
               <a:latin typeface="Arial"/>
@@ -12565,11 +12613,11 @@
 </file>
 
 <file path=ppt/slides/slide9.xml><?xml version="1.0" encoding="utf-8"?>
-<p:sld xmlns:a="http://schemas.openxmlformats.org/drawingml/2006/main" xmlns:r="http://schemas.openxmlformats.org/officeDocument/2006/relationships" xmlns:mc="http://schemas.openxmlformats.org/markup-compatibility/2006" xmlns:mv="urn:schemas-microsoft-com:mac:vml" xmlns:p="http://schemas.openxmlformats.org/presentationml/2006/main" xmlns:c="http://schemas.openxmlformats.org/drawingml/2006/chart" xmlns:dgm="http://schemas.openxmlformats.org/drawingml/2006/diagram" xmlns:o="urn:schemas-microsoft-com:office:office" xmlns:v="urn:schemas-microsoft-com:vml" xmlns:pvml="urn:schemas-microsoft-com:office:powerpoint" xmlns:com="http://schemas.openxmlformats.org/drawingml/2006/compatibility" xmlns:p14="http://schemas.microsoft.com/office/powerpoint/2010/main" xmlns:p15="http://schemas.microsoft.com/office/powerpoint/2012/main" xmlns:ahyp="http://schemas.microsoft.com/office/drawing/2018/hyperlinkcolor">
+<p:sld xmlns:a="http://schemas.openxmlformats.org/drawingml/2006/main" xmlns:r="http://schemas.openxmlformats.org/officeDocument/2006/relationships" xmlns:p="http://schemas.openxmlformats.org/presentationml/2006/main">
   <p:cSld>
     <p:spTree>
       <p:nvGrpSpPr>
-        <p:cNvPr id="179" name="Shape 179"/>
+        <p:cNvPr id="1" name="Shape 179"/>
         <p:cNvGrpSpPr/>
         <p:nvPr/>
       </p:nvGrpSpPr>
@@ -12584,9 +12632,11 @@
       <p:sp>
         <p:nvSpPr>
           <p:cNvPr id="180" name="Google Shape;180;p21"/>
-          <p:cNvSpPr txBox="1"/>
+          <p:cNvSpPr txBox="1">
+            <a:spLocks noGrp="1"/>
+          </p:cNvSpPr>
           <p:nvPr>
-            <p:ph idx="1" type="body"/>
+            <p:ph type="body" idx="1"/>
           </p:nvPr>
         </p:nvSpPr>
         <p:spPr>
@@ -12599,12 +12649,12 @@
           </a:prstGeom>
         </p:spPr>
         <p:txBody>
-          <a:bodyPr anchorCtr="0" anchor="t" bIns="91425" lIns="91425" spcFirstLastPara="1" rIns="91425" wrap="square" tIns="91425">
+          <a:bodyPr spcFirstLastPara="1" wrap="square" lIns="91425" tIns="91425" rIns="91425" bIns="91425" anchor="t" anchorCtr="0">
             <a:normAutofit/>
           </a:bodyPr>
           <a:lstStyle/>
           <a:p>
-            <a:pPr indent="0" lvl="0" marL="0" rtl="1" algn="r">
+            <a:pPr marL="0" lvl="0" indent="0" algn="r" rtl="1">
               <a:spcBef>
                 <a:spcPts val="0"/>
               </a:spcBef>
@@ -12630,7 +12680,7 @@
             </a:endParaRPr>
           </a:p>
           <a:p>
-            <a:pPr indent="0" lvl="0" marL="0" rtl="1" algn="r">
+            <a:pPr marL="0" lvl="0" indent="0" algn="r" rtl="1">
               <a:spcBef>
                 <a:spcPts val="1200"/>
               </a:spcBef>
@@ -12666,7 +12716,288 @@
 </file>
 
 <file path=ppt/theme/theme1.xml><?xml version="1.0" encoding="utf-8"?>
-<a:theme xmlns:a="http://schemas.openxmlformats.org/drawingml/2006/main" xmlns:r="http://schemas.openxmlformats.org/officeDocument/2006/relationships">
+<a:theme xmlns:a="http://schemas.openxmlformats.org/drawingml/2006/main" name="Focus">
+  <a:themeElements>
+    <a:clrScheme name="Focus">
+      <a:dk1>
+        <a:srgbClr val="1B212C"/>
+      </a:dk1>
+      <a:lt1>
+        <a:srgbClr val="FFFFFF"/>
+      </a:lt1>
+      <a:dk2>
+        <a:srgbClr val="D9D9D9"/>
+      </a:dk2>
+      <a:lt2>
+        <a:srgbClr val="82C7A5"/>
+      </a:lt2>
+      <a:accent1>
+        <a:srgbClr val="0145AC"/>
+      </a:accent1>
+      <a:accent2>
+        <a:srgbClr val="EECE1A"/>
+      </a:accent2>
+      <a:accent3>
+        <a:srgbClr val="4E5567"/>
+      </a:accent3>
+      <a:accent4>
+        <a:srgbClr val="F4D6AD"/>
+      </a:accent4>
+      <a:accent5>
+        <a:srgbClr val="7890CD"/>
+      </a:accent5>
+      <a:accent6>
+        <a:srgbClr val="F15E22"/>
+      </a:accent6>
+      <a:hlink>
+        <a:srgbClr val="7890CD"/>
+      </a:hlink>
+      <a:folHlink>
+        <a:srgbClr val="7890CD"/>
+      </a:folHlink>
+    </a:clrScheme>
+    <a:fontScheme name="Office">
+      <a:majorFont>
+        <a:latin typeface="Arial"/>
+        <a:ea typeface=""/>
+        <a:cs typeface=""/>
+        <a:font script="Jpan" typeface="ＭＳ Ｐゴシック"/>
+        <a:font script="Hang" typeface="맑은 고딕"/>
+        <a:font script="Hans" typeface="宋体"/>
+        <a:font script="Hant" typeface="新細明體"/>
+        <a:font script="Arab" typeface="Times New Roman"/>
+        <a:font script="Hebr" typeface="Times New Roman"/>
+        <a:font script="Thai" typeface="Angsana New"/>
+        <a:font script="Ethi" typeface="Nyala"/>
+        <a:font script="Beng" typeface="Vrinda"/>
+        <a:font script="Gujr" typeface="Shruti"/>
+        <a:font script="Khmr" typeface="MoolBoran"/>
+        <a:font script="Knda" typeface="Tunga"/>
+        <a:font script="Guru" typeface="Raavi"/>
+        <a:font script="Cans" typeface="Euphemia"/>
+        <a:font script="Cher" typeface="Plantagenet Cherokee"/>
+        <a:font script="Yiii" typeface="Microsoft Yi Baiti"/>
+        <a:font script="Tibt" typeface="Microsoft Himalaya"/>
+        <a:font script="Thaa" typeface="MV Boli"/>
+        <a:font script="Deva" typeface="Mangal"/>
+        <a:font script="Telu" typeface="Gautami"/>
+        <a:font script="Taml" typeface="Latha"/>
+        <a:font script="Syrc" typeface="Estrangelo Edessa"/>
+        <a:font script="Orya" typeface="Kalinga"/>
+        <a:font script="Mlym" typeface="Kartika"/>
+        <a:font script="Laoo" typeface="DokChampa"/>
+        <a:font script="Sinh" typeface="Iskoola Pota"/>
+        <a:font script="Mong" typeface="Mongolian Baiti"/>
+        <a:font script="Viet" typeface="Times New Roman"/>
+        <a:font script="Uigh" typeface="Microsoft Uighur"/>
+        <a:font script="Geor" typeface="Sylfaen"/>
+      </a:majorFont>
+      <a:minorFont>
+        <a:latin typeface="Arial"/>
+        <a:ea typeface=""/>
+        <a:cs typeface=""/>
+        <a:font script="Jpan" typeface="ＭＳ Ｐゴシック"/>
+        <a:font script="Hang" typeface="맑은 고딕"/>
+        <a:font script="Hans" typeface="宋体"/>
+        <a:font script="Hant" typeface="新細明體"/>
+        <a:font script="Arab" typeface="Arial"/>
+        <a:font script="Hebr" typeface="Arial"/>
+        <a:font script="Thai" typeface="Cordia New"/>
+        <a:font script="Ethi" typeface="Nyala"/>
+        <a:font script="Beng" typeface="Vrinda"/>
+        <a:font script="Gujr" typeface="Shruti"/>
+        <a:font script="Khmr" typeface="DaunPenh"/>
+        <a:font script="Knda" typeface="Tunga"/>
+        <a:font script="Guru" typeface="Raavi"/>
+        <a:font script="Cans" typeface="Euphemia"/>
+        <a:font script="Cher" typeface="Plantagenet Cherokee"/>
+        <a:font script="Yiii" typeface="Microsoft Yi Baiti"/>
+        <a:font script="Tibt" typeface="Microsoft Himalaya"/>
+        <a:font script="Thaa" typeface="MV Boli"/>
+        <a:font script="Deva" typeface="Mangal"/>
+        <a:font script="Telu" typeface="Gautami"/>
+        <a:font script="Taml" typeface="Latha"/>
+        <a:font script="Syrc" typeface="Estrangelo Edessa"/>
+        <a:font script="Orya" typeface="Kalinga"/>
+        <a:font script="Mlym" typeface="Kartika"/>
+        <a:font script="Laoo" typeface="DokChampa"/>
+        <a:font script="Sinh" typeface="Iskoola Pota"/>
+        <a:font script="Mong" typeface="Mongolian Baiti"/>
+        <a:font script="Viet" typeface="Arial"/>
+        <a:font script="Uigh" typeface="Microsoft Uighur"/>
+        <a:font script="Geor" typeface="Sylfaen"/>
+      </a:minorFont>
+    </a:fontScheme>
+    <a:fmtScheme name="Office">
+      <a:fillStyleLst>
+        <a:solidFill>
+          <a:schemeClr val="phClr"/>
+        </a:solidFill>
+        <a:gradFill rotWithShape="1">
+          <a:gsLst>
+            <a:gs pos="0">
+              <a:schemeClr val="phClr">
+                <a:tint val="50000"/>
+                <a:satMod val="300000"/>
+              </a:schemeClr>
+            </a:gs>
+            <a:gs pos="35000">
+              <a:schemeClr val="phClr">
+                <a:tint val="37000"/>
+                <a:satMod val="300000"/>
+              </a:schemeClr>
+            </a:gs>
+            <a:gs pos="100000">
+              <a:schemeClr val="phClr">
+                <a:tint val="15000"/>
+                <a:satMod val="350000"/>
+              </a:schemeClr>
+            </a:gs>
+          </a:gsLst>
+          <a:lin ang="16200000" scaled="1"/>
+        </a:gradFill>
+        <a:gradFill rotWithShape="1">
+          <a:gsLst>
+            <a:gs pos="0">
+              <a:schemeClr val="phClr">
+                <a:tint val="100000"/>
+                <a:shade val="100000"/>
+                <a:satMod val="130000"/>
+              </a:schemeClr>
+            </a:gs>
+            <a:gs pos="100000">
+              <a:schemeClr val="phClr">
+                <a:tint val="50000"/>
+                <a:shade val="100000"/>
+                <a:satMod val="350000"/>
+              </a:schemeClr>
+            </a:gs>
+          </a:gsLst>
+          <a:lin ang="16200000" scaled="0"/>
+        </a:gradFill>
+      </a:fillStyleLst>
+      <a:lnStyleLst>
+        <a:ln w="9525" cap="flat" cmpd="sng" algn="ctr">
+          <a:solidFill>
+            <a:schemeClr val="phClr">
+              <a:shade val="95000"/>
+              <a:satMod val="105000"/>
+            </a:schemeClr>
+          </a:solidFill>
+          <a:prstDash val="solid"/>
+        </a:ln>
+        <a:ln w="25400" cap="flat" cmpd="sng" algn="ctr">
+          <a:solidFill>
+            <a:schemeClr val="phClr"/>
+          </a:solidFill>
+          <a:prstDash val="solid"/>
+        </a:ln>
+        <a:ln w="38100" cap="flat" cmpd="sng" algn="ctr">
+          <a:solidFill>
+            <a:schemeClr val="phClr"/>
+          </a:solidFill>
+          <a:prstDash val="solid"/>
+        </a:ln>
+      </a:lnStyleLst>
+      <a:effectStyleLst>
+        <a:effectStyle>
+          <a:effectLst>
+            <a:outerShdw blurRad="40000" dist="20000" dir="5400000" rotWithShape="0">
+              <a:srgbClr val="000000">
+                <a:alpha val="38000"/>
+              </a:srgbClr>
+            </a:outerShdw>
+          </a:effectLst>
+        </a:effectStyle>
+        <a:effectStyle>
+          <a:effectLst>
+            <a:outerShdw blurRad="40000" dist="23000" dir="5400000" rotWithShape="0">
+              <a:srgbClr val="000000">
+                <a:alpha val="35000"/>
+              </a:srgbClr>
+            </a:outerShdw>
+          </a:effectLst>
+        </a:effectStyle>
+        <a:effectStyle>
+          <a:effectLst>
+            <a:outerShdw blurRad="40000" dist="23000" dir="5400000" rotWithShape="0">
+              <a:srgbClr val="000000">
+                <a:alpha val="35000"/>
+              </a:srgbClr>
+            </a:outerShdw>
+          </a:effectLst>
+          <a:scene3d>
+            <a:camera prst="orthographicFront">
+              <a:rot lat="0" lon="0" rev="0"/>
+            </a:camera>
+            <a:lightRig rig="threePt" dir="t">
+              <a:rot lat="0" lon="0" rev="1200000"/>
+            </a:lightRig>
+          </a:scene3d>
+          <a:sp3d>
+            <a:bevelT w="63500" h="25400"/>
+          </a:sp3d>
+        </a:effectStyle>
+      </a:effectStyleLst>
+      <a:bgFillStyleLst>
+        <a:solidFill>
+          <a:schemeClr val="phClr"/>
+        </a:solidFill>
+        <a:gradFill rotWithShape="1">
+          <a:gsLst>
+            <a:gs pos="0">
+              <a:schemeClr val="phClr">
+                <a:tint val="40000"/>
+                <a:satMod val="350000"/>
+              </a:schemeClr>
+            </a:gs>
+            <a:gs pos="40000">
+              <a:schemeClr val="phClr">
+                <a:tint val="45000"/>
+                <a:shade val="99000"/>
+                <a:satMod val="350000"/>
+              </a:schemeClr>
+            </a:gs>
+            <a:gs pos="100000">
+              <a:schemeClr val="phClr">
+                <a:shade val="20000"/>
+                <a:satMod val="255000"/>
+              </a:schemeClr>
+            </a:gs>
+          </a:gsLst>
+          <a:path path="circle">
+            <a:fillToRect l="50000" t="-80000" r="50000" b="180000"/>
+          </a:path>
+        </a:gradFill>
+        <a:gradFill rotWithShape="1">
+          <a:gsLst>
+            <a:gs pos="0">
+              <a:schemeClr val="phClr">
+                <a:tint val="80000"/>
+                <a:satMod val="300000"/>
+              </a:schemeClr>
+            </a:gs>
+            <a:gs pos="100000">
+              <a:schemeClr val="phClr">
+                <a:shade val="30000"/>
+                <a:satMod val="200000"/>
+              </a:schemeClr>
+            </a:gs>
+          </a:gsLst>
+          <a:path path="circle">
+            <a:fillToRect l="50000" t="50000" r="50000" b="50000"/>
+          </a:path>
+        </a:gradFill>
+      </a:bgFillStyleLst>
+    </a:fmtScheme>
+  </a:themeElements>
+  <a:objectDefaults/>
+  <a:extraClrSchemeLst/>
+</a:theme>
+</file>
+
+<file path=ppt/theme/theme2.xml><?xml version="1.0" encoding="utf-8"?>
+<a:theme xmlns:a="http://schemas.openxmlformats.org/drawingml/2006/main">
   <a:themeElements>
     <a:clrScheme name="Default">
       <a:dk1>
@@ -12941,284 +13272,7 @@
       </a:bgFillStyleLst>
     </a:fmtScheme>
   </a:themeElements>
-</a:theme>
-</file>
-
-<file path=ppt/theme/theme2.xml><?xml version="1.0" encoding="utf-8"?>
-<a:theme xmlns:a="http://schemas.openxmlformats.org/drawingml/2006/main" xmlns:r="http://schemas.openxmlformats.org/officeDocument/2006/relationships" name="Focus">
-  <a:themeElements>
-    <a:clrScheme name="Focus">
-      <a:dk1>
-        <a:srgbClr val="1B212C"/>
-      </a:dk1>
-      <a:lt1>
-        <a:srgbClr val="FFFFFF"/>
-      </a:lt1>
-      <a:dk2>
-        <a:srgbClr val="D9D9D9"/>
-      </a:dk2>
-      <a:lt2>
-        <a:srgbClr val="82C7A5"/>
-      </a:lt2>
-      <a:accent1>
-        <a:srgbClr val="0145AC"/>
-      </a:accent1>
-      <a:accent2>
-        <a:srgbClr val="EECE1A"/>
-      </a:accent2>
-      <a:accent3>
-        <a:srgbClr val="4E5567"/>
-      </a:accent3>
-      <a:accent4>
-        <a:srgbClr val="F4D6AD"/>
-      </a:accent4>
-      <a:accent5>
-        <a:srgbClr val="7890CD"/>
-      </a:accent5>
-      <a:accent6>
-        <a:srgbClr val="F15E22"/>
-      </a:accent6>
-      <a:hlink>
-        <a:srgbClr val="7890CD"/>
-      </a:hlink>
-      <a:folHlink>
-        <a:srgbClr val="7890CD"/>
-      </a:folHlink>
-    </a:clrScheme>
-    <a:fontScheme name="Office">
-      <a:majorFont>
-        <a:latin typeface="Arial"/>
-        <a:ea typeface=""/>
-        <a:cs typeface=""/>
-        <a:font script="Jpan" typeface="ＭＳ Ｐゴシック"/>
-        <a:font script="Hang" typeface="맑은 고딕"/>
-        <a:font script="Hans" typeface="宋体"/>
-        <a:font script="Hant" typeface="新細明體"/>
-        <a:font script="Arab" typeface="Times New Roman"/>
-        <a:font script="Hebr" typeface="Times New Roman"/>
-        <a:font script="Thai" typeface="Angsana New"/>
-        <a:font script="Ethi" typeface="Nyala"/>
-        <a:font script="Beng" typeface="Vrinda"/>
-        <a:font script="Gujr" typeface="Shruti"/>
-        <a:font script="Khmr" typeface="MoolBoran"/>
-        <a:font script="Knda" typeface="Tunga"/>
-        <a:font script="Guru" typeface="Raavi"/>
-        <a:font script="Cans" typeface="Euphemia"/>
-        <a:font script="Cher" typeface="Plantagenet Cherokee"/>
-        <a:font script="Yiii" typeface="Microsoft Yi Baiti"/>
-        <a:font script="Tibt" typeface="Microsoft Himalaya"/>
-        <a:font script="Thaa" typeface="MV Boli"/>
-        <a:font script="Deva" typeface="Mangal"/>
-        <a:font script="Telu" typeface="Gautami"/>
-        <a:font script="Taml" typeface="Latha"/>
-        <a:font script="Syrc" typeface="Estrangelo Edessa"/>
-        <a:font script="Orya" typeface="Kalinga"/>
-        <a:font script="Mlym" typeface="Kartika"/>
-        <a:font script="Laoo" typeface="DokChampa"/>
-        <a:font script="Sinh" typeface="Iskoola Pota"/>
-        <a:font script="Mong" typeface="Mongolian Baiti"/>
-        <a:font script="Viet" typeface="Times New Roman"/>
-        <a:font script="Uigh" typeface="Microsoft Uighur"/>
-        <a:font script="Geor" typeface="Sylfaen"/>
-      </a:majorFont>
-      <a:minorFont>
-        <a:latin typeface="Arial"/>
-        <a:ea typeface=""/>
-        <a:cs typeface=""/>
-        <a:font script="Jpan" typeface="ＭＳ Ｐゴシック"/>
-        <a:font script="Hang" typeface="맑은 고딕"/>
-        <a:font script="Hans" typeface="宋体"/>
-        <a:font script="Hant" typeface="新細明體"/>
-        <a:font script="Arab" typeface="Arial"/>
-        <a:font script="Hebr" typeface="Arial"/>
-        <a:font script="Thai" typeface="Cordia New"/>
-        <a:font script="Ethi" typeface="Nyala"/>
-        <a:font script="Beng" typeface="Vrinda"/>
-        <a:font script="Gujr" typeface="Shruti"/>
-        <a:font script="Khmr" typeface="DaunPenh"/>
-        <a:font script="Knda" typeface="Tunga"/>
-        <a:font script="Guru" typeface="Raavi"/>
-        <a:font script="Cans" typeface="Euphemia"/>
-        <a:font script="Cher" typeface="Plantagenet Cherokee"/>
-        <a:font script="Yiii" typeface="Microsoft Yi Baiti"/>
-        <a:font script="Tibt" typeface="Microsoft Himalaya"/>
-        <a:font script="Thaa" typeface="MV Boli"/>
-        <a:font script="Deva" typeface="Mangal"/>
-        <a:font script="Telu" typeface="Gautami"/>
-        <a:font script="Taml" typeface="Latha"/>
-        <a:font script="Syrc" typeface="Estrangelo Edessa"/>
-        <a:font script="Orya" typeface="Kalinga"/>
-        <a:font script="Mlym" typeface="Kartika"/>
-        <a:font script="Laoo" typeface="DokChampa"/>
-        <a:font script="Sinh" typeface="Iskoola Pota"/>
-        <a:font script="Mong" typeface="Mongolian Baiti"/>
-        <a:font script="Viet" typeface="Arial"/>
-        <a:font script="Uigh" typeface="Microsoft Uighur"/>
-        <a:font script="Geor" typeface="Sylfaen"/>
-      </a:minorFont>
-    </a:fontScheme>
-    <a:fmtScheme name="Office">
-      <a:fillStyleLst>
-        <a:solidFill>
-          <a:schemeClr val="phClr"/>
-        </a:solidFill>
-        <a:gradFill rotWithShape="1">
-          <a:gsLst>
-            <a:gs pos="0">
-              <a:schemeClr val="phClr">
-                <a:tint val="50000"/>
-                <a:satMod val="300000"/>
-              </a:schemeClr>
-            </a:gs>
-            <a:gs pos="35000">
-              <a:schemeClr val="phClr">
-                <a:tint val="37000"/>
-                <a:satMod val="300000"/>
-              </a:schemeClr>
-            </a:gs>
-            <a:gs pos="100000">
-              <a:schemeClr val="phClr">
-                <a:tint val="15000"/>
-                <a:satMod val="350000"/>
-              </a:schemeClr>
-            </a:gs>
-          </a:gsLst>
-          <a:lin ang="16200000" scaled="1"/>
-        </a:gradFill>
-        <a:gradFill rotWithShape="1">
-          <a:gsLst>
-            <a:gs pos="0">
-              <a:schemeClr val="phClr">
-                <a:tint val="100000"/>
-                <a:shade val="100000"/>
-                <a:satMod val="130000"/>
-              </a:schemeClr>
-            </a:gs>
-            <a:gs pos="100000">
-              <a:schemeClr val="phClr">
-                <a:tint val="50000"/>
-                <a:shade val="100000"/>
-                <a:satMod val="350000"/>
-              </a:schemeClr>
-            </a:gs>
-          </a:gsLst>
-          <a:lin ang="16200000" scaled="0"/>
-        </a:gradFill>
-      </a:fillStyleLst>
-      <a:lnStyleLst>
-        <a:ln w="9525" cap="flat" cmpd="sng" algn="ctr">
-          <a:solidFill>
-            <a:schemeClr val="phClr">
-              <a:shade val="95000"/>
-              <a:satMod val="105000"/>
-            </a:schemeClr>
-          </a:solidFill>
-          <a:prstDash val="solid"/>
-        </a:ln>
-        <a:ln w="25400" cap="flat" cmpd="sng" algn="ctr">
-          <a:solidFill>
-            <a:schemeClr val="phClr"/>
-          </a:solidFill>
-          <a:prstDash val="solid"/>
-        </a:ln>
-        <a:ln w="38100" cap="flat" cmpd="sng" algn="ctr">
-          <a:solidFill>
-            <a:schemeClr val="phClr"/>
-          </a:solidFill>
-          <a:prstDash val="solid"/>
-        </a:ln>
-      </a:lnStyleLst>
-      <a:effectStyleLst>
-        <a:effectStyle>
-          <a:effectLst>
-            <a:outerShdw blurRad="40000" dist="20000" dir="5400000" rotWithShape="0">
-              <a:srgbClr val="000000">
-                <a:alpha val="38000"/>
-              </a:srgbClr>
-            </a:outerShdw>
-          </a:effectLst>
-        </a:effectStyle>
-        <a:effectStyle>
-          <a:effectLst>
-            <a:outerShdw blurRad="40000" dist="23000" dir="5400000" rotWithShape="0">
-              <a:srgbClr val="000000">
-                <a:alpha val="35000"/>
-              </a:srgbClr>
-            </a:outerShdw>
-          </a:effectLst>
-        </a:effectStyle>
-        <a:effectStyle>
-          <a:effectLst>
-            <a:outerShdw blurRad="40000" dist="23000" dir="5400000" rotWithShape="0">
-              <a:srgbClr val="000000">
-                <a:alpha val="35000"/>
-              </a:srgbClr>
-            </a:outerShdw>
-          </a:effectLst>
-          <a:scene3d>
-            <a:camera prst="orthographicFront">
-              <a:rot lat="0" lon="0" rev="0"/>
-            </a:camera>
-            <a:lightRig rig="threePt" dir="t">
-              <a:rot lat="0" lon="0" rev="1200000"/>
-            </a:lightRig>
-          </a:scene3d>
-          <a:sp3d>
-            <a:bevelT w="63500" h="25400"/>
-          </a:sp3d>
-        </a:effectStyle>
-      </a:effectStyleLst>
-      <a:bgFillStyleLst>
-        <a:solidFill>
-          <a:schemeClr val="phClr"/>
-        </a:solidFill>
-        <a:gradFill rotWithShape="1">
-          <a:gsLst>
-            <a:gs pos="0">
-              <a:schemeClr val="phClr">
-                <a:tint val="40000"/>
-                <a:satMod val="350000"/>
-              </a:schemeClr>
-            </a:gs>
-            <a:gs pos="40000">
-              <a:schemeClr val="phClr">
-                <a:tint val="45000"/>
-                <a:shade val="99000"/>
-                <a:satMod val="350000"/>
-              </a:schemeClr>
-            </a:gs>
-            <a:gs pos="100000">
-              <a:schemeClr val="phClr">
-                <a:shade val="20000"/>
-                <a:satMod val="255000"/>
-              </a:schemeClr>
-            </a:gs>
-          </a:gsLst>
-          <a:path path="circle">
-            <a:fillToRect l="50000" t="-80000" r="50000" b="180000"/>
-          </a:path>
-        </a:gradFill>
-        <a:gradFill rotWithShape="1">
-          <a:gsLst>
-            <a:gs pos="0">
-              <a:schemeClr val="phClr">
-                <a:tint val="80000"/>
-                <a:satMod val="300000"/>
-              </a:schemeClr>
-            </a:gs>
-            <a:gs pos="100000">
-              <a:schemeClr val="phClr">
-                <a:shade val="30000"/>
-                <a:satMod val="200000"/>
-              </a:schemeClr>
-            </a:gs>
-          </a:gsLst>
-          <a:path path="circle">
-            <a:fillToRect l="50000" t="50000" r="50000" b="50000"/>
-          </a:path>
-        </a:gradFill>
-      </a:bgFillStyleLst>
-    </a:fmtScheme>
-  </a:themeElements>
+  <a:objectDefaults/>
+  <a:extraClrSchemeLst/>
 </a:theme>
 </file>